--- a/MDS/MDS_pristatymas.pptx
+++ b/MDS/MDS_pristatymas.pptx
@@ -230,7 +230,7 @@
           <a:p>
             <a:fld id="{3F0F2426-9901-4963-82B6-69C828CA2295}" type="datetimeFigureOut">
               <a:rPr lang="LID4096" smtClean="0"/>
-              <a:t>03/11/2022</a:t>
+              <a:t>03/12/2022</a:t>
             </a:fld>
             <a:endParaRPr lang="LID4096"/>
           </a:p>
@@ -731,7 +731,7 @@
           <a:p>
             <a:fld id="{CE88F3DC-CA68-4E54-A1ED-E87862D347A6}" type="datetimeFigureOut">
               <a:rPr lang="LID4096" smtClean="0"/>
-              <a:t>03/11/2022</a:t>
+              <a:t>03/12/2022</a:t>
             </a:fld>
             <a:endParaRPr lang="LID4096"/>
           </a:p>
@@ -931,7 +931,7 @@
           <a:p>
             <a:fld id="{CE88F3DC-CA68-4E54-A1ED-E87862D347A6}" type="datetimeFigureOut">
               <a:rPr lang="LID4096" smtClean="0"/>
-              <a:t>03/11/2022</a:t>
+              <a:t>03/12/2022</a:t>
             </a:fld>
             <a:endParaRPr lang="LID4096"/>
           </a:p>
@@ -1141,7 +1141,7 @@
           <a:p>
             <a:fld id="{CE88F3DC-CA68-4E54-A1ED-E87862D347A6}" type="datetimeFigureOut">
               <a:rPr lang="LID4096" smtClean="0"/>
-              <a:t>03/11/2022</a:t>
+              <a:t>03/12/2022</a:t>
             </a:fld>
             <a:endParaRPr lang="LID4096"/>
           </a:p>
@@ -1341,7 +1341,7 @@
           <a:p>
             <a:fld id="{CE88F3DC-CA68-4E54-A1ED-E87862D347A6}" type="datetimeFigureOut">
               <a:rPr lang="LID4096" smtClean="0"/>
-              <a:t>03/11/2022</a:t>
+              <a:t>03/12/2022</a:t>
             </a:fld>
             <a:endParaRPr lang="LID4096"/>
           </a:p>
@@ -1617,7 +1617,7 @@
           <a:p>
             <a:fld id="{CE88F3DC-CA68-4E54-A1ED-E87862D347A6}" type="datetimeFigureOut">
               <a:rPr lang="LID4096" smtClean="0"/>
-              <a:t>03/11/2022</a:t>
+              <a:t>03/12/2022</a:t>
             </a:fld>
             <a:endParaRPr lang="LID4096"/>
           </a:p>
@@ -1885,7 +1885,7 @@
           <a:p>
             <a:fld id="{CE88F3DC-CA68-4E54-A1ED-E87862D347A6}" type="datetimeFigureOut">
               <a:rPr lang="LID4096" smtClean="0"/>
-              <a:t>03/11/2022</a:t>
+              <a:t>03/12/2022</a:t>
             </a:fld>
             <a:endParaRPr lang="LID4096"/>
           </a:p>
@@ -2300,7 +2300,7 @@
           <a:p>
             <a:fld id="{CE88F3DC-CA68-4E54-A1ED-E87862D347A6}" type="datetimeFigureOut">
               <a:rPr lang="LID4096" smtClean="0"/>
-              <a:t>03/11/2022</a:t>
+              <a:t>03/12/2022</a:t>
             </a:fld>
             <a:endParaRPr lang="LID4096"/>
           </a:p>
@@ -2442,7 +2442,7 @@
           <a:p>
             <a:fld id="{CE88F3DC-CA68-4E54-A1ED-E87862D347A6}" type="datetimeFigureOut">
               <a:rPr lang="LID4096" smtClean="0"/>
-              <a:t>03/11/2022</a:t>
+              <a:t>03/12/2022</a:t>
             </a:fld>
             <a:endParaRPr lang="LID4096"/>
           </a:p>
@@ -2555,7 +2555,7 @@
           <a:p>
             <a:fld id="{CE88F3DC-CA68-4E54-A1ED-E87862D347A6}" type="datetimeFigureOut">
               <a:rPr lang="LID4096" smtClean="0"/>
-              <a:t>03/11/2022</a:t>
+              <a:t>03/12/2022</a:t>
             </a:fld>
             <a:endParaRPr lang="LID4096"/>
           </a:p>
@@ -2868,7 +2868,7 @@
           <a:p>
             <a:fld id="{CE88F3DC-CA68-4E54-A1ED-E87862D347A6}" type="datetimeFigureOut">
               <a:rPr lang="LID4096" smtClean="0"/>
-              <a:t>03/11/2022</a:t>
+              <a:t>03/12/2022</a:t>
             </a:fld>
             <a:endParaRPr lang="LID4096"/>
           </a:p>
@@ -3157,7 +3157,7 @@
           <a:p>
             <a:fld id="{CE88F3DC-CA68-4E54-A1ED-E87862D347A6}" type="datetimeFigureOut">
               <a:rPr lang="LID4096" smtClean="0"/>
-              <a:t>03/11/2022</a:t>
+              <a:t>03/12/2022</a:t>
             </a:fld>
             <a:endParaRPr lang="LID4096"/>
           </a:p>
@@ -3400,7 +3400,7 @@
           <a:p>
             <a:fld id="{CE88F3DC-CA68-4E54-A1ED-E87862D347A6}" type="datetimeFigureOut">
               <a:rPr lang="LID4096" smtClean="0"/>
-              <a:t>03/11/2022</a:t>
+              <a:t>03/12/2022</a:t>
             </a:fld>
             <a:endParaRPr lang="LID4096"/>
           </a:p>
@@ -4245,7 +4245,7 @@
               <a:p>
                 <a:r>
                   <a:rPr lang="lt-LT" sz="2400" dirty="0"/>
-                  <a:t>Praktikoje vietoje nepanašumų pradinio dydžio dimensijoje</a:t>
+                  <a:t>Praktikoje vietoje nepanašumų pradinėje dimensijoje</a:t>
                 </a:r>
                 <a:r>
                   <a:rPr lang="ar-AE" sz="2400" dirty="0">
@@ -4396,28 +4396,52 @@
                   <a:rPr lang="lt-LT" sz="2400" dirty="0">
                     <a:ea typeface="Times New Roman" panose="02020603050405020304" pitchFamily="18" charset="0"/>
                   </a:rPr>
-                  <a:t>nuostolių funkciją</a:t>
+                  <a:t>mažiausių kvadratų įterpimo funkciją</a:t>
                 </a:r>
                 <a:r>
                   <a:rPr lang="lt-LT" sz="2400" dirty="0">
                     <a:effectLst/>
                     <a:ea typeface="Times New Roman" panose="02020603050405020304" pitchFamily="18" charset="0"/>
                   </a:rPr>
-                  <a:t> vadinama stresu (angl. </a:t>
+                  <a:t> (dažniausiai ji vadinama tiesiog </a:t>
+                </a:r>
+                <a:r>
+                  <a:rPr lang="lt-LT" sz="2400" dirty="0" err="1">
+                    <a:ea typeface="Times New Roman" panose="02020603050405020304" pitchFamily="18" charset="0"/>
+                  </a:rPr>
+                  <a:t>S</a:t>
                 </a:r>
                 <a:r>
                   <a:rPr lang="lt-LT" sz="2400" dirty="0" err="1">
                     <a:effectLst/>
                     <a:ea typeface="Times New Roman" panose="02020603050405020304" pitchFamily="18" charset="0"/>
                   </a:rPr>
-                  <a:t>stress</a:t>
+                  <a:t>tress</a:t>
                 </a:r>
                 <a:r>
                   <a:rPr lang="lt-LT" sz="2400" dirty="0">
                     <a:effectLst/>
                     <a:ea typeface="Times New Roman" panose="02020603050405020304" pitchFamily="18" charset="0"/>
                   </a:rPr>
-                  <a:t>) </a:t>
+                  <a:t>):</a:t>
+                </a:r>
+              </a:p>
+              <a:p>
+                <a:pPr marL="0" indent="0">
+                  <a:buNone/>
+                </a:pPr>
+                <a:r>
+                  <a:rPr lang="lt-LT" sz="2400" dirty="0">
+                    <a:ea typeface="Times New Roman" panose="02020603050405020304" pitchFamily="18" charset="0"/>
+                  </a:rPr>
+                  <a:t>   </a:t>
+                </a:r>
+                <a:r>
+                  <a:rPr lang="lt-LT" sz="2400" dirty="0">
+                    <a:effectLst/>
+                    <a:ea typeface="Times New Roman" panose="02020603050405020304" pitchFamily="18" charset="0"/>
+                  </a:rPr>
+                  <a:t> </a:t>
                 </a:r>
                 <a14:m>
                   <m:oMath xmlns:m="http://schemas.openxmlformats.org/officeDocument/2006/math">
@@ -4681,7 +4705,7 @@
               <a:blipFill>
                 <a:blip r:embed="rId2"/>
                 <a:stretch>
-                  <a:fillRect l="-812" t="-1821"/>
+                  <a:fillRect l="-928" t="-1821"/>
                 </a:stretch>
               </a:blipFill>
             </p:spPr>
@@ -4812,12 +4836,8 @@
               <a:t> algoritmas, kuris minimizuoja </a:t>
             </a:r>
             <a:r>
-              <a:rPr lang="en-US" sz="2400" dirty="0" err="1"/>
-              <a:t>stres</a:t>
-            </a:r>
-            <a:r>
-              <a:rPr lang="lt-LT" sz="2400" dirty="0"/>
-              <a:t>o</a:t>
+              <a:rPr lang="lt-LT" sz="2400" dirty="0" err="1"/>
+              <a:t>Stress</a:t>
             </a:r>
             <a:r>
               <a:rPr lang="en-US" sz="2400" dirty="0"/>
@@ -5105,8 +5125,8 @@
           </a:p>
         </p:txBody>
       </p:sp>
-      <mc:AlternateContent xmlns:mc="http://schemas.openxmlformats.org/markup-compatibility/2006">
-        <mc:Choice xmlns:a14="http://schemas.microsoft.com/office/drawing/2010/main" Requires="a14">
+      <mc:AlternateContent xmlns:mc="http://schemas.openxmlformats.org/markup-compatibility/2006" xmlns:a14="http://schemas.microsoft.com/office/drawing/2010/main">
+        <mc:Choice Requires="a14">
           <p:sp>
             <p:nvSpPr>
               <p:cNvPr id="3" name="Turinio vietos rezervavimo ženklas 2">
@@ -5139,23 +5159,7 @@
                       <a:srgbClr val="212529"/>
                     </a:solidFill>
                   </a:rPr>
-                  <a:t>Metrikinėje MDS nepanašumų matrica gaunama iš metrikos (galioja trikampio nelygybė), todėl žemesnės dimensijos erdvėje siekiama, kad atstumai tarp taškų būtų kuo panašesni į atstumus pradinėje </a:t>
-                </a:r>
-                <a:r>
-                  <a:rPr lang="lt-LT" sz="2400" dirty="0" err="1">
-                    <a:solidFill>
-                      <a:srgbClr val="212529"/>
-                    </a:solidFill>
-                  </a:rPr>
-                  <a:t>erdvėve</a:t>
-                </a:r>
-                <a:r>
-                  <a:rPr lang="lt-LT" sz="2400" dirty="0">
-                    <a:solidFill>
-                      <a:srgbClr val="212529"/>
-                    </a:solidFill>
-                  </a:rPr>
-                  <a:t>.</a:t>
+                  <a:t>Metrikinėje MDS nepanašumų matrica gaunama iš metrikos (galioja trikampio nelygybė), todėl žemesnės dimensijos erdvėje siekiama, kad atstumai tarp taškų būtų kuo panašesni į atstumus pradinėje erdvėje.</a:t>
                 </a:r>
               </a:p>
               <a:p>
@@ -5525,7 +5529,7 @@
             </p:txBody>
           </p:sp>
         </mc:Choice>
-        <mc:Fallback>
+        <mc:Fallback xmlns="">
           <p:sp>
             <p:nvSpPr>
               <p:cNvPr id="3" name="Turinio vietos rezervavimo ženklas 2">
@@ -5628,8 +5632,8 @@
           </a:p>
         </p:txBody>
       </p:sp>
-      <mc:AlternateContent xmlns:mc="http://schemas.openxmlformats.org/markup-compatibility/2006">
-        <mc:Choice xmlns:a14="http://schemas.microsoft.com/office/drawing/2010/main" Requires="a14">
+      <mc:AlternateContent xmlns:mc="http://schemas.openxmlformats.org/markup-compatibility/2006" xmlns:a14="http://schemas.microsoft.com/office/drawing/2010/main">
+        <mc:Choice Requires="a14">
           <p:sp>
             <p:nvSpPr>
               <p:cNvPr id="3" name="Turinio vietos rezervavimo ženklas 2">
@@ -5851,7 +5855,7 @@
             </p:txBody>
           </p:sp>
         </mc:Choice>
-        <mc:Fallback>
+        <mc:Fallback xmlns="">
           <p:sp>
             <p:nvSpPr>
               <p:cNvPr id="3" name="Turinio vietos rezervavimo ženklas 2">
@@ -5950,8 +5954,8 @@
           </a:p>
         </p:txBody>
       </p:sp>
-      <mc:AlternateContent xmlns:mc="http://schemas.openxmlformats.org/markup-compatibility/2006">
-        <mc:Choice xmlns:a14="http://schemas.microsoft.com/office/drawing/2010/main" Requires="a14">
+      <mc:AlternateContent xmlns:mc="http://schemas.openxmlformats.org/markup-compatibility/2006" xmlns:a14="http://schemas.microsoft.com/office/drawing/2010/main">
+        <mc:Choice Requires="a14">
           <p:sp>
             <p:nvSpPr>
               <p:cNvPr id="3" name="Turinio vietos rezervavimo ženklas 2">
@@ -6001,21 +6005,7 @@
                     <a:ea typeface="Times New Roman" panose="02020603050405020304" pitchFamily="18" charset="0"/>
                     <a:cs typeface="Times New Roman" panose="02020603050405020304" pitchFamily="18" charset="0"/>
                   </a:rPr>
-                  <a:t>Monotoninėje regresijoje regresijos kreivė yra </a:t>
-                </a:r>
-                <a:r>
-                  <a:rPr lang="lt-LT" sz="2400" dirty="0" err="1">
-                    <a:ea typeface="Times New Roman" panose="02020603050405020304" pitchFamily="18" charset="0"/>
-                    <a:cs typeface="Times New Roman" panose="02020603050405020304" pitchFamily="18" charset="0"/>
-                  </a:rPr>
-                  <a:t>nemažejanti</a:t>
-                </a:r>
-                <a:r>
-                  <a:rPr lang="lt-LT" sz="2400" dirty="0">
-                    <a:ea typeface="Times New Roman" panose="02020603050405020304" pitchFamily="18" charset="0"/>
-                    <a:cs typeface="Times New Roman" panose="02020603050405020304" pitchFamily="18" charset="0"/>
-                  </a:rPr>
-                  <a:t> arba nedidėjanti.</a:t>
+                  <a:t>Monotoninėje regresijoje regresijos kreivė yra nemažėjanti arba nedidėjanti.</a:t>
                 </a:r>
               </a:p>
               <a:p>
@@ -6228,7 +6218,7 @@
             </p:txBody>
           </p:sp>
         </mc:Choice>
-        <mc:Fallback>
+        <mc:Fallback xmlns="">
           <p:sp>
             <p:nvSpPr>
               <p:cNvPr id="3" name="Turinio vietos rezervavimo ženklas 2">
@@ -6333,8 +6323,8 @@
           </a:xfrm>
         </p:spPr>
       </p:pic>
-      <mc:AlternateContent xmlns:mc="http://schemas.openxmlformats.org/markup-compatibility/2006">
-        <mc:Choice xmlns:a14="http://schemas.microsoft.com/office/drawing/2010/main" Requires="a14">
+      <mc:AlternateContent xmlns:mc="http://schemas.openxmlformats.org/markup-compatibility/2006" xmlns:a14="http://schemas.microsoft.com/office/drawing/2010/main">
+        <mc:Choice Requires="a14">
           <p:sp>
             <p:nvSpPr>
               <p:cNvPr id="9" name="TextBox 8">
@@ -6448,7 +6438,7 @@
             </p:txBody>
           </p:sp>
         </mc:Choice>
-        <mc:Fallback>
+        <mc:Fallback xmlns="">
           <p:sp>
             <p:nvSpPr>
               <p:cNvPr id="9" name="TextBox 8">
@@ -6622,7 +6612,24 @@
                 </a:solidFill>
                 <a:effectLst/>
               </a:rPr>
-              <a:t>   Apskaičiuojamas stresas.</a:t>
+              <a:t>   Apskaičiuojamas </a:t>
+            </a:r>
+            <a:r>
+              <a:rPr lang="lt-LT" dirty="0" err="1">
+                <a:solidFill>
+                  <a:srgbClr val="212529"/>
+                </a:solidFill>
+              </a:rPr>
+              <a:t>Stress</a:t>
+            </a:r>
+            <a:r>
+              <a:rPr lang="lt-LT" b="0" i="0" dirty="0">
+                <a:solidFill>
+                  <a:srgbClr val="212529"/>
+                </a:solidFill>
+                <a:effectLst/>
+              </a:rPr>
+              <a:t>.</a:t>
             </a:r>
             <a:endParaRPr lang="en-US" b="0" i="0" dirty="0">
               <a:solidFill>
@@ -6642,7 +6649,23 @@
                   <a:srgbClr val="212529"/>
                 </a:solidFill>
               </a:rPr>
-              <a:t>   Streso minimizavimas tam tikru algoritmas.</a:t>
+              <a:t>   </a:t>
+            </a:r>
+            <a:r>
+              <a:rPr lang="lt-LT" dirty="0" err="1">
+                <a:solidFill>
+                  <a:srgbClr val="212529"/>
+                </a:solidFill>
+              </a:rPr>
+              <a:t>Stress</a:t>
+            </a:r>
+            <a:r>
+              <a:rPr lang="lt-LT" dirty="0">
+                <a:solidFill>
+                  <a:srgbClr val="212529"/>
+                </a:solidFill>
+              </a:rPr>
+              <a:t> minimizavimas tam tikru algoritmu.</a:t>
             </a:r>
             <a:endParaRPr lang="en-US" b="0" i="0" dirty="0">
               <a:solidFill>
@@ -6702,7 +6725,23 @@
                   <a:srgbClr val="212529"/>
                 </a:solidFill>
               </a:rPr>
-              <a:t>š apskaičiuojant stresą iš naujo apskaičiuojamos </a:t>
+              <a:t>š apskaičiuojant </a:t>
+            </a:r>
+            <a:r>
+              <a:rPr lang="lt-LT" sz="2400" dirty="0" err="1">
+                <a:solidFill>
+                  <a:srgbClr val="212529"/>
+                </a:solidFill>
+              </a:rPr>
+              <a:t>Stress</a:t>
+            </a:r>
+            <a:r>
+              <a:rPr lang="lt-LT" sz="2400" dirty="0">
+                <a:solidFill>
+                  <a:srgbClr val="212529"/>
+                </a:solidFill>
+              </a:rPr>
+              <a:t> iš naujo apskaičiuojamos </a:t>
             </a:r>
             <a:r>
               <a:rPr lang="lt-LT" sz="2400" dirty="0" err="1">
@@ -6847,7 +6886,7 @@
             <a:pPr lvl="1"/>
             <a:r>
               <a:rPr lang="lt-LT" dirty="0"/>
-              <a:t>Algoritmas gali užstrigti lokaliame minimume (siekiant išvengti algoritmas paleidžiamas kelis kartus ir pasirenkamas geriausias spendimas).</a:t>
+              <a:t>Algoritmas gali užstrigti lokaliame minimume (siekiant to išvengti algoritmas paleidžiamas kelis kartus ir pasirenkamas geriausias spendimas).</a:t>
             </a:r>
           </a:p>
           <a:p>
@@ -6952,13 +6991,13 @@
           <a:p>
             <a:r>
               <a:rPr lang="lt-LT" sz="2400" dirty="0"/>
-              <a:t>Tiesinės transformacijos: pasukimas, postūmis, atspindys, suspaudimas</a:t>
+              <a:t>Tiesinės transformacijos: pasukimas, postūmis, atspindys, suspaudimas.</a:t>
             </a:r>
           </a:p>
           <a:p>
             <a:r>
               <a:rPr lang="lt-LT" sz="2400" dirty="0"/>
-              <a:t>Dimensijos mažinimas pagrįstas tiesinėmis transformacijomis neišlaiko netiesinių sąryšių tarp objektų</a:t>
+              <a:t>Dimensijos mažinimas pagrįstas tiesinėmis transformacijomis neišlaiko netiesinių sąryšių tarp objektų.</a:t>
             </a:r>
           </a:p>
           <a:p>
@@ -7058,7 +7097,7 @@
             </a:r>
             <a:r>
               <a:rPr lang="lt-LT" sz="2400" dirty="0" err="1"/>
-              <a:t>stress</a:t>
+              <a:t>Stress</a:t>
             </a:r>
             <a:r>
               <a:rPr lang="lt-LT" sz="2400" dirty="0"/>
@@ -7068,7 +7107,15 @@
           <a:p>
             <a:r>
               <a:rPr lang="lt-LT" sz="2400" dirty="0"/>
-              <a:t>Įprastai MDS dimensijų skaičius randamas ieškant mažiausios dimensijos, kuri vis dar turi pakankamai mažas streso reikšmes.</a:t>
+              <a:t>Įprastai MDS dimensijų skaičius randamas ieškant mažiausios dimensijos, kuri vis dar turi pakankamai mažas </a:t>
+            </a:r>
+            <a:r>
+              <a:rPr lang="lt-LT" sz="2400" dirty="0" err="1"/>
+              <a:t>Stress</a:t>
+            </a:r>
+            <a:r>
+              <a:rPr lang="lt-LT" sz="2400" dirty="0"/>
+              <a:t> reikšmes.</a:t>
             </a:r>
           </a:p>
           <a:p>
@@ -7325,7 +7372,7 @@
             </a:r>
             <a:r>
               <a:rPr lang="lt-LT" dirty="0" err="1"/>
-              <a:t>stress</a:t>
+              <a:t>Stress</a:t>
             </a:r>
             <a:endParaRPr lang="LID4096" dirty="0"/>
           </a:p>
@@ -7358,7 +7405,7 @@
             </a:r>
             <a:r>
               <a:rPr lang="lt-LT" sz="2400" dirty="0" err="1"/>
-              <a:t>stress</a:t>
+              <a:t>Stress</a:t>
             </a:r>
             <a:r>
               <a:rPr lang="lt-LT" sz="2400" dirty="0"/>
@@ -8640,8 +8687,8 @@
           </a:xfrm>
         </p:spPr>
       </p:pic>
-      <mc:AlternateContent xmlns:mc="http://schemas.openxmlformats.org/markup-compatibility/2006">
-        <mc:Choice xmlns:a14="http://schemas.microsoft.com/office/drawing/2010/main" Requires="a14">
+      <mc:AlternateContent xmlns:mc="http://schemas.openxmlformats.org/markup-compatibility/2006" xmlns:a14="http://schemas.microsoft.com/office/drawing/2010/main">
+        <mc:Choice Requires="a14">
           <p:sp>
             <p:nvSpPr>
               <p:cNvPr id="10" name="TextBox 9">
@@ -8848,21 +8895,13 @@
               <a:p>
                 <a:r>
                   <a:rPr lang="lt-LT" sz="2400" dirty="0"/>
-                  <a:t>Galima ieškoti, kokie taškai labiausiai nutolę nuo tiesės (</a:t>
-                </a:r>
-                <a:r>
-                  <a:rPr lang="lt-LT" sz="2400" dirty="0" err="1"/>
-                  <a:t>netikslai</a:t>
-                </a:r>
-                <a:r>
-                  <a:rPr lang="lt-LT" sz="2400" dirty="0"/>
-                  <a:t> atvaizduojamas atstumas tarp dviejų objektų mažesnėje dimensijoje).</a:t>
+                  <a:t>Galima ieškoti, kokie taškai labiausiai nutolę nuo tiesės (netiksliai atvaizduojamas atstumas tarp dviejų objektų mažesnėje dimensijoje).</a:t>
                 </a:r>
               </a:p>
             </p:txBody>
           </p:sp>
         </mc:Choice>
-        <mc:Fallback>
+        <mc:Fallback xmlns="">
           <p:sp>
             <p:nvSpPr>
               <p:cNvPr id="10" name="TextBox 9">
@@ -9114,13 +9153,29 @@
           <a:p>
             <a:r>
               <a:rPr lang="lt-LT" sz="2400" dirty="0"/>
-              <a:t>Kiekvienam objektui apskaičiuojama kokia dalis streso gaunama dėl jo.</a:t>
-            </a:r>
-          </a:p>
-          <a:p>
+              <a:t>Kiekvienam objektui apskaičiuojama kokia dalis </a:t>
+            </a:r>
+            <a:r>
+              <a:rPr lang="lt-LT" sz="2400" dirty="0" err="1"/>
+              <a:t>Stress</a:t>
+            </a:r>
             <a:r>
               <a:rPr lang="lt-LT" sz="2400" dirty="0"/>
-              <a:t>Pvz. sklaidos diagramoje didesniais taškai vaizduojami objektai daugiau prisideda prie streso. </a:t>
+              <a:t> gaunama dėl jo.</a:t>
+            </a:r>
+          </a:p>
+          <a:p>
+            <a:r>
+              <a:rPr lang="lt-LT" sz="2400" dirty="0"/>
+              <a:t>Pvz. sklaidos diagramoje didesniais taškai vaizduojami objektai daugiau prisideda prie </a:t>
+            </a:r>
+            <a:r>
+              <a:rPr lang="lt-LT" sz="2400" dirty="0" err="1"/>
+              <a:t>Stress</a:t>
+            </a:r>
+            <a:r>
+              <a:rPr lang="lt-LT" sz="2400" dirty="0"/>
+              <a:t>. </a:t>
             </a:r>
           </a:p>
         </p:txBody>
@@ -9263,7 +9318,7 @@
           <a:p>
             <a:r>
               <a:rPr lang="lt-LT" sz="2400" dirty="0"/>
-              <a:t>Prie vienos koordinatės pridedant konstantą visiems objektams</a:t>
+              <a:t>Prie vienos koordinatės pridedant konstantą visiems objektams (paslinkus)</a:t>
             </a:r>
           </a:p>
           <a:p>
@@ -9273,9 +9328,12 @@
             </a:r>
           </a:p>
           <a:p>
-            <a:pPr marL="0" indent="0">
-              <a:buNone/>
-            </a:pPr>
+            <a:r>
+              <a:rPr lang="lt-LT" sz="2400" dirty="0"/>
+              <a:t>Paimant atspindį kurios nors ašies atžvilgiu</a:t>
+            </a:r>
+          </a:p>
+          <a:p>
             <a:endParaRPr lang="lt-LT" sz="2400" dirty="0"/>
           </a:p>
           <a:p>
@@ -9384,7 +9442,7 @@
           <a:p>
             <a:r>
               <a:rPr lang="lt-LT" sz="2400" dirty="0"/>
-              <a:t>Pvz. respondentai šalis vertino pagal panašumą.</a:t>
+              <a:t>Pvz. respondentai vertino šalis pagal jų panašumą.</a:t>
             </a:r>
           </a:p>
           <a:p>
@@ -9410,15 +9468,7 @@
             </a:r>
             <a:r>
               <a:rPr lang="lt-LT" sz="2400" dirty="0"/>
-              <a:t> automatiškai panaudoja PCA </a:t>
-            </a:r>
-            <a:r>
-              <a:rPr lang="lt-LT" sz="2400" dirty="0" err="1"/>
-              <a:t>perorentuoti</a:t>
-            </a:r>
-            <a:r>
-              <a:rPr lang="lt-LT" sz="2400" dirty="0"/>
-              <a:t> ašis. </a:t>
+              <a:t> automatiškai panaudoja PCA perorientuoti ašis. </a:t>
             </a:r>
             <a:endParaRPr lang="LID4096" sz="2400" dirty="0"/>
           </a:p>
@@ -9532,7 +9582,7 @@
                   <a:srgbClr val="000000"/>
                 </a:solidFill>
               </a:rPr>
-              <a:t>stress</a:t>
+              <a:t>Stress</a:t>
             </a:r>
             <a:r>
               <a:rPr lang="lt-LT" sz="2400" dirty="0">
@@ -9558,7 +9608,7 @@
                   <a:srgbClr val="000000"/>
                 </a:solidFill>
               </a:rPr>
-              <a:t>stress</a:t>
+              <a:t>Stress</a:t>
             </a:r>
             <a:r>
               <a:rPr lang="lt-LT" sz="2400" dirty="0">
@@ -9593,7 +9643,7 @@
                   <a:srgbClr val="000000"/>
                 </a:solidFill>
               </a:rPr>
-              <a:t> Jeigu atstumai tarp kažkurių objektų didelės dimensijos erdvėje dideli, o gautoje – maži (arba </a:t>
+              <a:t> Jeigu atstumai tarp kažkurių objektų didelės dimensijos erdvėje dideli, o gautoje – maži (arba atvirkščiai), tai stipriai padidintų </a:t>
             </a:r>
             <a:r>
               <a:rPr lang="lt-LT" sz="2400" dirty="0" err="1">
@@ -9601,7 +9651,7 @@
                   <a:srgbClr val="000000"/>
                 </a:solidFill>
               </a:rPr>
-              <a:t>atvirkčiai</a:t>
+              <a:t>Stress</a:t>
             </a:r>
             <a:r>
               <a:rPr lang="lt-LT" sz="2400" dirty="0">
@@ -9609,7 +9659,7 @@
                   <a:srgbClr val="000000"/>
                 </a:solidFill>
               </a:rPr>
-              <a:t>), tai stipriai padidintų streso reikšmę, vadinasi optimizacijos procesas „labiau“ stengiasi teisingai atvaizduoti šiuos atstumus.</a:t>
+              <a:t> reikšmę, vadinasi optimizacijos procesas „labiau“ stengiasi teisingai atvaizduoti šiuos atstumus.</a:t>
             </a:r>
           </a:p>
           <a:p>
@@ -10205,6 +10255,19 @@
               <a:rPr lang="lt-LT" dirty="0">
                 <a:hlinkClick r:id="rId2"/>
               </a:rPr>
+              <a:t>http://web.vu.lt/mii/j.zilinskas/DzemydaKurasovaZilinskasDDVM.pdf</a:t>
+            </a:r>
+          </a:p>
+          <a:p>
+            <a:endParaRPr lang="lt-LT" dirty="0">
+              <a:hlinkClick r:id="rId2"/>
+            </a:endParaRPr>
+          </a:p>
+          <a:p>
+            <a:r>
+              <a:rPr lang="lt-LT" dirty="0">
+                <a:hlinkClick r:id="rId2"/>
+              </a:rPr>
               <a:t>https://www.bristol.ac.uk/media-library/sites/cmm/migrated/documents/chapter3.pdf</a:t>
             </a:r>
             <a:endParaRPr lang="lt-LT" dirty="0"/>
@@ -10249,15 +10312,9 @@
             <a:endParaRPr lang="lt-LT" dirty="0"/>
           </a:p>
           <a:p>
-            <a:r>
-              <a:rPr lang="en-US" dirty="0">
-                <a:hlinkClick r:id="rId6"/>
-              </a:rPr>
-              <a:t>https://mb3is.megx.net/gustame/dissimilarity-based-methods/nmds</a:t>
-            </a:r>
-            <a:endParaRPr lang="lt-LT" dirty="0"/>
-          </a:p>
-          <a:p>
+            <a:pPr marL="0" indent="0">
+              <a:buNone/>
+            </a:pPr>
             <a:endParaRPr lang="LID4096" dirty="0"/>
           </a:p>
         </p:txBody>
@@ -10621,8 +10678,8 @@
           </a:p>
         </p:txBody>
       </p:sp>
-      <mc:AlternateContent xmlns:mc="http://schemas.openxmlformats.org/markup-compatibility/2006">
-        <mc:Choice xmlns:a14="http://schemas.microsoft.com/office/drawing/2010/main" Requires="a14">
+      <mc:AlternateContent xmlns:mc="http://schemas.openxmlformats.org/markup-compatibility/2006" xmlns:a14="http://schemas.microsoft.com/office/drawing/2010/main">
+        <mc:Choice Requires="a14">
           <p:sp>
             <p:nvSpPr>
               <p:cNvPr id="9" name="TextBox 8">
@@ -10740,7 +10797,7 @@
             </p:txBody>
           </p:sp>
         </mc:Choice>
-        <mc:Fallback>
+        <mc:Fallback xmlns="">
           <p:sp>
             <p:nvSpPr>
               <p:cNvPr id="9" name="TextBox 8">
@@ -10785,8 +10842,8 @@
           </p:sp>
         </mc:Fallback>
       </mc:AlternateContent>
-      <mc:AlternateContent xmlns:mc="http://schemas.openxmlformats.org/markup-compatibility/2006">
-        <mc:Choice xmlns:a14="http://schemas.microsoft.com/office/drawing/2010/main" Requires="a14">
+      <mc:AlternateContent xmlns:mc="http://schemas.openxmlformats.org/markup-compatibility/2006" xmlns:a14="http://schemas.microsoft.com/office/drawing/2010/main">
+        <mc:Choice Requires="a14">
           <p:sp>
             <p:nvSpPr>
               <p:cNvPr id="11" name="TextBox 10">
@@ -11377,7 +11434,7 @@
             </p:txBody>
           </p:sp>
         </mc:Choice>
-        <mc:Fallback>
+        <mc:Fallback xmlns="">
           <p:sp>
             <p:nvSpPr>
               <p:cNvPr id="11" name="TextBox 10">
@@ -11511,8 +11568,8 @@
           </a:p>
         </p:txBody>
       </p:sp>
-      <mc:AlternateContent xmlns:mc="http://schemas.openxmlformats.org/markup-compatibility/2006">
-        <mc:Choice xmlns:a14="http://schemas.microsoft.com/office/drawing/2010/main" Requires="a14">
+      <mc:AlternateContent xmlns:mc="http://schemas.openxmlformats.org/markup-compatibility/2006" xmlns:a14="http://schemas.microsoft.com/office/drawing/2010/main">
+        <mc:Choice Requires="a14">
           <p:sp>
             <p:nvSpPr>
               <p:cNvPr id="3" name="Turinio vietos rezervavimo ženklas 2">
@@ -12564,7 +12621,7 @@
             </p:txBody>
           </p:sp>
         </mc:Choice>
-        <mc:Fallback>
+        <mc:Fallback xmlns="">
           <p:sp>
             <p:nvSpPr>
               <p:cNvPr id="3" name="Turinio vietos rezervavimo ženklas 2">
@@ -13049,7 +13106,10 @@
                     </m:d>
                   </m:oMath>
                 </a14:m>
-                <a:endParaRPr lang="lt-LT" sz="2400" dirty="0"/>
+                <a:r>
+                  <a:rPr lang="lt-LT" sz="2400" dirty="0"/>
+                  <a:t>.</a:t>
+                </a:r>
               </a:p>
               <a:p>
                 <a:endParaRPr lang="lt-LT" sz="2400" dirty="0"/>
@@ -13136,8 +13196,8 @@
           <a:chExt cx="0" cy="0"/>
         </a:xfrm>
       </p:grpSpPr>
-      <mc:AlternateContent xmlns:mc="http://schemas.openxmlformats.org/markup-compatibility/2006" xmlns:a14="http://schemas.microsoft.com/office/drawing/2010/main">
-        <mc:Choice Requires="a14">
+      <mc:AlternateContent xmlns:mc="http://schemas.openxmlformats.org/markup-compatibility/2006">
+        <mc:Choice xmlns:a14="http://schemas.microsoft.com/office/drawing/2010/main" Requires="a14">
           <p:sp>
             <p:nvSpPr>
               <p:cNvPr id="3" name="Turinio vietos rezervavimo ženklas 2">
@@ -13450,7 +13510,7 @@
                     <a:ea typeface="Calibri" panose="020F0502020204030204" pitchFamily="34" charset="0"/>
                     <a:cs typeface="Times New Roman" panose="02020603050405020304" pitchFamily="18" charset="0"/>
                   </a:rPr>
-                  <a:t>)</a:t>
+                  <a:t>):</a:t>
                 </a:r>
               </a:p>
               <a:p>
@@ -14041,7 +14101,7 @@
             </p:txBody>
           </p:sp>
         </mc:Choice>
-        <mc:Fallback xmlns="">
+        <mc:Fallback>
           <p:sp>
             <p:nvSpPr>
               <p:cNvPr id="3" name="Turinio vietos rezervavimo ženklas 2">

--- a/MDS/MDS_pristatymas.pptx
+++ b/MDS/MDS_pristatymas.pptx
@@ -5,7 +5,7 @@
     <p:sldMasterId id="2147483648" r:id="rId1"/>
   </p:sldMasterIdLst>
   <p:notesMasterIdLst>
-    <p:notesMasterId r:id="rId36"/>
+    <p:notesMasterId r:id="rId38"/>
   </p:notesMasterIdLst>
   <p:sldIdLst>
     <p:sldId id="256" r:id="rId2"/>
@@ -18,30 +18,32 @@
     <p:sldId id="290" r:id="rId9"/>
     <p:sldId id="265" r:id="rId10"/>
     <p:sldId id="293" r:id="rId11"/>
-    <p:sldId id="284" r:id="rId12"/>
-    <p:sldId id="266" r:id="rId13"/>
-    <p:sldId id="269" r:id="rId14"/>
-    <p:sldId id="297" r:id="rId15"/>
-    <p:sldId id="296" r:id="rId16"/>
-    <p:sldId id="295" r:id="rId17"/>
-    <p:sldId id="298" r:id="rId18"/>
-    <p:sldId id="294" r:id="rId19"/>
+    <p:sldId id="308" r:id="rId12"/>
+    <p:sldId id="310" r:id="rId13"/>
+    <p:sldId id="284" r:id="rId14"/>
+    <p:sldId id="269" r:id="rId15"/>
+    <p:sldId id="297" r:id="rId16"/>
+    <p:sldId id="296" r:id="rId17"/>
+    <p:sldId id="266" r:id="rId18"/>
+    <p:sldId id="311" r:id="rId19"/>
     <p:sldId id="283" r:id="rId20"/>
-    <p:sldId id="277" r:id="rId21"/>
-    <p:sldId id="304" r:id="rId22"/>
-    <p:sldId id="276" r:id="rId23"/>
-    <p:sldId id="287" r:id="rId24"/>
-    <p:sldId id="301" r:id="rId25"/>
-    <p:sldId id="302" r:id="rId26"/>
-    <p:sldId id="306" r:id="rId27"/>
-    <p:sldId id="274" r:id="rId28"/>
-    <p:sldId id="299" r:id="rId29"/>
-    <p:sldId id="303" r:id="rId30"/>
-    <p:sldId id="305" r:id="rId31"/>
-    <p:sldId id="261" r:id="rId32"/>
-    <p:sldId id="286" r:id="rId33"/>
-    <p:sldId id="300" r:id="rId34"/>
-    <p:sldId id="288" r:id="rId35"/>
+    <p:sldId id="294" r:id="rId21"/>
+    <p:sldId id="277" r:id="rId22"/>
+    <p:sldId id="304" r:id="rId23"/>
+    <p:sldId id="274" r:id="rId24"/>
+    <p:sldId id="299" r:id="rId25"/>
+    <p:sldId id="261" r:id="rId26"/>
+    <p:sldId id="286" r:id="rId27"/>
+    <p:sldId id="307" r:id="rId28"/>
+    <p:sldId id="295" r:id="rId29"/>
+    <p:sldId id="298" r:id="rId30"/>
+    <p:sldId id="301" r:id="rId31"/>
+    <p:sldId id="302" r:id="rId32"/>
+    <p:sldId id="306" r:id="rId33"/>
+    <p:sldId id="303" r:id="rId34"/>
+    <p:sldId id="305" r:id="rId35"/>
+    <p:sldId id="300" r:id="rId36"/>
+    <p:sldId id="288" r:id="rId37"/>
   </p:sldIdLst>
   <p:sldSz cx="12192000" cy="6858000"/>
   <p:notesSz cx="6858000" cy="9144000"/>
@@ -230,7 +232,7 @@
           <a:p>
             <a:fld id="{3F0F2426-9901-4963-82B6-69C828CA2295}" type="datetimeFigureOut">
               <a:rPr lang="LID4096" smtClean="0"/>
-              <a:t>03/12/2022</a:t>
+              <a:t>03/16/2022</a:t>
             </a:fld>
             <a:endParaRPr lang="LID4096"/>
           </a:p>
@@ -563,7 +565,7 @@
           <a:p>
             <a:fld id="{00B978DA-A431-4C1B-89E1-3C8FD2BA2B05}" type="slidenum">
               <a:rPr lang="LID4096" smtClean="0"/>
-              <a:t>13</a:t>
+              <a:t>14</a:t>
             </a:fld>
             <a:endParaRPr lang="LID4096"/>
           </a:p>
@@ -731,7 +733,7 @@
           <a:p>
             <a:fld id="{CE88F3DC-CA68-4E54-A1ED-E87862D347A6}" type="datetimeFigureOut">
               <a:rPr lang="LID4096" smtClean="0"/>
-              <a:t>03/12/2022</a:t>
+              <a:t>03/16/2022</a:t>
             </a:fld>
             <a:endParaRPr lang="LID4096"/>
           </a:p>
@@ -931,7 +933,7 @@
           <a:p>
             <a:fld id="{CE88F3DC-CA68-4E54-A1ED-E87862D347A6}" type="datetimeFigureOut">
               <a:rPr lang="LID4096" smtClean="0"/>
-              <a:t>03/12/2022</a:t>
+              <a:t>03/16/2022</a:t>
             </a:fld>
             <a:endParaRPr lang="LID4096"/>
           </a:p>
@@ -1141,7 +1143,7 @@
           <a:p>
             <a:fld id="{CE88F3DC-CA68-4E54-A1ED-E87862D347A6}" type="datetimeFigureOut">
               <a:rPr lang="LID4096" smtClean="0"/>
-              <a:t>03/12/2022</a:t>
+              <a:t>03/16/2022</a:t>
             </a:fld>
             <a:endParaRPr lang="LID4096"/>
           </a:p>
@@ -1341,7 +1343,7 @@
           <a:p>
             <a:fld id="{CE88F3DC-CA68-4E54-A1ED-E87862D347A6}" type="datetimeFigureOut">
               <a:rPr lang="LID4096" smtClean="0"/>
-              <a:t>03/12/2022</a:t>
+              <a:t>03/16/2022</a:t>
             </a:fld>
             <a:endParaRPr lang="LID4096"/>
           </a:p>
@@ -1617,7 +1619,7 @@
           <a:p>
             <a:fld id="{CE88F3DC-CA68-4E54-A1ED-E87862D347A6}" type="datetimeFigureOut">
               <a:rPr lang="LID4096" smtClean="0"/>
-              <a:t>03/12/2022</a:t>
+              <a:t>03/16/2022</a:t>
             </a:fld>
             <a:endParaRPr lang="LID4096"/>
           </a:p>
@@ -1885,7 +1887,7 @@
           <a:p>
             <a:fld id="{CE88F3DC-CA68-4E54-A1ED-E87862D347A6}" type="datetimeFigureOut">
               <a:rPr lang="LID4096" smtClean="0"/>
-              <a:t>03/12/2022</a:t>
+              <a:t>03/16/2022</a:t>
             </a:fld>
             <a:endParaRPr lang="LID4096"/>
           </a:p>
@@ -2300,7 +2302,7 @@
           <a:p>
             <a:fld id="{CE88F3DC-CA68-4E54-A1ED-E87862D347A6}" type="datetimeFigureOut">
               <a:rPr lang="LID4096" smtClean="0"/>
-              <a:t>03/12/2022</a:t>
+              <a:t>03/16/2022</a:t>
             </a:fld>
             <a:endParaRPr lang="LID4096"/>
           </a:p>
@@ -2442,7 +2444,7 @@
           <a:p>
             <a:fld id="{CE88F3DC-CA68-4E54-A1ED-E87862D347A6}" type="datetimeFigureOut">
               <a:rPr lang="LID4096" smtClean="0"/>
-              <a:t>03/12/2022</a:t>
+              <a:t>03/16/2022</a:t>
             </a:fld>
             <a:endParaRPr lang="LID4096"/>
           </a:p>
@@ -2555,7 +2557,7 @@
           <a:p>
             <a:fld id="{CE88F3DC-CA68-4E54-A1ED-E87862D347A6}" type="datetimeFigureOut">
               <a:rPr lang="LID4096" smtClean="0"/>
-              <a:t>03/12/2022</a:t>
+              <a:t>03/16/2022</a:t>
             </a:fld>
             <a:endParaRPr lang="LID4096"/>
           </a:p>
@@ -2868,7 +2870,7 @@
           <a:p>
             <a:fld id="{CE88F3DC-CA68-4E54-A1ED-E87862D347A6}" type="datetimeFigureOut">
               <a:rPr lang="LID4096" smtClean="0"/>
-              <a:t>03/12/2022</a:t>
+              <a:t>03/16/2022</a:t>
             </a:fld>
             <a:endParaRPr lang="LID4096"/>
           </a:p>
@@ -3157,7 +3159,7 @@
           <a:p>
             <a:fld id="{CE88F3DC-CA68-4E54-A1ED-E87862D347A6}" type="datetimeFigureOut">
               <a:rPr lang="LID4096" smtClean="0"/>
-              <a:t>03/12/2022</a:t>
+              <a:t>03/16/2022</a:t>
             </a:fld>
             <a:endParaRPr lang="LID4096"/>
           </a:p>
@@ -3400,7 +3402,7 @@
           <a:p>
             <a:fld id="{CE88F3DC-CA68-4E54-A1ED-E87862D347A6}" type="datetimeFigureOut">
               <a:rPr lang="LID4096" smtClean="0"/>
-              <a:t>03/12/2022</a:t>
+              <a:t>03/16/2022</a:t>
             </a:fld>
             <a:endParaRPr lang="LID4096"/>
           </a:p>
@@ -4194,6 +4196,1136 @@
           <p:cNvPr id="2" name="Pavadinimas 1">
             <a:extLst>
               <a:ext uri="{FF2B5EF4-FFF2-40B4-BE49-F238E27FC236}">
+                <a16:creationId xmlns:a16="http://schemas.microsoft.com/office/drawing/2014/main" id="{84D66B94-FA5B-40A9-B784-0AFA3AC46472}"/>
+              </a:ext>
+            </a:extLst>
+          </p:cNvPr>
+          <p:cNvSpPr>
+            <a:spLocks noGrp="1"/>
+          </p:cNvSpPr>
+          <p:nvPr>
+            <p:ph type="title"/>
+          </p:nvPr>
+        </p:nvSpPr>
+        <p:spPr/>
+        <p:txBody>
+          <a:bodyPr/>
+          <a:lstStyle/>
+          <a:p>
+            <a:r>
+              <a:rPr lang="lt-LT" dirty="0"/>
+              <a:t>Įterpimo funkcijos</a:t>
+            </a:r>
+            <a:endParaRPr lang="LID4096" dirty="0"/>
+          </a:p>
+        </p:txBody>
+      </p:sp>
+      <mc:AlternateContent xmlns:mc="http://schemas.openxmlformats.org/markup-compatibility/2006">
+        <mc:Choice xmlns:a14="http://schemas.microsoft.com/office/drawing/2010/main" Requires="a14">
+          <p:sp>
+            <p:nvSpPr>
+              <p:cNvPr id="3" name="Turinio vietos rezervavimo ženklas 2">
+                <a:extLst>
+                  <a:ext uri="{FF2B5EF4-FFF2-40B4-BE49-F238E27FC236}">
+                    <a16:creationId xmlns:a16="http://schemas.microsoft.com/office/drawing/2014/main" id="{163000B3-44E1-4D20-A904-B9D4CB4978C7}"/>
+                  </a:ext>
+                </a:extLst>
+              </p:cNvPr>
+              <p:cNvSpPr>
+                <a:spLocks noGrp="1"/>
+              </p:cNvSpPr>
+              <p:nvPr>
+                <p:ph idx="1"/>
+              </p:nvPr>
+            </p:nvSpPr>
+            <p:spPr/>
+            <p:txBody>
+              <a:bodyPr>
+                <a:noAutofit/>
+              </a:bodyPr>
+              <a:lstStyle/>
+              <a:p>
+                <a:pPr marL="0" indent="0">
+                  <a:buNone/>
+                </a:pPr>
+                <a:r>
+                  <a:rPr lang="lt-LT" sz="2400" dirty="0"/>
+                  <a:t>Atvaizdavimo kokybė matuojama įtempimo funkcija, kuria naudojantis</a:t>
+                </a:r>
+              </a:p>
+              <a:p>
+                <a:pPr marL="0" indent="0">
+                  <a:buNone/>
+                </a:pPr>
+                <a:r>
+                  <a:rPr lang="lt-LT" sz="2400" dirty="0"/>
+                  <a:t>lyginamas objektų nepanašumas su atstumu tarp juos atvaizduojančių taškų. </a:t>
+                </a:r>
+              </a:p>
+              <a:p>
+                <a:endParaRPr lang="lt-LT" sz="2400" dirty="0"/>
+              </a:p>
+              <a:p>
+                <a:pPr marL="0" indent="0">
+                  <a:buNone/>
+                </a:pPr>
+                <a:r>
+                  <a:rPr lang="lt-LT" sz="2400" dirty="0"/>
+                  <a:t>Dažniausiai naudojama:</a:t>
+                </a:r>
+                <a:endParaRPr lang="en-US" sz="2400" dirty="0"/>
+              </a:p>
+              <a:p>
+                <a:pPr marL="0" indent="0">
+                  <a:buNone/>
+                </a:pPr>
+                <a14:m>
+                  <m:oMath xmlns:m="http://schemas.openxmlformats.org/officeDocument/2006/math">
+                    <m:nary>
+                      <m:naryPr>
+                        <m:chr m:val="∑"/>
+                        <m:supHide m:val="on"/>
+                        <m:ctrlPr>
+                          <a:rPr lang="ar-AE" sz="2400" i="1">
+                            <a:effectLst/>
+                            <a:latin typeface="Cambria Math" panose="02040503050406030204" pitchFamily="18" charset="0"/>
+                            <a:ea typeface="Times New Roman" panose="02020603050405020304" pitchFamily="18" charset="0"/>
+                          </a:rPr>
+                        </m:ctrlPr>
+                      </m:naryPr>
+                      <m:sub>
+                        <m:r>
+                          <a:rPr lang="ar-AE" sz="2400" i="1">
+                            <a:effectLst/>
+                            <a:latin typeface="Cambria Math" panose="02040503050406030204" pitchFamily="18" charset="0"/>
+                            <a:ea typeface="Times New Roman" panose="02020603050405020304" pitchFamily="18" charset="0"/>
+                            <a:cs typeface="Times New Roman" panose="02020603050405020304" pitchFamily="18" charset="0"/>
+                          </a:rPr>
+                          <m:t>𝑖</m:t>
+                        </m:r>
+                        <m:r>
+                          <a:rPr lang="ar-AE" sz="2400" i="1">
+                            <a:effectLst/>
+                            <a:latin typeface="Cambria Math" panose="02040503050406030204" pitchFamily="18" charset="0"/>
+                            <a:ea typeface="Times New Roman" panose="02020603050405020304" pitchFamily="18" charset="0"/>
+                            <a:cs typeface="Times New Roman" panose="02020603050405020304" pitchFamily="18" charset="0"/>
+                          </a:rPr>
+                          <m:t>&lt;</m:t>
+                        </m:r>
+                        <m:r>
+                          <a:rPr lang="ar-AE" sz="2400" i="1">
+                            <a:effectLst/>
+                            <a:latin typeface="Cambria Math" panose="02040503050406030204" pitchFamily="18" charset="0"/>
+                            <a:ea typeface="Times New Roman" panose="02020603050405020304" pitchFamily="18" charset="0"/>
+                            <a:cs typeface="Times New Roman" panose="02020603050405020304" pitchFamily="18" charset="0"/>
+                          </a:rPr>
+                          <m:t>𝑗</m:t>
+                        </m:r>
+                      </m:sub>
+                      <m:sup/>
+                      <m:e>
+                        <m:sSub>
+                          <m:sSubPr>
+                            <m:ctrlPr>
+                              <a:rPr lang="ar-AE" sz="2400" i="1">
+                                <a:effectLst/>
+                                <a:latin typeface="Cambria Math" panose="02040503050406030204" pitchFamily="18" charset="0"/>
+                                <a:ea typeface="Times New Roman" panose="02020603050405020304" pitchFamily="18" charset="0"/>
+                              </a:rPr>
+                            </m:ctrlPr>
+                          </m:sSubPr>
+                          <m:e>
+                            <m:r>
+                              <a:rPr lang="ar-AE" sz="2400" i="1">
+                                <a:effectLst/>
+                                <a:latin typeface="Cambria Math" panose="02040503050406030204" pitchFamily="18" charset="0"/>
+                                <a:ea typeface="Times New Roman" panose="02020603050405020304" pitchFamily="18" charset="0"/>
+                                <a:cs typeface="Times New Roman" panose="02020603050405020304" pitchFamily="18" charset="0"/>
+                              </a:rPr>
+                              <m:t>𝑤</m:t>
+                            </m:r>
+                          </m:e>
+                          <m:sub>
+                            <m:r>
+                              <a:rPr lang="ar-AE" sz="2400" i="1">
+                                <a:effectLst/>
+                                <a:latin typeface="Cambria Math" panose="02040503050406030204" pitchFamily="18" charset="0"/>
+                                <a:ea typeface="Times New Roman" panose="02020603050405020304" pitchFamily="18" charset="0"/>
+                                <a:cs typeface="Times New Roman" panose="02020603050405020304" pitchFamily="18" charset="0"/>
+                              </a:rPr>
+                              <m:t>𝑖𝑗</m:t>
+                            </m:r>
+                          </m:sub>
+                        </m:sSub>
+                        <m:sSup>
+                          <m:sSupPr>
+                            <m:ctrlPr>
+                              <a:rPr lang="ar-AE" sz="2400" i="1">
+                                <a:effectLst/>
+                                <a:latin typeface="Cambria Math" panose="02040503050406030204" pitchFamily="18" charset="0"/>
+                                <a:ea typeface="Times New Roman" panose="02020603050405020304" pitchFamily="18" charset="0"/>
+                              </a:rPr>
+                            </m:ctrlPr>
+                          </m:sSupPr>
+                          <m:e>
+                            <m:d>
+                              <m:dPr>
+                                <m:ctrlPr>
+                                  <a:rPr lang="ar-AE" sz="2400" i="1">
+                                    <a:effectLst/>
+                                    <a:latin typeface="Cambria Math" panose="02040503050406030204" pitchFamily="18" charset="0"/>
+                                    <a:ea typeface="Times New Roman" panose="02020603050405020304" pitchFamily="18" charset="0"/>
+                                  </a:rPr>
+                                </m:ctrlPr>
+                              </m:dPr>
+                              <m:e>
+                                <m:sSub>
+                                  <m:sSubPr>
+                                    <m:ctrlPr>
+                                      <a:rPr lang="ar-AE" sz="2400" i="1">
+                                        <a:effectLst/>
+                                        <a:latin typeface="Cambria Math" panose="02040503050406030204" pitchFamily="18" charset="0"/>
+                                        <a:ea typeface="Times New Roman" panose="02020603050405020304" pitchFamily="18" charset="0"/>
+                                      </a:rPr>
+                                    </m:ctrlPr>
+                                  </m:sSubPr>
+                                  <m:e>
+                                    <m:r>
+                                      <a:rPr lang="ar-AE" sz="2400" i="1">
+                                        <a:effectLst/>
+                                        <a:latin typeface="Cambria Math" panose="02040503050406030204" pitchFamily="18" charset="0"/>
+                                        <a:ea typeface="Times New Roman" panose="02020603050405020304" pitchFamily="18" charset="0"/>
+                                        <a:cs typeface="Times New Roman" panose="02020603050405020304" pitchFamily="18" charset="0"/>
+                                      </a:rPr>
+                                      <m:t>𝑑</m:t>
+                                    </m:r>
+                                  </m:e>
+                                  <m:sub>
+                                    <m:r>
+                                      <a:rPr lang="ar-AE" sz="2400" i="1">
+                                        <a:effectLst/>
+                                        <a:latin typeface="Cambria Math" panose="02040503050406030204" pitchFamily="18" charset="0"/>
+                                        <a:ea typeface="Times New Roman" panose="02020603050405020304" pitchFamily="18" charset="0"/>
+                                        <a:cs typeface="Times New Roman" panose="02020603050405020304" pitchFamily="18" charset="0"/>
+                                      </a:rPr>
+                                      <m:t>𝑖𝑗</m:t>
+                                    </m:r>
+                                  </m:sub>
+                                </m:sSub>
+                                <m:r>
+                                  <a:rPr lang="ar-AE" sz="2400" i="1">
+                                    <a:effectLst/>
+                                    <a:latin typeface="Cambria Math" panose="02040503050406030204" pitchFamily="18" charset="0"/>
+                                    <a:ea typeface="Times New Roman" panose="02020603050405020304" pitchFamily="18" charset="0"/>
+                                    <a:cs typeface="Times New Roman" panose="02020603050405020304" pitchFamily="18" charset="0"/>
+                                  </a:rPr>
+                                  <m:t>−</m:t>
+                                </m:r>
+                                <m:sSub>
+                                  <m:sSubPr>
+                                    <m:ctrlPr>
+                                      <a:rPr lang="ar-AE" sz="2400" i="1">
+                                        <a:effectLst/>
+                                        <a:latin typeface="Cambria Math" panose="02040503050406030204" pitchFamily="18" charset="0"/>
+                                        <a:ea typeface="Times New Roman" panose="02020603050405020304" pitchFamily="18" charset="0"/>
+                                      </a:rPr>
+                                    </m:ctrlPr>
+                                  </m:sSubPr>
+                                  <m:e>
+                                    <m:r>
+                                      <a:rPr lang="ar-AE" sz="2400" i="1">
+                                        <a:effectLst/>
+                                        <a:latin typeface="Cambria Math" panose="02040503050406030204" pitchFamily="18" charset="0"/>
+                                        <a:ea typeface="Times New Roman" panose="02020603050405020304" pitchFamily="18" charset="0"/>
+                                        <a:cs typeface="Times New Roman" panose="02020603050405020304" pitchFamily="18" charset="0"/>
+                                      </a:rPr>
+                                      <m:t>𝐷</m:t>
+                                    </m:r>
+                                  </m:e>
+                                  <m:sub>
+                                    <m:r>
+                                      <a:rPr lang="ar-AE" sz="2400" i="1">
+                                        <a:effectLst/>
+                                        <a:latin typeface="Cambria Math" panose="02040503050406030204" pitchFamily="18" charset="0"/>
+                                        <a:ea typeface="Times New Roman" panose="02020603050405020304" pitchFamily="18" charset="0"/>
+                                        <a:cs typeface="Times New Roman" panose="02020603050405020304" pitchFamily="18" charset="0"/>
+                                      </a:rPr>
+                                      <m:t>𝑖𝑗</m:t>
+                                    </m:r>
+                                  </m:sub>
+                                </m:sSub>
+                              </m:e>
+                            </m:d>
+                          </m:e>
+                          <m:sup>
+                            <m:r>
+                              <a:rPr lang="ar-AE" sz="2400" i="1">
+                                <a:effectLst/>
+                                <a:latin typeface="Cambria Math" panose="02040503050406030204" pitchFamily="18" charset="0"/>
+                                <a:ea typeface="Times New Roman" panose="02020603050405020304" pitchFamily="18" charset="0"/>
+                                <a:cs typeface="Times New Roman" panose="02020603050405020304" pitchFamily="18" charset="0"/>
+                              </a:rPr>
+                              <m:t>2</m:t>
+                            </m:r>
+                          </m:sup>
+                        </m:sSup>
+                      </m:e>
+                    </m:nary>
+                  </m:oMath>
+                </a14:m>
+                <a:r>
+                  <a:rPr lang="lt-LT" sz="2400" dirty="0"/>
+                  <a:t>  mažiausių kvadratų įterpimo funkcija (</a:t>
+                </a:r>
+                <a:r>
+                  <a:rPr lang="lt-LT" sz="2400" dirty="0" err="1"/>
+                  <a:t>Stress</a:t>
+                </a:r>
+                <a:r>
+                  <a:rPr lang="lt-LT" sz="2400" dirty="0"/>
+                  <a:t>)</a:t>
+                </a:r>
+              </a:p>
+              <a:p>
+                <a:pPr marL="0" indent="0">
+                  <a:buNone/>
+                </a:pPr>
+                <a:endParaRPr lang="en-US" sz="2400" dirty="0"/>
+              </a:p>
+              <a:p>
+                <a:pPr marL="0" indent="0">
+                  <a:buNone/>
+                </a:pPr>
+                <a14:m>
+                  <m:oMath xmlns:m="http://schemas.openxmlformats.org/officeDocument/2006/math">
+                    <m:sSub>
+                      <m:sSubPr>
+                        <m:ctrlPr>
+                          <a:rPr lang="ar-AE" sz="2400" i="1">
+                            <a:latin typeface="Cambria Math" panose="02040503050406030204" pitchFamily="18" charset="0"/>
+                          </a:rPr>
+                        </m:ctrlPr>
+                      </m:sSubPr>
+                      <m:e>
+                        <m:r>
+                          <a:rPr lang="ar-AE" sz="2400" i="1">
+                            <a:latin typeface="Cambria Math" panose="02040503050406030204" pitchFamily="18" charset="0"/>
+                          </a:rPr>
+                          <m:t>𝑑</m:t>
+                        </m:r>
+                      </m:e>
+                      <m:sub>
+                        <m:r>
+                          <a:rPr lang="ar-AE" sz="2400" i="1">
+                            <a:latin typeface="Cambria Math" panose="02040503050406030204" pitchFamily="18" charset="0"/>
+                          </a:rPr>
+                          <m:t>𝑖𝑗</m:t>
+                        </m:r>
+                      </m:sub>
+                    </m:sSub>
+                    <m:r>
+                      <a:rPr lang="lt-LT" sz="2400" b="0" i="1" smtClean="0">
+                        <a:latin typeface="Cambria Math" panose="02040503050406030204" pitchFamily="18" charset="0"/>
+                      </a:rPr>
+                      <m:t> </m:t>
+                    </m:r>
+                  </m:oMath>
+                </a14:m>
+                <a:r>
+                  <a:rPr lang="lt-LT" sz="2400" dirty="0"/>
+                  <a:t>- tuo metu turimas </a:t>
+                </a:r>
+                <a:r>
+                  <a:rPr lang="lt-LT" sz="2400" dirty="0" err="1"/>
+                  <a:t>Euklidinis</a:t>
+                </a:r>
+                <a:r>
+                  <a:rPr lang="lt-LT" sz="2400" dirty="0"/>
+                  <a:t> atstumas tarp objektų vaizdo erdvėje.</a:t>
+                </a:r>
+              </a:p>
+              <a:p>
+                <a:pPr marL="0" indent="0">
+                  <a:buNone/>
+                </a:pPr>
+                <a14:m>
+                  <m:oMath xmlns:m="http://schemas.openxmlformats.org/officeDocument/2006/math">
+                    <m:sSub>
+                      <m:sSubPr>
+                        <m:ctrlPr>
+                          <a:rPr lang="ar-AE" sz="2400" i="1">
+                            <a:latin typeface="Cambria Math" panose="02040503050406030204" pitchFamily="18" charset="0"/>
+                          </a:rPr>
+                        </m:ctrlPr>
+                      </m:sSubPr>
+                      <m:e>
+                        <m:r>
+                          <a:rPr lang="lt-LT" sz="2400" b="0" i="1" smtClean="0">
+                            <a:latin typeface="Cambria Math" panose="02040503050406030204" pitchFamily="18" charset="0"/>
+                          </a:rPr>
+                          <m:t>𝐷</m:t>
+                        </m:r>
+                      </m:e>
+                      <m:sub>
+                        <m:r>
+                          <a:rPr lang="ar-AE" sz="2400" i="1">
+                            <a:latin typeface="Cambria Math" panose="02040503050406030204" pitchFamily="18" charset="0"/>
+                          </a:rPr>
+                          <m:t>𝑖𝑗</m:t>
+                        </m:r>
+                      </m:sub>
+                    </m:sSub>
+                  </m:oMath>
+                </a14:m>
+                <a:r>
+                  <a:rPr lang="lt-LT" sz="2400" dirty="0"/>
+                  <a:t> -  nepanašumas duomenų erdvėje.</a:t>
+                </a:r>
+              </a:p>
+              <a:p>
+                <a:pPr marL="0" indent="0">
+                  <a:buNone/>
+                </a:pPr>
+                <a14:m>
+                  <m:oMath xmlns:m="http://schemas.openxmlformats.org/officeDocument/2006/math">
+                    <m:sSub>
+                      <m:sSubPr>
+                        <m:ctrlPr>
+                          <a:rPr lang="ar-AE" sz="2400" i="1" smtClean="0">
+                            <a:latin typeface="Cambria Math" panose="02040503050406030204" pitchFamily="18" charset="0"/>
+                          </a:rPr>
+                        </m:ctrlPr>
+                      </m:sSubPr>
+                      <m:e>
+                        <m:r>
+                          <a:rPr lang="lt-LT" sz="2400" b="0" i="1" smtClean="0">
+                            <a:latin typeface="Cambria Math" panose="02040503050406030204" pitchFamily="18" charset="0"/>
+                          </a:rPr>
+                          <m:t>𝑤</m:t>
+                        </m:r>
+                      </m:e>
+                      <m:sub>
+                        <m:r>
+                          <a:rPr lang="ar-AE" sz="2400" i="1">
+                            <a:latin typeface="Cambria Math" panose="02040503050406030204" pitchFamily="18" charset="0"/>
+                          </a:rPr>
+                          <m:t>𝑖</m:t>
+                        </m:r>
+                        <m:r>
+                          <a:rPr lang="lt-LT" sz="2400" b="0" i="1" smtClean="0">
+                            <a:latin typeface="Cambria Math" panose="02040503050406030204" pitchFamily="18" charset="0"/>
+                          </a:rPr>
+                          <m:t>𝑗</m:t>
+                        </m:r>
+                        <m:r>
+                          <a:rPr lang="lt-LT" sz="2400" b="0" i="1" smtClean="0">
+                            <a:latin typeface="Cambria Math" panose="02040503050406030204" pitchFamily="18" charset="0"/>
+                          </a:rPr>
+                          <m:t>  </m:t>
+                        </m:r>
+                      </m:sub>
+                    </m:sSub>
+                  </m:oMath>
+                </a14:m>
+                <a:r>
+                  <a:rPr lang="lt-LT" sz="2400" dirty="0"/>
+                  <a:t>- neneigiami simetriški svoriai</a:t>
+                </a:r>
+              </a:p>
+              <a:p>
+                <a:pPr marL="0" indent="0">
+                  <a:buNone/>
+                </a:pPr>
+                <a:endParaRPr lang="lt-LT" sz="2400" dirty="0"/>
+              </a:p>
+              <a:p>
+                <a:endParaRPr lang="LID4096" sz="2400" dirty="0"/>
+              </a:p>
+            </p:txBody>
+          </p:sp>
+        </mc:Choice>
+        <mc:Fallback>
+          <p:sp>
+            <p:nvSpPr>
+              <p:cNvPr id="3" name="Turinio vietos rezervavimo ženklas 2">
+                <a:extLst>
+                  <a:ext uri="{FF2B5EF4-FFF2-40B4-BE49-F238E27FC236}">
+                    <a16:creationId xmlns:a16="http://schemas.microsoft.com/office/drawing/2014/main" id="{163000B3-44E1-4D20-A904-B9D4CB4978C7}"/>
+                  </a:ext>
+                </a:extLst>
+              </p:cNvPr>
+              <p:cNvSpPr>
+                <a:spLocks noGrp="1" noRot="1" noChangeAspect="1" noMove="1" noResize="1" noEditPoints="1" noAdjustHandles="1" noChangeArrowheads="1" noChangeShapeType="1" noTextEdit="1"/>
+              </p:cNvSpPr>
+              <p:nvPr>
+                <p:ph idx="1"/>
+              </p:nvPr>
+            </p:nvSpPr>
+            <p:spPr>
+              <a:blipFill>
+                <a:blip r:embed="rId2"/>
+                <a:stretch>
+                  <a:fillRect l="-928" t="-1961" b="-1120"/>
+                </a:stretch>
+              </a:blipFill>
+            </p:spPr>
+            <p:txBody>
+              <a:bodyPr/>
+              <a:lstStyle/>
+              <a:p>
+                <a:r>
+                  <a:rPr lang="LID4096">
+                    <a:noFill/>
+                  </a:rPr>
+                  <a:t> </a:t>
+                </a:r>
+              </a:p>
+            </p:txBody>
+          </p:sp>
+        </mc:Fallback>
+      </mc:AlternateContent>
+    </p:spTree>
+    <p:extLst>
+      <p:ext uri="{BB962C8B-B14F-4D97-AF65-F5344CB8AC3E}">
+        <p14:creationId xmlns:p14="http://schemas.microsoft.com/office/powerpoint/2010/main" val="2530324351"/>
+      </p:ext>
+    </p:extLst>
+  </p:cSld>
+  <p:clrMapOvr>
+    <a:masterClrMapping/>
+  </p:clrMapOvr>
+</p:sld>
+</file>
+
+<file path=ppt/slides/slide12.xml><?xml version="1.0" encoding="utf-8"?>
+<p:sld xmlns:a="http://schemas.openxmlformats.org/drawingml/2006/main" xmlns:r="http://schemas.openxmlformats.org/officeDocument/2006/relationships" xmlns:p="http://schemas.openxmlformats.org/presentationml/2006/main">
+  <p:cSld>
+    <p:spTree>
+      <p:nvGrpSpPr>
+        <p:cNvPr id="1" name=""/>
+        <p:cNvGrpSpPr/>
+        <p:nvPr/>
+      </p:nvGrpSpPr>
+      <p:grpSpPr>
+        <a:xfrm>
+          <a:off x="0" y="0"/>
+          <a:ext cx="0" cy="0"/>
+          <a:chOff x="0" y="0"/>
+          <a:chExt cx="0" cy="0"/>
+        </a:xfrm>
+      </p:grpSpPr>
+      <p:sp>
+        <p:nvSpPr>
+          <p:cNvPr id="2" name="Pavadinimas 1">
+            <a:extLst>
+              <a:ext uri="{FF2B5EF4-FFF2-40B4-BE49-F238E27FC236}">
+                <a16:creationId xmlns:a16="http://schemas.microsoft.com/office/drawing/2014/main" id="{F78F38E9-3316-4FD4-A116-D0856DC58323}"/>
+              </a:ext>
+            </a:extLst>
+          </p:cNvPr>
+          <p:cNvSpPr>
+            <a:spLocks noGrp="1"/>
+          </p:cNvSpPr>
+          <p:nvPr>
+            <p:ph type="title"/>
+          </p:nvPr>
+        </p:nvSpPr>
+        <p:spPr/>
+        <p:txBody>
+          <a:bodyPr/>
+          <a:lstStyle/>
+          <a:p>
+            <a:endParaRPr lang="LID4096"/>
+          </a:p>
+        </p:txBody>
+      </p:sp>
+      <mc:AlternateContent xmlns:mc="http://schemas.openxmlformats.org/markup-compatibility/2006">
+        <mc:Choice xmlns:a14="http://schemas.microsoft.com/office/drawing/2010/main" Requires="a14">
+          <p:sp>
+            <p:nvSpPr>
+              <p:cNvPr id="3" name="Turinio vietos rezervavimo ženklas 2">
+                <a:extLst>
+                  <a:ext uri="{FF2B5EF4-FFF2-40B4-BE49-F238E27FC236}">
+                    <a16:creationId xmlns:a16="http://schemas.microsoft.com/office/drawing/2014/main" id="{74AC4CCC-454B-4EAC-8CE8-92A575C13EB2}"/>
+                  </a:ext>
+                </a:extLst>
+              </p:cNvPr>
+              <p:cNvSpPr>
+                <a:spLocks noGrp="1"/>
+              </p:cNvSpPr>
+              <p:nvPr>
+                <p:ph idx="1"/>
+              </p:nvPr>
+            </p:nvSpPr>
+            <p:spPr/>
+            <p:txBody>
+              <a:bodyPr>
+                <a:normAutofit/>
+              </a:bodyPr>
+              <a:lstStyle/>
+              <a:p>
+                <a:pPr marL="0" indent="0">
+                  <a:buNone/>
+                </a:pPr>
+                <a:r>
+                  <a:rPr lang="lt-LT" sz="2400" dirty="0"/>
+                  <a:t>Įtempimo funkcijos gali būti:</a:t>
+                </a:r>
+                <a:endParaRPr lang="lt-LT" sz="2400" i="1" dirty="0">
+                  <a:effectLst/>
+                  <a:latin typeface="Cambria Math" panose="02040503050406030204" pitchFamily="18" charset="0"/>
+                </a:endParaRPr>
+              </a:p>
+              <a:p>
+                <a14:m>
+                  <m:oMath xmlns:m="http://schemas.openxmlformats.org/officeDocument/2006/math">
+                    <m:nary>
+                      <m:naryPr>
+                        <m:chr m:val="∑"/>
+                        <m:supHide m:val="on"/>
+                        <m:ctrlPr>
+                          <a:rPr lang="ar-AE" sz="2400" i="1" smtClean="0">
+                            <a:effectLst/>
+                            <a:latin typeface="Cambria Math" panose="02040503050406030204" pitchFamily="18" charset="0"/>
+                          </a:rPr>
+                        </m:ctrlPr>
+                      </m:naryPr>
+                      <m:sub>
+                        <m:r>
+                          <a:rPr lang="ar-AE" sz="2400" i="1">
+                            <a:effectLst/>
+                            <a:latin typeface="Cambria Math" panose="02040503050406030204" pitchFamily="18" charset="0"/>
+                            <a:ea typeface="Calibri" panose="020F0502020204030204" pitchFamily="34" charset="0"/>
+                            <a:cs typeface="Times New Roman" panose="02020603050405020304" pitchFamily="18" charset="0"/>
+                          </a:rPr>
+                          <m:t>𝑖</m:t>
+                        </m:r>
+                        <m:r>
+                          <a:rPr lang="ar-AE" sz="2400" i="1">
+                            <a:effectLst/>
+                            <a:latin typeface="Cambria Math" panose="02040503050406030204" pitchFamily="18" charset="0"/>
+                            <a:ea typeface="Calibri" panose="020F0502020204030204" pitchFamily="34" charset="0"/>
+                            <a:cs typeface="Times New Roman" panose="02020603050405020304" pitchFamily="18" charset="0"/>
+                          </a:rPr>
+                          <m:t>&lt;</m:t>
+                        </m:r>
+                        <m:r>
+                          <a:rPr lang="ar-AE" sz="2400" i="1">
+                            <a:effectLst/>
+                            <a:latin typeface="Cambria Math" panose="02040503050406030204" pitchFamily="18" charset="0"/>
+                            <a:ea typeface="Calibri" panose="020F0502020204030204" pitchFamily="34" charset="0"/>
+                            <a:cs typeface="Times New Roman" panose="02020603050405020304" pitchFamily="18" charset="0"/>
+                          </a:rPr>
+                          <m:t>𝑗</m:t>
+                        </m:r>
+                      </m:sub>
+                      <m:sup/>
+                      <m:e>
+                        <m:sSub>
+                          <m:sSubPr>
+                            <m:ctrlPr>
+                              <a:rPr lang="ar-AE" sz="2400" i="1">
+                                <a:effectLst/>
+                                <a:latin typeface="Cambria Math" panose="02040503050406030204" pitchFamily="18" charset="0"/>
+                              </a:rPr>
+                            </m:ctrlPr>
+                          </m:sSubPr>
+                          <m:e>
+                            <m:r>
+                              <a:rPr lang="ar-AE" sz="2400" i="1">
+                                <a:effectLst/>
+                                <a:latin typeface="Cambria Math" panose="02040503050406030204" pitchFamily="18" charset="0"/>
+                                <a:ea typeface="Calibri" panose="020F0502020204030204" pitchFamily="34" charset="0"/>
+                                <a:cs typeface="Times New Roman" panose="02020603050405020304" pitchFamily="18" charset="0"/>
+                              </a:rPr>
+                              <m:t>𝑤</m:t>
+                            </m:r>
+                          </m:e>
+                          <m:sub>
+                            <m:r>
+                              <a:rPr lang="ar-AE" sz="2400" i="1">
+                                <a:effectLst/>
+                                <a:latin typeface="Cambria Math" panose="02040503050406030204" pitchFamily="18" charset="0"/>
+                                <a:ea typeface="Calibri" panose="020F0502020204030204" pitchFamily="34" charset="0"/>
+                                <a:cs typeface="Times New Roman" panose="02020603050405020304" pitchFamily="18" charset="0"/>
+                              </a:rPr>
+                              <m:t>𝑖𝑗</m:t>
+                            </m:r>
+                          </m:sub>
+                        </m:sSub>
+                        <m:sSup>
+                          <m:sSupPr>
+                            <m:ctrlPr>
+                              <a:rPr lang="ar-AE" sz="2400" i="1">
+                                <a:effectLst/>
+                                <a:latin typeface="Cambria Math" panose="02040503050406030204" pitchFamily="18" charset="0"/>
+                              </a:rPr>
+                            </m:ctrlPr>
+                          </m:sSupPr>
+                          <m:e>
+                            <m:d>
+                              <m:dPr>
+                                <m:ctrlPr>
+                                  <a:rPr lang="ar-AE" sz="2400" i="1">
+                                    <a:effectLst/>
+                                    <a:latin typeface="Cambria Math" panose="02040503050406030204" pitchFamily="18" charset="0"/>
+                                  </a:rPr>
+                                </m:ctrlPr>
+                              </m:dPr>
+                              <m:e>
+                                <m:sSubSup>
+                                  <m:sSubSupPr>
+                                    <m:ctrlPr>
+                                      <a:rPr lang="ar-AE" sz="2400" i="1">
+                                        <a:effectLst/>
+                                        <a:latin typeface="Cambria Math" panose="02040503050406030204" pitchFamily="18" charset="0"/>
+                                      </a:rPr>
+                                    </m:ctrlPr>
+                                  </m:sSubSupPr>
+                                  <m:e>
+                                    <m:r>
+                                      <a:rPr lang="ar-AE" sz="2400" i="1">
+                                        <a:effectLst/>
+                                        <a:latin typeface="Cambria Math" panose="02040503050406030204" pitchFamily="18" charset="0"/>
+                                        <a:ea typeface="Calibri" panose="020F0502020204030204" pitchFamily="34" charset="0"/>
+                                        <a:cs typeface="Times New Roman" panose="02020603050405020304" pitchFamily="18" charset="0"/>
+                                      </a:rPr>
+                                      <m:t>𝑑</m:t>
+                                    </m:r>
+                                  </m:e>
+                                  <m:sub>
+                                    <m:r>
+                                      <a:rPr lang="ar-AE" sz="2400" i="1">
+                                        <a:effectLst/>
+                                        <a:latin typeface="Cambria Math" panose="02040503050406030204" pitchFamily="18" charset="0"/>
+                                        <a:ea typeface="Calibri" panose="020F0502020204030204" pitchFamily="34" charset="0"/>
+                                        <a:cs typeface="Times New Roman" panose="02020603050405020304" pitchFamily="18" charset="0"/>
+                                      </a:rPr>
+                                      <m:t>𝑖𝑗</m:t>
+                                    </m:r>
+                                  </m:sub>
+                                  <m:sup>
+                                    <m:r>
+                                      <a:rPr lang="ar-AE" sz="2400" i="1">
+                                        <a:effectLst/>
+                                        <a:latin typeface="Cambria Math" panose="02040503050406030204" pitchFamily="18" charset="0"/>
+                                        <a:ea typeface="Calibri" panose="020F0502020204030204" pitchFamily="34" charset="0"/>
+                                        <a:cs typeface="Times New Roman" panose="02020603050405020304" pitchFamily="18" charset="0"/>
+                                      </a:rPr>
+                                      <m:t>2</m:t>
+                                    </m:r>
+                                  </m:sup>
+                                </m:sSubSup>
+                                <m:r>
+                                  <a:rPr lang="ar-AE" sz="2400" i="1">
+                                    <a:effectLst/>
+                                    <a:latin typeface="Cambria Math" panose="02040503050406030204" pitchFamily="18" charset="0"/>
+                                    <a:ea typeface="Calibri" panose="020F0502020204030204" pitchFamily="34" charset="0"/>
+                                    <a:cs typeface="Times New Roman" panose="02020603050405020304" pitchFamily="18" charset="0"/>
+                                  </a:rPr>
+                                  <m:t>−</m:t>
+                                </m:r>
+                                <m:sSubSup>
+                                  <m:sSubSupPr>
+                                    <m:ctrlPr>
+                                      <a:rPr lang="ar-AE" sz="2400" i="1">
+                                        <a:effectLst/>
+                                        <a:latin typeface="Cambria Math" panose="02040503050406030204" pitchFamily="18" charset="0"/>
+                                      </a:rPr>
+                                    </m:ctrlPr>
+                                  </m:sSubSupPr>
+                                  <m:e>
+                                    <m:r>
+                                      <m:rPr>
+                                        <m:sty m:val="p"/>
+                                      </m:rPr>
+                                      <a:rPr lang="lt-LT" sz="2400">
+                                        <a:effectLst/>
+                                        <a:latin typeface="Cambria Math" panose="02040503050406030204" pitchFamily="18" charset="0"/>
+                                        <a:ea typeface="Calibri" panose="020F0502020204030204" pitchFamily="34" charset="0"/>
+                                        <a:cs typeface="Times New Roman" panose="02020603050405020304" pitchFamily="18" charset="0"/>
+                                      </a:rPr>
+                                      <m:t>D</m:t>
+                                    </m:r>
+                                  </m:e>
+                                  <m:sub>
+                                    <m:r>
+                                      <m:rPr>
+                                        <m:sty m:val="p"/>
+                                      </m:rPr>
+                                      <a:rPr lang="lt-LT" sz="2400">
+                                        <a:effectLst/>
+                                        <a:latin typeface="Cambria Math" panose="02040503050406030204" pitchFamily="18" charset="0"/>
+                                        <a:ea typeface="Calibri" panose="020F0502020204030204" pitchFamily="34" charset="0"/>
+                                        <a:cs typeface="Times New Roman" panose="02020603050405020304" pitchFamily="18" charset="0"/>
+                                      </a:rPr>
+                                      <m:t>ij</m:t>
+                                    </m:r>
+                                  </m:sub>
+                                  <m:sup>
+                                    <m:r>
+                                      <a:rPr lang="ar-AE" sz="2400">
+                                        <a:effectLst/>
+                                        <a:latin typeface="Cambria Math" panose="02040503050406030204" pitchFamily="18" charset="0"/>
+                                        <a:ea typeface="Calibri" panose="020F0502020204030204" pitchFamily="34" charset="0"/>
+                                        <a:cs typeface="Times New Roman" panose="02020603050405020304" pitchFamily="18" charset="0"/>
+                                      </a:rPr>
+                                      <m:t>2</m:t>
+                                    </m:r>
+                                  </m:sup>
+                                </m:sSubSup>
+                              </m:e>
+                            </m:d>
+                          </m:e>
+                          <m:sup>
+                            <m:r>
+                              <a:rPr lang="ar-AE" sz="2400" i="1">
+                                <a:effectLst/>
+                                <a:latin typeface="Cambria Math" panose="02040503050406030204" pitchFamily="18" charset="0"/>
+                                <a:ea typeface="Calibri" panose="020F0502020204030204" pitchFamily="34" charset="0"/>
+                                <a:cs typeface="Times New Roman" panose="02020603050405020304" pitchFamily="18" charset="0"/>
+                              </a:rPr>
+                              <m:t>2</m:t>
+                            </m:r>
+                          </m:sup>
+                        </m:sSup>
+                      </m:e>
+                    </m:nary>
+                    <m:r>
+                      <a:rPr lang="ar-AE" sz="2400" i="1">
+                        <a:effectLst/>
+                        <a:latin typeface="Cambria Math" panose="02040503050406030204" pitchFamily="18" charset="0"/>
+                        <a:ea typeface="Calibri" panose="020F0502020204030204" pitchFamily="34" charset="0"/>
+                        <a:cs typeface="Times New Roman" panose="02020603050405020304" pitchFamily="18" charset="0"/>
+                      </a:rPr>
+                      <m:t> </m:t>
+                    </m:r>
+                  </m:oMath>
+                </a14:m>
+                <a:endParaRPr lang="en-US" sz="2400" dirty="0"/>
+              </a:p>
+              <a:p>
+                <a14:m>
+                  <m:oMath xmlns:m="http://schemas.openxmlformats.org/officeDocument/2006/math">
+                    <m:nary>
+                      <m:naryPr>
+                        <m:chr m:val="∑"/>
+                        <m:supHide m:val="on"/>
+                        <m:ctrlPr>
+                          <a:rPr lang="ar-AE" sz="2400" i="1">
+                            <a:effectLst/>
+                            <a:latin typeface="Cambria Math" panose="02040503050406030204" pitchFamily="18" charset="0"/>
+                          </a:rPr>
+                        </m:ctrlPr>
+                      </m:naryPr>
+                      <m:sub>
+                        <m:r>
+                          <a:rPr lang="ar-AE" sz="2400" i="1">
+                            <a:effectLst/>
+                            <a:latin typeface="Cambria Math" panose="02040503050406030204" pitchFamily="18" charset="0"/>
+                            <a:ea typeface="Calibri" panose="020F0502020204030204" pitchFamily="34" charset="0"/>
+                            <a:cs typeface="Times New Roman" panose="02020603050405020304" pitchFamily="18" charset="0"/>
+                          </a:rPr>
+                          <m:t>𝑖</m:t>
+                        </m:r>
+                        <m:r>
+                          <a:rPr lang="ar-AE" sz="2400" i="1">
+                            <a:effectLst/>
+                            <a:latin typeface="Cambria Math" panose="02040503050406030204" pitchFamily="18" charset="0"/>
+                            <a:ea typeface="Calibri" panose="020F0502020204030204" pitchFamily="34" charset="0"/>
+                            <a:cs typeface="Times New Roman" panose="02020603050405020304" pitchFamily="18" charset="0"/>
+                          </a:rPr>
+                          <m:t>&lt;</m:t>
+                        </m:r>
+                        <m:r>
+                          <a:rPr lang="ar-AE" sz="2400" i="1">
+                            <a:effectLst/>
+                            <a:latin typeface="Cambria Math" panose="02040503050406030204" pitchFamily="18" charset="0"/>
+                            <a:ea typeface="Calibri" panose="020F0502020204030204" pitchFamily="34" charset="0"/>
+                            <a:cs typeface="Times New Roman" panose="02020603050405020304" pitchFamily="18" charset="0"/>
+                          </a:rPr>
+                          <m:t>𝑗</m:t>
+                        </m:r>
+                      </m:sub>
+                      <m:sup/>
+                      <m:e>
+                        <m:sSub>
+                          <m:sSubPr>
+                            <m:ctrlPr>
+                              <a:rPr lang="ar-AE" sz="2400" i="1">
+                                <a:effectLst/>
+                                <a:latin typeface="Cambria Math" panose="02040503050406030204" pitchFamily="18" charset="0"/>
+                              </a:rPr>
+                            </m:ctrlPr>
+                          </m:sSubPr>
+                          <m:e>
+                            <m:r>
+                              <a:rPr lang="ar-AE" sz="2400" i="1">
+                                <a:effectLst/>
+                                <a:latin typeface="Cambria Math" panose="02040503050406030204" pitchFamily="18" charset="0"/>
+                                <a:ea typeface="Calibri" panose="020F0502020204030204" pitchFamily="34" charset="0"/>
+                                <a:cs typeface="Times New Roman" panose="02020603050405020304" pitchFamily="18" charset="0"/>
+                              </a:rPr>
+                              <m:t>𝑤</m:t>
+                            </m:r>
+                          </m:e>
+                          <m:sub>
+                            <m:r>
+                              <a:rPr lang="ar-AE" sz="2400" i="1">
+                                <a:effectLst/>
+                                <a:latin typeface="Cambria Math" panose="02040503050406030204" pitchFamily="18" charset="0"/>
+                                <a:ea typeface="Calibri" panose="020F0502020204030204" pitchFamily="34" charset="0"/>
+                                <a:cs typeface="Times New Roman" panose="02020603050405020304" pitchFamily="18" charset="0"/>
+                              </a:rPr>
+                              <m:t>𝑖𝑗</m:t>
+                            </m:r>
+                          </m:sub>
+                        </m:sSub>
+                        <m:d>
+                          <m:dPr>
+                            <m:begChr m:val="|"/>
+                            <m:endChr m:val="|"/>
+                            <m:ctrlPr>
+                              <a:rPr lang="ar-AE" sz="2400" i="1">
+                                <a:effectLst/>
+                                <a:latin typeface="Cambria Math" panose="02040503050406030204" pitchFamily="18" charset="0"/>
+                              </a:rPr>
+                            </m:ctrlPr>
+                          </m:dPr>
+                          <m:e>
+                            <m:sSub>
+                              <m:sSubPr>
+                                <m:ctrlPr>
+                                  <a:rPr lang="ar-AE" sz="2400" i="1">
+                                    <a:effectLst/>
+                                    <a:latin typeface="Cambria Math" panose="02040503050406030204" pitchFamily="18" charset="0"/>
+                                  </a:rPr>
+                                </m:ctrlPr>
+                              </m:sSubPr>
+                              <m:e>
+                                <m:r>
+                                  <a:rPr lang="ar-AE" sz="2400" i="1">
+                                    <a:effectLst/>
+                                    <a:latin typeface="Cambria Math" panose="02040503050406030204" pitchFamily="18" charset="0"/>
+                                    <a:ea typeface="Calibri" panose="020F0502020204030204" pitchFamily="34" charset="0"/>
+                                    <a:cs typeface="Times New Roman" panose="02020603050405020304" pitchFamily="18" charset="0"/>
+                                  </a:rPr>
+                                  <m:t>𝑑</m:t>
+                                </m:r>
+                              </m:e>
+                              <m:sub>
+                                <m:r>
+                                  <a:rPr lang="ar-AE" sz="2400" i="1">
+                                    <a:effectLst/>
+                                    <a:latin typeface="Cambria Math" panose="02040503050406030204" pitchFamily="18" charset="0"/>
+                                    <a:ea typeface="Calibri" panose="020F0502020204030204" pitchFamily="34" charset="0"/>
+                                    <a:cs typeface="Times New Roman" panose="02020603050405020304" pitchFamily="18" charset="0"/>
+                                  </a:rPr>
+                                  <m:t>𝑖𝑗</m:t>
+                                </m:r>
+                              </m:sub>
+                            </m:sSub>
+                            <m:r>
+                              <a:rPr lang="ar-AE" sz="2400" i="1">
+                                <a:effectLst/>
+                                <a:latin typeface="Cambria Math" panose="02040503050406030204" pitchFamily="18" charset="0"/>
+                                <a:ea typeface="Calibri" panose="020F0502020204030204" pitchFamily="34" charset="0"/>
+                                <a:cs typeface="Times New Roman" panose="02020603050405020304" pitchFamily="18" charset="0"/>
+                              </a:rPr>
+                              <m:t>−</m:t>
+                            </m:r>
+                            <m:sSub>
+                              <m:sSubPr>
+                                <m:ctrlPr>
+                                  <a:rPr lang="ar-AE" sz="2400" i="1">
+                                    <a:effectLst/>
+                                    <a:latin typeface="Cambria Math" panose="02040503050406030204" pitchFamily="18" charset="0"/>
+                                  </a:rPr>
+                                </m:ctrlPr>
+                              </m:sSubPr>
+                              <m:e>
+                                <m:r>
+                                  <a:rPr lang="ar-AE" sz="2400" i="1">
+                                    <a:effectLst/>
+                                    <a:latin typeface="Cambria Math" panose="02040503050406030204" pitchFamily="18" charset="0"/>
+                                    <a:ea typeface="Calibri" panose="020F0502020204030204" pitchFamily="34" charset="0"/>
+                                    <a:cs typeface="Times New Roman" panose="02020603050405020304" pitchFamily="18" charset="0"/>
+                                  </a:rPr>
+                                  <m:t>𝐷</m:t>
+                                </m:r>
+                              </m:e>
+                              <m:sub>
+                                <m:r>
+                                  <a:rPr lang="ar-AE" sz="2400" i="1">
+                                    <a:effectLst/>
+                                    <a:latin typeface="Cambria Math" panose="02040503050406030204" pitchFamily="18" charset="0"/>
+                                    <a:ea typeface="Calibri" panose="020F0502020204030204" pitchFamily="34" charset="0"/>
+                                    <a:cs typeface="Times New Roman" panose="02020603050405020304" pitchFamily="18" charset="0"/>
+                                  </a:rPr>
+                                  <m:t>𝑖𝑗</m:t>
+                                </m:r>
+                              </m:sub>
+                            </m:sSub>
+                          </m:e>
+                        </m:d>
+                      </m:e>
+                    </m:nary>
+                  </m:oMath>
+                </a14:m>
+                <a:endParaRPr lang="lt-LT" sz="2400" dirty="0"/>
+              </a:p>
+              <a:p>
+                <a:r>
+                  <a:rPr lang="lt-LT" sz="2400" dirty="0"/>
+                  <a:t>...</a:t>
+                </a:r>
+              </a:p>
+              <a:p>
+                <a:pPr marL="0" indent="0">
+                  <a:buNone/>
+                </a:pPr>
+                <a:r>
+                  <a:rPr lang="lt-LT" sz="2400" dirty="0"/>
+                  <a:t>Nuo įterpimo funkcijos priklauso gaunamas rezultatas vaizdo erdvėje.</a:t>
+                </a:r>
+              </a:p>
+              <a:p>
+                <a:pPr marL="0" indent="0">
+                  <a:buNone/>
+                </a:pPr>
+                <a:endParaRPr lang="lt-LT" sz="2400" dirty="0"/>
+              </a:p>
+              <a:p>
+                <a:pPr marL="0" indent="0">
+                  <a:buNone/>
+                </a:pPr>
+                <a:r>
+                  <a:rPr lang="lt-LT" sz="2400" dirty="0"/>
+                  <a:t>Bendru atveju </a:t>
+                </a:r>
+                <a14:m>
+                  <m:oMath xmlns:m="http://schemas.openxmlformats.org/officeDocument/2006/math">
+                    <m:sSub>
+                      <m:sSubPr>
+                        <m:ctrlPr>
+                          <a:rPr lang="ar-AE" sz="2400" i="1" smtClean="0">
+                            <a:latin typeface="Cambria Math" panose="02040503050406030204" pitchFamily="18" charset="0"/>
+                          </a:rPr>
+                        </m:ctrlPr>
+                      </m:sSubPr>
+                      <m:e>
+                        <m:r>
+                          <a:rPr lang="ar-AE" sz="2400" i="1">
+                            <a:latin typeface="Cambria Math" panose="02040503050406030204" pitchFamily="18" charset="0"/>
+                          </a:rPr>
+                          <m:t>𝑑</m:t>
+                        </m:r>
+                      </m:e>
+                      <m:sub>
+                        <m:r>
+                          <a:rPr lang="ar-AE" sz="2400" i="1">
+                            <a:latin typeface="Cambria Math" panose="02040503050406030204" pitchFamily="18" charset="0"/>
+                          </a:rPr>
+                          <m:t>𝑖𝑗</m:t>
+                        </m:r>
+                      </m:sub>
+                    </m:sSub>
+                  </m:oMath>
+                </a14:m>
+                <a:r>
+                  <a:rPr lang="lt-LT" sz="2400" dirty="0"/>
+                  <a:t> gali būti ir kitoks negu </a:t>
+                </a:r>
+                <a:r>
+                  <a:rPr lang="lt-LT" sz="2400" dirty="0" err="1"/>
+                  <a:t>Euklidinis</a:t>
+                </a:r>
+                <a:r>
+                  <a:rPr lang="lt-LT" sz="2400" dirty="0"/>
+                  <a:t> atstumas. </a:t>
+                </a:r>
+              </a:p>
+              <a:p>
+                <a:endParaRPr lang="LID4096" sz="2400" dirty="0"/>
+              </a:p>
+            </p:txBody>
+          </p:sp>
+        </mc:Choice>
+        <mc:Fallback>
+          <p:sp>
+            <p:nvSpPr>
+              <p:cNvPr id="3" name="Turinio vietos rezervavimo ženklas 2">
+                <a:extLst>
+                  <a:ext uri="{FF2B5EF4-FFF2-40B4-BE49-F238E27FC236}">
+                    <a16:creationId xmlns:a16="http://schemas.microsoft.com/office/drawing/2014/main" id="{74AC4CCC-454B-4EAC-8CE8-92A575C13EB2}"/>
+                  </a:ext>
+                </a:extLst>
+              </p:cNvPr>
+              <p:cNvSpPr>
+                <a:spLocks noGrp="1" noRot="1" noChangeAspect="1" noMove="1" noResize="1" noEditPoints="1" noAdjustHandles="1" noChangeArrowheads="1" noChangeShapeType="1" noTextEdit="1"/>
+              </p:cNvSpPr>
+              <p:nvPr>
+                <p:ph idx="1"/>
+              </p:nvPr>
+            </p:nvSpPr>
+            <p:spPr>
+              <a:blipFill>
+                <a:blip r:embed="rId2"/>
+                <a:stretch>
+                  <a:fillRect l="-928" t="-1961"/>
+                </a:stretch>
+              </a:blipFill>
+            </p:spPr>
+            <p:txBody>
+              <a:bodyPr/>
+              <a:lstStyle/>
+              <a:p>
+                <a:r>
+                  <a:rPr lang="LID4096">
+                    <a:noFill/>
+                  </a:rPr>
+                  <a:t> </a:t>
+                </a:r>
+              </a:p>
+            </p:txBody>
+          </p:sp>
+        </mc:Fallback>
+      </mc:AlternateContent>
+    </p:spTree>
+    <p:extLst>
+      <p:ext uri="{BB962C8B-B14F-4D97-AF65-F5344CB8AC3E}">
+        <p14:creationId xmlns:p14="http://schemas.microsoft.com/office/powerpoint/2010/main" val="2180659133"/>
+      </p:ext>
+    </p:extLst>
+  </p:cSld>
+  <p:clrMapOvr>
+    <a:masterClrMapping/>
+  </p:clrMapOvr>
+</p:sld>
+</file>
+
+<file path=ppt/slides/slide13.xml><?xml version="1.0" encoding="utf-8"?>
+<p:sld xmlns:a="http://schemas.openxmlformats.org/drawingml/2006/main" xmlns:r="http://schemas.openxmlformats.org/officeDocument/2006/relationships" xmlns:p="http://schemas.openxmlformats.org/presentationml/2006/main">
+  <p:cSld>
+    <p:spTree>
+      <p:nvGrpSpPr>
+        <p:cNvPr id="1" name=""/>
+        <p:cNvGrpSpPr/>
+        <p:nvPr/>
+      </p:nvGrpSpPr>
+      <p:grpSpPr>
+        <a:xfrm>
+          <a:off x="0" y="0"/>
+          <a:ext cx="0" cy="0"/>
+          <a:chOff x="0" y="0"/>
+          <a:chExt cx="0" cy="0"/>
+        </a:xfrm>
+      </p:grpSpPr>
+      <p:sp>
+        <p:nvSpPr>
+          <p:cNvPr id="2" name="Pavadinimas 1">
+            <a:extLst>
+              <a:ext uri="{FF2B5EF4-FFF2-40B4-BE49-F238E27FC236}">
                 <a16:creationId xmlns:a16="http://schemas.microsoft.com/office/drawing/2014/main" id="{0ACD5C29-E394-46B6-B40F-4FE5FBBC7D20}"/>
               </a:ext>
             </a:extLst>
@@ -4245,7 +5377,7 @@
               <a:p>
                 <a:r>
                   <a:rPr lang="lt-LT" sz="2400" dirty="0"/>
-                  <a:t>Praktikoje vietoje nepanašumų pradinėje dimensijoje</a:t>
+                  <a:t>Praktikoje vietoje nepanašumų duomenų dimensijoje</a:t>
                 </a:r>
                 <a:r>
                   <a:rPr lang="ar-AE" sz="2400" dirty="0">
@@ -4366,16 +5498,8 @@
                   <a:t>atstumus</a:t>
                 </a:r>
                 <a:r>
-                  <a:rPr lang="en-US" sz="2400" dirty="0"/>
-                  <a:t> ma</a:t>
-                </a:r>
-                <a:r>
-                  <a:rPr lang="lt-LT" sz="2400" dirty="0" err="1"/>
-                  <a:t>žesnės</a:t>
-                </a:r>
-                <a:r>
                   <a:rPr lang="lt-LT" sz="2400" dirty="0"/>
-                  <a:t> dimensijos erdvėje.</a:t>
+                  <a:t> vaizdo erdvėje.</a:t>
                 </a:r>
               </a:p>
               <a:p>
@@ -4385,301 +5509,256 @@
                 <a:endParaRPr lang="lt-LT" sz="2400" dirty="0"/>
               </a:p>
               <a:p>
+                <a:pPr marL="0" indent="0">
+                  <a:buNone/>
+                </a:pPr>
                 <a:r>
-                  <a:rPr lang="lt-LT" sz="2400" dirty="0">
-                    <a:effectLst/>
-                    <a:ea typeface="Times New Roman" panose="02020603050405020304" pitchFamily="18" charset="0"/>
-                  </a:rPr>
-                  <a:t>MDS siekia minimizuoti </a:t>
+                  <a:rPr lang="lt-LT" sz="2400" dirty="0"/>
+                  <a:t>Tada mažiausių kvadratų įterpimo funkcijos (</a:t>
                 </a:r>
                 <a:r>
-                  <a:rPr lang="lt-LT" sz="2400" dirty="0">
-                    <a:ea typeface="Times New Roman" panose="02020603050405020304" pitchFamily="18" charset="0"/>
-                  </a:rPr>
-                  <a:t>mažiausių kvadratų įterpimo funkciją</a:t>
+                  <a:rPr lang="lt-LT" sz="2400" dirty="0" err="1"/>
+                  <a:t>Stress</a:t>
                 </a:r>
                 <a:r>
-                  <a:rPr lang="lt-LT" sz="2400" dirty="0">
-                    <a:effectLst/>
-                    <a:ea typeface="Times New Roman" panose="02020603050405020304" pitchFamily="18" charset="0"/>
-                  </a:rPr>
-                  <a:t> (dažniausiai ji vadinama tiesiog </a:t>
-                </a:r>
-                <a:r>
-                  <a:rPr lang="lt-LT" sz="2400" dirty="0" err="1">
-                    <a:ea typeface="Times New Roman" panose="02020603050405020304" pitchFamily="18" charset="0"/>
-                  </a:rPr>
-                  <a:t>S</a:t>
-                </a:r>
-                <a:r>
-                  <a:rPr lang="lt-LT" sz="2400" dirty="0" err="1">
-                    <a:effectLst/>
-                    <a:ea typeface="Times New Roman" panose="02020603050405020304" pitchFamily="18" charset="0"/>
-                  </a:rPr>
-                  <a:t>tress</a:t>
-                </a:r>
-                <a:r>
-                  <a:rPr lang="lt-LT" sz="2400" dirty="0">
-                    <a:effectLst/>
-                    <a:ea typeface="Times New Roman" panose="02020603050405020304" pitchFamily="18" charset="0"/>
-                  </a:rPr>
-                  <a:t>):</a:t>
+                  <a:rPr lang="lt-LT" sz="2400" dirty="0"/>
+                  <a:t>) atveju gaunama:</a:t>
                 </a:r>
               </a:p>
               <a:p>
                 <a:pPr marL="0" indent="0">
                   <a:buNone/>
                 </a:pPr>
-                <a:r>
-                  <a:rPr lang="lt-LT" sz="2400" dirty="0">
-                    <a:ea typeface="Times New Roman" panose="02020603050405020304" pitchFamily="18" charset="0"/>
-                  </a:rPr>
-                  <a:t>   </a:t>
-                </a:r>
-                <a:r>
-                  <a:rPr lang="lt-LT" sz="2400" dirty="0">
-                    <a:effectLst/>
-                    <a:ea typeface="Times New Roman" panose="02020603050405020304" pitchFamily="18" charset="0"/>
-                  </a:rPr>
-                  <a:t> </a:t>
-                </a:r>
-                <a14:m>
-                  <m:oMath xmlns:m="http://schemas.openxmlformats.org/officeDocument/2006/math">
-                    <m:nary>
-                      <m:naryPr>
-                        <m:chr m:val="∑"/>
-                        <m:supHide m:val="on"/>
-                        <m:ctrlPr>
-                          <a:rPr lang="ar-AE" sz="2400" i="1" smtClean="0">
-                            <a:effectLst/>
-                            <a:latin typeface="Cambria Math" panose="02040503050406030204" pitchFamily="18" charset="0"/>
-                            <a:ea typeface="Times New Roman" panose="02020603050405020304" pitchFamily="18" charset="0"/>
-                          </a:rPr>
-                        </m:ctrlPr>
-                      </m:naryPr>
-                      <m:sub>
-                        <m:r>
-                          <a:rPr lang="ar-AE" sz="2400" i="1">
-                            <a:effectLst/>
-                            <a:latin typeface="Cambria Math" panose="02040503050406030204" pitchFamily="18" charset="0"/>
-                            <a:ea typeface="Times New Roman" panose="02020603050405020304" pitchFamily="18" charset="0"/>
-                            <a:cs typeface="Times New Roman" panose="02020603050405020304" pitchFamily="18" charset="0"/>
-                          </a:rPr>
-                          <m:t>𝑖</m:t>
-                        </m:r>
-                        <m:r>
-                          <a:rPr lang="ar-AE" sz="2400" i="1">
-                            <a:effectLst/>
-                            <a:latin typeface="Cambria Math" panose="02040503050406030204" pitchFamily="18" charset="0"/>
-                            <a:ea typeface="Times New Roman" panose="02020603050405020304" pitchFamily="18" charset="0"/>
-                            <a:cs typeface="Times New Roman" panose="02020603050405020304" pitchFamily="18" charset="0"/>
-                          </a:rPr>
-                          <m:t>&lt;</m:t>
-                        </m:r>
-                        <m:r>
-                          <a:rPr lang="ar-AE" sz="2400" i="1">
-                            <a:effectLst/>
-                            <a:latin typeface="Cambria Math" panose="02040503050406030204" pitchFamily="18" charset="0"/>
-                            <a:ea typeface="Times New Roman" panose="02020603050405020304" pitchFamily="18" charset="0"/>
-                            <a:cs typeface="Times New Roman" panose="02020603050405020304" pitchFamily="18" charset="0"/>
-                          </a:rPr>
-                          <m:t>𝑗</m:t>
-                        </m:r>
-                      </m:sub>
-                      <m:sup/>
-                      <m:e>
-                        <m:sSup>
-                          <m:sSupPr>
-                            <m:ctrlPr>
-                              <a:rPr lang="ar-AE" sz="2400" i="1">
-                                <a:effectLst/>
-                                <a:latin typeface="Cambria Math" panose="02040503050406030204" pitchFamily="18" charset="0"/>
-                                <a:ea typeface="Times New Roman" panose="02020603050405020304" pitchFamily="18" charset="0"/>
-                              </a:rPr>
-                            </m:ctrlPr>
-                          </m:sSupPr>
-                          <m:e>
-                            <m:d>
-                              <m:dPr>
-                                <m:ctrlPr>
-                                  <a:rPr lang="ar-AE" sz="2400" i="1">
-                                    <a:effectLst/>
-                                    <a:latin typeface="Cambria Math" panose="02040503050406030204" pitchFamily="18" charset="0"/>
-                                    <a:ea typeface="Times New Roman" panose="02020603050405020304" pitchFamily="18" charset="0"/>
-                                  </a:rPr>
-                                </m:ctrlPr>
-                              </m:dPr>
-                              <m:e>
-                                <m:sSub>
-                                  <m:sSubPr>
-                                    <m:ctrlPr>
-                                      <a:rPr lang="ar-AE" sz="2400" i="1">
-                                        <a:effectLst/>
-                                        <a:latin typeface="Cambria Math" panose="02040503050406030204" pitchFamily="18" charset="0"/>
-                                        <a:ea typeface="Times New Roman" panose="02020603050405020304" pitchFamily="18" charset="0"/>
-                                      </a:rPr>
-                                    </m:ctrlPr>
-                                  </m:sSubPr>
-                                  <m:e>
-                                    <m:r>
-                                      <a:rPr lang="ar-AE" sz="2400" i="1">
-                                        <a:effectLst/>
-                                        <a:latin typeface="Cambria Math" panose="02040503050406030204" pitchFamily="18" charset="0"/>
-                                        <a:ea typeface="Times New Roman" panose="02020603050405020304" pitchFamily="18" charset="0"/>
-                                        <a:cs typeface="Times New Roman" panose="02020603050405020304" pitchFamily="18" charset="0"/>
-                                      </a:rPr>
-                                      <m:t>𝑑</m:t>
-                                    </m:r>
-                                  </m:e>
-                                  <m:sub>
-                                    <m:r>
-                                      <a:rPr lang="ar-AE" sz="2400" i="1">
-                                        <a:effectLst/>
-                                        <a:latin typeface="Cambria Math" panose="02040503050406030204" pitchFamily="18" charset="0"/>
-                                        <a:ea typeface="Times New Roman" panose="02020603050405020304" pitchFamily="18" charset="0"/>
-                                        <a:cs typeface="Times New Roman" panose="02020603050405020304" pitchFamily="18" charset="0"/>
-                                      </a:rPr>
-                                      <m:t>𝑖𝑗</m:t>
-                                    </m:r>
-                                  </m:sub>
-                                </m:sSub>
-                                <m:r>
-                                  <a:rPr lang="ar-AE" sz="2400" i="1">
-                                    <a:effectLst/>
-                                    <a:latin typeface="Cambria Math" panose="02040503050406030204" pitchFamily="18" charset="0"/>
-                                    <a:ea typeface="Times New Roman" panose="02020603050405020304" pitchFamily="18" charset="0"/>
-                                    <a:cs typeface="Times New Roman" panose="02020603050405020304" pitchFamily="18" charset="0"/>
-                                  </a:rPr>
-                                  <m:t>−</m:t>
-                                </m:r>
-                                <m:acc>
-                                  <m:accPr>
-                                    <m:chr m:val="̂"/>
-                                    <m:ctrlPr>
-                                      <a:rPr lang="ar-AE" sz="2400" i="1">
-                                        <a:effectLst/>
-                                        <a:latin typeface="Cambria Math" panose="02040503050406030204" pitchFamily="18" charset="0"/>
-                                        <a:ea typeface="Times New Roman" panose="02020603050405020304" pitchFamily="18" charset="0"/>
-                                      </a:rPr>
-                                    </m:ctrlPr>
-                                  </m:accPr>
-                                  <m:e>
-                                    <m:sSub>
-                                      <m:sSubPr>
-                                        <m:ctrlPr>
-                                          <a:rPr lang="ar-AE" sz="2400" i="1" smtClean="0">
-                                            <a:effectLst/>
-                                            <a:latin typeface="Cambria Math" panose="02040503050406030204" pitchFamily="18" charset="0"/>
-                                            <a:ea typeface="Times New Roman" panose="02020603050405020304" pitchFamily="18" charset="0"/>
-                                          </a:rPr>
-                                        </m:ctrlPr>
-                                      </m:sSubPr>
-                                      <m:e>
-                                        <m:r>
-                                          <a:rPr lang="lt-LT" sz="2400" b="0" i="1" smtClean="0">
-                                            <a:effectLst/>
-                                            <a:latin typeface="Cambria Math" panose="02040503050406030204" pitchFamily="18" charset="0"/>
-                                            <a:ea typeface="Times New Roman" panose="02020603050405020304" pitchFamily="18" charset="0"/>
-                                          </a:rPr>
-                                          <m:t>𝐷</m:t>
-                                        </m:r>
-                                      </m:e>
-                                      <m:sub>
-                                        <m:r>
-                                          <a:rPr lang="ar-AE" sz="2400" i="1">
-                                            <a:effectLst/>
-                                            <a:latin typeface="Cambria Math" panose="02040503050406030204" pitchFamily="18" charset="0"/>
-                                            <a:ea typeface="Times New Roman" panose="02020603050405020304" pitchFamily="18" charset="0"/>
-                                            <a:cs typeface="Times New Roman" panose="02020603050405020304" pitchFamily="18" charset="0"/>
-                                          </a:rPr>
-                                          <m:t>𝑖𝑗</m:t>
-                                        </m:r>
-                                      </m:sub>
-                                    </m:sSub>
-                                  </m:e>
-                                </m:acc>
-                              </m:e>
-                            </m:d>
-                          </m:e>
-                          <m:sup>
-                            <m:r>
-                              <a:rPr lang="ar-AE" sz="2400" i="1">
-                                <a:effectLst/>
-                                <a:latin typeface="Cambria Math" panose="02040503050406030204" pitchFamily="18" charset="0"/>
-                                <a:ea typeface="Times New Roman" panose="02020603050405020304" pitchFamily="18" charset="0"/>
-                                <a:cs typeface="Times New Roman" panose="02020603050405020304" pitchFamily="18" charset="0"/>
-                              </a:rPr>
-                              <m:t>2</m:t>
-                            </m:r>
-                          </m:sup>
-                        </m:sSup>
-                      </m:e>
-                    </m:nary>
-                  </m:oMath>
-                </a14:m>
-                <a:r>
-                  <a:rPr lang="lt-LT" sz="2400" dirty="0"/>
-                  <a:t>, kur </a:t>
-                </a:r>
-                <a14:m>
-                  <m:oMath xmlns:m="http://schemas.openxmlformats.org/officeDocument/2006/math">
-                    <m:sSub>
-                      <m:sSubPr>
-                        <m:ctrlPr>
-                          <a:rPr lang="ar-AE" i="1">
-                            <a:latin typeface="Cambria Math" panose="02040503050406030204" pitchFamily="18" charset="0"/>
-                          </a:rPr>
-                        </m:ctrlPr>
-                      </m:sSubPr>
-                      <m:e>
-                        <m:r>
-                          <a:rPr lang="ar-AE" i="1">
-                            <a:latin typeface="Cambria Math" panose="02040503050406030204" pitchFamily="18" charset="0"/>
-                          </a:rPr>
-                          <m:t>𝑑</m:t>
-                        </m:r>
-                      </m:e>
-                      <m:sub>
-                        <m:r>
-                          <a:rPr lang="ar-AE" i="1">
-                            <a:latin typeface="Cambria Math" panose="02040503050406030204" pitchFamily="18" charset="0"/>
-                          </a:rPr>
-                          <m:t>𝑖𝑗</m:t>
-                        </m:r>
-                      </m:sub>
-                    </m:sSub>
-                  </m:oMath>
-                </a14:m>
-                <a:r>
-                  <a:rPr lang="lt-LT" sz="2400" dirty="0"/>
-                  <a:t> tuo metu turimas </a:t>
-                </a:r>
-                <a:r>
-                  <a:rPr lang="lt-LT" sz="2400" dirty="0" err="1"/>
-                  <a:t>Euklidinis</a:t>
-                </a:r>
-                <a:r>
-                  <a:rPr lang="lt-LT" sz="2400" dirty="0"/>
-                  <a:t> atstumas tarp objektų mažesnės dimensijos erdvėje.</a:t>
-                </a:r>
+                <a:endParaRPr lang="en-US" sz="2400" dirty="0"/>
               </a:p>
               <a:p>
                 <a:pPr marL="0" indent="0">
                   <a:buNone/>
                 </a:pPr>
-                <a:endParaRPr lang="lt-LT" sz="2400" dirty="0"/>
+                <a14:m>
+                  <m:oMathPara xmlns:m="http://schemas.openxmlformats.org/officeDocument/2006/math">
+                    <m:oMathParaPr>
+                      <m:jc m:val="centerGroup"/>
+                    </m:oMathParaPr>
+                    <m:oMath xmlns:m="http://schemas.openxmlformats.org/officeDocument/2006/math">
+                      <m:nary>
+                        <m:naryPr>
+                          <m:chr m:val="∑"/>
+                          <m:supHide m:val="on"/>
+                          <m:ctrlPr>
+                            <a:rPr lang="ar-AE" sz="2400" i="1">
+                              <a:effectLst/>
+                              <a:latin typeface="Cambria Math" panose="02040503050406030204" pitchFamily="18" charset="0"/>
+                              <a:ea typeface="Times New Roman" panose="02020603050405020304" pitchFamily="18" charset="0"/>
+                            </a:rPr>
+                          </m:ctrlPr>
+                        </m:naryPr>
+                        <m:sub>
+                          <m:r>
+                            <a:rPr lang="ar-AE" sz="2400" i="1">
+                              <a:effectLst/>
+                              <a:latin typeface="Cambria Math" panose="02040503050406030204" pitchFamily="18" charset="0"/>
+                              <a:ea typeface="Times New Roman" panose="02020603050405020304" pitchFamily="18" charset="0"/>
+                              <a:cs typeface="Times New Roman" panose="02020603050405020304" pitchFamily="18" charset="0"/>
+                            </a:rPr>
+                            <m:t>𝑖</m:t>
+                          </m:r>
+                          <m:r>
+                            <a:rPr lang="ar-AE" sz="2400" i="1">
+                              <a:effectLst/>
+                              <a:latin typeface="Cambria Math" panose="02040503050406030204" pitchFamily="18" charset="0"/>
+                              <a:ea typeface="Times New Roman" panose="02020603050405020304" pitchFamily="18" charset="0"/>
+                              <a:cs typeface="Times New Roman" panose="02020603050405020304" pitchFamily="18" charset="0"/>
+                            </a:rPr>
+                            <m:t>&lt;</m:t>
+                          </m:r>
+                          <m:r>
+                            <a:rPr lang="ar-AE" sz="2400" i="1">
+                              <a:effectLst/>
+                              <a:latin typeface="Cambria Math" panose="02040503050406030204" pitchFamily="18" charset="0"/>
+                              <a:ea typeface="Times New Roman" panose="02020603050405020304" pitchFamily="18" charset="0"/>
+                              <a:cs typeface="Times New Roman" panose="02020603050405020304" pitchFamily="18" charset="0"/>
+                            </a:rPr>
+                            <m:t>𝑗</m:t>
+                          </m:r>
+                        </m:sub>
+                        <m:sup/>
+                        <m:e>
+                          <m:sSub>
+                            <m:sSubPr>
+                              <m:ctrlPr>
+                                <a:rPr lang="ar-AE" sz="2400" i="1">
+                                  <a:effectLst/>
+                                  <a:latin typeface="Cambria Math" panose="02040503050406030204" pitchFamily="18" charset="0"/>
+                                  <a:ea typeface="Times New Roman" panose="02020603050405020304" pitchFamily="18" charset="0"/>
+                                </a:rPr>
+                              </m:ctrlPr>
+                            </m:sSubPr>
+                            <m:e>
+                              <m:r>
+                                <a:rPr lang="ar-AE" sz="2400" i="1">
+                                  <a:effectLst/>
+                                  <a:latin typeface="Cambria Math" panose="02040503050406030204" pitchFamily="18" charset="0"/>
+                                  <a:ea typeface="Times New Roman" panose="02020603050405020304" pitchFamily="18" charset="0"/>
+                                  <a:cs typeface="Times New Roman" panose="02020603050405020304" pitchFamily="18" charset="0"/>
+                                </a:rPr>
+                                <m:t>𝑤</m:t>
+                              </m:r>
+                            </m:e>
+                            <m:sub>
+                              <m:r>
+                                <a:rPr lang="ar-AE" sz="2400" i="1">
+                                  <a:effectLst/>
+                                  <a:latin typeface="Cambria Math" panose="02040503050406030204" pitchFamily="18" charset="0"/>
+                                  <a:ea typeface="Times New Roman" panose="02020603050405020304" pitchFamily="18" charset="0"/>
+                                  <a:cs typeface="Times New Roman" panose="02020603050405020304" pitchFamily="18" charset="0"/>
+                                </a:rPr>
+                                <m:t>𝑖𝑗</m:t>
+                              </m:r>
+                            </m:sub>
+                          </m:sSub>
+                          <m:sSup>
+                            <m:sSupPr>
+                              <m:ctrlPr>
+                                <a:rPr lang="ar-AE" sz="2400" i="1">
+                                  <a:effectLst/>
+                                  <a:latin typeface="Cambria Math" panose="02040503050406030204" pitchFamily="18" charset="0"/>
+                                  <a:ea typeface="Times New Roman" panose="02020603050405020304" pitchFamily="18" charset="0"/>
+                                </a:rPr>
+                              </m:ctrlPr>
+                            </m:sSupPr>
+                            <m:e>
+                              <m:d>
+                                <m:dPr>
+                                  <m:ctrlPr>
+                                    <a:rPr lang="ar-AE" sz="2400" i="1">
+                                      <a:effectLst/>
+                                      <a:latin typeface="Cambria Math" panose="02040503050406030204" pitchFamily="18" charset="0"/>
+                                      <a:ea typeface="Times New Roman" panose="02020603050405020304" pitchFamily="18" charset="0"/>
+                                    </a:rPr>
+                                  </m:ctrlPr>
+                                </m:dPr>
+                                <m:e>
+                                  <m:sSub>
+                                    <m:sSubPr>
+                                      <m:ctrlPr>
+                                        <a:rPr lang="ar-AE" sz="2400" i="1">
+                                          <a:effectLst/>
+                                          <a:latin typeface="Cambria Math" panose="02040503050406030204" pitchFamily="18" charset="0"/>
+                                          <a:ea typeface="Times New Roman" panose="02020603050405020304" pitchFamily="18" charset="0"/>
+                                        </a:rPr>
+                                      </m:ctrlPr>
+                                    </m:sSubPr>
+                                    <m:e>
+                                      <m:r>
+                                        <a:rPr lang="ar-AE" sz="2400" i="1">
+                                          <a:effectLst/>
+                                          <a:latin typeface="Cambria Math" panose="02040503050406030204" pitchFamily="18" charset="0"/>
+                                          <a:ea typeface="Times New Roman" panose="02020603050405020304" pitchFamily="18" charset="0"/>
+                                          <a:cs typeface="Times New Roman" panose="02020603050405020304" pitchFamily="18" charset="0"/>
+                                        </a:rPr>
+                                        <m:t>𝑑</m:t>
+                                      </m:r>
+                                    </m:e>
+                                    <m:sub>
+                                      <m:r>
+                                        <a:rPr lang="ar-AE" sz="2400" i="1">
+                                          <a:effectLst/>
+                                          <a:latin typeface="Cambria Math" panose="02040503050406030204" pitchFamily="18" charset="0"/>
+                                          <a:ea typeface="Times New Roman" panose="02020603050405020304" pitchFamily="18" charset="0"/>
+                                          <a:cs typeface="Times New Roman" panose="02020603050405020304" pitchFamily="18" charset="0"/>
+                                        </a:rPr>
+                                        <m:t>𝑖𝑗</m:t>
+                                      </m:r>
+                                    </m:sub>
+                                  </m:sSub>
+                                  <m:r>
+                                    <a:rPr lang="ar-AE" sz="2400" i="1">
+                                      <a:effectLst/>
+                                      <a:latin typeface="Cambria Math" panose="02040503050406030204" pitchFamily="18" charset="0"/>
+                                      <a:ea typeface="Times New Roman" panose="02020603050405020304" pitchFamily="18" charset="0"/>
+                                      <a:cs typeface="Times New Roman" panose="02020603050405020304" pitchFamily="18" charset="0"/>
+                                    </a:rPr>
+                                    <m:t>−</m:t>
+                                  </m:r>
+                                  <m:acc>
+                                    <m:accPr>
+                                      <m:chr m:val="̂"/>
+                                      <m:ctrlPr>
+                                        <a:rPr lang="ar-AE" sz="2400" i="1">
+                                          <a:effectLst/>
+                                          <a:latin typeface="Cambria Math" panose="02040503050406030204" pitchFamily="18" charset="0"/>
+                                          <a:ea typeface="Times New Roman" panose="02020603050405020304" pitchFamily="18" charset="0"/>
+                                        </a:rPr>
+                                      </m:ctrlPr>
+                                    </m:accPr>
+                                    <m:e>
+                                      <m:sSub>
+                                        <m:sSubPr>
+                                          <m:ctrlPr>
+                                            <a:rPr lang="ar-AE" sz="2400" i="1">
+                                              <a:effectLst/>
+                                              <a:latin typeface="Cambria Math" panose="02040503050406030204" pitchFamily="18" charset="0"/>
+                                              <a:ea typeface="Times New Roman" panose="02020603050405020304" pitchFamily="18" charset="0"/>
+                                            </a:rPr>
+                                          </m:ctrlPr>
+                                        </m:sSubPr>
+                                        <m:e>
+                                          <m:r>
+                                            <a:rPr lang="ar-AE" sz="2400" i="1">
+                                              <a:effectLst/>
+                                              <a:latin typeface="Cambria Math" panose="02040503050406030204" pitchFamily="18" charset="0"/>
+                                              <a:ea typeface="Times New Roman" panose="02020603050405020304" pitchFamily="18" charset="0"/>
+                                              <a:cs typeface="Times New Roman" panose="02020603050405020304" pitchFamily="18" charset="0"/>
+                                            </a:rPr>
+                                            <m:t>𝐷</m:t>
+                                          </m:r>
+                                        </m:e>
+                                        <m:sub>
+                                          <m:r>
+                                            <a:rPr lang="ar-AE" sz="2400" i="1">
+                                              <a:effectLst/>
+                                              <a:latin typeface="Cambria Math" panose="02040503050406030204" pitchFamily="18" charset="0"/>
+                                              <a:ea typeface="Times New Roman" panose="02020603050405020304" pitchFamily="18" charset="0"/>
+                                              <a:cs typeface="Times New Roman" panose="02020603050405020304" pitchFamily="18" charset="0"/>
+                                            </a:rPr>
+                                            <m:t>𝑖𝑗</m:t>
+                                          </m:r>
+                                        </m:sub>
+                                      </m:sSub>
+                                    </m:e>
+                                  </m:acc>
+                                </m:e>
+                              </m:d>
+                            </m:e>
+                            <m:sup>
+                              <m:r>
+                                <a:rPr lang="ar-AE" sz="2400" i="1">
+                                  <a:effectLst/>
+                                  <a:latin typeface="Cambria Math" panose="02040503050406030204" pitchFamily="18" charset="0"/>
+                                  <a:ea typeface="Times New Roman" panose="02020603050405020304" pitchFamily="18" charset="0"/>
+                                  <a:cs typeface="Times New Roman" panose="02020603050405020304" pitchFamily="18" charset="0"/>
+                                </a:rPr>
+                                <m:t>2</m:t>
+                              </m:r>
+                            </m:sup>
+                          </m:sSup>
+                        </m:e>
+                      </m:nary>
+                    </m:oMath>
+                  </m:oMathPara>
+                </a14:m>
+                <a:endParaRPr lang="en-US" sz="2400" dirty="0">
+                  <a:effectLst/>
+                  <a:ea typeface="Times New Roman" panose="02020603050405020304" pitchFamily="18" charset="0"/>
+                  <a:cs typeface="Times New Roman" panose="02020603050405020304" pitchFamily="18" charset="0"/>
+                </a:endParaRPr>
               </a:p>
               <a:p>
-                <a:r>
-                  <a:rPr lang="lt-LT" sz="2400" dirty="0"/>
-                  <a:t>Šiuo atveju atsiminimui: mažoji raidė „d“ atitinka mažesnės erdvės dimensiją.</a:t>
-                </a:r>
-              </a:p>
-              <a:p>
-                <a:endParaRPr lang="lt-LT" dirty="0"/>
-              </a:p>
-              <a:p>
-                <a:endParaRPr lang="LID4096" dirty="0"/>
+                <a:pPr marL="0" indent="0">
+                  <a:buNone/>
+                </a:pPr>
+                <a:endParaRPr lang="LID4096" sz="2400" dirty="0"/>
               </a:p>
             </p:txBody>
           </p:sp>
@@ -4737,344 +5816,6 @@
 </p:sld>
 </file>
 
-<file path=ppt/slides/slide12.xml><?xml version="1.0" encoding="utf-8"?>
-<p:sld xmlns:a="http://schemas.openxmlformats.org/drawingml/2006/main" xmlns:r="http://schemas.openxmlformats.org/officeDocument/2006/relationships" xmlns:p="http://schemas.openxmlformats.org/presentationml/2006/main">
-  <p:cSld>
-    <p:spTree>
-      <p:nvGrpSpPr>
-        <p:cNvPr id="1" name=""/>
-        <p:cNvGrpSpPr/>
-        <p:nvPr/>
-      </p:nvGrpSpPr>
-      <p:grpSpPr>
-        <a:xfrm>
-          <a:off x="0" y="0"/>
-          <a:ext cx="0" cy="0"/>
-          <a:chOff x="0" y="0"/>
-          <a:chExt cx="0" cy="0"/>
-        </a:xfrm>
-      </p:grpSpPr>
-      <p:sp>
-        <p:nvSpPr>
-          <p:cNvPr id="2" name="Pavadinimas 1">
-            <a:extLst>
-              <a:ext uri="{FF2B5EF4-FFF2-40B4-BE49-F238E27FC236}">
-                <a16:creationId xmlns:a16="http://schemas.microsoft.com/office/drawing/2014/main" id="{E78FD910-4DD9-4211-84D1-6041821DC260}"/>
-              </a:ext>
-            </a:extLst>
-          </p:cNvPr>
-          <p:cNvSpPr>
-            <a:spLocks noGrp="1"/>
-          </p:cNvSpPr>
-          <p:nvPr>
-            <p:ph type="title"/>
-          </p:nvPr>
-        </p:nvSpPr>
-        <p:spPr/>
-        <p:txBody>
-          <a:bodyPr/>
-          <a:lstStyle/>
-          <a:p>
-            <a:r>
-              <a:rPr lang="lt-LT" dirty="0"/>
-              <a:t>Optimizavimas</a:t>
-            </a:r>
-            <a:endParaRPr lang="LID4096" dirty="0"/>
-          </a:p>
-        </p:txBody>
-      </p:sp>
-      <p:sp>
-        <p:nvSpPr>
-          <p:cNvPr id="3" name="Turinio vietos rezervavimo ženklas 2">
-            <a:extLst>
-              <a:ext uri="{FF2B5EF4-FFF2-40B4-BE49-F238E27FC236}">
-                <a16:creationId xmlns:a16="http://schemas.microsoft.com/office/drawing/2014/main" id="{179FE9D3-E0EA-4ED5-A184-DD7AF3F4C90B}"/>
-              </a:ext>
-            </a:extLst>
-          </p:cNvPr>
-          <p:cNvSpPr>
-            <a:spLocks noGrp="1"/>
-          </p:cNvSpPr>
-          <p:nvPr>
-            <p:ph idx="1"/>
-          </p:nvPr>
-        </p:nvSpPr>
-        <p:spPr/>
-        <p:txBody>
-          <a:bodyPr>
-            <a:normAutofit/>
-          </a:bodyPr>
-          <a:lstStyle/>
-          <a:p>
-            <a:r>
-              <a:rPr lang="en-US" sz="2400" dirty="0" err="1"/>
-              <a:t>Dimensijos</a:t>
-            </a:r>
-            <a:r>
-              <a:rPr lang="en-US" sz="2400" dirty="0"/>
-              <a:t> ma</a:t>
-            </a:r>
-            <a:r>
-              <a:rPr lang="lt-LT" sz="2400" dirty="0"/>
-              <a:t>žinimas naudojant MDS yra optimizavimo procesas.</a:t>
-            </a:r>
-          </a:p>
-          <a:p>
-            <a:endParaRPr lang="lt-LT" sz="2400" dirty="0"/>
-          </a:p>
-          <a:p>
-            <a:r>
-              <a:rPr lang="lt-LT" sz="2400" dirty="0"/>
-              <a:t>Naudojamas </a:t>
-            </a:r>
-            <a:r>
-              <a:rPr lang="lt-LT" sz="2400" dirty="0" err="1"/>
-              <a:t>iteratyvus</a:t>
-            </a:r>
-            <a:r>
-              <a:rPr lang="lt-LT" sz="2400" dirty="0"/>
-              <a:t> algoritmas, kuris minimizuoja </a:t>
-            </a:r>
-            <a:r>
-              <a:rPr lang="lt-LT" sz="2400" dirty="0" err="1"/>
-              <a:t>Stress</a:t>
-            </a:r>
-            <a:r>
-              <a:rPr lang="en-US" sz="2400" dirty="0"/>
-              <a:t> fun</a:t>
-            </a:r>
-            <a:r>
-              <a:rPr lang="lt-LT" sz="2400" dirty="0" err="1"/>
-              <a:t>kciją</a:t>
-            </a:r>
-            <a:r>
-              <a:rPr lang="lt-LT" sz="2400" dirty="0"/>
-              <a:t>.</a:t>
-            </a:r>
-          </a:p>
-          <a:p>
-            <a:r>
-              <a:rPr lang="lt-LT" sz="2400" dirty="0"/>
-              <a:t>Pvz. </a:t>
-            </a:r>
-            <a:r>
-              <a:rPr lang="lt-LT" sz="2400" dirty="0" err="1"/>
-              <a:t>scikit-learn</a:t>
-            </a:r>
-            <a:r>
-              <a:rPr lang="lt-LT" sz="2400" dirty="0"/>
-              <a:t> naudojamas SMACOF algoritmas.</a:t>
-            </a:r>
-            <a:endParaRPr lang="lt-LT" dirty="0"/>
-          </a:p>
-        </p:txBody>
-      </p:sp>
-    </p:spTree>
-    <p:extLst>
-      <p:ext uri="{BB962C8B-B14F-4D97-AF65-F5344CB8AC3E}">
-        <p14:creationId xmlns:p14="http://schemas.microsoft.com/office/powerpoint/2010/main" val="2912061138"/>
-      </p:ext>
-    </p:extLst>
-  </p:cSld>
-  <p:clrMapOvr>
-    <a:masterClrMapping/>
-  </p:clrMapOvr>
-</p:sld>
-</file>
-
-<file path=ppt/slides/slide13.xml><?xml version="1.0" encoding="utf-8"?>
-<p:sld xmlns:a="http://schemas.openxmlformats.org/drawingml/2006/main" xmlns:r="http://schemas.openxmlformats.org/officeDocument/2006/relationships" xmlns:p="http://schemas.openxmlformats.org/presentationml/2006/main">
-  <p:cSld>
-    <p:spTree>
-      <p:nvGrpSpPr>
-        <p:cNvPr id="1" name=""/>
-        <p:cNvGrpSpPr/>
-        <p:nvPr/>
-      </p:nvGrpSpPr>
-      <p:grpSpPr>
-        <a:xfrm>
-          <a:off x="0" y="0"/>
-          <a:ext cx="0" cy="0"/>
-          <a:chOff x="0" y="0"/>
-          <a:chExt cx="0" cy="0"/>
-        </a:xfrm>
-      </p:grpSpPr>
-      <p:sp>
-        <p:nvSpPr>
-          <p:cNvPr id="2" name="Pavadinimas 1">
-            <a:extLst>
-              <a:ext uri="{FF2B5EF4-FFF2-40B4-BE49-F238E27FC236}">
-                <a16:creationId xmlns:a16="http://schemas.microsoft.com/office/drawing/2014/main" id="{F28A83FA-C2DA-4DC9-B2ED-BFD13C846898}"/>
-              </a:ext>
-            </a:extLst>
-          </p:cNvPr>
-          <p:cNvSpPr>
-            <a:spLocks noGrp="1"/>
-          </p:cNvSpPr>
-          <p:nvPr>
-            <p:ph type="title"/>
-          </p:nvPr>
-        </p:nvSpPr>
-        <p:spPr/>
-        <p:txBody>
-          <a:bodyPr/>
-          <a:lstStyle/>
-          <a:p>
-            <a:r>
-              <a:rPr lang="lt-LT" dirty="0" err="1"/>
-              <a:t>Metrikinė</a:t>
-            </a:r>
-            <a:r>
-              <a:rPr lang="lt-LT" dirty="0"/>
-              <a:t> ir </a:t>
-            </a:r>
-            <a:r>
-              <a:rPr lang="lt-LT" dirty="0" err="1"/>
-              <a:t>nemetrikinė</a:t>
-            </a:r>
-            <a:r>
-              <a:rPr lang="lt-LT" dirty="0"/>
-              <a:t> MDS</a:t>
-            </a:r>
-            <a:endParaRPr lang="LID4096" dirty="0"/>
-          </a:p>
-        </p:txBody>
-      </p:sp>
-      <p:sp>
-        <p:nvSpPr>
-          <p:cNvPr id="3" name="Turinio vietos rezervavimo ženklas 2">
-            <a:extLst>
-              <a:ext uri="{FF2B5EF4-FFF2-40B4-BE49-F238E27FC236}">
-                <a16:creationId xmlns:a16="http://schemas.microsoft.com/office/drawing/2014/main" id="{362D9C7C-4CE9-4715-8ADF-B97006B68407}"/>
-              </a:ext>
-            </a:extLst>
-          </p:cNvPr>
-          <p:cNvSpPr>
-            <a:spLocks noGrp="1"/>
-          </p:cNvSpPr>
-          <p:nvPr>
-            <p:ph idx="1"/>
-          </p:nvPr>
-        </p:nvSpPr>
-        <p:spPr/>
-        <p:txBody>
-          <a:bodyPr>
-            <a:normAutofit/>
-          </a:bodyPr>
-          <a:lstStyle/>
-          <a:p>
-            <a:endParaRPr lang="lt-LT" sz="2400" dirty="0">
-              <a:solidFill>
-                <a:srgbClr val="212529"/>
-              </a:solidFill>
-            </a:endParaRPr>
-          </a:p>
-          <a:p>
-            <a:pPr marL="0" indent="0">
-              <a:buNone/>
-            </a:pPr>
-            <a:r>
-              <a:rPr lang="lt-LT" sz="2400" dirty="0">
-                <a:solidFill>
-                  <a:srgbClr val="212529"/>
-                </a:solidFill>
-              </a:rPr>
-              <a:t>MDS gali būti:</a:t>
-            </a:r>
-          </a:p>
-          <a:p>
-            <a:r>
-              <a:rPr lang="lt-LT" sz="2400" dirty="0" err="1">
-                <a:solidFill>
-                  <a:srgbClr val="212529"/>
-                </a:solidFill>
-              </a:rPr>
-              <a:t>Metrikinė</a:t>
-            </a:r>
-            <a:r>
-              <a:rPr lang="lt-LT" sz="2400" dirty="0">
-                <a:solidFill>
-                  <a:srgbClr val="212529"/>
-                </a:solidFill>
-              </a:rPr>
-              <a:t> (angl. </a:t>
-            </a:r>
-            <a:r>
-              <a:rPr lang="lt-LT" sz="2400" dirty="0" err="1">
-                <a:solidFill>
-                  <a:srgbClr val="212529"/>
-                </a:solidFill>
-              </a:rPr>
-              <a:t>metric</a:t>
-            </a:r>
-            <a:r>
-              <a:rPr lang="lt-LT" sz="2400" dirty="0">
-                <a:solidFill>
-                  <a:srgbClr val="212529"/>
-                </a:solidFill>
-              </a:rPr>
-              <a:t>)</a:t>
-            </a:r>
-          </a:p>
-          <a:p>
-            <a:r>
-              <a:rPr lang="lt-LT" sz="2400" dirty="0" err="1">
-                <a:solidFill>
-                  <a:srgbClr val="212529"/>
-                </a:solidFill>
-              </a:rPr>
-              <a:t>Nemetrikinė</a:t>
-            </a:r>
-            <a:r>
-              <a:rPr lang="lt-LT" sz="2400" dirty="0">
-                <a:solidFill>
-                  <a:srgbClr val="212529"/>
-                </a:solidFill>
-              </a:rPr>
-              <a:t>  (angl. </a:t>
-            </a:r>
-            <a:r>
-              <a:rPr lang="lt-LT" sz="2400" dirty="0" err="1">
-                <a:solidFill>
-                  <a:srgbClr val="212529"/>
-                </a:solidFill>
-              </a:rPr>
-              <a:t>non-metric</a:t>
-            </a:r>
-            <a:r>
-              <a:rPr lang="lt-LT" sz="2400" dirty="0">
-                <a:solidFill>
-                  <a:srgbClr val="212529"/>
-                </a:solidFill>
-              </a:rPr>
-              <a:t>)</a:t>
-            </a:r>
-          </a:p>
-          <a:p>
-            <a:pPr marL="0" indent="0">
-              <a:buNone/>
-            </a:pPr>
-            <a:endParaRPr lang="lt-LT" sz="2400" dirty="0">
-              <a:solidFill>
-                <a:srgbClr val="212529"/>
-              </a:solidFill>
-            </a:endParaRPr>
-          </a:p>
-        </p:txBody>
-      </p:sp>
-    </p:spTree>
-    <p:extLst>
-      <p:ext uri="{BB962C8B-B14F-4D97-AF65-F5344CB8AC3E}">
-        <p14:creationId xmlns:p14="http://schemas.microsoft.com/office/powerpoint/2010/main" val="23064902"/>
-      </p:ext>
-    </p:extLst>
-  </p:cSld>
-  <p:clrMapOvr>
-    <a:masterClrMapping/>
-  </p:clrMapOvr>
-</p:sld>
-</file>
-
 <file path=ppt/slides/slide14.xml><?xml version="1.0" encoding="utf-8"?>
 <p:sld xmlns:a="http://schemas.openxmlformats.org/drawingml/2006/main" xmlns:r="http://schemas.openxmlformats.org/officeDocument/2006/relationships" xmlns:p="http://schemas.openxmlformats.org/presentationml/2006/main">
   <p:cSld>
@@ -5097,7 +5838,7 @@
           <p:cNvPr id="2" name="Pavadinimas 1">
             <a:extLst>
               <a:ext uri="{FF2B5EF4-FFF2-40B4-BE49-F238E27FC236}">
-                <a16:creationId xmlns:a16="http://schemas.microsoft.com/office/drawing/2014/main" id="{B31696B1-CA8C-483D-A308-66023FEA52FE}"/>
+                <a16:creationId xmlns:a16="http://schemas.microsoft.com/office/drawing/2014/main" id="{F28A83FA-C2DA-4DC9-B2ED-BFD13C846898}"/>
               </a:ext>
             </a:extLst>
           </p:cNvPr>
@@ -5119,14 +5860,207 @@
             </a:r>
             <a:r>
               <a:rPr lang="lt-LT" dirty="0"/>
+              <a:t> ir </a:t>
+            </a:r>
+            <a:r>
+              <a:rPr lang="lt-LT" dirty="0" err="1"/>
+              <a:t>nemetrikinė</a:t>
+            </a:r>
+            <a:r>
+              <a:rPr lang="lt-LT" dirty="0"/>
               <a:t> MDS</a:t>
             </a:r>
             <a:endParaRPr lang="LID4096" dirty="0"/>
           </a:p>
         </p:txBody>
       </p:sp>
-      <mc:AlternateContent xmlns:mc="http://schemas.openxmlformats.org/markup-compatibility/2006" xmlns:a14="http://schemas.microsoft.com/office/drawing/2010/main">
-        <mc:Choice Requires="a14">
+      <p:sp>
+        <p:nvSpPr>
+          <p:cNvPr id="3" name="Turinio vietos rezervavimo ženklas 2">
+            <a:extLst>
+              <a:ext uri="{FF2B5EF4-FFF2-40B4-BE49-F238E27FC236}">
+                <a16:creationId xmlns:a16="http://schemas.microsoft.com/office/drawing/2014/main" id="{362D9C7C-4CE9-4715-8ADF-B97006B68407}"/>
+              </a:ext>
+            </a:extLst>
+          </p:cNvPr>
+          <p:cNvSpPr>
+            <a:spLocks noGrp="1"/>
+          </p:cNvSpPr>
+          <p:nvPr>
+            <p:ph idx="1"/>
+          </p:nvPr>
+        </p:nvSpPr>
+        <p:spPr/>
+        <p:txBody>
+          <a:bodyPr>
+            <a:normAutofit/>
+          </a:bodyPr>
+          <a:lstStyle/>
+          <a:p>
+            <a:endParaRPr lang="lt-LT" sz="2400" dirty="0">
+              <a:solidFill>
+                <a:srgbClr val="212529"/>
+              </a:solidFill>
+            </a:endParaRPr>
+          </a:p>
+          <a:p>
+            <a:pPr marL="0" indent="0">
+              <a:buNone/>
+            </a:pPr>
+            <a:r>
+              <a:rPr lang="lt-LT" sz="2400" dirty="0">
+                <a:solidFill>
+                  <a:srgbClr val="212529"/>
+                </a:solidFill>
+              </a:rPr>
+              <a:t>MDS gali būti:</a:t>
+            </a:r>
+          </a:p>
+          <a:p>
+            <a:r>
+              <a:rPr lang="lt-LT" sz="2400" dirty="0" err="1">
+                <a:solidFill>
+                  <a:srgbClr val="212529"/>
+                </a:solidFill>
+              </a:rPr>
+              <a:t>Metrikinė</a:t>
+            </a:r>
+            <a:r>
+              <a:rPr lang="lt-LT" sz="2400" dirty="0">
+                <a:solidFill>
+                  <a:srgbClr val="212529"/>
+                </a:solidFill>
+              </a:rPr>
+              <a:t> (angl. </a:t>
+            </a:r>
+            <a:r>
+              <a:rPr lang="lt-LT" sz="2400" dirty="0" err="1">
+                <a:solidFill>
+                  <a:srgbClr val="212529"/>
+                </a:solidFill>
+              </a:rPr>
+              <a:t>metric</a:t>
+            </a:r>
+            <a:r>
+              <a:rPr lang="lt-LT" sz="2400" dirty="0">
+                <a:solidFill>
+                  <a:srgbClr val="212529"/>
+                </a:solidFill>
+              </a:rPr>
+              <a:t>)</a:t>
+            </a:r>
+          </a:p>
+          <a:p>
+            <a:r>
+              <a:rPr lang="lt-LT" sz="2400" dirty="0" err="1">
+                <a:solidFill>
+                  <a:srgbClr val="212529"/>
+                </a:solidFill>
+              </a:rPr>
+              <a:t>Nemetrikinė</a:t>
+            </a:r>
+            <a:r>
+              <a:rPr lang="lt-LT" sz="2400" dirty="0">
+                <a:solidFill>
+                  <a:srgbClr val="212529"/>
+                </a:solidFill>
+              </a:rPr>
+              <a:t>  (angl. </a:t>
+            </a:r>
+            <a:r>
+              <a:rPr lang="lt-LT" sz="2400" dirty="0" err="1">
+                <a:solidFill>
+                  <a:srgbClr val="212529"/>
+                </a:solidFill>
+              </a:rPr>
+              <a:t>non-metric</a:t>
+            </a:r>
+            <a:r>
+              <a:rPr lang="lt-LT" sz="2400" dirty="0">
+                <a:solidFill>
+                  <a:srgbClr val="212529"/>
+                </a:solidFill>
+              </a:rPr>
+              <a:t>)</a:t>
+            </a:r>
+          </a:p>
+          <a:p>
+            <a:pPr marL="0" indent="0">
+              <a:buNone/>
+            </a:pPr>
+            <a:endParaRPr lang="lt-LT" sz="2400" dirty="0">
+              <a:solidFill>
+                <a:srgbClr val="212529"/>
+              </a:solidFill>
+            </a:endParaRPr>
+          </a:p>
+        </p:txBody>
+      </p:sp>
+    </p:spTree>
+    <p:extLst>
+      <p:ext uri="{BB962C8B-B14F-4D97-AF65-F5344CB8AC3E}">
+        <p14:creationId xmlns:p14="http://schemas.microsoft.com/office/powerpoint/2010/main" val="23064902"/>
+      </p:ext>
+    </p:extLst>
+  </p:cSld>
+  <p:clrMapOvr>
+    <a:masterClrMapping/>
+  </p:clrMapOvr>
+</p:sld>
+</file>
+
+<file path=ppt/slides/slide15.xml><?xml version="1.0" encoding="utf-8"?>
+<p:sld xmlns:a="http://schemas.openxmlformats.org/drawingml/2006/main" xmlns:r="http://schemas.openxmlformats.org/officeDocument/2006/relationships" xmlns:p="http://schemas.openxmlformats.org/presentationml/2006/main">
+  <p:cSld>
+    <p:spTree>
+      <p:nvGrpSpPr>
+        <p:cNvPr id="1" name=""/>
+        <p:cNvGrpSpPr/>
+        <p:nvPr/>
+      </p:nvGrpSpPr>
+      <p:grpSpPr>
+        <a:xfrm>
+          <a:off x="0" y="0"/>
+          <a:ext cx="0" cy="0"/>
+          <a:chOff x="0" y="0"/>
+          <a:chExt cx="0" cy="0"/>
+        </a:xfrm>
+      </p:grpSpPr>
+      <p:sp>
+        <p:nvSpPr>
+          <p:cNvPr id="2" name="Pavadinimas 1">
+            <a:extLst>
+              <a:ext uri="{FF2B5EF4-FFF2-40B4-BE49-F238E27FC236}">
+                <a16:creationId xmlns:a16="http://schemas.microsoft.com/office/drawing/2014/main" id="{B31696B1-CA8C-483D-A308-66023FEA52FE}"/>
+              </a:ext>
+            </a:extLst>
+          </p:cNvPr>
+          <p:cNvSpPr>
+            <a:spLocks noGrp="1"/>
+          </p:cNvSpPr>
+          <p:nvPr>
+            <p:ph type="title"/>
+          </p:nvPr>
+        </p:nvSpPr>
+        <p:spPr/>
+        <p:txBody>
+          <a:bodyPr/>
+          <a:lstStyle/>
+          <a:p>
+            <a:r>
+              <a:rPr lang="lt-LT" dirty="0" err="1"/>
+              <a:t>Metrikinė</a:t>
+            </a:r>
+            <a:r>
+              <a:rPr lang="lt-LT" dirty="0"/>
+              <a:t> MDS</a:t>
+            </a:r>
+            <a:endParaRPr lang="LID4096" dirty="0"/>
+          </a:p>
+        </p:txBody>
+      </p:sp>
+      <mc:AlternateContent xmlns:mc="http://schemas.openxmlformats.org/markup-compatibility/2006">
+        <mc:Choice xmlns:a14="http://schemas.microsoft.com/office/drawing/2010/main" Requires="a14">
           <p:sp>
             <p:nvSpPr>
               <p:cNvPr id="3" name="Turinio vietos rezervavimo ženklas 2">
@@ -5159,7 +6093,7 @@
                       <a:srgbClr val="212529"/>
                     </a:solidFill>
                   </a:rPr>
-                  <a:t>Metrikinėje MDS nepanašumų matrica gaunama iš metrikos (galioja trikampio nelygybė), todėl žemesnės dimensijos erdvėje siekiama, kad atstumai tarp taškų būtų kuo panašesni į atstumus pradinėje erdvėje.</a:t>
+                  <a:t>Metrikinėje MDS nepanašumų matrica gaunama iš metrikos (galioja trikampio nelygybė), todėl vaizdo erdvėje siekiama, kad atstumai tarp taškų būtų kuo panašesni į nepanašumus duomenų erdvėje.</a:t>
                 </a:r>
               </a:p>
               <a:p>
@@ -5529,7 +6463,7 @@
             </p:txBody>
           </p:sp>
         </mc:Choice>
-        <mc:Fallback xmlns="">
+        <mc:Fallback>
           <p:sp>
             <p:nvSpPr>
               <p:cNvPr id="3" name="Turinio vietos rezervavimo ženklas 2">
@@ -5582,7 +6516,7 @@
 </p:sld>
 </file>
 
-<file path=ppt/slides/slide15.xml><?xml version="1.0" encoding="utf-8"?>
+<file path=ppt/slides/slide16.xml><?xml version="1.0" encoding="utf-8"?>
 <p:sld xmlns:a="http://schemas.openxmlformats.org/drawingml/2006/main" xmlns:r="http://schemas.openxmlformats.org/officeDocument/2006/relationships" xmlns:p="http://schemas.openxmlformats.org/presentationml/2006/main">
   <p:cSld>
     <p:spTree>
@@ -5632,8 +6566,8 @@
           </a:p>
         </p:txBody>
       </p:sp>
-      <mc:AlternateContent xmlns:mc="http://schemas.openxmlformats.org/markup-compatibility/2006" xmlns:a14="http://schemas.microsoft.com/office/drawing/2010/main">
-        <mc:Choice Requires="a14">
+      <mc:AlternateContent xmlns:mc="http://schemas.openxmlformats.org/markup-compatibility/2006">
+        <mc:Choice xmlns:a14="http://schemas.microsoft.com/office/drawing/2010/main" Requires="a14">
           <p:sp>
             <p:nvSpPr>
               <p:cNvPr id="3" name="Turinio vietos rezervavimo ženklas 2">
@@ -5663,7 +6597,7 @@
                       <a:srgbClr val="212529"/>
                     </a:solidFill>
                   </a:rPr>
-                  <a:t>Nemetrikinėje versijoje MDS siekiama, kad atstumų tvarka mažesnės dimensijos erdvėje sutaptų su nepanašumų tvarka pradinėje erdvėje.</a:t>
+                  <a:t>Nemetrikinėje versijoje MDS siekiama tik kad atstumų tvarka vaizdo erdvėje sutaptų su nepanašumų tvarka duomenų erdvėje.</a:t>
                 </a:r>
                 <a:endParaRPr lang="LID4096" sz="2400" dirty="0"/>
               </a:p>
@@ -5848,14 +6782,14 @@
                 </a14:m>
                 <a:r>
                   <a:rPr lang="lt-LT" sz="2400" dirty="0"/>
-                  <a:t> mažesnės dimensijos erdvėje </a:t>
+                  <a:t> vaizdo erdvėje </a:t>
                 </a:r>
                 <a:endParaRPr lang="LID4096" sz="2400" dirty="0"/>
               </a:p>
             </p:txBody>
           </p:sp>
         </mc:Choice>
-        <mc:Fallback xmlns="">
+        <mc:Fallback>
           <p:sp>
             <p:nvSpPr>
               <p:cNvPr id="3" name="Turinio vietos rezervavimo ženklas 2">
@@ -5908,7 +6842,7 @@
 </p:sld>
 </file>
 
-<file path=ppt/slides/slide16.xml><?xml version="1.0" encoding="utf-8"?>
+<file path=ppt/slides/slide17.xml><?xml version="1.0" encoding="utf-8"?>
 <p:sld xmlns:a="http://schemas.openxmlformats.org/drawingml/2006/main" xmlns:r="http://schemas.openxmlformats.org/officeDocument/2006/relationships" xmlns:p="http://schemas.openxmlformats.org/presentationml/2006/main">
   <p:cSld>
     <p:spTree>
@@ -5930,7 +6864,7 @@
           <p:cNvPr id="2" name="Pavadinimas 1">
             <a:extLst>
               <a:ext uri="{FF2B5EF4-FFF2-40B4-BE49-F238E27FC236}">
-                <a16:creationId xmlns:a16="http://schemas.microsoft.com/office/drawing/2014/main" id="{325F90C7-86DD-4E16-B447-2ACCFF453792}"/>
+                <a16:creationId xmlns:a16="http://schemas.microsoft.com/office/drawing/2014/main" id="{E78FD910-4DD9-4211-84D1-6041821DC260}"/>
               </a:ext>
             </a:extLst>
           </p:cNvPr>
@@ -5948,14 +6882,1653 @@
           <a:p>
             <a:r>
               <a:rPr lang="lt-LT" dirty="0"/>
-              <a:t>Monotoninė regresija</a:t>
+              <a:t>Optimizavimas</a:t>
             </a:r>
             <a:endParaRPr lang="LID4096" dirty="0"/>
           </a:p>
         </p:txBody>
       </p:sp>
-      <mc:AlternateContent xmlns:mc="http://schemas.openxmlformats.org/markup-compatibility/2006" xmlns:a14="http://schemas.microsoft.com/office/drawing/2010/main">
-        <mc:Choice Requires="a14">
+      <p:sp>
+        <p:nvSpPr>
+          <p:cNvPr id="3" name="Turinio vietos rezervavimo ženklas 2">
+            <a:extLst>
+              <a:ext uri="{FF2B5EF4-FFF2-40B4-BE49-F238E27FC236}">
+                <a16:creationId xmlns:a16="http://schemas.microsoft.com/office/drawing/2014/main" id="{179FE9D3-E0EA-4ED5-A184-DD7AF3F4C90B}"/>
+              </a:ext>
+            </a:extLst>
+          </p:cNvPr>
+          <p:cNvSpPr>
+            <a:spLocks noGrp="1"/>
+          </p:cNvSpPr>
+          <p:nvPr>
+            <p:ph idx="1"/>
+          </p:nvPr>
+        </p:nvSpPr>
+        <p:spPr/>
+        <p:txBody>
+          <a:bodyPr>
+            <a:normAutofit/>
+          </a:bodyPr>
+          <a:lstStyle/>
+          <a:p>
+            <a:r>
+              <a:rPr lang="en-US" sz="2400" dirty="0" err="1"/>
+              <a:t>Dimensijos</a:t>
+            </a:r>
+            <a:r>
+              <a:rPr lang="en-US" sz="2400" dirty="0"/>
+              <a:t> ma</a:t>
+            </a:r>
+            <a:r>
+              <a:rPr lang="lt-LT" sz="2400" dirty="0"/>
+              <a:t>žinimas naudojant MDS yra optimizavimo procesas.</a:t>
+            </a:r>
+          </a:p>
+          <a:p>
+            <a:endParaRPr lang="lt-LT" sz="2400" dirty="0"/>
+          </a:p>
+          <a:p>
+            <a:r>
+              <a:rPr lang="lt-LT" sz="2400" dirty="0"/>
+              <a:t>Naudojamas </a:t>
+            </a:r>
+            <a:r>
+              <a:rPr lang="lt-LT" sz="2400" dirty="0" err="1"/>
+              <a:t>iteratyvus</a:t>
+            </a:r>
+            <a:r>
+              <a:rPr lang="lt-LT" sz="2400" dirty="0"/>
+              <a:t> algoritmas, kuris minimizuoja tam tikrą įterpimo</a:t>
+            </a:r>
+            <a:r>
+              <a:rPr lang="en-US" sz="2400" dirty="0"/>
+              <a:t> fun</a:t>
+            </a:r>
+            <a:r>
+              <a:rPr lang="lt-LT" sz="2400" dirty="0" err="1"/>
+              <a:t>kciją</a:t>
+            </a:r>
+            <a:r>
+              <a:rPr lang="lt-LT" sz="2400" dirty="0"/>
+              <a:t>.</a:t>
+            </a:r>
+          </a:p>
+          <a:p>
+            <a:r>
+              <a:rPr lang="lt-LT" sz="2400" dirty="0"/>
+              <a:t>Pvz. </a:t>
+            </a:r>
+            <a:r>
+              <a:rPr lang="lt-LT" sz="2400" dirty="0" err="1"/>
+              <a:t>scikit-learn</a:t>
+            </a:r>
+            <a:r>
+              <a:rPr lang="lt-LT" sz="2400" dirty="0"/>
+              <a:t> naudojamas SMACOF algoritmas.</a:t>
+            </a:r>
+            <a:endParaRPr lang="lt-LT" dirty="0"/>
+          </a:p>
+        </p:txBody>
+      </p:sp>
+    </p:spTree>
+    <p:extLst>
+      <p:ext uri="{BB962C8B-B14F-4D97-AF65-F5344CB8AC3E}">
+        <p14:creationId xmlns:p14="http://schemas.microsoft.com/office/powerpoint/2010/main" val="2912061138"/>
+      </p:ext>
+    </p:extLst>
+  </p:cSld>
+  <p:clrMapOvr>
+    <a:masterClrMapping/>
+  </p:clrMapOvr>
+</p:sld>
+</file>
+
+<file path=ppt/slides/slide18.xml><?xml version="1.0" encoding="utf-8"?>
+<p:sld xmlns:a="http://schemas.openxmlformats.org/drawingml/2006/main" xmlns:r="http://schemas.openxmlformats.org/officeDocument/2006/relationships" xmlns:p="http://schemas.openxmlformats.org/presentationml/2006/main">
+  <p:cSld>
+    <p:spTree>
+      <p:nvGrpSpPr>
+        <p:cNvPr id="1" name=""/>
+        <p:cNvGrpSpPr/>
+        <p:nvPr/>
+      </p:nvGrpSpPr>
+      <p:grpSpPr>
+        <a:xfrm>
+          <a:off x="0" y="0"/>
+          <a:ext cx="0" cy="0"/>
+          <a:chOff x="0" y="0"/>
+          <a:chExt cx="0" cy="0"/>
+        </a:xfrm>
+      </p:grpSpPr>
+      <p:sp>
+        <p:nvSpPr>
+          <p:cNvPr id="2" name="Pavadinimas 1">
+            <a:extLst>
+              <a:ext uri="{FF2B5EF4-FFF2-40B4-BE49-F238E27FC236}">
+                <a16:creationId xmlns:a16="http://schemas.microsoft.com/office/drawing/2014/main" id="{A32E3900-9C09-479A-A29E-9F197BE53221}"/>
+              </a:ext>
+            </a:extLst>
+          </p:cNvPr>
+          <p:cNvSpPr>
+            <a:spLocks noGrp="1"/>
+          </p:cNvSpPr>
+          <p:nvPr>
+            <p:ph type="title"/>
+          </p:nvPr>
+        </p:nvSpPr>
+        <p:spPr/>
+        <p:txBody>
+          <a:bodyPr/>
+          <a:lstStyle/>
+          <a:p>
+            <a:r>
+              <a:rPr lang="lt-LT" dirty="0"/>
+              <a:t>Pradinė konfigūracija</a:t>
+            </a:r>
+            <a:endParaRPr lang="LID4096" dirty="0"/>
+          </a:p>
+        </p:txBody>
+      </p:sp>
+      <p:sp>
+        <p:nvSpPr>
+          <p:cNvPr id="3" name="Turinio vietos rezervavimo ženklas 2">
+            <a:extLst>
+              <a:ext uri="{FF2B5EF4-FFF2-40B4-BE49-F238E27FC236}">
+                <a16:creationId xmlns:a16="http://schemas.microsoft.com/office/drawing/2014/main" id="{29027A77-4D71-4407-9596-0C35B10C5439}"/>
+              </a:ext>
+            </a:extLst>
+          </p:cNvPr>
+          <p:cNvSpPr>
+            <a:spLocks noGrp="1"/>
+          </p:cNvSpPr>
+          <p:nvPr>
+            <p:ph idx="1"/>
+          </p:nvPr>
+        </p:nvSpPr>
+        <p:spPr/>
+        <p:txBody>
+          <a:bodyPr>
+            <a:normAutofit/>
+          </a:bodyPr>
+          <a:lstStyle/>
+          <a:p>
+            <a:r>
+              <a:rPr lang="lt-LT" sz="2400" dirty="0"/>
+              <a:t>MDS gautas rezultatas priklauso ne tik nuo įterpimo funkcijos, bet ir nuo pradinės taškų konfigūracijos vaizdo erdvėje.</a:t>
+            </a:r>
+          </a:p>
+          <a:p>
+            <a:pPr marL="0" indent="0">
+              <a:buNone/>
+            </a:pPr>
+            <a:endParaRPr lang="lt-LT" sz="2400" dirty="0"/>
+          </a:p>
+          <a:p>
+            <a:pPr marL="0" indent="0">
+              <a:buNone/>
+            </a:pPr>
+            <a:r>
+              <a:rPr lang="lt-LT" sz="2400" dirty="0"/>
+              <a:t>Egzistuoja du dažniausiai naudojami pradinės konfigūracijos būdai:</a:t>
+            </a:r>
+          </a:p>
+          <a:p>
+            <a:r>
+              <a:rPr lang="lt-LT" sz="2400" dirty="0"/>
+              <a:t>Taškai išdėliojami atsitiktinai.</a:t>
+            </a:r>
+          </a:p>
+          <a:p>
+            <a:r>
+              <a:rPr lang="lt-LT" sz="2400" dirty="0"/>
+              <a:t>Naudojami klasikinio MDS (</a:t>
+            </a:r>
+            <a:r>
+              <a:rPr lang="lt-LT" sz="2400" dirty="0" err="1"/>
+              <a:t>Torgeson‘s</a:t>
+            </a:r>
+            <a:r>
+              <a:rPr lang="lt-LT" sz="2400" dirty="0"/>
+              <a:t> MDS) metodo, kuris sprendimą gauna analitiškai, tačiau yra mažiau lankstus už skaitinius MDS, gauti rezultatai.</a:t>
+            </a:r>
+          </a:p>
+        </p:txBody>
+      </p:sp>
+    </p:spTree>
+    <p:extLst>
+      <p:ext uri="{BB962C8B-B14F-4D97-AF65-F5344CB8AC3E}">
+        <p14:creationId xmlns:p14="http://schemas.microsoft.com/office/powerpoint/2010/main" val="3865628800"/>
+      </p:ext>
+    </p:extLst>
+  </p:cSld>
+  <p:clrMapOvr>
+    <a:masterClrMapping/>
+  </p:clrMapOvr>
+</p:sld>
+</file>
+
+<file path=ppt/slides/slide19.xml><?xml version="1.0" encoding="utf-8"?>
+<p:sld xmlns:a="http://schemas.openxmlformats.org/drawingml/2006/main" xmlns:r="http://schemas.openxmlformats.org/officeDocument/2006/relationships" xmlns:p="http://schemas.openxmlformats.org/presentationml/2006/main">
+  <p:cSld>
+    <p:spTree>
+      <p:nvGrpSpPr>
+        <p:cNvPr id="1" name=""/>
+        <p:cNvGrpSpPr/>
+        <p:nvPr/>
+      </p:nvGrpSpPr>
+      <p:grpSpPr>
+        <a:xfrm>
+          <a:off x="0" y="0"/>
+          <a:ext cx="0" cy="0"/>
+          <a:chOff x="0" y="0"/>
+          <a:chExt cx="0" cy="0"/>
+        </a:xfrm>
+      </p:grpSpPr>
+      <p:sp>
+        <p:nvSpPr>
+          <p:cNvPr id="2" name="Pavadinimas 1">
+            <a:extLst>
+              <a:ext uri="{FF2B5EF4-FFF2-40B4-BE49-F238E27FC236}">
+                <a16:creationId xmlns:a16="http://schemas.microsoft.com/office/drawing/2014/main" id="{6AEFBFFF-70C6-4CEF-8D5F-EA4257440F32}"/>
+              </a:ext>
+            </a:extLst>
+          </p:cNvPr>
+          <p:cNvSpPr>
+            <a:spLocks noGrp="1"/>
+          </p:cNvSpPr>
+          <p:nvPr>
+            <p:ph type="title"/>
+          </p:nvPr>
+        </p:nvSpPr>
+        <p:spPr/>
+        <p:txBody>
+          <a:bodyPr/>
+          <a:lstStyle/>
+          <a:p>
+            <a:endParaRPr lang="LID4096" dirty="0"/>
+          </a:p>
+        </p:txBody>
+      </p:sp>
+      <p:sp>
+        <p:nvSpPr>
+          <p:cNvPr id="3" name="Turinio vietos rezervavimo ženklas 2">
+            <a:extLst>
+              <a:ext uri="{FF2B5EF4-FFF2-40B4-BE49-F238E27FC236}">
+                <a16:creationId xmlns:a16="http://schemas.microsoft.com/office/drawing/2014/main" id="{0720A465-5C64-4B73-9717-03DD5E276E48}"/>
+              </a:ext>
+            </a:extLst>
+          </p:cNvPr>
+          <p:cNvSpPr>
+            <a:spLocks noGrp="1"/>
+          </p:cNvSpPr>
+          <p:nvPr>
+            <p:ph idx="1"/>
+          </p:nvPr>
+        </p:nvSpPr>
+        <p:spPr/>
+        <p:txBody>
+          <a:bodyPr/>
+          <a:lstStyle/>
+          <a:p>
+            <a:pPr marL="0" indent="0">
+              <a:buNone/>
+            </a:pPr>
+            <a:r>
+              <a:rPr lang="lt-LT" sz="2400" dirty="0"/>
+              <a:t>Prieš tai minėti faktai apie įterpimo funkcijos minimizavimą ir pradinės konfigūracijos pasirinkimą reiškia kad: </a:t>
+            </a:r>
+          </a:p>
+          <a:p>
+            <a:pPr lvl="1"/>
+            <a:r>
+              <a:rPr lang="lt-LT" dirty="0"/>
+              <a:t>Jeigu pradinė konfigūracija yra atsitiktinė, tai kiekvieną kartą randamas kitoks sprendimas.</a:t>
+            </a:r>
+          </a:p>
+          <a:p>
+            <a:pPr lvl="1"/>
+            <a:r>
+              <a:rPr lang="lt-LT" dirty="0"/>
+              <a:t>Algoritmas gali užstrigti lokaliame įterpimo funkcijos minimume. Siekiant to išvengti algoritmas paleidžiamas kelis kartus su kitokiomis pradinėmis reikšmėmis ir pasirenkamas geriausias spendimas.</a:t>
+            </a:r>
+          </a:p>
+          <a:p>
+            <a:pPr lvl="1"/>
+            <a:r>
+              <a:rPr lang="lt-LT" dirty="0"/>
+              <a:t>Reikia pasirinkti maksimalų leidžiamą iteracijų skaičių arba sąlygą, kada deklaruojamas konvergavimas.</a:t>
+            </a:r>
+            <a:endParaRPr lang="LID4096" dirty="0"/>
+          </a:p>
+          <a:p>
+            <a:endParaRPr lang="LID4096" dirty="0"/>
+          </a:p>
+        </p:txBody>
+      </p:sp>
+    </p:spTree>
+    <p:extLst>
+      <p:ext uri="{BB962C8B-B14F-4D97-AF65-F5344CB8AC3E}">
+        <p14:creationId xmlns:p14="http://schemas.microsoft.com/office/powerpoint/2010/main" val="1756592071"/>
+      </p:ext>
+    </p:extLst>
+  </p:cSld>
+  <p:clrMapOvr>
+    <a:masterClrMapping/>
+  </p:clrMapOvr>
+</p:sld>
+</file>
+
+<file path=ppt/slides/slide2.xml><?xml version="1.0" encoding="utf-8"?>
+<p:sld xmlns:a="http://schemas.openxmlformats.org/drawingml/2006/main" xmlns:r="http://schemas.openxmlformats.org/officeDocument/2006/relationships" xmlns:p="http://schemas.openxmlformats.org/presentationml/2006/main">
+  <p:cSld>
+    <p:spTree>
+      <p:nvGrpSpPr>
+        <p:cNvPr id="1" name=""/>
+        <p:cNvGrpSpPr/>
+        <p:nvPr/>
+      </p:nvGrpSpPr>
+      <p:grpSpPr>
+        <a:xfrm>
+          <a:off x="0" y="0"/>
+          <a:ext cx="0" cy="0"/>
+          <a:chOff x="0" y="0"/>
+          <a:chExt cx="0" cy="0"/>
+        </a:xfrm>
+      </p:grpSpPr>
+      <p:sp>
+        <p:nvSpPr>
+          <p:cNvPr id="2" name="Pavadinimas 1">
+            <a:extLst>
+              <a:ext uri="{FF2B5EF4-FFF2-40B4-BE49-F238E27FC236}">
+                <a16:creationId xmlns:a16="http://schemas.microsoft.com/office/drawing/2014/main" id="{A892A3EA-1962-4B72-8354-4293B9968ABC}"/>
+              </a:ext>
+            </a:extLst>
+          </p:cNvPr>
+          <p:cNvSpPr>
+            <a:spLocks noGrp="1"/>
+          </p:cNvSpPr>
+          <p:nvPr>
+            <p:ph type="title"/>
+          </p:nvPr>
+        </p:nvSpPr>
+        <p:spPr/>
+        <p:txBody>
+          <a:bodyPr/>
+          <a:lstStyle/>
+          <a:p>
+            <a:r>
+              <a:rPr lang="lt-LT" dirty="0"/>
+              <a:t>Tiesiniai ir netiesiniai dimensijos mažinimo metodai</a:t>
+            </a:r>
+            <a:endParaRPr lang="LID4096" dirty="0"/>
+          </a:p>
+        </p:txBody>
+      </p:sp>
+      <p:sp>
+        <p:nvSpPr>
+          <p:cNvPr id="3" name="Turinio vietos rezervavimo ženklas 2">
+            <a:extLst>
+              <a:ext uri="{FF2B5EF4-FFF2-40B4-BE49-F238E27FC236}">
+                <a16:creationId xmlns:a16="http://schemas.microsoft.com/office/drawing/2014/main" id="{2FA1D66A-3A36-48D7-ACB1-0DBF09E902DE}"/>
+              </a:ext>
+            </a:extLst>
+          </p:cNvPr>
+          <p:cNvSpPr>
+            <a:spLocks noGrp="1"/>
+          </p:cNvSpPr>
+          <p:nvPr>
+            <p:ph idx="1"/>
+          </p:nvPr>
+        </p:nvSpPr>
+        <p:spPr>
+          <a:xfrm>
+            <a:off x="838200" y="2721935"/>
+            <a:ext cx="10515600" cy="3880330"/>
+          </a:xfrm>
+        </p:spPr>
+        <p:txBody>
+          <a:bodyPr>
+            <a:normAutofit/>
+          </a:bodyPr>
+          <a:lstStyle/>
+          <a:p>
+            <a:r>
+              <a:rPr lang="lt-LT" sz="2400" dirty="0"/>
+              <a:t>Tiesinės transformacijos: pasukimas, postūmis, atspindys, suspaudimas.</a:t>
+            </a:r>
+          </a:p>
+          <a:p>
+            <a:r>
+              <a:rPr lang="lt-LT" sz="2400" dirty="0"/>
+              <a:t>Dimensijos mažinimas pagrįstas tiesinėmis transformacijomis neišlaiko netiesinių sąryšių tarp objektų.</a:t>
+            </a:r>
+          </a:p>
+          <a:p>
+            <a:r>
+              <a:rPr lang="lt-LT" sz="2400" dirty="0"/>
+              <a:t>Daugiamatės skalės (</a:t>
+            </a:r>
+            <a:r>
+              <a:rPr lang="en-US" sz="2400" dirty="0" err="1"/>
+              <a:t>angl.</a:t>
+            </a:r>
+            <a:r>
+              <a:rPr lang="en-US" sz="2400" dirty="0"/>
+              <a:t> Multidimensional Scaling, </a:t>
+            </a:r>
+            <a:r>
+              <a:rPr lang="lt-LT" sz="2400" dirty="0"/>
+              <a:t>toliau - MDS) yra netiesinis dimensijos mažinimo metodas.</a:t>
+            </a:r>
+          </a:p>
+          <a:p>
+            <a:endParaRPr lang="lt-LT" dirty="0"/>
+          </a:p>
+          <a:p>
+            <a:endParaRPr lang="lt-LT" dirty="0"/>
+          </a:p>
+        </p:txBody>
+      </p:sp>
+    </p:spTree>
+    <p:extLst>
+      <p:ext uri="{BB962C8B-B14F-4D97-AF65-F5344CB8AC3E}">
+        <p14:creationId xmlns:p14="http://schemas.microsoft.com/office/powerpoint/2010/main" val="2025390428"/>
+      </p:ext>
+    </p:extLst>
+  </p:cSld>
+  <p:clrMapOvr>
+    <a:masterClrMapping/>
+  </p:clrMapOvr>
+</p:sld>
+</file>
+
+<file path=ppt/slides/slide20.xml><?xml version="1.0" encoding="utf-8"?>
+<p:sld xmlns:a="http://schemas.openxmlformats.org/drawingml/2006/main" xmlns:r="http://schemas.openxmlformats.org/officeDocument/2006/relationships" xmlns:p="http://schemas.openxmlformats.org/presentationml/2006/main">
+  <p:cSld>
+    <p:spTree>
+      <p:nvGrpSpPr>
+        <p:cNvPr id="1" name=""/>
+        <p:cNvGrpSpPr/>
+        <p:nvPr/>
+      </p:nvGrpSpPr>
+      <p:grpSpPr>
+        <a:xfrm>
+          <a:off x="0" y="0"/>
+          <a:ext cx="0" cy="0"/>
+          <a:chOff x="0" y="0"/>
+          <a:chExt cx="0" cy="0"/>
+        </a:xfrm>
+      </p:grpSpPr>
+      <p:sp>
+        <p:nvSpPr>
+          <p:cNvPr id="2" name="Pavadinimas 1">
+            <a:extLst>
+              <a:ext uri="{FF2B5EF4-FFF2-40B4-BE49-F238E27FC236}">
+                <a16:creationId xmlns:a16="http://schemas.microsoft.com/office/drawing/2014/main" id="{02037F68-C73F-4F6C-8609-583BBF54AF3B}"/>
+              </a:ext>
+            </a:extLst>
+          </p:cNvPr>
+          <p:cNvSpPr>
+            <a:spLocks noGrp="1"/>
+          </p:cNvSpPr>
+          <p:nvPr>
+            <p:ph type="title"/>
+          </p:nvPr>
+        </p:nvSpPr>
+        <p:spPr/>
+        <p:txBody>
+          <a:bodyPr/>
+          <a:lstStyle/>
+          <a:p>
+            <a:r>
+              <a:rPr lang="lt-LT" dirty="0"/>
+              <a:t>Bendra MDS schema</a:t>
+            </a:r>
+            <a:endParaRPr lang="LID4096" dirty="0"/>
+          </a:p>
+        </p:txBody>
+      </p:sp>
+      <p:sp>
+        <p:nvSpPr>
+          <p:cNvPr id="3" name="Turinio vietos rezervavimo ženklas 2">
+            <a:extLst>
+              <a:ext uri="{FF2B5EF4-FFF2-40B4-BE49-F238E27FC236}">
+                <a16:creationId xmlns:a16="http://schemas.microsoft.com/office/drawing/2014/main" id="{A0034F66-F21B-4090-981F-EDB86155817A}"/>
+              </a:ext>
+            </a:extLst>
+          </p:cNvPr>
+          <p:cNvSpPr>
+            <a:spLocks noGrp="1"/>
+          </p:cNvSpPr>
+          <p:nvPr>
+            <p:ph idx="1"/>
+          </p:nvPr>
+        </p:nvSpPr>
+        <p:spPr/>
+        <p:txBody>
+          <a:bodyPr>
+            <a:normAutofit/>
+          </a:bodyPr>
+          <a:lstStyle/>
+          <a:p>
+            <a:pPr algn="l"/>
+            <a:r>
+              <a:rPr lang="lt-LT" sz="2400" dirty="0">
+                <a:solidFill>
+                  <a:srgbClr val="212529"/>
+                </a:solidFill>
+              </a:rPr>
+              <a:t>Apibendrinus, b</a:t>
+            </a:r>
+            <a:r>
+              <a:rPr lang="lt-LT" sz="2400" b="0" i="0" dirty="0">
+                <a:solidFill>
+                  <a:srgbClr val="212529"/>
+                </a:solidFill>
+                <a:effectLst/>
+              </a:rPr>
+              <a:t>endra MDS schema atrodo taip:</a:t>
+            </a:r>
+          </a:p>
+          <a:p>
+            <a:pPr algn="l"/>
+            <a:endParaRPr lang="lt-LT" sz="2400" b="0" i="0" dirty="0">
+              <a:solidFill>
+                <a:srgbClr val="212529"/>
+              </a:solidFill>
+              <a:effectLst/>
+            </a:endParaRPr>
+          </a:p>
+          <a:p>
+            <a:pPr lvl="1">
+              <a:buFont typeface="+mj-lt"/>
+              <a:buAutoNum type="arabicPeriod"/>
+            </a:pPr>
+            <a:r>
+              <a:rPr lang="lt-LT" b="0" i="0" dirty="0">
+                <a:solidFill>
+                  <a:srgbClr val="212529"/>
+                </a:solidFill>
+                <a:effectLst/>
+              </a:rPr>
+              <a:t>   Pradinis taškų išsidėstymas.</a:t>
+            </a:r>
+          </a:p>
+          <a:p>
+            <a:pPr lvl="1">
+              <a:buFont typeface="+mj-lt"/>
+              <a:buAutoNum type="arabicPeriod"/>
+            </a:pPr>
+            <a:r>
+              <a:rPr lang="lt-LT" b="0" i="0" dirty="0">
+                <a:solidFill>
+                  <a:srgbClr val="212529"/>
+                </a:solidFill>
+                <a:effectLst/>
+              </a:rPr>
+              <a:t>   Apskaičiuojamas įterpimo funkcijos </a:t>
+            </a:r>
+            <a:r>
+              <a:rPr lang="lt-LT" dirty="0">
+                <a:solidFill>
+                  <a:srgbClr val="212529"/>
+                </a:solidFill>
+              </a:rPr>
+              <a:t>reikšmė</a:t>
+            </a:r>
+            <a:r>
+              <a:rPr lang="lt-LT" b="0" i="0" dirty="0">
+                <a:solidFill>
+                  <a:srgbClr val="212529"/>
+                </a:solidFill>
+                <a:effectLst/>
+              </a:rPr>
+              <a:t>*.</a:t>
+            </a:r>
+            <a:endParaRPr lang="en-US" b="0" i="0" dirty="0">
+              <a:solidFill>
+                <a:srgbClr val="212529"/>
+              </a:solidFill>
+              <a:effectLst/>
+            </a:endParaRPr>
+          </a:p>
+          <a:p>
+            <a:pPr lvl="1">
+              <a:buFont typeface="+mj-lt"/>
+              <a:buAutoNum type="arabicPeriod"/>
+            </a:pPr>
+            <a:r>
+              <a:rPr lang="lt-LT" dirty="0">
+                <a:solidFill>
+                  <a:srgbClr val="212529"/>
+                </a:solidFill>
+              </a:rPr>
+              <a:t>   Įterpimo funkcijos minimizavimas tam tikru algoritmu.</a:t>
+            </a:r>
+            <a:endParaRPr lang="en-US" b="0" i="0" dirty="0">
+              <a:solidFill>
+                <a:srgbClr val="212529"/>
+              </a:solidFill>
+              <a:effectLst/>
+            </a:endParaRPr>
+          </a:p>
+          <a:p>
+            <a:pPr lvl="1">
+              <a:buFont typeface="+mj-lt"/>
+              <a:buAutoNum type="arabicPeriod"/>
+            </a:pPr>
+            <a:r>
+              <a:rPr lang="lt-LT" b="0" i="0" dirty="0">
+                <a:solidFill>
+                  <a:srgbClr val="212529"/>
+                </a:solidFill>
+                <a:effectLst/>
+              </a:rPr>
+              <a:t>   2 ir 3 žingsnio kartojimas iki konvergavimo.</a:t>
+            </a:r>
+          </a:p>
+          <a:p>
+            <a:pPr lvl="1">
+              <a:buFont typeface="+mj-lt"/>
+              <a:buAutoNum type="arabicPeriod"/>
+            </a:pPr>
+            <a:endParaRPr lang="en-US" sz="2400" b="0" i="0" dirty="0">
+              <a:solidFill>
+                <a:srgbClr val="212529"/>
+              </a:solidFill>
+              <a:effectLst/>
+            </a:endParaRPr>
+          </a:p>
+          <a:p>
+            <a:pPr marL="0" indent="0" algn="l">
+              <a:buNone/>
+            </a:pPr>
+            <a:r>
+              <a:rPr lang="lt-LT" sz="1800" dirty="0">
+                <a:solidFill>
+                  <a:schemeClr val="bg1">
+                    <a:lumMod val="50000"/>
+                  </a:schemeClr>
+                </a:solidFill>
+              </a:rPr>
+              <a:t>* Kiekvieną kartą p</a:t>
+            </a:r>
+            <a:r>
+              <a:rPr lang="en-US" sz="1800" b="0" i="0" dirty="0" err="1">
+                <a:solidFill>
+                  <a:schemeClr val="bg1">
+                    <a:lumMod val="50000"/>
+                  </a:schemeClr>
+                </a:solidFill>
+                <a:effectLst/>
+              </a:rPr>
+              <a:t>rie</a:t>
+            </a:r>
+            <a:r>
+              <a:rPr lang="lt-LT" sz="1800" dirty="0">
+                <a:solidFill>
+                  <a:schemeClr val="bg1">
+                    <a:lumMod val="50000"/>
+                  </a:schemeClr>
+                </a:solidFill>
+              </a:rPr>
+              <a:t>š apskaičiuojant įterpimo funkcijos reikšmes iš naujo turi būti apskaičiuojamos </a:t>
+            </a:r>
+            <a:r>
+              <a:rPr lang="lt-LT" sz="1800" dirty="0" err="1">
+                <a:solidFill>
+                  <a:schemeClr val="bg1">
+                    <a:lumMod val="50000"/>
+                  </a:schemeClr>
+                </a:solidFill>
+              </a:rPr>
+              <a:t>disparities</a:t>
+            </a:r>
+            <a:r>
+              <a:rPr lang="lt-LT" sz="1800" dirty="0">
+                <a:solidFill>
+                  <a:schemeClr val="bg1">
+                    <a:lumMod val="50000"/>
+                  </a:schemeClr>
+                </a:solidFill>
+              </a:rPr>
+              <a:t> (</a:t>
+            </a:r>
+            <a:r>
+              <a:rPr lang="lt-LT" sz="1800" dirty="0" err="1">
+                <a:solidFill>
+                  <a:schemeClr val="bg1">
+                    <a:lumMod val="50000"/>
+                  </a:schemeClr>
+                </a:solidFill>
+              </a:rPr>
+              <a:t>nemetrikiniu</a:t>
+            </a:r>
+            <a:r>
+              <a:rPr lang="lt-LT" sz="1800" dirty="0">
+                <a:solidFill>
+                  <a:schemeClr val="bg1">
+                    <a:lumMod val="50000"/>
+                  </a:schemeClr>
+                </a:solidFill>
+              </a:rPr>
+              <a:t> atveju pakartotinai atliekama monotoninė regresija).</a:t>
+            </a:r>
+            <a:endParaRPr lang="en-US" sz="1800" b="0" i="0" dirty="0">
+              <a:solidFill>
+                <a:schemeClr val="bg1">
+                  <a:lumMod val="50000"/>
+                </a:schemeClr>
+              </a:solidFill>
+              <a:effectLst/>
+            </a:endParaRPr>
+          </a:p>
+        </p:txBody>
+      </p:sp>
+    </p:spTree>
+    <p:extLst>
+      <p:ext uri="{BB962C8B-B14F-4D97-AF65-F5344CB8AC3E}">
+        <p14:creationId xmlns:p14="http://schemas.microsoft.com/office/powerpoint/2010/main" val="3641505901"/>
+      </p:ext>
+    </p:extLst>
+  </p:cSld>
+  <p:clrMapOvr>
+    <a:masterClrMapping/>
+  </p:clrMapOvr>
+</p:sld>
+</file>
+
+<file path=ppt/slides/slide21.xml><?xml version="1.0" encoding="utf-8"?>
+<p:sld xmlns:a="http://schemas.openxmlformats.org/drawingml/2006/main" xmlns:r="http://schemas.openxmlformats.org/officeDocument/2006/relationships" xmlns:p="http://schemas.openxmlformats.org/presentationml/2006/main">
+  <p:cSld>
+    <p:spTree>
+      <p:nvGrpSpPr>
+        <p:cNvPr id="1" name=""/>
+        <p:cNvGrpSpPr/>
+        <p:nvPr/>
+      </p:nvGrpSpPr>
+      <p:grpSpPr>
+        <a:xfrm>
+          <a:off x="0" y="0"/>
+          <a:ext cx="0" cy="0"/>
+          <a:chOff x="0" y="0"/>
+          <a:chExt cx="0" cy="0"/>
+        </a:xfrm>
+      </p:grpSpPr>
+      <p:sp>
+        <p:nvSpPr>
+          <p:cNvPr id="3" name="Turinio vietos rezervavimo ženklas 2">
+            <a:extLst>
+              <a:ext uri="{FF2B5EF4-FFF2-40B4-BE49-F238E27FC236}">
+                <a16:creationId xmlns:a16="http://schemas.microsoft.com/office/drawing/2014/main" id="{2EC5C058-F008-454D-9025-984E3D32410F}"/>
+              </a:ext>
+            </a:extLst>
+          </p:cNvPr>
+          <p:cNvSpPr>
+            <a:spLocks noGrp="1"/>
+          </p:cNvSpPr>
+          <p:nvPr>
+            <p:ph idx="1"/>
+          </p:nvPr>
+        </p:nvSpPr>
+        <p:spPr>
+          <a:xfrm>
+            <a:off x="838200" y="2424223"/>
+            <a:ext cx="10515600" cy="3752740"/>
+          </a:xfrm>
+        </p:spPr>
+        <p:txBody>
+          <a:bodyPr/>
+          <a:lstStyle/>
+          <a:p>
+            <a:endParaRPr lang="lt-LT" sz="2400" dirty="0"/>
+          </a:p>
+          <a:p>
+            <a:r>
+              <a:rPr lang="lt-LT" sz="2400" dirty="0"/>
+              <a:t>Norima dimensija turi būti parenkama iš anksto.</a:t>
+            </a:r>
+          </a:p>
+          <a:p>
+            <a:r>
+              <a:rPr lang="lt-LT" sz="2400" dirty="0"/>
+              <a:t>Natūralu, kad įterpimo funkcijos reikšmė didėja kuo labiau mažinama dimensija.</a:t>
+            </a:r>
+          </a:p>
+          <a:p>
+            <a:r>
+              <a:rPr lang="lt-LT" sz="2400" dirty="0"/>
+              <a:t>Galimas dimensijos dydžio vaizdo erdvėje parinkimo būdas yra ieškant mažiausios dimensijos, kuri vis dar turi pakankamai mažas įterpimo funkcijos reikšmes.</a:t>
+            </a:r>
+          </a:p>
+          <a:p>
+            <a:endParaRPr lang="lt-LT" dirty="0"/>
+          </a:p>
+          <a:p>
+            <a:pPr marL="0" indent="0">
+              <a:buNone/>
+            </a:pPr>
+            <a:endParaRPr lang="lt-LT" dirty="0"/>
+          </a:p>
+          <a:p>
+            <a:endParaRPr lang="LID4096" dirty="0"/>
+          </a:p>
+        </p:txBody>
+      </p:sp>
+      <p:sp>
+        <p:nvSpPr>
+          <p:cNvPr id="4" name="Pavadinimas 1">
+            <a:extLst>
+              <a:ext uri="{FF2B5EF4-FFF2-40B4-BE49-F238E27FC236}">
+                <a16:creationId xmlns:a16="http://schemas.microsoft.com/office/drawing/2014/main" id="{DC1ADF7E-1974-4EEF-A81D-F7D2A4C9E6FC}"/>
+              </a:ext>
+            </a:extLst>
+          </p:cNvPr>
+          <p:cNvSpPr>
+            <a:spLocks noGrp="1"/>
+          </p:cNvSpPr>
+          <p:nvPr>
+            <p:ph type="title"/>
+          </p:nvPr>
+        </p:nvSpPr>
+        <p:spPr>
+          <a:xfrm>
+            <a:off x="838200" y="365125"/>
+            <a:ext cx="10515600" cy="1325563"/>
+          </a:xfrm>
+        </p:spPr>
+        <p:txBody>
+          <a:bodyPr/>
+          <a:lstStyle/>
+          <a:p>
+            <a:r>
+              <a:rPr lang="lt-LT" dirty="0"/>
+              <a:t>Vaizdo dimensijos dydžio parinkimas</a:t>
+            </a:r>
+            <a:endParaRPr lang="LID4096" dirty="0"/>
+          </a:p>
+        </p:txBody>
+      </p:sp>
+    </p:spTree>
+    <p:extLst>
+      <p:ext uri="{BB962C8B-B14F-4D97-AF65-F5344CB8AC3E}">
+        <p14:creationId xmlns:p14="http://schemas.microsoft.com/office/powerpoint/2010/main" val="4145479158"/>
+      </p:ext>
+    </p:extLst>
+  </p:cSld>
+  <p:clrMapOvr>
+    <a:masterClrMapping/>
+  </p:clrMapOvr>
+</p:sld>
+</file>
+
+<file path=ppt/slides/slide22.xml><?xml version="1.0" encoding="utf-8"?>
+<p:sld xmlns:a="http://schemas.openxmlformats.org/drawingml/2006/main" xmlns:r="http://schemas.openxmlformats.org/officeDocument/2006/relationships" xmlns:p="http://schemas.openxmlformats.org/presentationml/2006/main">
+  <p:cSld>
+    <p:spTree>
+      <p:nvGrpSpPr>
+        <p:cNvPr id="1" name=""/>
+        <p:cNvGrpSpPr/>
+        <p:nvPr/>
+      </p:nvGrpSpPr>
+      <p:grpSpPr>
+        <a:xfrm>
+          <a:off x="0" y="0"/>
+          <a:ext cx="0" cy="0"/>
+          <a:chOff x="0" y="0"/>
+          <a:chExt cx="0" cy="0"/>
+        </a:xfrm>
+      </p:grpSpPr>
+      <p:sp>
+        <p:nvSpPr>
+          <p:cNvPr id="2" name="Pavadinimas 1">
+            <a:extLst>
+              <a:ext uri="{FF2B5EF4-FFF2-40B4-BE49-F238E27FC236}">
+                <a16:creationId xmlns:a16="http://schemas.microsoft.com/office/drawing/2014/main" id="{6F1E1D41-E5F1-4A2A-964E-4C3E2913AEFC}"/>
+              </a:ext>
+            </a:extLst>
+          </p:cNvPr>
+          <p:cNvSpPr>
+            <a:spLocks noGrp="1"/>
+          </p:cNvSpPr>
+          <p:nvPr>
+            <p:ph type="title"/>
+          </p:nvPr>
+        </p:nvSpPr>
+        <p:spPr/>
+        <p:txBody>
+          <a:bodyPr/>
+          <a:lstStyle/>
+          <a:p>
+            <a:endParaRPr lang="LID4096"/>
+          </a:p>
+        </p:txBody>
+      </p:sp>
+      <p:pic>
+        <p:nvPicPr>
+          <p:cNvPr id="5" name="Turinio vietos rezervavimo ženklas 4" descr="Paveikslėlis, kuriame yra kvadratas&#10;&#10;Automatiškai sugeneruotas aprašymas">
+            <a:extLst>
+              <a:ext uri="{FF2B5EF4-FFF2-40B4-BE49-F238E27FC236}">
+                <a16:creationId xmlns:a16="http://schemas.microsoft.com/office/drawing/2014/main" id="{3260BA37-CF4E-48D0-AC15-EC9A9920D520}"/>
+              </a:ext>
+            </a:extLst>
+          </p:cNvPr>
+          <p:cNvPicPr>
+            <a:picLocks noGrp="1" noChangeAspect="1"/>
+          </p:cNvPicPr>
+          <p:nvPr>
+            <p:ph idx="1"/>
+          </p:nvPr>
+        </p:nvPicPr>
+        <p:blipFill>
+          <a:blip r:embed="rId2">
+            <a:extLst>
+              <a:ext uri="{28A0092B-C50C-407E-A947-70E740481C1C}">
+                <a14:useLocalDpi xmlns:a14="http://schemas.microsoft.com/office/drawing/2010/main" val="0"/>
+              </a:ext>
+            </a:extLst>
+          </a:blip>
+          <a:stretch>
+            <a:fillRect/>
+          </a:stretch>
+        </p:blipFill>
+        <p:spPr>
+          <a:xfrm>
+            <a:off x="5135526" y="1790234"/>
+            <a:ext cx="6420725" cy="4211099"/>
+          </a:xfrm>
+        </p:spPr>
+      </p:pic>
+      <p:sp>
+        <p:nvSpPr>
+          <p:cNvPr id="6" name="TextBox 5">
+            <a:extLst>
+              <a:ext uri="{FF2B5EF4-FFF2-40B4-BE49-F238E27FC236}">
+                <a16:creationId xmlns:a16="http://schemas.microsoft.com/office/drawing/2014/main" id="{9FE03B14-86F9-4746-A128-74A695072EE2}"/>
+              </a:ext>
+            </a:extLst>
+          </p:cNvPr>
+          <p:cNvSpPr txBox="1"/>
+          <p:nvPr/>
+        </p:nvSpPr>
+        <p:spPr>
+          <a:xfrm>
+            <a:off x="838200" y="2228671"/>
+            <a:ext cx="4167962" cy="1200329"/>
+          </a:xfrm>
+          <a:prstGeom prst="rect">
+            <a:avLst/>
+          </a:prstGeom>
+          <a:noFill/>
+        </p:spPr>
+        <p:txBody>
+          <a:bodyPr wrap="square" rtlCol="0">
+            <a:spAutoFit/>
+          </a:bodyPr>
+          <a:lstStyle/>
+          <a:p>
+            <a:endParaRPr lang="lt-LT" sz="2400" dirty="0"/>
+          </a:p>
+          <a:p>
+            <a:r>
+              <a:rPr lang="lt-LT" sz="2400" dirty="0" err="1"/>
+              <a:t>Scree</a:t>
+            </a:r>
+            <a:r>
+              <a:rPr lang="lt-LT" sz="2400" dirty="0"/>
+              <a:t> plot ieškoma alkūnės taško (angl. </a:t>
+            </a:r>
+            <a:r>
+              <a:rPr lang="lt-LT" sz="2400" dirty="0" err="1"/>
+              <a:t>elbow</a:t>
+            </a:r>
+            <a:r>
+              <a:rPr lang="lt-LT" sz="2400" dirty="0"/>
+              <a:t> </a:t>
+            </a:r>
+            <a:r>
+              <a:rPr lang="lt-LT" sz="2400" dirty="0" err="1"/>
+              <a:t>point</a:t>
+            </a:r>
+            <a:r>
+              <a:rPr lang="lt-LT" sz="2400" dirty="0"/>
+              <a:t>) </a:t>
+            </a:r>
+            <a:endParaRPr lang="LID4096" sz="2400" dirty="0"/>
+          </a:p>
+        </p:txBody>
+      </p:sp>
+    </p:spTree>
+    <p:extLst>
+      <p:ext uri="{BB962C8B-B14F-4D97-AF65-F5344CB8AC3E}">
+        <p14:creationId xmlns:p14="http://schemas.microsoft.com/office/powerpoint/2010/main" val="148588378"/>
+      </p:ext>
+    </p:extLst>
+  </p:cSld>
+  <p:clrMapOvr>
+    <a:masterClrMapping/>
+  </p:clrMapOvr>
+</p:sld>
+</file>
+
+<file path=ppt/slides/slide23.xml><?xml version="1.0" encoding="utf-8"?>
+<p:sld xmlns:a="http://schemas.openxmlformats.org/drawingml/2006/main" xmlns:r="http://schemas.openxmlformats.org/officeDocument/2006/relationships" xmlns:p="http://schemas.openxmlformats.org/presentationml/2006/main">
+  <p:cSld>
+    <p:spTree>
+      <p:nvGrpSpPr>
+        <p:cNvPr id="1" name=""/>
+        <p:cNvGrpSpPr/>
+        <p:nvPr/>
+      </p:nvGrpSpPr>
+      <p:grpSpPr>
+        <a:xfrm>
+          <a:off x="0" y="0"/>
+          <a:ext cx="0" cy="0"/>
+          <a:chOff x="0" y="0"/>
+          <a:chExt cx="0" cy="0"/>
+        </a:xfrm>
+      </p:grpSpPr>
+      <p:sp>
+        <p:nvSpPr>
+          <p:cNvPr id="2" name="Pavadinimas 1">
+            <a:extLst>
+              <a:ext uri="{FF2B5EF4-FFF2-40B4-BE49-F238E27FC236}">
+                <a16:creationId xmlns:a16="http://schemas.microsoft.com/office/drawing/2014/main" id="{04C14B83-B546-4F5B-A17B-B3AAE486A9C1}"/>
+              </a:ext>
+            </a:extLst>
+          </p:cNvPr>
+          <p:cNvSpPr>
+            <a:spLocks noGrp="1"/>
+          </p:cNvSpPr>
+          <p:nvPr>
+            <p:ph type="title"/>
+          </p:nvPr>
+        </p:nvSpPr>
+        <p:spPr/>
+        <p:txBody>
+          <a:bodyPr/>
+          <a:lstStyle/>
+          <a:p>
+            <a:r>
+              <a:rPr lang="lt-LT" dirty="0"/>
+              <a:t>MDS interpretacija</a:t>
+            </a:r>
+            <a:endParaRPr lang="LID4096" dirty="0"/>
+          </a:p>
+        </p:txBody>
+      </p:sp>
+      <p:sp>
+        <p:nvSpPr>
+          <p:cNvPr id="3" name="Turinio vietos rezervavimo ženklas 2">
+            <a:extLst>
+              <a:ext uri="{FF2B5EF4-FFF2-40B4-BE49-F238E27FC236}">
+                <a16:creationId xmlns:a16="http://schemas.microsoft.com/office/drawing/2014/main" id="{60BA0A37-A4EC-4EBD-9AAF-6CEB1A441951}"/>
+              </a:ext>
+            </a:extLst>
+          </p:cNvPr>
+          <p:cNvSpPr>
+            <a:spLocks noGrp="1"/>
+          </p:cNvSpPr>
+          <p:nvPr>
+            <p:ph idx="1"/>
+          </p:nvPr>
+        </p:nvSpPr>
+        <p:spPr/>
+        <p:txBody>
+          <a:bodyPr>
+            <a:normAutofit/>
+          </a:bodyPr>
+          <a:lstStyle/>
+          <a:p>
+            <a:r>
+              <a:rPr lang="lt-LT" sz="2400" dirty="0"/>
+              <a:t>Priešingai negu naudojant PCA, ašys nėra reikšmingos, nes MDS rezultatai pagrįsti vien tik atstumais tarp objektų.</a:t>
+            </a:r>
+          </a:p>
+          <a:p>
+            <a:endParaRPr lang="lt-LT" sz="2400" dirty="0"/>
+          </a:p>
+          <a:p>
+            <a:pPr marL="0" indent="0">
+              <a:buNone/>
+            </a:pPr>
+            <a:r>
+              <a:rPr lang="lt-LT" sz="2400" dirty="0"/>
+              <a:t>Atstumai nekinta:</a:t>
+            </a:r>
+          </a:p>
+          <a:p>
+            <a:r>
+              <a:rPr lang="lt-LT" sz="2400" dirty="0"/>
+              <a:t>Prie vienos koordinatės pridedant konstantą visiems objektams (paslinkus)</a:t>
+            </a:r>
+          </a:p>
+          <a:p>
+            <a:r>
+              <a:rPr lang="lt-LT" sz="2400" dirty="0"/>
+              <a:t>Pasukant ašis</a:t>
+            </a:r>
+          </a:p>
+          <a:p>
+            <a:r>
+              <a:rPr lang="lt-LT" sz="2400" dirty="0"/>
+              <a:t>Paimant atspindį kurios nors ašies atžvilgiu</a:t>
+            </a:r>
+          </a:p>
+          <a:p>
+            <a:endParaRPr lang="lt-LT" sz="2400" dirty="0"/>
+          </a:p>
+          <a:p>
+            <a:pPr marL="0" indent="0">
+              <a:buNone/>
+            </a:pPr>
+            <a:r>
+              <a:rPr lang="lt-LT" sz="2400" dirty="0"/>
+              <a:t>Todėl peržiūrint MDS gauta rezultatą gali tekti ieškoti „prasmingiausių“ ašių.</a:t>
+            </a:r>
+          </a:p>
+        </p:txBody>
+      </p:sp>
+    </p:spTree>
+    <p:extLst>
+      <p:ext uri="{BB962C8B-B14F-4D97-AF65-F5344CB8AC3E}">
+        <p14:creationId xmlns:p14="http://schemas.microsoft.com/office/powerpoint/2010/main" val="2971599568"/>
+      </p:ext>
+    </p:extLst>
+  </p:cSld>
+  <p:clrMapOvr>
+    <a:masterClrMapping/>
+  </p:clrMapOvr>
+</p:sld>
+</file>
+
+<file path=ppt/slides/slide24.xml><?xml version="1.0" encoding="utf-8"?>
+<p:sld xmlns:a="http://schemas.openxmlformats.org/drawingml/2006/main" xmlns:r="http://schemas.openxmlformats.org/officeDocument/2006/relationships" xmlns:p="http://schemas.openxmlformats.org/presentationml/2006/main">
+  <p:cSld>
+    <p:spTree>
+      <p:nvGrpSpPr>
+        <p:cNvPr id="1" name=""/>
+        <p:cNvGrpSpPr/>
+        <p:nvPr/>
+      </p:nvGrpSpPr>
+      <p:grpSpPr>
+        <a:xfrm>
+          <a:off x="0" y="0"/>
+          <a:ext cx="0" cy="0"/>
+          <a:chOff x="0" y="0"/>
+          <a:chExt cx="0" cy="0"/>
+        </a:xfrm>
+      </p:grpSpPr>
+      <p:pic>
+        <p:nvPicPr>
+          <p:cNvPr id="5" name="Turinio vietos rezervavimo ženklas 4">
+            <a:extLst>
+              <a:ext uri="{FF2B5EF4-FFF2-40B4-BE49-F238E27FC236}">
+                <a16:creationId xmlns:a16="http://schemas.microsoft.com/office/drawing/2014/main" id="{9A38D602-D378-466E-88FF-2B725107E29D}"/>
+              </a:ext>
+            </a:extLst>
+          </p:cNvPr>
+          <p:cNvPicPr>
+            <a:picLocks noGrp="1" noChangeAspect="1"/>
+          </p:cNvPicPr>
+          <p:nvPr>
+            <p:ph idx="1"/>
+          </p:nvPr>
+        </p:nvPicPr>
+        <p:blipFill>
+          <a:blip r:embed="rId2">
+            <a:extLst>
+              <a:ext uri="{28A0092B-C50C-407E-A947-70E740481C1C}">
+                <a14:useLocalDpi xmlns:a14="http://schemas.microsoft.com/office/drawing/2010/main" val="0"/>
+              </a:ext>
+            </a:extLst>
+          </a:blip>
+          <a:stretch>
+            <a:fillRect/>
+          </a:stretch>
+        </p:blipFill>
+        <p:spPr>
+          <a:xfrm>
+            <a:off x="4682799" y="523062"/>
+            <a:ext cx="7228279" cy="5811876"/>
+          </a:xfrm>
+        </p:spPr>
+      </p:pic>
+      <p:sp>
+        <p:nvSpPr>
+          <p:cNvPr id="7" name="TextBox 6">
+            <a:extLst>
+              <a:ext uri="{FF2B5EF4-FFF2-40B4-BE49-F238E27FC236}">
+                <a16:creationId xmlns:a16="http://schemas.microsoft.com/office/drawing/2014/main" id="{D149735D-A94E-4153-8B13-A1A04C36ED36}"/>
+              </a:ext>
+            </a:extLst>
+          </p:cNvPr>
+          <p:cNvSpPr txBox="1"/>
+          <p:nvPr/>
+        </p:nvSpPr>
+        <p:spPr>
+          <a:xfrm>
+            <a:off x="733647" y="1307275"/>
+            <a:ext cx="4289394" cy="3416320"/>
+          </a:xfrm>
+          <a:prstGeom prst="rect">
+            <a:avLst/>
+          </a:prstGeom>
+          <a:noFill/>
+        </p:spPr>
+        <p:txBody>
+          <a:bodyPr wrap="square" rtlCol="0">
+            <a:spAutoFit/>
+          </a:bodyPr>
+          <a:lstStyle/>
+          <a:p>
+            <a:r>
+              <a:rPr lang="lt-LT" sz="2400" dirty="0"/>
+              <a:t>Pvz. respondentai vertino šalis pagal jų panašumą.</a:t>
+            </a:r>
+          </a:p>
+          <a:p>
+            <a:endParaRPr lang="lt-LT" sz="2400" dirty="0"/>
+          </a:p>
+          <a:p>
+            <a:r>
+              <a:rPr lang="lt-LT" sz="2400" dirty="0"/>
+              <a:t>Gautoje sklaidos diagramoje pridedamos prasminės ašys.</a:t>
+            </a:r>
+          </a:p>
+          <a:p>
+            <a:endParaRPr lang="lt-LT" sz="2400" dirty="0"/>
+          </a:p>
+          <a:p>
+            <a:r>
+              <a:rPr lang="lt-LT" sz="2400" dirty="0"/>
+              <a:t>Kai kurios MDS </a:t>
+            </a:r>
+            <a:r>
+              <a:rPr lang="lt-LT" sz="2400" dirty="0" err="1"/>
+              <a:t>implementacijos</a:t>
+            </a:r>
+            <a:r>
+              <a:rPr lang="lt-LT" sz="2400" dirty="0"/>
+              <a:t> automatiškai panaudoja PCA perorientuoti ašis. </a:t>
+            </a:r>
+            <a:endParaRPr lang="LID4096" sz="2400" dirty="0"/>
+          </a:p>
+        </p:txBody>
+      </p:sp>
+    </p:spTree>
+    <p:extLst>
+      <p:ext uri="{BB962C8B-B14F-4D97-AF65-F5344CB8AC3E}">
+        <p14:creationId xmlns:p14="http://schemas.microsoft.com/office/powerpoint/2010/main" val="1793048937"/>
+      </p:ext>
+    </p:extLst>
+  </p:cSld>
+  <p:clrMapOvr>
+    <a:masterClrMapping/>
+  </p:clrMapOvr>
+</p:sld>
+</file>
+
+<file path=ppt/slides/slide25.xml><?xml version="1.0" encoding="utf-8"?>
+<p:sld xmlns:a="http://schemas.openxmlformats.org/drawingml/2006/main" xmlns:r="http://schemas.openxmlformats.org/officeDocument/2006/relationships" xmlns:p="http://schemas.openxmlformats.org/presentationml/2006/main">
+  <p:cSld>
+    <p:spTree>
+      <p:nvGrpSpPr>
+        <p:cNvPr id="1" name=""/>
+        <p:cNvGrpSpPr/>
+        <p:nvPr/>
+      </p:nvGrpSpPr>
+      <p:grpSpPr>
+        <a:xfrm>
+          <a:off x="0" y="0"/>
+          <a:ext cx="0" cy="0"/>
+          <a:chOff x="0" y="0"/>
+          <a:chExt cx="0" cy="0"/>
+        </a:xfrm>
+      </p:grpSpPr>
+      <p:sp>
+        <p:nvSpPr>
+          <p:cNvPr id="2" name="Pavadinimas 1">
+            <a:extLst>
+              <a:ext uri="{FF2B5EF4-FFF2-40B4-BE49-F238E27FC236}">
+                <a16:creationId xmlns:a16="http://schemas.microsoft.com/office/drawing/2014/main" id="{770453B7-4D53-4F0E-B920-A326FC701C47}"/>
+              </a:ext>
+            </a:extLst>
+          </p:cNvPr>
+          <p:cNvSpPr>
+            <a:spLocks noGrp="1"/>
+          </p:cNvSpPr>
+          <p:nvPr>
+            <p:ph type="title"/>
+          </p:nvPr>
+        </p:nvSpPr>
+        <p:spPr/>
+        <p:txBody>
+          <a:bodyPr/>
+          <a:lstStyle/>
+          <a:p>
+            <a:r>
+              <a:rPr lang="lt-LT" dirty="0"/>
+              <a:t>Privalumai</a:t>
+            </a:r>
+            <a:endParaRPr lang="LID4096" dirty="0"/>
+          </a:p>
+        </p:txBody>
+      </p:sp>
+      <p:sp>
+        <p:nvSpPr>
+          <p:cNvPr id="3" name="Turinio vietos rezervavimo ženklas 2">
+            <a:extLst>
+              <a:ext uri="{FF2B5EF4-FFF2-40B4-BE49-F238E27FC236}">
+                <a16:creationId xmlns:a16="http://schemas.microsoft.com/office/drawing/2014/main" id="{1C441E99-4272-4169-9474-36AB8E509893}"/>
+              </a:ext>
+            </a:extLst>
+          </p:cNvPr>
+          <p:cNvSpPr>
+            <a:spLocks noGrp="1"/>
+          </p:cNvSpPr>
+          <p:nvPr>
+            <p:ph idx="1"/>
+          </p:nvPr>
+        </p:nvSpPr>
+        <p:spPr/>
+        <p:txBody>
+          <a:bodyPr>
+            <a:normAutofit/>
+          </a:bodyPr>
+          <a:lstStyle/>
+          <a:p>
+            <a:r>
+              <a:rPr lang="lt-LT" sz="2400" b="0" i="0" dirty="0">
+                <a:solidFill>
+                  <a:srgbClr val="333333"/>
+                </a:solidFill>
+                <a:effectLst/>
+              </a:rPr>
+              <a:t>Netiesinė transformacija, kuri siekia išsaugoti duomenų topologiją.</a:t>
+            </a:r>
+          </a:p>
+          <a:p>
+            <a:r>
+              <a:rPr lang="lt-LT" sz="2400" b="0" i="0" dirty="0">
+                <a:solidFill>
+                  <a:srgbClr val="333333"/>
+                </a:solidFill>
+                <a:effectLst/>
+              </a:rPr>
+              <a:t>MDS nėra stipriai veikiama išskirčių kaip PCA, gali būti naudojama siekiant jas aptikti.</a:t>
+            </a:r>
+          </a:p>
+          <a:p>
+            <a:r>
+              <a:rPr lang="lt-LT" sz="2400" dirty="0">
+                <a:solidFill>
+                  <a:srgbClr val="333333"/>
+                </a:solidFill>
+              </a:rPr>
+              <a:t>Vienas iš paprasčiausių netiesinių dimensijos mažinimo metodų.</a:t>
+            </a:r>
+          </a:p>
+        </p:txBody>
+      </p:sp>
+    </p:spTree>
+    <p:extLst>
+      <p:ext uri="{BB962C8B-B14F-4D97-AF65-F5344CB8AC3E}">
+        <p14:creationId xmlns:p14="http://schemas.microsoft.com/office/powerpoint/2010/main" val="452305602"/>
+      </p:ext>
+    </p:extLst>
+  </p:cSld>
+  <p:clrMapOvr>
+    <a:masterClrMapping/>
+  </p:clrMapOvr>
+</p:sld>
+</file>
+
+<file path=ppt/slides/slide26.xml><?xml version="1.0" encoding="utf-8"?>
+<p:sld xmlns:a="http://schemas.openxmlformats.org/drawingml/2006/main" xmlns:r="http://schemas.openxmlformats.org/officeDocument/2006/relationships" xmlns:p="http://schemas.openxmlformats.org/presentationml/2006/main">
+  <p:cSld>
+    <p:spTree>
+      <p:nvGrpSpPr>
+        <p:cNvPr id="1" name=""/>
+        <p:cNvGrpSpPr/>
+        <p:nvPr/>
+      </p:nvGrpSpPr>
+      <p:grpSpPr>
+        <a:xfrm>
+          <a:off x="0" y="0"/>
+          <a:ext cx="0" cy="0"/>
+          <a:chOff x="0" y="0"/>
+          <a:chExt cx="0" cy="0"/>
+        </a:xfrm>
+      </p:grpSpPr>
+      <p:sp>
+        <p:nvSpPr>
+          <p:cNvPr id="2" name="Pavadinimas 1">
+            <a:extLst>
+              <a:ext uri="{FF2B5EF4-FFF2-40B4-BE49-F238E27FC236}">
+                <a16:creationId xmlns:a16="http://schemas.microsoft.com/office/drawing/2014/main" id="{1A765C38-44E9-4F57-A165-53E16D19417F}"/>
+              </a:ext>
+            </a:extLst>
+          </p:cNvPr>
+          <p:cNvSpPr>
+            <a:spLocks noGrp="1"/>
+          </p:cNvSpPr>
+          <p:nvPr>
+            <p:ph type="title"/>
+          </p:nvPr>
+        </p:nvSpPr>
+        <p:spPr/>
+        <p:txBody>
+          <a:bodyPr/>
+          <a:lstStyle/>
+          <a:p>
+            <a:r>
+              <a:rPr lang="lt-LT" dirty="0"/>
+              <a:t>Trūkumai</a:t>
+            </a:r>
+            <a:endParaRPr lang="LID4096" dirty="0"/>
+          </a:p>
+        </p:txBody>
+      </p:sp>
+      <p:sp>
+        <p:nvSpPr>
+          <p:cNvPr id="3" name="Turinio vietos rezervavimo ženklas 2">
+            <a:extLst>
+              <a:ext uri="{FF2B5EF4-FFF2-40B4-BE49-F238E27FC236}">
+                <a16:creationId xmlns:a16="http://schemas.microsoft.com/office/drawing/2014/main" id="{80713BC5-179C-4B1E-B749-455ED9221D1A}"/>
+              </a:ext>
+            </a:extLst>
+          </p:cNvPr>
+          <p:cNvSpPr>
+            <a:spLocks noGrp="1"/>
+          </p:cNvSpPr>
+          <p:nvPr>
+            <p:ph idx="1"/>
+          </p:nvPr>
+        </p:nvSpPr>
+        <p:spPr/>
+        <p:txBody>
+          <a:bodyPr>
+            <a:normAutofit/>
+          </a:bodyPr>
+          <a:lstStyle/>
+          <a:p>
+            <a:r>
+              <a:rPr lang="lt-LT" sz="2400" dirty="0"/>
+              <a:t>Gautos dimensijos neturi aiškios interpretacijos.</a:t>
+            </a:r>
+          </a:p>
+          <a:p>
+            <a:r>
+              <a:rPr lang="lt-LT" sz="2400" dirty="0"/>
+              <a:t>Sunkiau parinkti dimensijų kiekį (PCA galima parinkti naudojant paaiškintą variaciją).</a:t>
+            </a:r>
+          </a:p>
+          <a:p>
+            <a:r>
+              <a:rPr lang="lt-LT" sz="2400" dirty="0"/>
+              <a:t>Su įterpimo funkcijos optimizavimu susijusios problemos:</a:t>
+            </a:r>
+          </a:p>
+          <a:p>
+            <a:pPr lvl="1"/>
+            <a:r>
+              <a:rPr lang="lt-LT" sz="1600" dirty="0"/>
+              <a:t>Pradinis duomenų išdėstymas daro įtaką galutiniam rezultatui.</a:t>
+            </a:r>
+          </a:p>
+          <a:p>
+            <a:pPr lvl="1"/>
+            <a:r>
+              <a:rPr lang="lt-LT" sz="1600" dirty="0"/>
+              <a:t>Gali būti nerastas optimalus sprendimas.</a:t>
+            </a:r>
+          </a:p>
+          <a:p>
+            <a:pPr lvl="1"/>
+            <a:r>
+              <a:rPr lang="lt-LT" sz="1600" dirty="0"/>
+              <a:t>Pridėjus naujų stebėjimų duomenų konfigūracija turi būti randama iš naujo.</a:t>
+            </a:r>
+            <a:endParaRPr lang="en-US" sz="1600" dirty="0"/>
+          </a:p>
+          <a:p>
+            <a:endParaRPr lang="lt-LT" sz="2400" dirty="0"/>
+          </a:p>
+          <a:p>
+            <a:pPr marL="0" indent="0">
+              <a:buNone/>
+            </a:pPr>
+            <a:endParaRPr lang="LID4096" sz="2400" dirty="0"/>
+          </a:p>
+        </p:txBody>
+      </p:sp>
+    </p:spTree>
+    <p:extLst>
+      <p:ext uri="{BB962C8B-B14F-4D97-AF65-F5344CB8AC3E}">
+        <p14:creationId xmlns:p14="http://schemas.microsoft.com/office/powerpoint/2010/main" val="1465714297"/>
+      </p:ext>
+    </p:extLst>
+  </p:cSld>
+  <p:clrMapOvr>
+    <a:masterClrMapping/>
+  </p:clrMapOvr>
+</p:sld>
+</file>
+
+<file path=ppt/slides/slide27.xml><?xml version="1.0" encoding="utf-8"?>
+<p:sld xmlns:a="http://schemas.openxmlformats.org/drawingml/2006/main" xmlns:r="http://schemas.openxmlformats.org/officeDocument/2006/relationships" xmlns:p="http://schemas.openxmlformats.org/presentationml/2006/main">
+  <p:cSld>
+    <p:spTree>
+      <p:nvGrpSpPr>
+        <p:cNvPr id="1" name=""/>
+        <p:cNvGrpSpPr/>
+        <p:nvPr/>
+      </p:nvGrpSpPr>
+      <p:grpSpPr>
+        <a:xfrm>
+          <a:off x="0" y="0"/>
+          <a:ext cx="0" cy="0"/>
+          <a:chOff x="0" y="0"/>
+          <a:chExt cx="0" cy="0"/>
+        </a:xfrm>
+      </p:grpSpPr>
+      <p:sp>
+        <p:nvSpPr>
+          <p:cNvPr id="2" name="Pavadinimas 1">
+            <a:extLst>
+              <a:ext uri="{FF2B5EF4-FFF2-40B4-BE49-F238E27FC236}">
+                <a16:creationId xmlns:a16="http://schemas.microsoft.com/office/drawing/2014/main" id="{DDB98BA2-2795-4958-806D-36CBA60A6F73}"/>
+              </a:ext>
+            </a:extLst>
+          </p:cNvPr>
+          <p:cNvSpPr>
+            <a:spLocks noGrp="1"/>
+          </p:cNvSpPr>
+          <p:nvPr>
+            <p:ph type="title"/>
+          </p:nvPr>
+        </p:nvSpPr>
+        <p:spPr>
+          <a:xfrm>
+            <a:off x="595008" y="2388478"/>
+            <a:ext cx="10515600" cy="1325563"/>
+          </a:xfrm>
+        </p:spPr>
+        <p:txBody>
+          <a:bodyPr/>
+          <a:lstStyle/>
+          <a:p>
+            <a:pPr algn="ctr"/>
+            <a:r>
+              <a:rPr lang="lt-LT" dirty="0"/>
+              <a:t>Papildoma informacija</a:t>
+            </a:r>
+            <a:endParaRPr lang="en-US" dirty="0"/>
+          </a:p>
+        </p:txBody>
+      </p:sp>
+    </p:spTree>
+    <p:extLst>
+      <p:ext uri="{BB962C8B-B14F-4D97-AF65-F5344CB8AC3E}">
+        <p14:creationId xmlns:p14="http://schemas.microsoft.com/office/powerpoint/2010/main" val="3850847709"/>
+      </p:ext>
+    </p:extLst>
+  </p:cSld>
+  <p:clrMapOvr>
+    <a:masterClrMapping/>
+  </p:clrMapOvr>
+</p:sld>
+</file>
+
+<file path=ppt/slides/slide28.xml><?xml version="1.0" encoding="utf-8"?>
+<p:sld xmlns:a="http://schemas.openxmlformats.org/drawingml/2006/main" xmlns:r="http://schemas.openxmlformats.org/officeDocument/2006/relationships" xmlns:p="http://schemas.openxmlformats.org/presentationml/2006/main">
+  <p:cSld>
+    <p:spTree>
+      <p:nvGrpSpPr>
+        <p:cNvPr id="1" name=""/>
+        <p:cNvGrpSpPr/>
+        <p:nvPr/>
+      </p:nvGrpSpPr>
+      <p:grpSpPr>
+        <a:xfrm>
+          <a:off x="0" y="0"/>
+          <a:ext cx="0" cy="0"/>
+          <a:chOff x="0" y="0"/>
+          <a:chExt cx="0" cy="0"/>
+        </a:xfrm>
+      </p:grpSpPr>
+      <p:sp>
+        <p:nvSpPr>
+          <p:cNvPr id="2" name="Pavadinimas 1">
+            <a:extLst>
+              <a:ext uri="{FF2B5EF4-FFF2-40B4-BE49-F238E27FC236}">
+                <a16:creationId xmlns:a16="http://schemas.microsoft.com/office/drawing/2014/main" id="{325F90C7-86DD-4E16-B447-2ACCFF453792}"/>
+              </a:ext>
+            </a:extLst>
+          </p:cNvPr>
+          <p:cNvSpPr>
+            <a:spLocks noGrp="1"/>
+          </p:cNvSpPr>
+          <p:nvPr>
+            <p:ph type="title"/>
+          </p:nvPr>
+        </p:nvSpPr>
+        <p:spPr/>
+        <p:txBody>
+          <a:bodyPr/>
+          <a:lstStyle/>
+          <a:p>
+            <a:r>
+              <a:rPr lang="lt-LT" dirty="0"/>
+              <a:t>Monotoninė regresija</a:t>
+            </a:r>
+            <a:endParaRPr lang="LID4096" dirty="0"/>
+          </a:p>
+        </p:txBody>
+      </p:sp>
+      <mc:AlternateContent xmlns:mc="http://schemas.openxmlformats.org/markup-compatibility/2006">
+        <mc:Choice xmlns:a14="http://schemas.microsoft.com/office/drawing/2010/main" Requires="a14">
           <p:sp>
             <p:nvSpPr>
               <p:cNvPr id="3" name="Turinio vietos rezervavimo ženklas 2">
@@ -5992,7 +8565,23 @@
                       <a:srgbClr val="212529"/>
                     </a:solidFill>
                   </a:rPr>
-                  <a:t>Paprastas algoritmas užtikrinti šį sąryšį yra monotoninė regresija.</a:t>
+                  <a:t>Paprastas algoritmas užtikrinti sąryšį, reikalingą </a:t>
+                </a:r>
+                <a:r>
+                  <a:rPr lang="lt-LT" sz="2400" dirty="0" err="1">
+                    <a:solidFill>
+                      <a:srgbClr val="212529"/>
+                    </a:solidFill>
+                  </a:rPr>
+                  <a:t>nemetrikinei</a:t>
+                </a:r>
+                <a:r>
+                  <a:rPr lang="lt-LT" sz="2400" dirty="0">
+                    <a:solidFill>
+                      <a:srgbClr val="212529"/>
+                    </a:solidFill>
+                  </a:rPr>
+                  <a:t> MDS, yra monotoninė regresija.</a:t>
                 </a:r>
                 <a:endParaRPr lang="lt-LT" sz="2400" b="0" dirty="0">
                   <a:ea typeface="Times New Roman" panose="02020603050405020304" pitchFamily="18" charset="0"/>
@@ -6218,7 +8807,7 @@
             </p:txBody>
           </p:sp>
         </mc:Choice>
-        <mc:Fallback xmlns="">
+        <mc:Fallback>
           <p:sp>
             <p:nvSpPr>
               <p:cNvPr id="3" name="Turinio vietos rezervavimo ženklas 2">
@@ -6271,7 +8860,7 @@
 </p:sld>
 </file>
 
-<file path=ppt/slides/slide17.xml><?xml version="1.0" encoding="utf-8"?>
+<file path=ppt/slides/slide29.xml><?xml version="1.0" encoding="utf-8"?>
 <p:sld xmlns:a="http://schemas.openxmlformats.org/drawingml/2006/main" xmlns:r="http://schemas.openxmlformats.org/officeDocument/2006/relationships" xmlns:p="http://schemas.openxmlformats.org/presentationml/2006/main">
   <p:cSld>
     <p:spTree>
@@ -6496,7 +9085,7 @@
 </p:sld>
 </file>
 
-<file path=ppt/slides/slide18.xml><?xml version="1.0" encoding="utf-8"?>
+<file path=ppt/slides/slide3.xml><?xml version="1.0" encoding="utf-8"?>
 <p:sld xmlns:a="http://schemas.openxmlformats.org/drawingml/2006/main" xmlns:r="http://schemas.openxmlformats.org/officeDocument/2006/relationships" xmlns:p="http://schemas.openxmlformats.org/presentationml/2006/main">
   <p:cSld>
     <p:spTree>
@@ -6518,7 +9107,7 @@
           <p:cNvPr id="2" name="Pavadinimas 1">
             <a:extLst>
               <a:ext uri="{FF2B5EF4-FFF2-40B4-BE49-F238E27FC236}">
-                <a16:creationId xmlns:a16="http://schemas.microsoft.com/office/drawing/2014/main" id="{02037F68-C73F-4F6C-8609-583BBF54AF3B}"/>
+                <a16:creationId xmlns:a16="http://schemas.microsoft.com/office/drawing/2014/main" id="{BDE89A48-41C5-4927-948B-0E2243E3D11D}"/>
               </a:ext>
             </a:extLst>
           </p:cNvPr>
@@ -6534,699 +9123,16 @@
           <a:bodyPr/>
           <a:lstStyle/>
           <a:p>
-            <a:r>
-              <a:rPr lang="lt-LT" dirty="0"/>
-              <a:t>Bendra MDS schema</a:t>
-            </a:r>
-            <a:endParaRPr lang="LID4096" dirty="0"/>
-          </a:p>
-        </p:txBody>
-      </p:sp>
-      <p:sp>
-        <p:nvSpPr>
-          <p:cNvPr id="3" name="Turinio vietos rezervavimo ženklas 2">
-            <a:extLst>
-              <a:ext uri="{FF2B5EF4-FFF2-40B4-BE49-F238E27FC236}">
-                <a16:creationId xmlns:a16="http://schemas.microsoft.com/office/drawing/2014/main" id="{A0034F66-F21B-4090-981F-EDB86155817A}"/>
-              </a:ext>
-            </a:extLst>
-          </p:cNvPr>
-          <p:cNvSpPr>
-            <a:spLocks noGrp="1"/>
-          </p:cNvSpPr>
-          <p:nvPr>
-            <p:ph idx="1"/>
-          </p:nvPr>
-        </p:nvSpPr>
-        <p:spPr/>
-        <p:txBody>
-          <a:bodyPr>
-            <a:normAutofit/>
-          </a:bodyPr>
-          <a:lstStyle/>
-          <a:p>
-            <a:pPr algn="l"/>
-            <a:r>
-              <a:rPr lang="lt-LT" sz="2400" b="0" i="0" dirty="0">
-                <a:solidFill>
-                  <a:srgbClr val="212529"/>
-                </a:solidFill>
-                <a:effectLst/>
-              </a:rPr>
-              <a:t>Bendra MDS schema atrodo taip:</a:t>
-            </a:r>
-          </a:p>
-          <a:p>
-            <a:pPr algn="l"/>
-            <a:endParaRPr lang="lt-LT" sz="2400" b="0" i="0" dirty="0">
-              <a:solidFill>
-                <a:srgbClr val="212529"/>
-              </a:solidFill>
-              <a:effectLst/>
-            </a:endParaRPr>
-          </a:p>
-          <a:p>
-            <a:pPr lvl="1">
-              <a:buFont typeface="+mj-lt"/>
-              <a:buAutoNum type="arabicPeriod"/>
-            </a:pPr>
-            <a:r>
-              <a:rPr lang="lt-LT" b="0" i="0" dirty="0">
-                <a:solidFill>
-                  <a:srgbClr val="212529"/>
-                </a:solidFill>
-                <a:effectLst/>
-              </a:rPr>
-              <a:t>   Pradinis taškų išsidėstymas.</a:t>
-            </a:r>
-          </a:p>
-          <a:p>
-            <a:pPr lvl="1">
-              <a:buFont typeface="+mj-lt"/>
-              <a:buAutoNum type="arabicPeriod"/>
-            </a:pPr>
-            <a:r>
-              <a:rPr lang="lt-LT" b="0" i="0" dirty="0">
-                <a:solidFill>
-                  <a:srgbClr val="212529"/>
-                </a:solidFill>
-                <a:effectLst/>
-              </a:rPr>
-              <a:t>   Apskaičiuojamas </a:t>
-            </a:r>
-            <a:r>
-              <a:rPr lang="lt-LT" dirty="0" err="1">
-                <a:solidFill>
-                  <a:srgbClr val="212529"/>
-                </a:solidFill>
-              </a:rPr>
-              <a:t>Stress</a:t>
-            </a:r>
-            <a:r>
-              <a:rPr lang="lt-LT" b="0" i="0" dirty="0">
-                <a:solidFill>
-                  <a:srgbClr val="212529"/>
-                </a:solidFill>
-                <a:effectLst/>
-              </a:rPr>
-              <a:t>.</a:t>
-            </a:r>
-            <a:endParaRPr lang="en-US" b="0" i="0" dirty="0">
-              <a:solidFill>
-                <a:srgbClr val="212529"/>
-              </a:solidFill>
-              <a:effectLst/>
-            </a:endParaRPr>
-          </a:p>
-          <a:p>
-            <a:pPr lvl="1">
-              <a:buFont typeface="+mj-lt"/>
-              <a:buAutoNum type="arabicPeriod"/>
-            </a:pPr>
-            <a:r>
-              <a:rPr lang="lt-LT" dirty="0">
-                <a:solidFill>
-                  <a:srgbClr val="212529"/>
-                </a:solidFill>
-              </a:rPr>
-              <a:t>   </a:t>
-            </a:r>
-            <a:r>
-              <a:rPr lang="lt-LT" dirty="0" err="1">
-                <a:solidFill>
-                  <a:srgbClr val="212529"/>
-                </a:solidFill>
-              </a:rPr>
-              <a:t>Stress</a:t>
-            </a:r>
-            <a:r>
-              <a:rPr lang="lt-LT" dirty="0">
-                <a:solidFill>
-                  <a:srgbClr val="212529"/>
-                </a:solidFill>
-              </a:rPr>
-              <a:t> minimizavimas tam tikru algoritmu.</a:t>
-            </a:r>
-            <a:endParaRPr lang="en-US" b="0" i="0" dirty="0">
-              <a:solidFill>
-                <a:srgbClr val="212529"/>
-              </a:solidFill>
-              <a:effectLst/>
-            </a:endParaRPr>
-          </a:p>
-          <a:p>
-            <a:pPr lvl="1">
-              <a:buFont typeface="+mj-lt"/>
-              <a:buAutoNum type="arabicPeriod"/>
-            </a:pPr>
-            <a:r>
-              <a:rPr lang="lt-LT" b="0" i="0" dirty="0">
-                <a:solidFill>
-                  <a:srgbClr val="212529"/>
-                </a:solidFill>
-                <a:effectLst/>
-              </a:rPr>
-              <a:t>   2 ir 3 žingsnio kartojimas iki konvergavimo.</a:t>
-            </a:r>
-          </a:p>
-          <a:p>
-            <a:pPr marL="0" indent="0" algn="l">
-              <a:buNone/>
-            </a:pPr>
-            <a:endParaRPr lang="en-US" sz="2400" b="0" i="0" dirty="0">
-              <a:solidFill>
-                <a:srgbClr val="212529"/>
-              </a:solidFill>
-              <a:effectLst/>
-            </a:endParaRPr>
-          </a:p>
-          <a:p>
-            <a:pPr algn="l"/>
-            <a:r>
-              <a:rPr lang="lt-LT" sz="2400" dirty="0">
-                <a:solidFill>
-                  <a:srgbClr val="212529"/>
-                </a:solidFill>
-              </a:rPr>
-              <a:t>Kiekvieną kartą p</a:t>
-            </a:r>
-            <a:r>
-              <a:rPr lang="en-US" sz="2400" b="0" i="0" dirty="0" err="1">
-                <a:solidFill>
-                  <a:srgbClr val="212529"/>
-                </a:solidFill>
-                <a:effectLst/>
-              </a:rPr>
-              <a:t>rie</a:t>
-            </a:r>
-            <a:r>
-              <a:rPr lang="lt-LT" sz="2400" dirty="0">
-                <a:solidFill>
-                  <a:srgbClr val="212529"/>
-                </a:solidFill>
-              </a:rPr>
-              <a:t>š apskaičiuojant </a:t>
-            </a:r>
-            <a:r>
-              <a:rPr lang="lt-LT" sz="2400" dirty="0" err="1">
-                <a:solidFill>
-                  <a:srgbClr val="212529"/>
-                </a:solidFill>
-              </a:rPr>
-              <a:t>Stress</a:t>
-            </a:r>
-            <a:r>
-              <a:rPr lang="lt-LT" sz="2400" dirty="0">
-                <a:solidFill>
-                  <a:srgbClr val="212529"/>
-                </a:solidFill>
-              </a:rPr>
-              <a:t> iš naujo apskaičiuojamos </a:t>
-            </a:r>
-            <a:r>
-              <a:rPr lang="lt-LT" sz="2400" dirty="0" err="1">
-                <a:solidFill>
-                  <a:srgbClr val="212529"/>
-                </a:solidFill>
-              </a:rPr>
-              <a:t>disparities</a:t>
-            </a:r>
-            <a:r>
-              <a:rPr lang="lt-LT" sz="2400" dirty="0">
-                <a:solidFill>
-                  <a:srgbClr val="212529"/>
-                </a:solidFill>
-              </a:rPr>
-              <a:t> (</a:t>
-            </a:r>
-            <a:r>
-              <a:rPr lang="lt-LT" sz="2400" dirty="0" err="1">
-                <a:solidFill>
-                  <a:srgbClr val="212529"/>
-                </a:solidFill>
-              </a:rPr>
-              <a:t>nemetrikiniu</a:t>
-            </a:r>
-            <a:r>
-              <a:rPr lang="lt-LT" sz="2400" dirty="0">
-                <a:solidFill>
-                  <a:srgbClr val="212529"/>
-                </a:solidFill>
-              </a:rPr>
-              <a:t> atveju pakartotinai atliekama monotoninė regresija).</a:t>
-            </a:r>
-            <a:endParaRPr lang="en-US" sz="2400" b="0" i="0" dirty="0">
-              <a:solidFill>
-                <a:srgbClr val="212529"/>
-              </a:solidFill>
-              <a:effectLst/>
-            </a:endParaRPr>
-          </a:p>
-        </p:txBody>
-      </p:sp>
-    </p:spTree>
-    <p:extLst>
-      <p:ext uri="{BB962C8B-B14F-4D97-AF65-F5344CB8AC3E}">
-        <p14:creationId xmlns:p14="http://schemas.microsoft.com/office/powerpoint/2010/main" val="3641505901"/>
-      </p:ext>
-    </p:extLst>
-  </p:cSld>
-  <p:clrMapOvr>
-    <a:masterClrMapping/>
-  </p:clrMapOvr>
-</p:sld>
-</file>
-
-<file path=ppt/slides/slide19.xml><?xml version="1.0" encoding="utf-8"?>
-<p:sld xmlns:a="http://schemas.openxmlformats.org/drawingml/2006/main" xmlns:r="http://schemas.openxmlformats.org/officeDocument/2006/relationships" xmlns:p="http://schemas.openxmlformats.org/presentationml/2006/main">
-  <p:cSld>
-    <p:spTree>
-      <p:nvGrpSpPr>
-        <p:cNvPr id="1" name=""/>
-        <p:cNvGrpSpPr/>
-        <p:nvPr/>
-      </p:nvGrpSpPr>
-      <p:grpSpPr>
-        <a:xfrm>
-          <a:off x="0" y="0"/>
-          <a:ext cx="0" cy="0"/>
-          <a:chOff x="0" y="0"/>
-          <a:chExt cx="0" cy="0"/>
-        </a:xfrm>
-      </p:grpSpPr>
-      <p:sp>
-        <p:nvSpPr>
-          <p:cNvPr id="2" name="Pavadinimas 1">
-            <a:extLst>
-              <a:ext uri="{FF2B5EF4-FFF2-40B4-BE49-F238E27FC236}">
-                <a16:creationId xmlns:a16="http://schemas.microsoft.com/office/drawing/2014/main" id="{6AEFBFFF-70C6-4CEF-8D5F-EA4257440F32}"/>
-              </a:ext>
-            </a:extLst>
-          </p:cNvPr>
-          <p:cNvSpPr>
-            <a:spLocks noGrp="1"/>
-          </p:cNvSpPr>
-          <p:nvPr>
-            <p:ph type="title"/>
-          </p:nvPr>
-        </p:nvSpPr>
-        <p:spPr/>
-        <p:txBody>
-          <a:bodyPr/>
-          <a:lstStyle/>
-          <a:p>
-            <a:endParaRPr lang="LID4096" dirty="0"/>
-          </a:p>
-        </p:txBody>
-      </p:sp>
-      <p:sp>
-        <p:nvSpPr>
-          <p:cNvPr id="3" name="Turinio vietos rezervavimo ženklas 2">
-            <a:extLst>
-              <a:ext uri="{FF2B5EF4-FFF2-40B4-BE49-F238E27FC236}">
-                <a16:creationId xmlns:a16="http://schemas.microsoft.com/office/drawing/2014/main" id="{0720A465-5C64-4B73-9717-03DD5E276E48}"/>
-              </a:ext>
-            </a:extLst>
-          </p:cNvPr>
-          <p:cNvSpPr>
-            <a:spLocks noGrp="1"/>
-          </p:cNvSpPr>
-          <p:nvPr>
-            <p:ph idx="1"/>
-          </p:nvPr>
-        </p:nvSpPr>
-        <p:spPr/>
-        <p:txBody>
-          <a:bodyPr/>
-          <a:lstStyle/>
-          <a:p>
-            <a:endParaRPr lang="lt-LT" sz="2400" dirty="0"/>
-          </a:p>
-          <a:p>
-            <a:r>
-              <a:rPr lang="lt-LT" sz="2400" dirty="0"/>
-              <a:t>Iš praktinės pusės tai reiškia kad: </a:t>
-            </a:r>
-          </a:p>
-          <a:p>
-            <a:pPr lvl="1"/>
-            <a:r>
-              <a:rPr lang="lt-LT" dirty="0"/>
-              <a:t>Reikia pasirinkti iteracijų skaičių.</a:t>
-            </a:r>
-          </a:p>
-          <a:p>
-            <a:pPr lvl="1"/>
-            <a:r>
-              <a:rPr lang="lt-LT" dirty="0"/>
-              <a:t>Jeigu pradinės ieškomų vektorių reikšmės atsitiktinės, tai kiekvieną kartą gali būti randamas kitas sprendimas.</a:t>
-            </a:r>
-          </a:p>
-          <a:p>
-            <a:pPr lvl="1"/>
-            <a:r>
-              <a:rPr lang="lt-LT" dirty="0"/>
-              <a:t>Algoritmas gali užstrigti lokaliame minimume (siekiant to išvengti algoritmas paleidžiamas kelis kartus ir pasirenkamas geriausias spendimas).</a:t>
-            </a:r>
-          </a:p>
-          <a:p>
-            <a:pPr lvl="1"/>
-            <a:r>
-              <a:rPr lang="lt-LT" dirty="0"/>
-              <a:t>Pasirinkama, kada deklaruojamas konvergavimas.</a:t>
-            </a:r>
-            <a:endParaRPr lang="LID4096" dirty="0"/>
-          </a:p>
-          <a:p>
-            <a:endParaRPr lang="LID4096" dirty="0"/>
-          </a:p>
-        </p:txBody>
-      </p:sp>
-    </p:spTree>
-    <p:extLst>
-      <p:ext uri="{BB962C8B-B14F-4D97-AF65-F5344CB8AC3E}">
-        <p14:creationId xmlns:p14="http://schemas.microsoft.com/office/powerpoint/2010/main" val="1756592071"/>
-      </p:ext>
-    </p:extLst>
-  </p:cSld>
-  <p:clrMapOvr>
-    <a:masterClrMapping/>
-  </p:clrMapOvr>
-</p:sld>
-</file>
-
-<file path=ppt/slides/slide2.xml><?xml version="1.0" encoding="utf-8"?>
-<p:sld xmlns:a="http://schemas.openxmlformats.org/drawingml/2006/main" xmlns:r="http://schemas.openxmlformats.org/officeDocument/2006/relationships" xmlns:p="http://schemas.openxmlformats.org/presentationml/2006/main">
-  <p:cSld>
-    <p:spTree>
-      <p:nvGrpSpPr>
-        <p:cNvPr id="1" name=""/>
-        <p:cNvGrpSpPr/>
-        <p:nvPr/>
-      </p:nvGrpSpPr>
-      <p:grpSpPr>
-        <a:xfrm>
-          <a:off x="0" y="0"/>
-          <a:ext cx="0" cy="0"/>
-          <a:chOff x="0" y="0"/>
-          <a:chExt cx="0" cy="0"/>
-        </a:xfrm>
-      </p:grpSpPr>
-      <p:sp>
-        <p:nvSpPr>
-          <p:cNvPr id="2" name="Pavadinimas 1">
-            <a:extLst>
-              <a:ext uri="{FF2B5EF4-FFF2-40B4-BE49-F238E27FC236}">
-                <a16:creationId xmlns:a16="http://schemas.microsoft.com/office/drawing/2014/main" id="{A892A3EA-1962-4B72-8354-4293B9968ABC}"/>
-              </a:ext>
-            </a:extLst>
-          </p:cNvPr>
-          <p:cNvSpPr>
-            <a:spLocks noGrp="1"/>
-          </p:cNvSpPr>
-          <p:nvPr>
-            <p:ph type="title"/>
-          </p:nvPr>
-        </p:nvSpPr>
-        <p:spPr/>
-        <p:txBody>
-          <a:bodyPr/>
-          <a:lstStyle/>
-          <a:p>
-            <a:r>
-              <a:rPr lang="lt-LT" dirty="0"/>
-              <a:t>Tiesiniai ir netiesiniai dimensijos mažinimo metodai</a:t>
-            </a:r>
-            <a:endParaRPr lang="LID4096" dirty="0"/>
-          </a:p>
-        </p:txBody>
-      </p:sp>
-      <p:sp>
-        <p:nvSpPr>
-          <p:cNvPr id="3" name="Turinio vietos rezervavimo ženklas 2">
-            <a:extLst>
-              <a:ext uri="{FF2B5EF4-FFF2-40B4-BE49-F238E27FC236}">
-                <a16:creationId xmlns:a16="http://schemas.microsoft.com/office/drawing/2014/main" id="{2FA1D66A-3A36-48D7-ACB1-0DBF09E902DE}"/>
-              </a:ext>
-            </a:extLst>
-          </p:cNvPr>
-          <p:cNvSpPr>
-            <a:spLocks noGrp="1"/>
-          </p:cNvSpPr>
-          <p:nvPr>
-            <p:ph idx="1"/>
-          </p:nvPr>
-        </p:nvSpPr>
-        <p:spPr>
-          <a:xfrm>
-            <a:off x="838200" y="2721935"/>
-            <a:ext cx="10515600" cy="3880330"/>
-          </a:xfrm>
-        </p:spPr>
-        <p:txBody>
-          <a:bodyPr>
-            <a:normAutofit/>
-          </a:bodyPr>
-          <a:lstStyle/>
-          <a:p>
-            <a:r>
-              <a:rPr lang="lt-LT" sz="2400" dirty="0"/>
-              <a:t>Tiesinės transformacijos: pasukimas, postūmis, atspindys, suspaudimas.</a:t>
-            </a:r>
-          </a:p>
-          <a:p>
-            <a:r>
-              <a:rPr lang="lt-LT" sz="2400" dirty="0"/>
-              <a:t>Dimensijos mažinimas pagrįstas tiesinėmis transformacijomis neišlaiko netiesinių sąryšių tarp objektų.</a:t>
-            </a:r>
-          </a:p>
-          <a:p>
-            <a:r>
-              <a:rPr lang="lt-LT" sz="2400" dirty="0"/>
-              <a:t>Daugiamatės skalės (</a:t>
-            </a:r>
-            <a:r>
-              <a:rPr lang="en-US" sz="2400" dirty="0" err="1"/>
-              <a:t>angl.</a:t>
-            </a:r>
-            <a:r>
-              <a:rPr lang="en-US" sz="2400" dirty="0"/>
-              <a:t> Multidimensional Scaling, </a:t>
-            </a:r>
-            <a:r>
-              <a:rPr lang="lt-LT" sz="2400" dirty="0"/>
-              <a:t>toliau - MDS) yra netiesinis dimensijos mažinimo metodas.</a:t>
-            </a:r>
-          </a:p>
-          <a:p>
-            <a:endParaRPr lang="lt-LT" dirty="0"/>
-          </a:p>
-          <a:p>
-            <a:endParaRPr lang="lt-LT" dirty="0"/>
-          </a:p>
-        </p:txBody>
-      </p:sp>
-    </p:spTree>
-    <p:extLst>
-      <p:ext uri="{BB962C8B-B14F-4D97-AF65-F5344CB8AC3E}">
-        <p14:creationId xmlns:p14="http://schemas.microsoft.com/office/powerpoint/2010/main" val="2025390428"/>
-      </p:ext>
-    </p:extLst>
-  </p:cSld>
-  <p:clrMapOvr>
-    <a:masterClrMapping/>
-  </p:clrMapOvr>
-</p:sld>
-</file>
-
-<file path=ppt/slides/slide20.xml><?xml version="1.0" encoding="utf-8"?>
-<p:sld xmlns:a="http://schemas.openxmlformats.org/drawingml/2006/main" xmlns:r="http://schemas.openxmlformats.org/officeDocument/2006/relationships" xmlns:p="http://schemas.openxmlformats.org/presentationml/2006/main">
-  <p:cSld>
-    <p:spTree>
-      <p:nvGrpSpPr>
-        <p:cNvPr id="1" name=""/>
-        <p:cNvGrpSpPr/>
-        <p:nvPr/>
-      </p:nvGrpSpPr>
-      <p:grpSpPr>
-        <a:xfrm>
-          <a:off x="0" y="0"/>
-          <a:ext cx="0" cy="0"/>
-          <a:chOff x="0" y="0"/>
-          <a:chExt cx="0" cy="0"/>
-        </a:xfrm>
-      </p:grpSpPr>
-      <p:sp>
-        <p:nvSpPr>
-          <p:cNvPr id="3" name="Turinio vietos rezervavimo ženklas 2">
-            <a:extLst>
-              <a:ext uri="{FF2B5EF4-FFF2-40B4-BE49-F238E27FC236}">
-                <a16:creationId xmlns:a16="http://schemas.microsoft.com/office/drawing/2014/main" id="{2EC5C058-F008-454D-9025-984E3D32410F}"/>
-              </a:ext>
-            </a:extLst>
-          </p:cNvPr>
-          <p:cNvSpPr>
-            <a:spLocks noGrp="1"/>
-          </p:cNvSpPr>
-          <p:nvPr>
-            <p:ph idx="1"/>
-          </p:nvPr>
-        </p:nvSpPr>
-        <p:spPr>
-          <a:xfrm>
-            <a:off x="838200" y="2424223"/>
-            <a:ext cx="10515600" cy="3752740"/>
-          </a:xfrm>
-        </p:spPr>
-        <p:txBody>
-          <a:bodyPr/>
-          <a:lstStyle/>
-          <a:p>
-            <a:endParaRPr lang="lt-LT" sz="2400" dirty="0"/>
-          </a:p>
-          <a:p>
-            <a:r>
-              <a:rPr lang="lt-LT" sz="2400" dirty="0"/>
-              <a:t>Norima dimensija turi būti parenkama iš anksto.</a:t>
-            </a:r>
-          </a:p>
-          <a:p>
-            <a:r>
-              <a:rPr lang="lt-LT" sz="2400" dirty="0"/>
-              <a:t>Natūralu, kad </a:t>
-            </a:r>
-            <a:r>
-              <a:rPr lang="lt-LT" sz="2400" dirty="0" err="1"/>
-              <a:t>Stress</a:t>
-            </a:r>
-            <a:r>
-              <a:rPr lang="lt-LT" sz="2400" dirty="0"/>
-              <a:t> reikmė didėja kuo labiau mažinama dimensija.</a:t>
-            </a:r>
-          </a:p>
-          <a:p>
-            <a:r>
-              <a:rPr lang="lt-LT" sz="2400" dirty="0"/>
-              <a:t>Įprastai MDS dimensijų skaičius randamas ieškant mažiausios dimensijos, kuri vis dar turi pakankamai mažas </a:t>
-            </a:r>
-            <a:r>
-              <a:rPr lang="lt-LT" sz="2400" dirty="0" err="1"/>
-              <a:t>Stress</a:t>
-            </a:r>
-            <a:r>
-              <a:rPr lang="lt-LT" sz="2400" dirty="0"/>
-              <a:t> reikšmes.</a:t>
-            </a:r>
-          </a:p>
-          <a:p>
-            <a:endParaRPr lang="lt-LT" dirty="0"/>
-          </a:p>
-          <a:p>
-            <a:pPr marL="0" indent="0">
-              <a:buNone/>
-            </a:pPr>
-            <a:endParaRPr lang="lt-LT" dirty="0"/>
-          </a:p>
-          <a:p>
-            <a:endParaRPr lang="LID4096" dirty="0"/>
-          </a:p>
-        </p:txBody>
-      </p:sp>
-      <p:sp>
-        <p:nvSpPr>
-          <p:cNvPr id="4" name="Pavadinimas 1">
-            <a:extLst>
-              <a:ext uri="{FF2B5EF4-FFF2-40B4-BE49-F238E27FC236}">
-                <a16:creationId xmlns:a16="http://schemas.microsoft.com/office/drawing/2014/main" id="{DC1ADF7E-1974-4EEF-A81D-F7D2A4C9E6FC}"/>
-              </a:ext>
-            </a:extLst>
-          </p:cNvPr>
-          <p:cNvSpPr>
-            <a:spLocks noGrp="1"/>
-          </p:cNvSpPr>
-          <p:nvPr>
-            <p:ph type="title"/>
-          </p:nvPr>
-        </p:nvSpPr>
-        <p:spPr>
-          <a:xfrm>
-            <a:off x="838200" y="365125"/>
-            <a:ext cx="10515600" cy="1325563"/>
-          </a:xfrm>
-        </p:spPr>
-        <p:txBody>
-          <a:bodyPr/>
-          <a:lstStyle/>
-          <a:p>
-            <a:r>
-              <a:rPr lang="lt-LT" dirty="0"/>
-              <a:t>MDS tinkamumo įvertinimas</a:t>
-            </a:r>
-            <a:endParaRPr lang="LID4096" dirty="0"/>
-          </a:p>
-        </p:txBody>
-      </p:sp>
-    </p:spTree>
-    <p:extLst>
-      <p:ext uri="{BB962C8B-B14F-4D97-AF65-F5344CB8AC3E}">
-        <p14:creationId xmlns:p14="http://schemas.microsoft.com/office/powerpoint/2010/main" val="4145479158"/>
-      </p:ext>
-    </p:extLst>
-  </p:cSld>
-  <p:clrMapOvr>
-    <a:masterClrMapping/>
-  </p:clrMapOvr>
-</p:sld>
-</file>
-
-<file path=ppt/slides/slide21.xml><?xml version="1.0" encoding="utf-8"?>
-<p:sld xmlns:a="http://schemas.openxmlformats.org/drawingml/2006/main" xmlns:r="http://schemas.openxmlformats.org/officeDocument/2006/relationships" xmlns:p="http://schemas.openxmlformats.org/presentationml/2006/main">
-  <p:cSld>
-    <p:spTree>
-      <p:nvGrpSpPr>
-        <p:cNvPr id="1" name=""/>
-        <p:cNvGrpSpPr/>
-        <p:nvPr/>
-      </p:nvGrpSpPr>
-      <p:grpSpPr>
-        <a:xfrm>
-          <a:off x="0" y="0"/>
-          <a:ext cx="0" cy="0"/>
-          <a:chOff x="0" y="0"/>
-          <a:chExt cx="0" cy="0"/>
-        </a:xfrm>
-      </p:grpSpPr>
-      <p:sp>
-        <p:nvSpPr>
-          <p:cNvPr id="2" name="Pavadinimas 1">
-            <a:extLst>
-              <a:ext uri="{FF2B5EF4-FFF2-40B4-BE49-F238E27FC236}">
-                <a16:creationId xmlns:a16="http://schemas.microsoft.com/office/drawing/2014/main" id="{6F1E1D41-E5F1-4A2A-964E-4C3E2913AEFC}"/>
-              </a:ext>
-            </a:extLst>
-          </p:cNvPr>
-          <p:cNvSpPr>
-            <a:spLocks noGrp="1"/>
-          </p:cNvSpPr>
-          <p:nvPr>
-            <p:ph type="title"/>
-          </p:nvPr>
-        </p:nvSpPr>
-        <p:spPr/>
-        <p:txBody>
-          <a:bodyPr/>
-          <a:lstStyle/>
-          <a:p>
             <a:endParaRPr lang="LID4096"/>
           </a:p>
         </p:txBody>
       </p:sp>
       <p:pic>
         <p:nvPicPr>
-          <p:cNvPr id="5" name="Turinio vietos rezervavimo ženklas 4" descr="Paveikslėlis, kuriame yra kvadratas&#10;&#10;Automatiškai sugeneruotas aprašymas">
+          <p:cNvPr id="17" name="Turinio vietos rezervavimo ženklas 16">
             <a:extLst>
               <a:ext uri="{FF2B5EF4-FFF2-40B4-BE49-F238E27FC236}">
-                <a16:creationId xmlns:a16="http://schemas.microsoft.com/office/drawing/2014/main" id="{3260BA37-CF4E-48D0-AC15-EC9A9920D520}"/>
+                <a16:creationId xmlns:a16="http://schemas.microsoft.com/office/drawing/2014/main" id="{1C489479-4210-414D-9122-D55DAA00F461}"/>
               </a:ext>
             </a:extLst>
           </p:cNvPr>
@@ -7251,74 +9157,15 @@
         </p:blipFill>
         <p:spPr>
           <a:xfrm>
-            <a:off x="5135526" y="1790234"/>
-            <a:ext cx="6420725" cy="4211099"/>
+            <a:off x="2943554" y="679911"/>
+            <a:ext cx="6304891" cy="5498178"/>
           </a:xfrm>
         </p:spPr>
       </p:pic>
-      <p:sp>
-        <p:nvSpPr>
-          <p:cNvPr id="6" name="TextBox 5">
-            <a:extLst>
-              <a:ext uri="{FF2B5EF4-FFF2-40B4-BE49-F238E27FC236}">
-                <a16:creationId xmlns:a16="http://schemas.microsoft.com/office/drawing/2014/main" id="{9FE03B14-86F9-4746-A128-74A695072EE2}"/>
-              </a:ext>
-            </a:extLst>
-          </p:cNvPr>
-          <p:cNvSpPr txBox="1"/>
-          <p:nvPr/>
-        </p:nvSpPr>
-        <p:spPr>
-          <a:xfrm>
-            <a:off x="838200" y="2228671"/>
-            <a:ext cx="4167962" cy="1200329"/>
-          </a:xfrm>
-          <a:prstGeom prst="rect">
-            <a:avLst/>
-          </a:prstGeom>
-          <a:noFill/>
-        </p:spPr>
-        <p:txBody>
-          <a:bodyPr wrap="square" rtlCol="0">
-            <a:spAutoFit/>
-          </a:bodyPr>
-          <a:lstStyle/>
-          <a:p>
-            <a:endParaRPr lang="lt-LT" sz="2400" dirty="0"/>
-          </a:p>
-          <a:p>
-            <a:r>
-              <a:rPr lang="lt-LT" sz="2400" dirty="0" err="1"/>
-              <a:t>Scree</a:t>
-            </a:r>
-            <a:r>
-              <a:rPr lang="lt-LT" sz="2400" dirty="0"/>
-              <a:t> plot ieškoma alkūnės taško (angl. </a:t>
-            </a:r>
-            <a:r>
-              <a:rPr lang="lt-LT" sz="2400" dirty="0" err="1"/>
-              <a:t>elbow</a:t>
-            </a:r>
-            <a:r>
-              <a:rPr lang="lt-LT" sz="2400" dirty="0"/>
-              <a:t> </a:t>
-            </a:r>
-            <a:r>
-              <a:rPr lang="lt-LT" sz="2400" dirty="0" err="1"/>
-              <a:t>point</a:t>
-            </a:r>
-            <a:r>
-              <a:rPr lang="lt-LT" sz="2400" dirty="0"/>
-              <a:t>) </a:t>
-            </a:r>
-            <a:endParaRPr lang="LID4096" sz="2400" dirty="0"/>
-          </a:p>
-        </p:txBody>
-      </p:sp>
     </p:spTree>
     <p:extLst>
       <p:ext uri="{BB962C8B-B14F-4D97-AF65-F5344CB8AC3E}">
-        <p14:creationId xmlns:p14="http://schemas.microsoft.com/office/powerpoint/2010/main" val="148588378"/>
+        <p14:creationId xmlns:p14="http://schemas.microsoft.com/office/powerpoint/2010/main" val="1778398863"/>
       </p:ext>
     </p:extLst>
   </p:cSld>
@@ -7328,1314 +9175,7 @@
 </p:sld>
 </file>
 
-<file path=ppt/slides/slide22.xml><?xml version="1.0" encoding="utf-8"?>
-<p:sld xmlns:a="http://schemas.openxmlformats.org/drawingml/2006/main" xmlns:r="http://schemas.openxmlformats.org/officeDocument/2006/relationships" xmlns:p="http://schemas.openxmlformats.org/presentationml/2006/main">
-  <p:cSld>
-    <p:spTree>
-      <p:nvGrpSpPr>
-        <p:cNvPr id="1" name=""/>
-        <p:cNvGrpSpPr/>
-        <p:nvPr/>
-      </p:nvGrpSpPr>
-      <p:grpSpPr>
-        <a:xfrm>
-          <a:off x="0" y="0"/>
-          <a:ext cx="0" cy="0"/>
-          <a:chOff x="0" y="0"/>
-          <a:chExt cx="0" cy="0"/>
-        </a:xfrm>
-      </p:grpSpPr>
-      <p:sp>
-        <p:nvSpPr>
-          <p:cNvPr id="2" name="Pavadinimas 1">
-            <a:extLst>
-              <a:ext uri="{FF2B5EF4-FFF2-40B4-BE49-F238E27FC236}">
-                <a16:creationId xmlns:a16="http://schemas.microsoft.com/office/drawing/2014/main" id="{D5C7DE2F-18F9-475A-B088-50B6FDA2A640}"/>
-              </a:ext>
-            </a:extLst>
-          </p:cNvPr>
-          <p:cNvSpPr>
-            <a:spLocks noGrp="1"/>
-          </p:cNvSpPr>
-          <p:nvPr>
-            <p:ph type="title"/>
-          </p:nvPr>
-        </p:nvSpPr>
-        <p:spPr/>
-        <p:txBody>
-          <a:bodyPr/>
-          <a:lstStyle/>
-          <a:p>
-            <a:r>
-              <a:rPr lang="lt-LT" dirty="0"/>
-              <a:t>Standartizuotas </a:t>
-            </a:r>
-            <a:r>
-              <a:rPr lang="lt-LT" dirty="0" err="1"/>
-              <a:t>Stress</a:t>
-            </a:r>
-            <a:endParaRPr lang="LID4096" dirty="0"/>
-          </a:p>
-        </p:txBody>
-      </p:sp>
-      <p:sp>
-        <p:nvSpPr>
-          <p:cNvPr id="6" name="Turinio vietos rezervavimo ženklas 5">
-            <a:extLst>
-              <a:ext uri="{FF2B5EF4-FFF2-40B4-BE49-F238E27FC236}">
-                <a16:creationId xmlns:a16="http://schemas.microsoft.com/office/drawing/2014/main" id="{A7D7D79B-7851-4ADA-B7FD-8BCDD1123EDA}"/>
-              </a:ext>
-            </a:extLst>
-          </p:cNvPr>
-          <p:cNvSpPr>
-            <a:spLocks noGrp="1"/>
-          </p:cNvSpPr>
-          <p:nvPr>
-            <p:ph idx="1"/>
-          </p:nvPr>
-        </p:nvSpPr>
-        <p:spPr/>
-        <p:txBody>
-          <a:bodyPr/>
-          <a:lstStyle/>
-          <a:p>
-            <a:r>
-              <a:rPr lang="lt-LT" sz="2400" dirty="0"/>
-              <a:t>Grynos </a:t>
-            </a:r>
-            <a:r>
-              <a:rPr lang="lt-LT" sz="2400" dirty="0" err="1"/>
-              <a:t>Stress</a:t>
-            </a:r>
-            <a:r>
-              <a:rPr lang="lt-LT" sz="2400" dirty="0"/>
-              <a:t> reikšmes nėra informatyvios (pvz. gaunamos didesnės tiesiog papildžius duomenų aibę).</a:t>
-            </a:r>
-          </a:p>
-          <a:p>
-            <a:r>
-              <a:rPr lang="lt-LT" sz="2400" dirty="0"/>
-              <a:t>Informatyvesnis </a:t>
-            </a:r>
-            <a:r>
-              <a:rPr lang="lt-LT" sz="2400" dirty="0" err="1"/>
-              <a:t>Kruskal‘s</a:t>
-            </a:r>
-            <a:r>
-              <a:rPr lang="lt-LT" sz="2400" dirty="0"/>
-              <a:t> </a:t>
-            </a:r>
-            <a:r>
-              <a:rPr lang="lt-LT" sz="2400" dirty="0" err="1"/>
-              <a:t>Stress</a:t>
-            </a:r>
-            <a:r>
-              <a:rPr lang="lt-LT" sz="2400" dirty="0"/>
-              <a:t> arba kitaip Stress-1 (pavadinimas, o ne reiškinys).</a:t>
-            </a:r>
-            <a:endParaRPr lang="lt-LT" dirty="0"/>
-          </a:p>
-        </p:txBody>
-      </p:sp>
-      <mc:AlternateContent xmlns:mc="http://schemas.openxmlformats.org/markup-compatibility/2006" xmlns:a14="http://schemas.microsoft.com/office/drawing/2010/main">
-        <mc:Choice Requires="a14">
-          <p:sp>
-            <p:nvSpPr>
-              <p:cNvPr id="7" name="TextBox 6">
-                <a:extLst>
-                  <a:ext uri="{FF2B5EF4-FFF2-40B4-BE49-F238E27FC236}">
-                    <a16:creationId xmlns:a16="http://schemas.microsoft.com/office/drawing/2014/main" id="{A38495A1-9728-448F-BC33-896703DE502D}"/>
-                  </a:ext>
-                </a:extLst>
-              </p:cNvPr>
-              <p:cNvSpPr txBox="1"/>
-              <p:nvPr/>
-            </p:nvSpPr>
-            <p:spPr>
-              <a:xfrm>
-                <a:off x="3047114" y="3175669"/>
-                <a:ext cx="6097772" cy="1183529"/>
-              </a:xfrm>
-              <a:prstGeom prst="rect">
-                <a:avLst/>
-              </a:prstGeom>
-              <a:noFill/>
-            </p:spPr>
-            <p:txBody>
-              <a:bodyPr wrap="square">
-                <a:spAutoFit/>
-              </a:bodyPr>
-              <a:lstStyle/>
-              <a:p>
-                <a:pPr/>
-                <a14:m>
-                  <m:oMathPara xmlns:m="http://schemas.openxmlformats.org/officeDocument/2006/math">
-                    <m:oMathParaPr>
-                      <m:jc m:val="centerGroup"/>
-                    </m:oMathParaPr>
-                    <m:oMath xmlns:m="http://schemas.openxmlformats.org/officeDocument/2006/math">
-                      <m:r>
-                        <a:rPr lang="LID4096" sz="2400" i="1" smtClean="0">
-                          <a:solidFill>
-                            <a:schemeClr val="tx1"/>
-                          </a:solidFill>
-                          <a:latin typeface="Cambria Math" panose="02040503050406030204" pitchFamily="18" charset="0"/>
-                        </a:rPr>
-                        <m:t>𝑆𝑡𝑟𝑒𝑠𝑠</m:t>
-                      </m:r>
-                      <m:r>
-                        <a:rPr lang="LID4096" sz="2400" i="0">
-                          <a:solidFill>
-                            <a:schemeClr val="tx1"/>
-                          </a:solidFill>
-                          <a:latin typeface="Cambria Math" panose="02040503050406030204" pitchFamily="18" charset="0"/>
-                        </a:rPr>
-                        <m:t>−</m:t>
-                      </m:r>
-                      <m:r>
-                        <a:rPr lang="LID4096" sz="2400" i="0">
-                          <a:solidFill>
-                            <a:schemeClr val="tx1"/>
-                          </a:solidFill>
-                          <a:latin typeface="Cambria Math" panose="02040503050406030204" pitchFamily="18" charset="0"/>
-                        </a:rPr>
-                        <m:t>1</m:t>
-                      </m:r>
-                      <m:r>
-                        <a:rPr lang="LID4096" sz="2400" i="0">
-                          <a:solidFill>
-                            <a:schemeClr val="tx1"/>
-                          </a:solidFill>
-                          <a:latin typeface="Cambria Math" panose="02040503050406030204" pitchFamily="18" charset="0"/>
-                        </a:rPr>
-                        <m:t>=</m:t>
-                      </m:r>
-                      <m:rad>
-                        <m:radPr>
-                          <m:degHide m:val="on"/>
-                          <m:ctrlPr>
-                            <a:rPr lang="LID4096" sz="2400" i="1">
-                              <a:solidFill>
-                                <a:schemeClr val="tx1"/>
-                              </a:solidFill>
-                              <a:latin typeface="Cambria Math" panose="02040503050406030204" pitchFamily="18" charset="0"/>
-                            </a:rPr>
-                          </m:ctrlPr>
-                        </m:radPr>
-                        <m:deg/>
-                        <m:e>
-                          <m:f>
-                            <m:fPr>
-                              <m:ctrlPr>
-                                <a:rPr lang="LID4096" sz="2400" i="1">
-                                  <a:solidFill>
-                                    <a:schemeClr val="tx1"/>
-                                  </a:solidFill>
-                                  <a:latin typeface="Cambria Math" panose="02040503050406030204" pitchFamily="18" charset="0"/>
-                                </a:rPr>
-                              </m:ctrlPr>
-                            </m:fPr>
-                            <m:num>
-                              <m:sSub>
-                                <m:sSubPr>
-                                  <m:ctrlPr>
-                                    <a:rPr lang="LID4096" sz="2400" i="1">
-                                      <a:solidFill>
-                                        <a:schemeClr val="tx1"/>
-                                      </a:solidFill>
-                                      <a:latin typeface="Cambria Math" panose="02040503050406030204" pitchFamily="18" charset="0"/>
-                                    </a:rPr>
-                                  </m:ctrlPr>
-                                </m:sSubPr>
-                                <m:e>
-                                  <m:r>
-                                    <a:rPr lang="LID4096" sz="2400" i="1">
-                                      <a:solidFill>
-                                        <a:schemeClr val="tx1"/>
-                                      </a:solidFill>
-                                      <a:latin typeface="Cambria Math" panose="02040503050406030204" pitchFamily="18" charset="0"/>
-                                    </a:rPr>
-                                    <m:t>𝑑</m:t>
-                                  </m:r>
-                                </m:e>
-                                <m:sub>
-                                  <m:r>
-                                    <a:rPr lang="LID4096" sz="2400" i="1">
-                                      <a:solidFill>
-                                        <a:schemeClr val="tx1"/>
-                                      </a:solidFill>
-                                      <a:latin typeface="Cambria Math" panose="02040503050406030204" pitchFamily="18" charset="0"/>
-                                    </a:rPr>
-                                    <m:t>𝑖𝑗</m:t>
-                                  </m:r>
-                                </m:sub>
-                              </m:sSub>
-                              <m:r>
-                                <a:rPr lang="LID4096" sz="2400" i="0">
-                                  <a:solidFill>
-                                    <a:schemeClr val="tx1"/>
-                                  </a:solidFill>
-                                  <a:latin typeface="Cambria Math" panose="02040503050406030204" pitchFamily="18" charset="0"/>
-                                </a:rPr>
-                                <m:t>−</m:t>
-                              </m:r>
-                              <m:acc>
-                                <m:accPr>
-                                  <m:chr m:val="̂"/>
-                                  <m:ctrlPr>
-                                    <a:rPr lang="LID4096" sz="2400" i="1">
-                                      <a:solidFill>
-                                        <a:schemeClr val="tx1"/>
-                                      </a:solidFill>
-                                      <a:latin typeface="Cambria Math" panose="02040503050406030204" pitchFamily="18" charset="0"/>
-                                    </a:rPr>
-                                  </m:ctrlPr>
-                                </m:accPr>
-                                <m:e>
-                                  <m:sSub>
-                                    <m:sSubPr>
-                                      <m:ctrlPr>
-                                        <a:rPr lang="LID4096" sz="2400" i="1">
-                                          <a:solidFill>
-                                            <a:schemeClr val="tx1"/>
-                                          </a:solidFill>
-                                          <a:latin typeface="Cambria Math" panose="02040503050406030204" pitchFamily="18" charset="0"/>
-                                        </a:rPr>
-                                      </m:ctrlPr>
-                                    </m:sSubPr>
-                                    <m:e>
-                                      <m:r>
-                                        <a:rPr lang="LID4096" sz="2400" i="1">
-                                          <a:solidFill>
-                                            <a:schemeClr val="tx1"/>
-                                          </a:solidFill>
-                                          <a:latin typeface="Cambria Math" panose="02040503050406030204" pitchFamily="18" charset="0"/>
-                                        </a:rPr>
-                                        <m:t>𝐷</m:t>
-                                      </m:r>
-                                    </m:e>
-                                    <m:sub>
-                                      <m:r>
-                                        <a:rPr lang="LID4096" sz="2400" i="1">
-                                          <a:solidFill>
-                                            <a:schemeClr val="tx1"/>
-                                          </a:solidFill>
-                                          <a:latin typeface="Cambria Math" panose="02040503050406030204" pitchFamily="18" charset="0"/>
-                                        </a:rPr>
-                                        <m:t>𝑖𝑗</m:t>
-                                      </m:r>
-                                    </m:sub>
-                                  </m:sSub>
-                                </m:e>
-                              </m:acc>
-                            </m:num>
-                            <m:den>
-                              <m:nary>
-                                <m:naryPr>
-                                  <m:chr m:val="∑"/>
-                                  <m:subHide m:val="on"/>
-                                  <m:supHide m:val="on"/>
-                                  <m:ctrlPr>
-                                    <a:rPr lang="LID4096" sz="2400" i="1">
-                                      <a:solidFill>
-                                        <a:schemeClr val="tx1"/>
-                                      </a:solidFill>
-                                      <a:latin typeface="Cambria Math" panose="02040503050406030204" pitchFamily="18" charset="0"/>
-                                    </a:rPr>
-                                  </m:ctrlPr>
-                                </m:naryPr>
-                                <m:sub/>
-                                <m:sup/>
-                                <m:e>
-                                  <m:sSubSup>
-                                    <m:sSubSupPr>
-                                      <m:ctrlPr>
-                                        <a:rPr lang="LID4096" sz="2400" i="1">
-                                          <a:solidFill>
-                                            <a:schemeClr val="tx1"/>
-                                          </a:solidFill>
-                                          <a:latin typeface="Cambria Math" panose="02040503050406030204" pitchFamily="18" charset="0"/>
-                                        </a:rPr>
-                                      </m:ctrlPr>
-                                    </m:sSubSupPr>
-                                    <m:e>
-                                      <m:r>
-                                        <a:rPr lang="LID4096" sz="2400" i="1">
-                                          <a:solidFill>
-                                            <a:schemeClr val="tx1"/>
-                                          </a:solidFill>
-                                          <a:latin typeface="Cambria Math" panose="02040503050406030204" pitchFamily="18" charset="0"/>
-                                        </a:rPr>
-                                        <m:t>𝑑</m:t>
-                                      </m:r>
-                                    </m:e>
-                                    <m:sub>
-                                      <m:r>
-                                        <a:rPr lang="LID4096" sz="2400" i="1">
-                                          <a:solidFill>
-                                            <a:schemeClr val="tx1"/>
-                                          </a:solidFill>
-                                          <a:latin typeface="Cambria Math" panose="02040503050406030204" pitchFamily="18" charset="0"/>
-                                        </a:rPr>
-                                        <m:t>𝑖𝑗</m:t>
-                                      </m:r>
-                                    </m:sub>
-                                    <m:sup>
-                                      <m:r>
-                                        <a:rPr lang="LID4096" sz="2400" i="0">
-                                          <a:solidFill>
-                                            <a:schemeClr val="tx1"/>
-                                          </a:solidFill>
-                                          <a:latin typeface="Cambria Math" panose="02040503050406030204" pitchFamily="18" charset="0"/>
-                                        </a:rPr>
-                                        <m:t>2</m:t>
-                                      </m:r>
-                                    </m:sup>
-                                  </m:sSubSup>
-                                </m:e>
-                              </m:nary>
-                            </m:den>
-                          </m:f>
-                        </m:e>
-                      </m:rad>
-                    </m:oMath>
-                  </m:oMathPara>
-                </a14:m>
-                <a:endParaRPr lang="LID4096" sz="2400" dirty="0">
-                  <a:solidFill>
-                    <a:schemeClr val="tx1"/>
-                  </a:solidFill>
-                </a:endParaRPr>
-              </a:p>
-            </p:txBody>
-          </p:sp>
-        </mc:Choice>
-        <mc:Fallback xmlns="">
-          <p:sp>
-            <p:nvSpPr>
-              <p:cNvPr id="7" name="TextBox 6">
-                <a:extLst>
-                  <a:ext uri="{FF2B5EF4-FFF2-40B4-BE49-F238E27FC236}">
-                    <a16:creationId xmlns:a16="http://schemas.microsoft.com/office/drawing/2014/main" id="{A38495A1-9728-448F-BC33-896703DE502D}"/>
-                  </a:ext>
-                </a:extLst>
-              </p:cNvPr>
-              <p:cNvSpPr txBox="1">
-                <a:spLocks noRot="1" noChangeAspect="1" noMove="1" noResize="1" noEditPoints="1" noAdjustHandles="1" noChangeArrowheads="1" noChangeShapeType="1" noTextEdit="1"/>
-              </p:cNvSpPr>
-              <p:nvPr/>
-            </p:nvSpPr>
-            <p:spPr>
-              <a:xfrm>
-                <a:off x="3047114" y="3175669"/>
-                <a:ext cx="6097772" cy="1183529"/>
-              </a:xfrm>
-              <a:prstGeom prst="rect">
-                <a:avLst/>
-              </a:prstGeom>
-              <a:blipFill>
-                <a:blip r:embed="rId2"/>
-                <a:stretch>
-                  <a:fillRect/>
-                </a:stretch>
-              </a:blipFill>
-            </p:spPr>
-            <p:txBody>
-              <a:bodyPr/>
-              <a:lstStyle/>
-              <a:p>
-                <a:r>
-                  <a:rPr lang="LID4096">
-                    <a:noFill/>
-                  </a:rPr>
-                  <a:t> </a:t>
-                </a:r>
-              </a:p>
-            </p:txBody>
-          </p:sp>
-        </mc:Fallback>
-      </mc:AlternateContent>
-    </p:spTree>
-    <p:extLst>
-      <p:ext uri="{BB962C8B-B14F-4D97-AF65-F5344CB8AC3E}">
-        <p14:creationId xmlns:p14="http://schemas.microsoft.com/office/powerpoint/2010/main" val="922205306"/>
-      </p:ext>
-    </p:extLst>
-  </p:cSld>
-  <p:clrMapOvr>
-    <a:masterClrMapping/>
-  </p:clrMapOvr>
-</p:sld>
-</file>
-
-<file path=ppt/slides/slide23.xml><?xml version="1.0" encoding="utf-8"?>
-<p:sld xmlns:a="http://schemas.openxmlformats.org/drawingml/2006/main" xmlns:r="http://schemas.openxmlformats.org/officeDocument/2006/relationships" xmlns:p="http://schemas.openxmlformats.org/presentationml/2006/main">
-  <p:cSld>
-    <p:spTree>
-      <p:nvGrpSpPr>
-        <p:cNvPr id="1" name=""/>
-        <p:cNvGrpSpPr/>
-        <p:nvPr/>
-      </p:nvGrpSpPr>
-      <p:grpSpPr>
-        <a:xfrm>
-          <a:off x="0" y="0"/>
-          <a:ext cx="0" cy="0"/>
-          <a:chOff x="0" y="0"/>
-          <a:chExt cx="0" cy="0"/>
-        </a:xfrm>
-      </p:grpSpPr>
-      <p:sp>
-        <p:nvSpPr>
-          <p:cNvPr id="2" name="Pavadinimas 1">
-            <a:extLst>
-              <a:ext uri="{FF2B5EF4-FFF2-40B4-BE49-F238E27FC236}">
-                <a16:creationId xmlns:a16="http://schemas.microsoft.com/office/drawing/2014/main" id="{CF5EF931-9640-48E4-B9E2-D7826C1D99FE}"/>
-              </a:ext>
-            </a:extLst>
-          </p:cNvPr>
-          <p:cNvSpPr>
-            <a:spLocks noGrp="1"/>
-          </p:cNvSpPr>
-          <p:nvPr>
-            <p:ph type="title"/>
-          </p:nvPr>
-        </p:nvSpPr>
-        <p:spPr/>
-        <p:txBody>
-          <a:bodyPr/>
-          <a:lstStyle/>
-          <a:p>
-            <a:endParaRPr lang="LID4096"/>
-          </a:p>
-        </p:txBody>
-      </p:sp>
-      <p:sp>
-        <p:nvSpPr>
-          <p:cNvPr id="3" name="Turinio vietos rezervavimo ženklas 2">
-            <a:extLst>
-              <a:ext uri="{FF2B5EF4-FFF2-40B4-BE49-F238E27FC236}">
-                <a16:creationId xmlns:a16="http://schemas.microsoft.com/office/drawing/2014/main" id="{4BB70AF2-61D3-4BB6-ABD9-998AF2B430C9}"/>
-              </a:ext>
-            </a:extLst>
-          </p:cNvPr>
-          <p:cNvSpPr>
-            <a:spLocks noGrp="1"/>
-          </p:cNvSpPr>
-          <p:nvPr>
-            <p:ph idx="1"/>
-          </p:nvPr>
-        </p:nvSpPr>
-        <p:spPr/>
-        <p:txBody>
-          <a:bodyPr/>
-          <a:lstStyle/>
-          <a:p>
-            <a:r>
-              <a:rPr lang="lt-LT" sz="2400" dirty="0"/>
-              <a:t>Reikšmės nuo 0 iki 1, todėl galima kalbėti apie</a:t>
-            </a:r>
-            <a:r>
-              <a:rPr lang="en-US" sz="2400" dirty="0"/>
-              <a:t> </a:t>
-            </a:r>
-            <a:r>
-              <a:rPr lang="lt-LT" sz="2400" dirty="0"/>
-              <a:t>g</a:t>
-            </a:r>
-            <a:r>
-              <a:rPr lang="en-US" sz="2400" dirty="0" err="1"/>
-              <a:t>oodness</a:t>
-            </a:r>
-            <a:r>
-              <a:rPr lang="en-US" sz="2400" dirty="0"/>
-              <a:t>-of-fit </a:t>
-            </a:r>
-            <a:r>
-              <a:rPr lang="lt-LT" sz="2400" dirty="0"/>
-              <a:t>nykščio taisyklę:</a:t>
-            </a:r>
-          </a:p>
-          <a:p>
-            <a:endParaRPr lang="LID4096" dirty="0"/>
-          </a:p>
-        </p:txBody>
-      </p:sp>
-      <p:graphicFrame>
-        <p:nvGraphicFramePr>
-          <p:cNvPr id="4" name="Lentelė 3">
-            <a:extLst>
-              <a:ext uri="{FF2B5EF4-FFF2-40B4-BE49-F238E27FC236}">
-                <a16:creationId xmlns:a16="http://schemas.microsoft.com/office/drawing/2014/main" id="{30F87AB2-85FB-4FA0-B064-1D1BF694D1D1}"/>
-              </a:ext>
-            </a:extLst>
-          </p:cNvPr>
-          <p:cNvGraphicFramePr>
-            <a:graphicFrameLocks noGrp="1"/>
-          </p:cNvGraphicFramePr>
-          <p:nvPr>
-            <p:extLst>
-              <p:ext uri="{D42A27DB-BD31-4B8C-83A1-F6EECF244321}">
-                <p14:modId xmlns:p14="http://schemas.microsoft.com/office/powerpoint/2010/main" val="1074479607"/>
-              </p:ext>
-            </p:extLst>
-          </p:nvPr>
-        </p:nvGraphicFramePr>
-        <p:xfrm>
-          <a:off x="3904422" y="2876619"/>
-          <a:ext cx="4383156" cy="3300344"/>
-        </p:xfrm>
-        <a:graphic>
-          <a:graphicData uri="http://schemas.openxmlformats.org/drawingml/2006/table">
-            <a:tbl>
-              <a:tblPr firstRow="1" firstCol="1" bandRow="1">
-                <a:tableStyleId>{2D5ABB26-0587-4C30-8999-92F81FD0307C}</a:tableStyleId>
-              </a:tblPr>
-              <a:tblGrid>
-                <a:gridCol w="2184060">
-                  <a:extLst>
-                    <a:ext uri="{9D8B030D-6E8A-4147-A177-3AD203B41FA5}">
-                      <a16:colId xmlns:a16="http://schemas.microsoft.com/office/drawing/2014/main" val="2336385421"/>
-                    </a:ext>
-                  </a:extLst>
-                </a:gridCol>
-                <a:gridCol w="2199096">
-                  <a:extLst>
-                    <a:ext uri="{9D8B030D-6E8A-4147-A177-3AD203B41FA5}">
-                      <a16:colId xmlns:a16="http://schemas.microsoft.com/office/drawing/2014/main" val="3700322261"/>
-                    </a:ext>
-                  </a:extLst>
-                </a:gridCol>
-              </a:tblGrid>
-              <a:tr h="631802">
-                <a:tc>
-                  <a:txBody>
-                    <a:bodyPr/>
-                    <a:lstStyle/>
-                    <a:p>
-                      <a:pPr algn="ctr">
-                        <a:lnSpc>
-                          <a:spcPct val="107000"/>
-                        </a:lnSpc>
-                        <a:spcAft>
-                          <a:spcPts val="800"/>
-                        </a:spcAft>
-                      </a:pPr>
-                      <a:r>
-                        <a:rPr lang="en-US" sz="2400" dirty="0">
-                          <a:effectLst/>
-                        </a:rPr>
-                        <a:t>0.200</a:t>
-                      </a:r>
-                      <a:endParaRPr lang="en-US" sz="2400" dirty="0">
-                        <a:effectLst/>
-                        <a:latin typeface="Calibri" panose="020F0502020204030204" pitchFamily="34" charset="0"/>
-                        <a:ea typeface="Calibri" panose="020F0502020204030204" pitchFamily="34" charset="0"/>
-                        <a:cs typeface="Times New Roman" panose="02020603050405020304" pitchFamily="18" charset="0"/>
-                      </a:endParaRPr>
-                    </a:p>
-                  </a:txBody>
-                  <a:tcPr marL="68580" marR="68580" marT="0" marB="0">
-                    <a:lnL w="12700" cap="flat" cmpd="sng" algn="ctr">
-                      <a:solidFill>
-                        <a:schemeClr val="tx1"/>
-                      </a:solidFill>
-                      <a:prstDash val="solid"/>
-                      <a:round/>
-                      <a:headEnd type="none" w="med" len="med"/>
-                      <a:tailEnd type="none" w="med" len="med"/>
-                    </a:lnL>
-                    <a:lnR w="12700" cap="flat" cmpd="sng" algn="ctr">
-                      <a:solidFill>
-                        <a:schemeClr val="tx1"/>
-                      </a:solidFill>
-                      <a:prstDash val="solid"/>
-                      <a:round/>
-                      <a:headEnd type="none" w="med" len="med"/>
-                      <a:tailEnd type="none" w="med" len="med"/>
-                    </a:lnR>
-                    <a:lnT w="12700" cap="flat" cmpd="sng" algn="ctr">
-                      <a:solidFill>
-                        <a:schemeClr val="tx1"/>
-                      </a:solidFill>
-                      <a:prstDash val="solid"/>
-                      <a:round/>
-                      <a:headEnd type="none" w="med" len="med"/>
-                      <a:tailEnd type="none" w="med" len="med"/>
-                    </a:lnT>
-                    <a:lnB w="12700" cap="flat" cmpd="sng" algn="ctr">
-                      <a:solidFill>
-                        <a:schemeClr val="tx1"/>
-                      </a:solidFill>
-                      <a:prstDash val="solid"/>
-                      <a:round/>
-                      <a:headEnd type="none" w="med" len="med"/>
-                      <a:tailEnd type="none" w="med" len="med"/>
-                    </a:lnB>
-                  </a:tcPr>
-                </a:tc>
-                <a:tc>
-                  <a:txBody>
-                    <a:bodyPr/>
-                    <a:lstStyle/>
-                    <a:p>
-                      <a:pPr algn="ctr">
-                        <a:lnSpc>
-                          <a:spcPct val="107000"/>
-                        </a:lnSpc>
-                        <a:spcAft>
-                          <a:spcPts val="800"/>
-                        </a:spcAft>
-                      </a:pPr>
-                      <a:r>
-                        <a:rPr lang="lt-LT" sz="2400">
-                          <a:effectLst/>
-                        </a:rPr>
-                        <a:t>Blogas</a:t>
-                      </a:r>
-                      <a:endParaRPr lang="lt-LT" sz="2400">
-                        <a:effectLst/>
-                        <a:latin typeface="Calibri" panose="020F0502020204030204" pitchFamily="34" charset="0"/>
-                        <a:ea typeface="Calibri" panose="020F0502020204030204" pitchFamily="34" charset="0"/>
-                        <a:cs typeface="Times New Roman" panose="02020603050405020304" pitchFamily="18" charset="0"/>
-                      </a:endParaRPr>
-                    </a:p>
-                  </a:txBody>
-                  <a:tcPr marL="68580" marR="68580" marT="0" marB="0">
-                    <a:lnL w="12700" cap="flat" cmpd="sng" algn="ctr">
-                      <a:solidFill>
-                        <a:schemeClr val="tx1"/>
-                      </a:solidFill>
-                      <a:prstDash val="solid"/>
-                      <a:round/>
-                      <a:headEnd type="none" w="med" len="med"/>
-                      <a:tailEnd type="none" w="med" len="med"/>
-                    </a:lnL>
-                    <a:lnR w="12700" cap="flat" cmpd="sng" algn="ctr">
-                      <a:solidFill>
-                        <a:schemeClr val="tx1"/>
-                      </a:solidFill>
-                      <a:prstDash val="solid"/>
-                      <a:round/>
-                      <a:headEnd type="none" w="med" len="med"/>
-                      <a:tailEnd type="none" w="med" len="med"/>
-                    </a:lnR>
-                    <a:lnT w="12700" cap="flat" cmpd="sng" algn="ctr">
-                      <a:solidFill>
-                        <a:schemeClr val="tx1"/>
-                      </a:solidFill>
-                      <a:prstDash val="solid"/>
-                      <a:round/>
-                      <a:headEnd type="none" w="med" len="med"/>
-                      <a:tailEnd type="none" w="med" len="med"/>
-                    </a:lnT>
-                    <a:lnB w="12700" cap="flat" cmpd="sng" algn="ctr">
-                      <a:solidFill>
-                        <a:schemeClr val="tx1"/>
-                      </a:solidFill>
-                      <a:prstDash val="solid"/>
-                      <a:round/>
-                      <a:headEnd type="none" w="med" len="med"/>
-                      <a:tailEnd type="none" w="med" len="med"/>
-                    </a:lnB>
-                  </a:tcPr>
-                </a:tc>
-                <a:extLst>
-                  <a:ext uri="{0D108BD9-81ED-4DB2-BD59-A6C34878D82A}">
-                    <a16:rowId xmlns:a16="http://schemas.microsoft.com/office/drawing/2014/main" val="4075683408"/>
-                  </a:ext>
-                </a:extLst>
-              </a:tr>
-              <a:tr h="773136">
-                <a:tc>
-                  <a:txBody>
-                    <a:bodyPr/>
-                    <a:lstStyle/>
-                    <a:p>
-                      <a:pPr algn="ctr">
-                        <a:lnSpc>
-                          <a:spcPct val="107000"/>
-                        </a:lnSpc>
-                        <a:spcAft>
-                          <a:spcPts val="800"/>
-                        </a:spcAft>
-                      </a:pPr>
-                      <a:r>
-                        <a:rPr lang="en-US" sz="2400" dirty="0">
-                          <a:effectLst/>
-                        </a:rPr>
-                        <a:t>0.100</a:t>
-                      </a:r>
-                      <a:endParaRPr lang="en-US" sz="2400" dirty="0">
-                        <a:effectLst/>
-                        <a:latin typeface="Calibri" panose="020F0502020204030204" pitchFamily="34" charset="0"/>
-                        <a:ea typeface="Calibri" panose="020F0502020204030204" pitchFamily="34" charset="0"/>
-                        <a:cs typeface="Times New Roman" panose="02020603050405020304" pitchFamily="18" charset="0"/>
-                      </a:endParaRPr>
-                    </a:p>
-                  </a:txBody>
-                  <a:tcPr marL="68580" marR="68580" marT="0" marB="0">
-                    <a:lnL w="12700" cap="flat" cmpd="sng" algn="ctr">
-                      <a:solidFill>
-                        <a:schemeClr val="tx1"/>
-                      </a:solidFill>
-                      <a:prstDash val="solid"/>
-                      <a:round/>
-                      <a:headEnd type="none" w="med" len="med"/>
-                      <a:tailEnd type="none" w="med" len="med"/>
-                    </a:lnL>
-                    <a:lnR w="12700" cap="flat" cmpd="sng" algn="ctr">
-                      <a:solidFill>
-                        <a:schemeClr val="tx1"/>
-                      </a:solidFill>
-                      <a:prstDash val="solid"/>
-                      <a:round/>
-                      <a:headEnd type="none" w="med" len="med"/>
-                      <a:tailEnd type="none" w="med" len="med"/>
-                    </a:lnR>
-                    <a:lnT w="12700" cap="flat" cmpd="sng" algn="ctr">
-                      <a:solidFill>
-                        <a:schemeClr val="tx1"/>
-                      </a:solidFill>
-                      <a:prstDash val="solid"/>
-                      <a:round/>
-                      <a:headEnd type="none" w="med" len="med"/>
-                      <a:tailEnd type="none" w="med" len="med"/>
-                    </a:lnT>
-                    <a:lnB w="12700" cap="flat" cmpd="sng" algn="ctr">
-                      <a:solidFill>
-                        <a:schemeClr val="tx1"/>
-                      </a:solidFill>
-                      <a:prstDash val="solid"/>
-                      <a:round/>
-                      <a:headEnd type="none" w="med" len="med"/>
-                      <a:tailEnd type="none" w="med" len="med"/>
-                    </a:lnB>
-                  </a:tcPr>
-                </a:tc>
-                <a:tc>
-                  <a:txBody>
-                    <a:bodyPr/>
-                    <a:lstStyle/>
-                    <a:p>
-                      <a:pPr algn="ctr">
-                        <a:lnSpc>
-                          <a:spcPct val="107000"/>
-                        </a:lnSpc>
-                        <a:spcAft>
-                          <a:spcPts val="800"/>
-                        </a:spcAft>
-                      </a:pPr>
-                      <a:r>
-                        <a:rPr lang="lt-LT" sz="2400" dirty="0">
-                          <a:effectLst/>
-                        </a:rPr>
-                        <a:t>Vidutinis</a:t>
-                      </a:r>
-                      <a:endParaRPr lang="lt-LT" sz="2400" dirty="0">
-                        <a:effectLst/>
-                        <a:latin typeface="Calibri" panose="020F0502020204030204" pitchFamily="34" charset="0"/>
-                        <a:ea typeface="Calibri" panose="020F0502020204030204" pitchFamily="34" charset="0"/>
-                        <a:cs typeface="Times New Roman" panose="02020603050405020304" pitchFamily="18" charset="0"/>
-                      </a:endParaRPr>
-                    </a:p>
-                  </a:txBody>
-                  <a:tcPr marL="68580" marR="68580" marT="0" marB="0">
-                    <a:lnL w="12700" cap="flat" cmpd="sng" algn="ctr">
-                      <a:solidFill>
-                        <a:schemeClr val="tx1"/>
-                      </a:solidFill>
-                      <a:prstDash val="solid"/>
-                      <a:round/>
-                      <a:headEnd type="none" w="med" len="med"/>
-                      <a:tailEnd type="none" w="med" len="med"/>
-                    </a:lnL>
-                    <a:lnR w="12700" cap="flat" cmpd="sng" algn="ctr">
-                      <a:solidFill>
-                        <a:schemeClr val="tx1"/>
-                      </a:solidFill>
-                      <a:prstDash val="solid"/>
-                      <a:round/>
-                      <a:headEnd type="none" w="med" len="med"/>
-                      <a:tailEnd type="none" w="med" len="med"/>
-                    </a:lnR>
-                    <a:lnT w="12700" cap="flat" cmpd="sng" algn="ctr">
-                      <a:solidFill>
-                        <a:schemeClr val="tx1"/>
-                      </a:solidFill>
-                      <a:prstDash val="solid"/>
-                      <a:round/>
-                      <a:headEnd type="none" w="med" len="med"/>
-                      <a:tailEnd type="none" w="med" len="med"/>
-                    </a:lnT>
-                    <a:lnB w="12700" cap="flat" cmpd="sng" algn="ctr">
-                      <a:solidFill>
-                        <a:schemeClr val="tx1"/>
-                      </a:solidFill>
-                      <a:prstDash val="solid"/>
-                      <a:round/>
-                      <a:headEnd type="none" w="med" len="med"/>
-                      <a:tailEnd type="none" w="med" len="med"/>
-                    </a:lnB>
-                  </a:tcPr>
-                </a:tc>
-                <a:extLst>
-                  <a:ext uri="{0D108BD9-81ED-4DB2-BD59-A6C34878D82A}">
-                    <a16:rowId xmlns:a16="http://schemas.microsoft.com/office/drawing/2014/main" val="861861136"/>
-                  </a:ext>
-                </a:extLst>
-              </a:tr>
-              <a:tr h="631802">
-                <a:tc>
-                  <a:txBody>
-                    <a:bodyPr/>
-                    <a:lstStyle/>
-                    <a:p>
-                      <a:pPr algn="ctr">
-                        <a:lnSpc>
-                          <a:spcPct val="107000"/>
-                        </a:lnSpc>
-                        <a:spcAft>
-                          <a:spcPts val="800"/>
-                        </a:spcAft>
-                      </a:pPr>
-                      <a:r>
-                        <a:rPr lang="en-US" sz="2400">
-                          <a:effectLst/>
-                        </a:rPr>
-                        <a:t>0.050</a:t>
-                      </a:r>
-                      <a:endParaRPr lang="en-US" sz="2400">
-                        <a:effectLst/>
-                        <a:latin typeface="Calibri" panose="020F0502020204030204" pitchFamily="34" charset="0"/>
-                        <a:ea typeface="Calibri" panose="020F0502020204030204" pitchFamily="34" charset="0"/>
-                        <a:cs typeface="Times New Roman" panose="02020603050405020304" pitchFamily="18" charset="0"/>
-                      </a:endParaRPr>
-                    </a:p>
-                  </a:txBody>
-                  <a:tcPr marL="68580" marR="68580" marT="0" marB="0">
-                    <a:lnL w="12700" cap="flat" cmpd="sng" algn="ctr">
-                      <a:solidFill>
-                        <a:schemeClr val="tx1"/>
-                      </a:solidFill>
-                      <a:prstDash val="solid"/>
-                      <a:round/>
-                      <a:headEnd type="none" w="med" len="med"/>
-                      <a:tailEnd type="none" w="med" len="med"/>
-                    </a:lnL>
-                    <a:lnR w="12700" cap="flat" cmpd="sng" algn="ctr">
-                      <a:solidFill>
-                        <a:schemeClr val="tx1"/>
-                      </a:solidFill>
-                      <a:prstDash val="solid"/>
-                      <a:round/>
-                      <a:headEnd type="none" w="med" len="med"/>
-                      <a:tailEnd type="none" w="med" len="med"/>
-                    </a:lnR>
-                    <a:lnT w="12700" cap="flat" cmpd="sng" algn="ctr">
-                      <a:solidFill>
-                        <a:schemeClr val="tx1"/>
-                      </a:solidFill>
-                      <a:prstDash val="solid"/>
-                      <a:round/>
-                      <a:headEnd type="none" w="med" len="med"/>
-                      <a:tailEnd type="none" w="med" len="med"/>
-                    </a:lnT>
-                    <a:lnB w="12700" cap="flat" cmpd="sng" algn="ctr">
-                      <a:solidFill>
-                        <a:schemeClr val="tx1"/>
-                      </a:solidFill>
-                      <a:prstDash val="solid"/>
-                      <a:round/>
-                      <a:headEnd type="none" w="med" len="med"/>
-                      <a:tailEnd type="none" w="med" len="med"/>
-                    </a:lnB>
-                  </a:tcPr>
-                </a:tc>
-                <a:tc>
-                  <a:txBody>
-                    <a:bodyPr/>
-                    <a:lstStyle/>
-                    <a:p>
-                      <a:pPr algn="ctr">
-                        <a:lnSpc>
-                          <a:spcPct val="107000"/>
-                        </a:lnSpc>
-                        <a:spcAft>
-                          <a:spcPts val="800"/>
-                        </a:spcAft>
-                      </a:pPr>
-                      <a:r>
-                        <a:rPr lang="lt-LT" sz="2400" dirty="0">
-                          <a:effectLst/>
-                        </a:rPr>
-                        <a:t>Geras</a:t>
-                      </a:r>
-                      <a:endParaRPr lang="lt-LT" sz="2400" dirty="0">
-                        <a:effectLst/>
-                        <a:latin typeface="Calibri" panose="020F0502020204030204" pitchFamily="34" charset="0"/>
-                        <a:ea typeface="Calibri" panose="020F0502020204030204" pitchFamily="34" charset="0"/>
-                        <a:cs typeface="Times New Roman" panose="02020603050405020304" pitchFamily="18" charset="0"/>
-                      </a:endParaRPr>
-                    </a:p>
-                  </a:txBody>
-                  <a:tcPr marL="68580" marR="68580" marT="0" marB="0">
-                    <a:lnL w="12700" cap="flat" cmpd="sng" algn="ctr">
-                      <a:solidFill>
-                        <a:schemeClr val="tx1"/>
-                      </a:solidFill>
-                      <a:prstDash val="solid"/>
-                      <a:round/>
-                      <a:headEnd type="none" w="med" len="med"/>
-                      <a:tailEnd type="none" w="med" len="med"/>
-                    </a:lnL>
-                    <a:lnR w="12700" cap="flat" cmpd="sng" algn="ctr">
-                      <a:solidFill>
-                        <a:schemeClr val="tx1"/>
-                      </a:solidFill>
-                      <a:prstDash val="solid"/>
-                      <a:round/>
-                      <a:headEnd type="none" w="med" len="med"/>
-                      <a:tailEnd type="none" w="med" len="med"/>
-                    </a:lnR>
-                    <a:lnT w="12700" cap="flat" cmpd="sng" algn="ctr">
-                      <a:solidFill>
-                        <a:schemeClr val="tx1"/>
-                      </a:solidFill>
-                      <a:prstDash val="solid"/>
-                      <a:round/>
-                      <a:headEnd type="none" w="med" len="med"/>
-                      <a:tailEnd type="none" w="med" len="med"/>
-                    </a:lnT>
-                    <a:lnB w="12700" cap="flat" cmpd="sng" algn="ctr">
-                      <a:solidFill>
-                        <a:schemeClr val="tx1"/>
-                      </a:solidFill>
-                      <a:prstDash val="solid"/>
-                      <a:round/>
-                      <a:headEnd type="none" w="med" len="med"/>
-                      <a:tailEnd type="none" w="med" len="med"/>
-                    </a:lnB>
-                  </a:tcPr>
-                </a:tc>
-                <a:extLst>
-                  <a:ext uri="{0D108BD9-81ED-4DB2-BD59-A6C34878D82A}">
-                    <a16:rowId xmlns:a16="http://schemas.microsoft.com/office/drawing/2014/main" val="1645104598"/>
-                  </a:ext>
-                </a:extLst>
-              </a:tr>
-              <a:tr h="631802">
-                <a:tc>
-                  <a:txBody>
-                    <a:bodyPr/>
-                    <a:lstStyle/>
-                    <a:p>
-                      <a:pPr algn="ctr">
-                        <a:lnSpc>
-                          <a:spcPct val="107000"/>
-                        </a:lnSpc>
-                        <a:spcAft>
-                          <a:spcPts val="800"/>
-                        </a:spcAft>
-                      </a:pPr>
-                      <a:r>
-                        <a:rPr lang="en-US" sz="2400" dirty="0">
-                          <a:effectLst/>
-                        </a:rPr>
-                        <a:t>0.025</a:t>
-                      </a:r>
-                      <a:endParaRPr lang="en-US" sz="2400" dirty="0">
-                        <a:effectLst/>
-                        <a:latin typeface="Calibri" panose="020F0502020204030204" pitchFamily="34" charset="0"/>
-                        <a:ea typeface="Calibri" panose="020F0502020204030204" pitchFamily="34" charset="0"/>
-                        <a:cs typeface="Times New Roman" panose="02020603050405020304" pitchFamily="18" charset="0"/>
-                      </a:endParaRPr>
-                    </a:p>
-                  </a:txBody>
-                  <a:tcPr marL="68580" marR="68580" marT="0" marB="0">
-                    <a:lnL w="12700" cap="flat" cmpd="sng" algn="ctr">
-                      <a:solidFill>
-                        <a:schemeClr val="tx1"/>
-                      </a:solidFill>
-                      <a:prstDash val="solid"/>
-                      <a:round/>
-                      <a:headEnd type="none" w="med" len="med"/>
-                      <a:tailEnd type="none" w="med" len="med"/>
-                    </a:lnL>
-                    <a:lnR w="12700" cap="flat" cmpd="sng" algn="ctr">
-                      <a:solidFill>
-                        <a:schemeClr val="tx1"/>
-                      </a:solidFill>
-                      <a:prstDash val="solid"/>
-                      <a:round/>
-                      <a:headEnd type="none" w="med" len="med"/>
-                      <a:tailEnd type="none" w="med" len="med"/>
-                    </a:lnR>
-                    <a:lnT w="12700" cap="flat" cmpd="sng" algn="ctr">
-                      <a:solidFill>
-                        <a:schemeClr val="tx1"/>
-                      </a:solidFill>
-                      <a:prstDash val="solid"/>
-                      <a:round/>
-                      <a:headEnd type="none" w="med" len="med"/>
-                      <a:tailEnd type="none" w="med" len="med"/>
-                    </a:lnT>
-                    <a:lnB w="12700" cap="flat" cmpd="sng" algn="ctr">
-                      <a:solidFill>
-                        <a:schemeClr val="tx1"/>
-                      </a:solidFill>
-                      <a:prstDash val="solid"/>
-                      <a:round/>
-                      <a:headEnd type="none" w="med" len="med"/>
-                      <a:tailEnd type="none" w="med" len="med"/>
-                    </a:lnB>
-                    <a:lnTlToBr w="12700" cmpd="sng">
-                      <a:noFill/>
-                      <a:prstDash val="solid"/>
-                    </a:lnTlToBr>
-                    <a:lnBlToTr w="12700" cmpd="sng">
-                      <a:noFill/>
-                      <a:prstDash val="solid"/>
-                    </a:lnBlToTr>
-                  </a:tcPr>
-                </a:tc>
-                <a:tc>
-                  <a:txBody>
-                    <a:bodyPr/>
-                    <a:lstStyle/>
-                    <a:p>
-                      <a:pPr algn="ctr">
-                        <a:lnSpc>
-                          <a:spcPct val="107000"/>
-                        </a:lnSpc>
-                        <a:spcAft>
-                          <a:spcPts val="800"/>
-                        </a:spcAft>
-                      </a:pPr>
-                      <a:r>
-                        <a:rPr lang="en-US" sz="2400" dirty="0" err="1">
-                          <a:effectLst/>
-                        </a:rPr>
-                        <a:t>Puikus</a:t>
-                      </a:r>
-                      <a:endParaRPr lang="en-US" sz="2400" dirty="0">
-                        <a:effectLst/>
-                        <a:latin typeface="Calibri" panose="020F0502020204030204" pitchFamily="34" charset="0"/>
-                        <a:ea typeface="Calibri" panose="020F0502020204030204" pitchFamily="34" charset="0"/>
-                        <a:cs typeface="Times New Roman" panose="02020603050405020304" pitchFamily="18" charset="0"/>
-                      </a:endParaRPr>
-                    </a:p>
-                  </a:txBody>
-                  <a:tcPr marL="68580" marR="68580" marT="0" marB="0">
-                    <a:lnL w="12700" cap="flat" cmpd="sng" algn="ctr">
-                      <a:solidFill>
-                        <a:schemeClr val="tx1"/>
-                      </a:solidFill>
-                      <a:prstDash val="solid"/>
-                      <a:round/>
-                      <a:headEnd type="none" w="med" len="med"/>
-                      <a:tailEnd type="none" w="med" len="med"/>
-                    </a:lnL>
-                    <a:lnR w="12700" cap="flat" cmpd="sng" algn="ctr">
-                      <a:solidFill>
-                        <a:schemeClr val="tx1"/>
-                      </a:solidFill>
-                      <a:prstDash val="solid"/>
-                      <a:round/>
-                      <a:headEnd type="none" w="med" len="med"/>
-                      <a:tailEnd type="none" w="med" len="med"/>
-                    </a:lnR>
-                    <a:lnT w="12700" cap="flat" cmpd="sng" algn="ctr">
-                      <a:solidFill>
-                        <a:schemeClr val="tx1"/>
-                      </a:solidFill>
-                      <a:prstDash val="solid"/>
-                      <a:round/>
-                      <a:headEnd type="none" w="med" len="med"/>
-                      <a:tailEnd type="none" w="med" len="med"/>
-                    </a:lnT>
-                    <a:lnB w="12700" cap="flat" cmpd="sng" algn="ctr">
-                      <a:solidFill>
-                        <a:schemeClr val="tx1"/>
-                      </a:solidFill>
-                      <a:prstDash val="solid"/>
-                      <a:round/>
-                      <a:headEnd type="none" w="med" len="med"/>
-                      <a:tailEnd type="none" w="med" len="med"/>
-                    </a:lnB>
-                    <a:lnTlToBr w="12700" cmpd="sng">
-                      <a:noFill/>
-                      <a:prstDash val="solid"/>
-                    </a:lnTlToBr>
-                    <a:lnBlToTr w="12700" cmpd="sng">
-                      <a:noFill/>
-                      <a:prstDash val="solid"/>
-                    </a:lnBlToTr>
-                  </a:tcPr>
-                </a:tc>
-                <a:extLst>
-                  <a:ext uri="{0D108BD9-81ED-4DB2-BD59-A6C34878D82A}">
-                    <a16:rowId xmlns:a16="http://schemas.microsoft.com/office/drawing/2014/main" val="3079526588"/>
-                  </a:ext>
-                </a:extLst>
-              </a:tr>
-              <a:tr h="631802">
-                <a:tc>
-                  <a:txBody>
-                    <a:bodyPr/>
-                    <a:lstStyle/>
-                    <a:p>
-                      <a:pPr algn="ctr">
-                        <a:lnSpc>
-                          <a:spcPct val="107000"/>
-                        </a:lnSpc>
-                        <a:spcAft>
-                          <a:spcPts val="800"/>
-                        </a:spcAft>
-                      </a:pPr>
-                      <a:r>
-                        <a:rPr lang="en-US" sz="2400">
-                          <a:effectLst/>
-                        </a:rPr>
-                        <a:t>0.000</a:t>
-                      </a:r>
-                      <a:endParaRPr lang="en-US" sz="2400">
-                        <a:effectLst/>
-                        <a:latin typeface="Calibri" panose="020F0502020204030204" pitchFamily="34" charset="0"/>
-                        <a:ea typeface="Calibri" panose="020F0502020204030204" pitchFamily="34" charset="0"/>
-                        <a:cs typeface="Times New Roman" panose="02020603050405020304" pitchFamily="18" charset="0"/>
-                      </a:endParaRPr>
-                    </a:p>
-                  </a:txBody>
-                  <a:tcPr marL="68580" marR="68580" marT="0" marB="0">
-                    <a:lnL w="12700" cap="flat" cmpd="sng" algn="ctr">
-                      <a:solidFill>
-                        <a:schemeClr val="tx1"/>
-                      </a:solidFill>
-                      <a:prstDash val="solid"/>
-                      <a:round/>
-                      <a:headEnd type="none" w="med" len="med"/>
-                      <a:tailEnd type="none" w="med" len="med"/>
-                    </a:lnL>
-                    <a:lnR w="12700" cap="flat" cmpd="sng" algn="ctr">
-                      <a:solidFill>
-                        <a:schemeClr val="tx1"/>
-                      </a:solidFill>
-                      <a:prstDash val="solid"/>
-                      <a:round/>
-                      <a:headEnd type="none" w="med" len="med"/>
-                      <a:tailEnd type="none" w="med" len="med"/>
-                    </a:lnR>
-                    <a:lnT w="12700" cap="flat" cmpd="sng" algn="ctr">
-                      <a:solidFill>
-                        <a:schemeClr val="tx1"/>
-                      </a:solidFill>
-                      <a:prstDash val="solid"/>
-                      <a:round/>
-                      <a:headEnd type="none" w="med" len="med"/>
-                      <a:tailEnd type="none" w="med" len="med"/>
-                    </a:lnT>
-                    <a:lnB w="12700" cap="flat" cmpd="sng" algn="ctr">
-                      <a:solidFill>
-                        <a:schemeClr val="tx1"/>
-                      </a:solidFill>
-                      <a:prstDash val="solid"/>
-                      <a:round/>
-                      <a:headEnd type="none" w="med" len="med"/>
-                      <a:tailEnd type="none" w="med" len="med"/>
-                    </a:lnB>
-                  </a:tcPr>
-                </a:tc>
-                <a:tc>
-                  <a:txBody>
-                    <a:bodyPr/>
-                    <a:lstStyle/>
-                    <a:p>
-                      <a:pPr algn="ctr">
-                        <a:lnSpc>
-                          <a:spcPct val="107000"/>
-                        </a:lnSpc>
-                        <a:spcAft>
-                          <a:spcPts val="800"/>
-                        </a:spcAft>
-                      </a:pPr>
-                      <a:r>
-                        <a:rPr lang="en-US" sz="2400" dirty="0" err="1">
-                          <a:effectLst/>
-                        </a:rPr>
-                        <a:t>Tobulas</a:t>
-                      </a:r>
-                      <a:endParaRPr lang="en-US" sz="2400" dirty="0">
-                        <a:effectLst/>
-                        <a:latin typeface="Calibri" panose="020F0502020204030204" pitchFamily="34" charset="0"/>
-                        <a:ea typeface="Calibri" panose="020F0502020204030204" pitchFamily="34" charset="0"/>
-                        <a:cs typeface="Times New Roman" panose="02020603050405020304" pitchFamily="18" charset="0"/>
-                      </a:endParaRPr>
-                    </a:p>
-                  </a:txBody>
-                  <a:tcPr marL="68580" marR="68580" marT="0" marB="0">
-                    <a:lnL w="12700" cap="flat" cmpd="sng" algn="ctr">
-                      <a:solidFill>
-                        <a:schemeClr val="tx1"/>
-                      </a:solidFill>
-                      <a:prstDash val="solid"/>
-                      <a:round/>
-                      <a:headEnd type="none" w="med" len="med"/>
-                      <a:tailEnd type="none" w="med" len="med"/>
-                    </a:lnL>
-                    <a:lnR w="12700" cap="flat" cmpd="sng" algn="ctr">
-                      <a:solidFill>
-                        <a:schemeClr val="tx1"/>
-                      </a:solidFill>
-                      <a:prstDash val="solid"/>
-                      <a:round/>
-                      <a:headEnd type="none" w="med" len="med"/>
-                      <a:tailEnd type="none" w="med" len="med"/>
-                    </a:lnR>
-                    <a:lnT w="12700" cap="flat" cmpd="sng" algn="ctr">
-                      <a:solidFill>
-                        <a:schemeClr val="tx1"/>
-                      </a:solidFill>
-                      <a:prstDash val="solid"/>
-                      <a:round/>
-                      <a:headEnd type="none" w="med" len="med"/>
-                      <a:tailEnd type="none" w="med" len="med"/>
-                    </a:lnT>
-                    <a:lnB w="12700" cap="flat" cmpd="sng" algn="ctr">
-                      <a:solidFill>
-                        <a:schemeClr val="tx1"/>
-                      </a:solidFill>
-                      <a:prstDash val="solid"/>
-                      <a:round/>
-                      <a:headEnd type="none" w="med" len="med"/>
-                      <a:tailEnd type="none" w="med" len="med"/>
-                    </a:lnB>
-                  </a:tcPr>
-                </a:tc>
-                <a:extLst>
-                  <a:ext uri="{0D108BD9-81ED-4DB2-BD59-A6C34878D82A}">
-                    <a16:rowId xmlns:a16="http://schemas.microsoft.com/office/drawing/2014/main" val="3743570956"/>
-                  </a:ext>
-                </a:extLst>
-              </a:tr>
-            </a:tbl>
-          </a:graphicData>
-        </a:graphic>
-      </p:graphicFrame>
-    </p:spTree>
-    <p:extLst>
-      <p:ext uri="{BB962C8B-B14F-4D97-AF65-F5344CB8AC3E}">
-        <p14:creationId xmlns:p14="http://schemas.microsoft.com/office/powerpoint/2010/main" val="3291692643"/>
-      </p:ext>
-    </p:extLst>
-  </p:cSld>
-  <p:clrMapOvr>
-    <a:masterClrMapping/>
-  </p:clrMapOvr>
-</p:sld>
-</file>
-
-<file path=ppt/slides/slide24.xml><?xml version="1.0" encoding="utf-8"?>
+<file path=ppt/slides/slide30.xml><?xml version="1.0" encoding="utf-8"?>
 <p:sld xmlns:a="http://schemas.openxmlformats.org/drawingml/2006/main" xmlns:r="http://schemas.openxmlformats.org/officeDocument/2006/relationships" xmlns:p="http://schemas.openxmlformats.org/presentationml/2006/main">
   <p:cSld>
     <p:spTree>
@@ -8687,8 +9227,8 @@
           </a:xfrm>
         </p:spPr>
       </p:pic>
-      <mc:AlternateContent xmlns:mc="http://schemas.openxmlformats.org/markup-compatibility/2006" xmlns:a14="http://schemas.microsoft.com/office/drawing/2010/main">
-        <mc:Choice Requires="a14">
+      <mc:AlternateContent xmlns:mc="http://schemas.openxmlformats.org/markup-compatibility/2006">
+        <mc:Choice xmlns:a14="http://schemas.microsoft.com/office/drawing/2010/main" Requires="a14">
           <p:sp>
             <p:nvSpPr>
               <p:cNvPr id="10" name="TextBox 9">
@@ -8703,8 +9243,8 @@
             </p:nvSpPr>
             <p:spPr>
               <a:xfrm>
-                <a:off x="574158" y="793788"/>
-                <a:ext cx="4839624" cy="4971297"/>
+                <a:off x="574158" y="1128017"/>
+                <a:ext cx="4839624" cy="4601965"/>
               </a:xfrm>
               <a:prstGeom prst="rect">
                 <a:avLst/>
@@ -8857,7 +9397,7 @@
                 </a:r>
                 <a:r>
                   <a:rPr lang="lt-LT" sz="2400" dirty="0"/>
-                  <a:t>ų dažniausiai naudojamas </a:t>
+                  <a:t>ų dažniausiai naudojama </a:t>
                 </a:r>
                 <a:r>
                   <a:rPr lang="lt-LT" sz="2400" dirty="0" err="1"/>
@@ -8865,15 +9405,7 @@
                 </a:r>
                 <a:r>
                   <a:rPr lang="lt-LT" sz="2400" dirty="0"/>
-                  <a:t> </a:t>
-                </a:r>
-                <a:r>
-                  <a:rPr lang="lt-LT" sz="2400" dirty="0" err="1"/>
-                  <a:t>diagram</a:t>
-                </a:r>
-                <a:r>
-                  <a:rPr lang="lt-LT" sz="2400" dirty="0"/>
-                  <a:t>.</a:t>
+                  <a:t> diagrama, y ašyje vaizduojanti atstumus vaizdo erdvėje, x ašyje – atstumus duomenų erdvėje tarp tų pačių objektų.</a:t>
                 </a:r>
               </a:p>
               <a:p>
@@ -8886,22 +9418,13 @@
                 </a:r>
                 <a:r>
                   <a:rPr lang="lt-LT" sz="2400" dirty="0"/>
-                  <a:t> MDS atveju lyginama su tiesinės regresijos tiese.</a:t>
-                </a:r>
-              </a:p>
-              <a:p>
-                <a:endParaRPr lang="lt-LT" sz="2400" dirty="0"/>
-              </a:p>
-              <a:p>
-                <a:r>
-                  <a:rPr lang="lt-LT" sz="2400" dirty="0"/>
-                  <a:t>Galima ieškoti, kokie taškai labiausiai nutolę nuo tiesės (netiksliai atvaizduojamas atstumas tarp dviejų objektų mažesnėje dimensijoje).</a:t>
+                  <a:t> MDS atveju taškų pasiskirstymas lyginamas su tiesinės regresijos tiese.</a:t>
                 </a:r>
               </a:p>
             </p:txBody>
           </p:sp>
         </mc:Choice>
-        <mc:Fallback xmlns="">
+        <mc:Fallback>
           <p:sp>
             <p:nvSpPr>
               <p:cNvPr id="10" name="TextBox 9">
@@ -8918,8 +9441,8 @@
             </p:nvSpPr>
             <p:spPr>
               <a:xfrm>
-                <a:off x="574158" y="793788"/>
-                <a:ext cx="4839624" cy="4971297"/>
+                <a:off x="574158" y="1128017"/>
+                <a:ext cx="4839624" cy="4601965"/>
               </a:xfrm>
               <a:prstGeom prst="rect">
                 <a:avLst/>
@@ -8927,7 +9450,7 @@
               <a:blipFill>
                 <a:blip r:embed="rId3"/>
                 <a:stretch>
-                  <a:fillRect l="-1889" t="-858" r="-882" b="-1716"/>
+                  <a:fillRect l="-1889" t="-927" r="-2897" b="-1987"/>
                 </a:stretch>
               </a:blipFill>
             </p:spPr>
@@ -8959,7 +9482,7 @@
 </p:sld>
 </file>
 
-<file path=ppt/slides/slide25.xml><?xml version="1.0" encoding="utf-8"?>
+<file path=ppt/slides/slide31.xml><?xml version="1.0" encoding="utf-8"?>
 <p:sld xmlns:a="http://schemas.openxmlformats.org/drawingml/2006/main" xmlns:r="http://schemas.openxmlformats.org/officeDocument/2006/relationships" xmlns:p="http://schemas.openxmlformats.org/presentationml/2006/main">
   <p:cSld>
     <p:spTree>
@@ -9025,8 +9548,8 @@
         </p:nvSpPr>
         <p:spPr>
           <a:xfrm>
-            <a:off x="659220" y="1807535"/>
-            <a:ext cx="4933507" cy="3046988"/>
+            <a:off x="659220" y="1536174"/>
+            <a:ext cx="4933507" cy="3416320"/>
           </a:xfrm>
           <a:prstGeom prst="rect">
             <a:avLst/>
@@ -9045,29 +9568,20 @@
             </a:r>
             <a:r>
               <a:rPr lang="lt-LT" sz="2400" dirty="0"/>
-              <a:t> MDS atveju vaizduojama monotoninės regresijos kreivė.</a:t>
+              <a:t> MDS atveju pasiskirstymas lyginamas su monotoninės regresijos kreive.</a:t>
             </a:r>
           </a:p>
           <a:p>
             <a:endParaRPr lang="lt-LT" sz="2400" dirty="0"/>
           </a:p>
           <a:p>
+            <a:r>
+              <a:rPr lang="lt-LT" sz="2400" dirty="0"/>
+              <a:t>Galima ieškoti, kurie taškai labiausiai nutolę nuo kreivės (netiksliai atvaizduojamas atstumas tarp dviejų objektų mažesnėje dimensijoje).</a:t>
+            </a:r>
+          </a:p>
+          <a:p>
             <a:endParaRPr lang="lt-LT" sz="2400" dirty="0"/>
-          </a:p>
-          <a:p>
-            <a:r>
-              <a:rPr lang="lt-LT" sz="2400" dirty="0"/>
-              <a:t>Šiame pavyzdyje matoma, kad </a:t>
-            </a:r>
-            <a:r>
-              <a:rPr lang="lt-LT" sz="2400" dirty="0" err="1"/>
-              <a:t>nemetrikinė</a:t>
-            </a:r>
-            <a:r>
-              <a:rPr lang="lt-LT" sz="2400" dirty="0"/>
-              <a:t> MDS geriau tinka šiems duomenims.</a:t>
-            </a:r>
-            <a:endParaRPr lang="LID4096" sz="2400" dirty="0"/>
           </a:p>
         </p:txBody>
       </p:sp>
@@ -9075,940 +9589,6 @@
     <p:extLst>
       <p:ext uri="{BB962C8B-B14F-4D97-AF65-F5344CB8AC3E}">
         <p14:creationId xmlns:p14="http://schemas.microsoft.com/office/powerpoint/2010/main" val="629567394"/>
-      </p:ext>
-    </p:extLst>
-  </p:cSld>
-  <p:clrMapOvr>
-    <a:masterClrMapping/>
-  </p:clrMapOvr>
-</p:sld>
-</file>
-
-<file path=ppt/slides/slide26.xml><?xml version="1.0" encoding="utf-8"?>
-<p:sld xmlns:a="http://schemas.openxmlformats.org/drawingml/2006/main" xmlns:r="http://schemas.openxmlformats.org/officeDocument/2006/relationships" xmlns:p="http://schemas.openxmlformats.org/presentationml/2006/main">
-  <p:cSld>
-    <p:spTree>
-      <p:nvGrpSpPr>
-        <p:cNvPr id="1" name=""/>
-        <p:cNvGrpSpPr/>
-        <p:nvPr/>
-      </p:nvGrpSpPr>
-      <p:grpSpPr>
-        <a:xfrm>
-          <a:off x="0" y="0"/>
-          <a:ext cx="0" cy="0"/>
-          <a:chOff x="0" y="0"/>
-          <a:chExt cx="0" cy="0"/>
-        </a:xfrm>
-      </p:grpSpPr>
-      <p:sp>
-        <p:nvSpPr>
-          <p:cNvPr id="3" name="Turinio vietos rezervavimo ženklas 2">
-            <a:extLst>
-              <a:ext uri="{FF2B5EF4-FFF2-40B4-BE49-F238E27FC236}">
-                <a16:creationId xmlns:a16="http://schemas.microsoft.com/office/drawing/2014/main" id="{B585CE03-A89E-41B9-A49B-A9F0F3740EC4}"/>
-              </a:ext>
-            </a:extLst>
-          </p:cNvPr>
-          <p:cNvSpPr>
-            <a:spLocks noGrp="1"/>
-          </p:cNvSpPr>
-          <p:nvPr>
-            <p:ph idx="1"/>
-          </p:nvPr>
-        </p:nvSpPr>
-        <p:spPr>
-          <a:xfrm>
-            <a:off x="662273" y="1477925"/>
-            <a:ext cx="4711995" cy="3540642"/>
-          </a:xfrm>
-        </p:spPr>
-        <p:txBody>
-          <a:bodyPr>
-            <a:normAutofit/>
-          </a:bodyPr>
-          <a:lstStyle/>
-          <a:p>
-            <a:r>
-              <a:rPr lang="lt-LT" sz="2400" dirty="0"/>
-              <a:t>Bendresnis būdas ieškoti blogai atvaizduojamų taškų yra </a:t>
-            </a:r>
-            <a:r>
-              <a:rPr lang="lt-LT" sz="2400" dirty="0" err="1"/>
-              <a:t>stress</a:t>
-            </a:r>
-            <a:r>
-              <a:rPr lang="lt-LT" sz="2400" dirty="0"/>
-              <a:t> per </a:t>
-            </a:r>
-            <a:r>
-              <a:rPr lang="lt-LT" sz="2400" dirty="0" err="1"/>
-              <a:t>point</a:t>
-            </a:r>
-            <a:r>
-              <a:rPr lang="lt-LT" sz="2400" dirty="0"/>
-              <a:t>.</a:t>
-            </a:r>
-          </a:p>
-          <a:p>
-            <a:r>
-              <a:rPr lang="lt-LT" sz="2400" dirty="0"/>
-              <a:t>Kiekvienam objektui apskaičiuojama kokia dalis </a:t>
-            </a:r>
-            <a:r>
-              <a:rPr lang="lt-LT" sz="2400" dirty="0" err="1"/>
-              <a:t>Stress</a:t>
-            </a:r>
-            <a:r>
-              <a:rPr lang="lt-LT" sz="2400" dirty="0"/>
-              <a:t> gaunama dėl jo.</a:t>
-            </a:r>
-          </a:p>
-          <a:p>
-            <a:r>
-              <a:rPr lang="lt-LT" sz="2400" dirty="0"/>
-              <a:t>Pvz. sklaidos diagramoje didesniais taškai vaizduojami objektai daugiau prisideda prie </a:t>
-            </a:r>
-            <a:r>
-              <a:rPr lang="lt-LT" sz="2400" dirty="0" err="1"/>
-              <a:t>Stress</a:t>
-            </a:r>
-            <a:r>
-              <a:rPr lang="lt-LT" sz="2400" dirty="0"/>
-              <a:t>. </a:t>
-            </a:r>
-          </a:p>
-        </p:txBody>
-      </p:sp>
-      <p:pic>
-        <p:nvPicPr>
-          <p:cNvPr id="5" name="Paveikslėlis 4">
-            <a:extLst>
-              <a:ext uri="{FF2B5EF4-FFF2-40B4-BE49-F238E27FC236}">
-                <a16:creationId xmlns:a16="http://schemas.microsoft.com/office/drawing/2014/main" id="{72881132-A01E-4B03-B2CF-DA55626C5A01}"/>
-              </a:ext>
-            </a:extLst>
-          </p:cNvPr>
-          <p:cNvPicPr>
-            <a:picLocks noChangeAspect="1"/>
-          </p:cNvPicPr>
-          <p:nvPr/>
-        </p:nvPicPr>
-        <p:blipFill>
-          <a:blip r:embed="rId2">
-            <a:extLst>
-              <a:ext uri="{28A0092B-C50C-407E-A947-70E740481C1C}">
-                <a14:useLocalDpi xmlns:a14="http://schemas.microsoft.com/office/drawing/2010/main" val="0"/>
-              </a:ext>
-            </a:extLst>
-          </a:blip>
-          <a:stretch>
-            <a:fillRect/>
-          </a:stretch>
-        </p:blipFill>
-        <p:spPr>
-          <a:xfrm>
-            <a:off x="5374268" y="186560"/>
-            <a:ext cx="6555462" cy="6484879"/>
-          </a:xfrm>
-          <a:prstGeom prst="rect">
-            <a:avLst/>
-          </a:prstGeom>
-        </p:spPr>
-      </p:pic>
-    </p:spTree>
-    <p:extLst>
-      <p:ext uri="{BB962C8B-B14F-4D97-AF65-F5344CB8AC3E}">
-        <p14:creationId xmlns:p14="http://schemas.microsoft.com/office/powerpoint/2010/main" val="3827158243"/>
-      </p:ext>
-    </p:extLst>
-  </p:cSld>
-  <p:clrMapOvr>
-    <a:masterClrMapping/>
-  </p:clrMapOvr>
-</p:sld>
-</file>
-
-<file path=ppt/slides/slide27.xml><?xml version="1.0" encoding="utf-8"?>
-<p:sld xmlns:a="http://schemas.openxmlformats.org/drawingml/2006/main" xmlns:r="http://schemas.openxmlformats.org/officeDocument/2006/relationships" xmlns:p="http://schemas.openxmlformats.org/presentationml/2006/main">
-  <p:cSld>
-    <p:spTree>
-      <p:nvGrpSpPr>
-        <p:cNvPr id="1" name=""/>
-        <p:cNvGrpSpPr/>
-        <p:nvPr/>
-      </p:nvGrpSpPr>
-      <p:grpSpPr>
-        <a:xfrm>
-          <a:off x="0" y="0"/>
-          <a:ext cx="0" cy="0"/>
-          <a:chOff x="0" y="0"/>
-          <a:chExt cx="0" cy="0"/>
-        </a:xfrm>
-      </p:grpSpPr>
-      <p:sp>
-        <p:nvSpPr>
-          <p:cNvPr id="2" name="Pavadinimas 1">
-            <a:extLst>
-              <a:ext uri="{FF2B5EF4-FFF2-40B4-BE49-F238E27FC236}">
-                <a16:creationId xmlns:a16="http://schemas.microsoft.com/office/drawing/2014/main" id="{04C14B83-B546-4F5B-A17B-B3AAE486A9C1}"/>
-              </a:ext>
-            </a:extLst>
-          </p:cNvPr>
-          <p:cNvSpPr>
-            <a:spLocks noGrp="1"/>
-          </p:cNvSpPr>
-          <p:nvPr>
-            <p:ph type="title"/>
-          </p:nvPr>
-        </p:nvSpPr>
-        <p:spPr/>
-        <p:txBody>
-          <a:bodyPr/>
-          <a:lstStyle/>
-          <a:p>
-            <a:r>
-              <a:rPr lang="lt-LT" dirty="0"/>
-              <a:t>MDS interpretacija</a:t>
-            </a:r>
-            <a:endParaRPr lang="LID4096" dirty="0"/>
-          </a:p>
-        </p:txBody>
-      </p:sp>
-      <p:sp>
-        <p:nvSpPr>
-          <p:cNvPr id="3" name="Turinio vietos rezervavimo ženklas 2">
-            <a:extLst>
-              <a:ext uri="{FF2B5EF4-FFF2-40B4-BE49-F238E27FC236}">
-                <a16:creationId xmlns:a16="http://schemas.microsoft.com/office/drawing/2014/main" id="{60BA0A37-A4EC-4EBD-9AAF-6CEB1A441951}"/>
-              </a:ext>
-            </a:extLst>
-          </p:cNvPr>
-          <p:cNvSpPr>
-            <a:spLocks noGrp="1"/>
-          </p:cNvSpPr>
-          <p:nvPr>
-            <p:ph idx="1"/>
-          </p:nvPr>
-        </p:nvSpPr>
-        <p:spPr/>
-        <p:txBody>
-          <a:bodyPr>
-            <a:normAutofit/>
-          </a:bodyPr>
-          <a:lstStyle/>
-          <a:p>
-            <a:r>
-              <a:rPr lang="lt-LT" sz="2400" dirty="0"/>
-              <a:t>Priešingai negu naudojant PCA, ašys nėra reikšmingos, nes MDS rezultatai pagrįsti vien tik atstumais tarp objektų.</a:t>
-            </a:r>
-          </a:p>
-          <a:p>
-            <a:endParaRPr lang="lt-LT" sz="2400" dirty="0"/>
-          </a:p>
-          <a:p>
-            <a:pPr marL="0" indent="0">
-              <a:buNone/>
-            </a:pPr>
-            <a:r>
-              <a:rPr lang="lt-LT" sz="2400" dirty="0"/>
-              <a:t>Atstumai nekinta:</a:t>
-            </a:r>
-          </a:p>
-          <a:p>
-            <a:r>
-              <a:rPr lang="lt-LT" sz="2400" dirty="0"/>
-              <a:t>Prie vienos koordinatės pridedant konstantą visiems objektams (paslinkus)</a:t>
-            </a:r>
-          </a:p>
-          <a:p>
-            <a:r>
-              <a:rPr lang="lt-LT" sz="2400" dirty="0"/>
-              <a:t>Pasukant ašis</a:t>
-            </a:r>
-          </a:p>
-          <a:p>
-            <a:r>
-              <a:rPr lang="lt-LT" sz="2400" dirty="0"/>
-              <a:t>Paimant atspindį kurios nors ašies atžvilgiu</a:t>
-            </a:r>
-          </a:p>
-          <a:p>
-            <a:endParaRPr lang="lt-LT" sz="2400" dirty="0"/>
-          </a:p>
-          <a:p>
-            <a:pPr marL="0" indent="0">
-              <a:buNone/>
-            </a:pPr>
-            <a:r>
-              <a:rPr lang="lt-LT" sz="2400" dirty="0"/>
-              <a:t>Todėl peržiūrint MDS gauta rezultatą gali tekti ieškoti „prasmingiausių“ ašių.</a:t>
-            </a:r>
-          </a:p>
-        </p:txBody>
-      </p:sp>
-    </p:spTree>
-    <p:extLst>
-      <p:ext uri="{BB962C8B-B14F-4D97-AF65-F5344CB8AC3E}">
-        <p14:creationId xmlns:p14="http://schemas.microsoft.com/office/powerpoint/2010/main" val="2971599568"/>
-      </p:ext>
-    </p:extLst>
-  </p:cSld>
-  <p:clrMapOvr>
-    <a:masterClrMapping/>
-  </p:clrMapOvr>
-</p:sld>
-</file>
-
-<file path=ppt/slides/slide28.xml><?xml version="1.0" encoding="utf-8"?>
-<p:sld xmlns:a="http://schemas.openxmlformats.org/drawingml/2006/main" xmlns:r="http://schemas.openxmlformats.org/officeDocument/2006/relationships" xmlns:p="http://schemas.openxmlformats.org/presentationml/2006/main">
-  <p:cSld>
-    <p:spTree>
-      <p:nvGrpSpPr>
-        <p:cNvPr id="1" name=""/>
-        <p:cNvGrpSpPr/>
-        <p:nvPr/>
-      </p:nvGrpSpPr>
-      <p:grpSpPr>
-        <a:xfrm>
-          <a:off x="0" y="0"/>
-          <a:ext cx="0" cy="0"/>
-          <a:chOff x="0" y="0"/>
-          <a:chExt cx="0" cy="0"/>
-        </a:xfrm>
-      </p:grpSpPr>
-      <p:pic>
-        <p:nvPicPr>
-          <p:cNvPr id="5" name="Turinio vietos rezervavimo ženklas 4">
-            <a:extLst>
-              <a:ext uri="{FF2B5EF4-FFF2-40B4-BE49-F238E27FC236}">
-                <a16:creationId xmlns:a16="http://schemas.microsoft.com/office/drawing/2014/main" id="{9A38D602-D378-466E-88FF-2B725107E29D}"/>
-              </a:ext>
-            </a:extLst>
-          </p:cNvPr>
-          <p:cNvPicPr>
-            <a:picLocks noGrp="1" noChangeAspect="1"/>
-          </p:cNvPicPr>
-          <p:nvPr>
-            <p:ph idx="1"/>
-          </p:nvPr>
-        </p:nvPicPr>
-        <p:blipFill>
-          <a:blip r:embed="rId2">
-            <a:extLst>
-              <a:ext uri="{28A0092B-C50C-407E-A947-70E740481C1C}">
-                <a14:useLocalDpi xmlns:a14="http://schemas.microsoft.com/office/drawing/2010/main" val="0"/>
-              </a:ext>
-            </a:extLst>
-          </a:blip>
-          <a:stretch>
-            <a:fillRect/>
-          </a:stretch>
-        </p:blipFill>
-        <p:spPr>
-          <a:xfrm>
-            <a:off x="4682799" y="523062"/>
-            <a:ext cx="7228279" cy="5811876"/>
-          </a:xfrm>
-        </p:spPr>
-      </p:pic>
-      <p:sp>
-        <p:nvSpPr>
-          <p:cNvPr id="7" name="TextBox 6">
-            <a:extLst>
-              <a:ext uri="{FF2B5EF4-FFF2-40B4-BE49-F238E27FC236}">
-                <a16:creationId xmlns:a16="http://schemas.microsoft.com/office/drawing/2014/main" id="{D149735D-A94E-4153-8B13-A1A04C36ED36}"/>
-              </a:ext>
-            </a:extLst>
-          </p:cNvPr>
-          <p:cNvSpPr txBox="1"/>
-          <p:nvPr/>
-        </p:nvSpPr>
-        <p:spPr>
-          <a:xfrm>
-            <a:off x="733647" y="1307275"/>
-            <a:ext cx="4289394" cy="3416320"/>
-          </a:xfrm>
-          <a:prstGeom prst="rect">
-            <a:avLst/>
-          </a:prstGeom>
-          <a:noFill/>
-        </p:spPr>
-        <p:txBody>
-          <a:bodyPr wrap="square" rtlCol="0">
-            <a:spAutoFit/>
-          </a:bodyPr>
-          <a:lstStyle/>
-          <a:p>
-            <a:r>
-              <a:rPr lang="lt-LT" sz="2400" dirty="0"/>
-              <a:t>Pvz. respondentai vertino šalis pagal jų panašumą.</a:t>
-            </a:r>
-          </a:p>
-          <a:p>
-            <a:endParaRPr lang="lt-LT" sz="2400" dirty="0"/>
-          </a:p>
-          <a:p>
-            <a:r>
-              <a:rPr lang="lt-LT" sz="2400" dirty="0"/>
-              <a:t>Gautoje sklaidos diagramoje pridedamos prasminės ašys.</a:t>
-            </a:r>
-          </a:p>
-          <a:p>
-            <a:endParaRPr lang="lt-LT" sz="2400" dirty="0"/>
-          </a:p>
-          <a:p>
-            <a:r>
-              <a:rPr lang="lt-LT" sz="2400" dirty="0"/>
-              <a:t>Kai kurios MDS </a:t>
-            </a:r>
-            <a:r>
-              <a:rPr lang="lt-LT" sz="2400" dirty="0" err="1"/>
-              <a:t>implementacijos</a:t>
-            </a:r>
-            <a:r>
-              <a:rPr lang="lt-LT" sz="2400" dirty="0"/>
-              <a:t> automatiškai panaudoja PCA perorientuoti ašis. </a:t>
-            </a:r>
-            <a:endParaRPr lang="LID4096" sz="2400" dirty="0"/>
-          </a:p>
-        </p:txBody>
-      </p:sp>
-    </p:spTree>
-    <p:extLst>
-      <p:ext uri="{BB962C8B-B14F-4D97-AF65-F5344CB8AC3E}">
-        <p14:creationId xmlns:p14="http://schemas.microsoft.com/office/powerpoint/2010/main" val="1793048937"/>
-      </p:ext>
-    </p:extLst>
-  </p:cSld>
-  <p:clrMapOvr>
-    <a:masterClrMapping/>
-  </p:clrMapOvr>
-</p:sld>
-</file>
-
-<file path=ppt/slides/slide29.xml><?xml version="1.0" encoding="utf-8"?>
-<p:sld xmlns:a="http://schemas.openxmlformats.org/drawingml/2006/main" xmlns:r="http://schemas.openxmlformats.org/officeDocument/2006/relationships" xmlns:p="http://schemas.openxmlformats.org/presentationml/2006/main">
-  <p:cSld>
-    <p:spTree>
-      <p:nvGrpSpPr>
-        <p:cNvPr id="1" name=""/>
-        <p:cNvGrpSpPr/>
-        <p:nvPr/>
-      </p:nvGrpSpPr>
-      <p:grpSpPr>
-        <a:xfrm>
-          <a:off x="0" y="0"/>
-          <a:ext cx="0" cy="0"/>
-          <a:chOff x="0" y="0"/>
-          <a:chExt cx="0" cy="0"/>
-        </a:xfrm>
-      </p:grpSpPr>
-      <p:sp>
-        <p:nvSpPr>
-          <p:cNvPr id="2" name="Pavadinimas 1">
-            <a:extLst>
-              <a:ext uri="{FF2B5EF4-FFF2-40B4-BE49-F238E27FC236}">
-                <a16:creationId xmlns:a16="http://schemas.microsoft.com/office/drawing/2014/main" id="{DFFACB3E-12D8-4503-8156-70F8B60F6705}"/>
-              </a:ext>
-            </a:extLst>
-          </p:cNvPr>
-          <p:cNvSpPr>
-            <a:spLocks noGrp="1"/>
-          </p:cNvSpPr>
-          <p:nvPr>
-            <p:ph type="title"/>
-          </p:nvPr>
-        </p:nvSpPr>
-        <p:spPr/>
-        <p:txBody>
-          <a:bodyPr/>
-          <a:lstStyle/>
-          <a:p>
-            <a:r>
-              <a:rPr lang="lt-LT" dirty="0"/>
-              <a:t>Dideli atstumai ir išskirtys</a:t>
-            </a:r>
-            <a:endParaRPr lang="LID4096" dirty="0"/>
-          </a:p>
-        </p:txBody>
-      </p:sp>
-      <p:sp>
-        <p:nvSpPr>
-          <p:cNvPr id="3" name="Turinio vietos rezervavimo ženklas 2">
-            <a:extLst>
-              <a:ext uri="{FF2B5EF4-FFF2-40B4-BE49-F238E27FC236}">
-                <a16:creationId xmlns:a16="http://schemas.microsoft.com/office/drawing/2014/main" id="{53B9697B-BC6F-46CA-A6E7-E4E57F8467C5}"/>
-              </a:ext>
-            </a:extLst>
-          </p:cNvPr>
-          <p:cNvSpPr>
-            <a:spLocks noGrp="1"/>
-          </p:cNvSpPr>
-          <p:nvPr>
-            <p:ph idx="1"/>
-          </p:nvPr>
-        </p:nvSpPr>
-        <p:spPr>
-          <a:xfrm>
-            <a:off x="997689" y="1690688"/>
-            <a:ext cx="10515600" cy="4351338"/>
-          </a:xfrm>
-        </p:spPr>
-        <p:txBody>
-          <a:bodyPr>
-            <a:normAutofit/>
-          </a:bodyPr>
-          <a:lstStyle/>
-          <a:p>
-            <a:endParaRPr lang="lt-LT" sz="2400" dirty="0">
-              <a:solidFill>
-                <a:srgbClr val="000000"/>
-              </a:solidFill>
-            </a:endParaRPr>
-          </a:p>
-          <a:p>
-            <a:r>
-              <a:rPr lang="lt-LT" sz="2400" dirty="0">
-                <a:solidFill>
-                  <a:srgbClr val="000000"/>
-                </a:solidFill>
-              </a:rPr>
-              <a:t>MDS gauti atstumai tarp objektų yra kažkiek iškreipta jų tarpusavio santykio reprezentacija (jeigu </a:t>
-            </a:r>
-            <a:r>
-              <a:rPr lang="lt-LT" sz="2400" dirty="0" err="1">
-                <a:solidFill>
-                  <a:srgbClr val="000000"/>
-                </a:solidFill>
-              </a:rPr>
-              <a:t>Stress</a:t>
-            </a:r>
-            <a:r>
-              <a:rPr lang="lt-LT" sz="2400" dirty="0">
-                <a:solidFill>
-                  <a:srgbClr val="000000"/>
-                </a:solidFill>
-              </a:rPr>
-              <a:t> nelygus 0).</a:t>
-            </a:r>
-          </a:p>
-          <a:p>
-            <a:r>
-              <a:rPr lang="lt-LT" sz="2400" dirty="0">
-                <a:solidFill>
-                  <a:srgbClr val="000000"/>
-                </a:solidFill>
-              </a:rPr>
-              <a:t>Didesnės </a:t>
-            </a:r>
-            <a:r>
-              <a:rPr lang="lt-LT" sz="2400" dirty="0" err="1">
-                <a:solidFill>
-                  <a:srgbClr val="000000"/>
-                </a:solidFill>
-              </a:rPr>
-              <a:t>Stress</a:t>
-            </a:r>
-            <a:r>
-              <a:rPr lang="lt-LT" sz="2400" dirty="0">
-                <a:solidFill>
-                  <a:srgbClr val="000000"/>
-                </a:solidFill>
-              </a:rPr>
-              <a:t> reikšmės reiškia ši reprezentacija yra labiau iškreipta.</a:t>
-            </a:r>
-          </a:p>
-          <a:p>
-            <a:endParaRPr lang="lt-LT" sz="2400" dirty="0">
-              <a:solidFill>
-                <a:srgbClr val="000000"/>
-              </a:solidFill>
-            </a:endParaRPr>
-          </a:p>
-          <a:p>
-            <a:r>
-              <a:rPr lang="lt-LT" sz="2400" dirty="0">
-                <a:solidFill>
-                  <a:srgbClr val="000000"/>
-                </a:solidFill>
-              </a:rPr>
-              <a:t>Gautus didelius atstumus tarp objektų galima interpretuoti kaip „teisingus“:</a:t>
-            </a:r>
-          </a:p>
-          <a:p>
-            <a:r>
-              <a:rPr lang="lt-LT" sz="2400" dirty="0">
-                <a:solidFill>
-                  <a:srgbClr val="000000"/>
-                </a:solidFill>
-              </a:rPr>
-              <a:t> Jeigu atstumai tarp kažkurių objektų didelės dimensijos erdvėje dideli, o gautoje – maži (arba atvirkščiai), tai stipriai padidintų </a:t>
-            </a:r>
-            <a:r>
-              <a:rPr lang="lt-LT" sz="2400" dirty="0" err="1">
-                <a:solidFill>
-                  <a:srgbClr val="000000"/>
-                </a:solidFill>
-              </a:rPr>
-              <a:t>Stress</a:t>
-            </a:r>
-            <a:r>
-              <a:rPr lang="lt-LT" sz="2400" dirty="0">
-                <a:solidFill>
-                  <a:srgbClr val="000000"/>
-                </a:solidFill>
-              </a:rPr>
-              <a:t> reikšmę, vadinasi optimizacijos procesas „labiau“ stengiasi teisingai atvaizduoti šiuos atstumus.</a:t>
-            </a:r>
-          </a:p>
-          <a:p>
-            <a:endParaRPr lang="lt-LT" sz="2400" b="0" i="0" dirty="0">
-              <a:solidFill>
-                <a:srgbClr val="000000"/>
-              </a:solidFill>
-              <a:effectLst/>
-            </a:endParaRPr>
-          </a:p>
-          <a:p>
-            <a:endParaRPr lang="LID4096" sz="2400" dirty="0"/>
-          </a:p>
-        </p:txBody>
-      </p:sp>
-    </p:spTree>
-    <p:extLst>
-      <p:ext uri="{BB962C8B-B14F-4D97-AF65-F5344CB8AC3E}">
-        <p14:creationId xmlns:p14="http://schemas.microsoft.com/office/powerpoint/2010/main" val="427460743"/>
-      </p:ext>
-    </p:extLst>
-  </p:cSld>
-  <p:clrMapOvr>
-    <a:masterClrMapping/>
-  </p:clrMapOvr>
-</p:sld>
-</file>
-
-<file path=ppt/slides/slide3.xml><?xml version="1.0" encoding="utf-8"?>
-<p:sld xmlns:a="http://schemas.openxmlformats.org/drawingml/2006/main" xmlns:r="http://schemas.openxmlformats.org/officeDocument/2006/relationships" xmlns:p="http://schemas.openxmlformats.org/presentationml/2006/main">
-  <p:cSld>
-    <p:spTree>
-      <p:nvGrpSpPr>
-        <p:cNvPr id="1" name=""/>
-        <p:cNvGrpSpPr/>
-        <p:nvPr/>
-      </p:nvGrpSpPr>
-      <p:grpSpPr>
-        <a:xfrm>
-          <a:off x="0" y="0"/>
-          <a:ext cx="0" cy="0"/>
-          <a:chOff x="0" y="0"/>
-          <a:chExt cx="0" cy="0"/>
-        </a:xfrm>
-      </p:grpSpPr>
-      <p:sp>
-        <p:nvSpPr>
-          <p:cNvPr id="2" name="Pavadinimas 1">
-            <a:extLst>
-              <a:ext uri="{FF2B5EF4-FFF2-40B4-BE49-F238E27FC236}">
-                <a16:creationId xmlns:a16="http://schemas.microsoft.com/office/drawing/2014/main" id="{BDE89A48-41C5-4927-948B-0E2243E3D11D}"/>
-              </a:ext>
-            </a:extLst>
-          </p:cNvPr>
-          <p:cNvSpPr>
-            <a:spLocks noGrp="1"/>
-          </p:cNvSpPr>
-          <p:nvPr>
-            <p:ph type="title"/>
-          </p:nvPr>
-        </p:nvSpPr>
-        <p:spPr/>
-        <p:txBody>
-          <a:bodyPr/>
-          <a:lstStyle/>
-          <a:p>
-            <a:endParaRPr lang="LID4096"/>
-          </a:p>
-        </p:txBody>
-      </p:sp>
-      <p:pic>
-        <p:nvPicPr>
-          <p:cNvPr id="17" name="Turinio vietos rezervavimo ženklas 16">
-            <a:extLst>
-              <a:ext uri="{FF2B5EF4-FFF2-40B4-BE49-F238E27FC236}">
-                <a16:creationId xmlns:a16="http://schemas.microsoft.com/office/drawing/2014/main" id="{1C489479-4210-414D-9122-D55DAA00F461}"/>
-              </a:ext>
-            </a:extLst>
-          </p:cNvPr>
-          <p:cNvPicPr>
-            <a:picLocks noGrp="1" noChangeAspect="1"/>
-          </p:cNvPicPr>
-          <p:nvPr>
-            <p:ph idx="1"/>
-          </p:nvPr>
-        </p:nvPicPr>
-        <p:blipFill>
-          <a:blip r:embed="rId2">
-            <a:extLst>
-              <a:ext uri="{28A0092B-C50C-407E-A947-70E740481C1C}">
-                <a14:useLocalDpi xmlns:a14="http://schemas.microsoft.com/office/drawing/2010/main" val="0"/>
-              </a:ext>
-            </a:extLst>
-          </a:blip>
-          <a:stretch>
-            <a:fillRect/>
-          </a:stretch>
-        </p:blipFill>
-        <p:spPr>
-          <a:xfrm>
-            <a:off x="2943554" y="679911"/>
-            <a:ext cx="6304891" cy="5498178"/>
-          </a:xfrm>
-        </p:spPr>
-      </p:pic>
-    </p:spTree>
-    <p:extLst>
-      <p:ext uri="{BB962C8B-B14F-4D97-AF65-F5344CB8AC3E}">
-        <p14:creationId xmlns:p14="http://schemas.microsoft.com/office/powerpoint/2010/main" val="1778398863"/>
-      </p:ext>
-    </p:extLst>
-  </p:cSld>
-  <p:clrMapOvr>
-    <a:masterClrMapping/>
-  </p:clrMapOvr>
-</p:sld>
-</file>
-
-<file path=ppt/slides/slide30.xml><?xml version="1.0" encoding="utf-8"?>
-<p:sld xmlns:a="http://schemas.openxmlformats.org/drawingml/2006/main" xmlns:r="http://schemas.openxmlformats.org/officeDocument/2006/relationships" xmlns:p="http://schemas.openxmlformats.org/presentationml/2006/main">
-  <p:cSld>
-    <p:spTree>
-      <p:nvGrpSpPr>
-        <p:cNvPr id="1" name=""/>
-        <p:cNvGrpSpPr/>
-        <p:nvPr/>
-      </p:nvGrpSpPr>
-      <p:grpSpPr>
-        <a:xfrm>
-          <a:off x="0" y="0"/>
-          <a:ext cx="0" cy="0"/>
-          <a:chOff x="0" y="0"/>
-          <a:chExt cx="0" cy="0"/>
-        </a:xfrm>
-      </p:grpSpPr>
-      <p:pic>
-        <p:nvPicPr>
-          <p:cNvPr id="5" name="Turinio vietos rezervavimo ženklas 4">
-            <a:extLst>
-              <a:ext uri="{FF2B5EF4-FFF2-40B4-BE49-F238E27FC236}">
-                <a16:creationId xmlns:a16="http://schemas.microsoft.com/office/drawing/2014/main" id="{806EAD1C-86F7-4737-BE07-C761B124AC9F}"/>
-              </a:ext>
-            </a:extLst>
-          </p:cNvPr>
-          <p:cNvPicPr>
-            <a:picLocks noGrp="1" noChangeAspect="1"/>
-          </p:cNvPicPr>
-          <p:nvPr>
-            <p:ph idx="1"/>
-          </p:nvPr>
-        </p:nvPicPr>
-        <p:blipFill>
-          <a:blip r:embed="rId2">
-            <a:extLst>
-              <a:ext uri="{28A0092B-C50C-407E-A947-70E740481C1C}">
-                <a14:useLocalDpi xmlns:a14="http://schemas.microsoft.com/office/drawing/2010/main" val="0"/>
-              </a:ext>
-            </a:extLst>
-          </a:blip>
-          <a:stretch>
-            <a:fillRect/>
-          </a:stretch>
-        </p:blipFill>
-        <p:spPr>
-          <a:xfrm>
-            <a:off x="5015871" y="1057448"/>
-            <a:ext cx="7176129" cy="4743104"/>
-          </a:xfrm>
-        </p:spPr>
-      </p:pic>
-      <p:sp>
-        <p:nvSpPr>
-          <p:cNvPr id="6" name="TextBox 5">
-            <a:extLst>
-              <a:ext uri="{FF2B5EF4-FFF2-40B4-BE49-F238E27FC236}">
-                <a16:creationId xmlns:a16="http://schemas.microsoft.com/office/drawing/2014/main" id="{406B73CD-AFA7-414F-94D9-DD15E2CB3264}"/>
-              </a:ext>
-            </a:extLst>
-          </p:cNvPr>
-          <p:cNvSpPr txBox="1"/>
-          <p:nvPr/>
-        </p:nvSpPr>
-        <p:spPr>
-          <a:xfrm>
-            <a:off x="489098" y="1878395"/>
-            <a:ext cx="4526773" cy="2677656"/>
-          </a:xfrm>
-          <a:prstGeom prst="rect">
-            <a:avLst/>
-          </a:prstGeom>
-          <a:noFill/>
-        </p:spPr>
-        <p:txBody>
-          <a:bodyPr wrap="square" rtlCol="0">
-            <a:spAutoFit/>
-          </a:bodyPr>
-          <a:lstStyle/>
-          <a:p>
-            <a:r>
-              <a:rPr lang="lt-LT" sz="2400" dirty="0"/>
-              <a:t>Pvz. sumažinę dimensiją naudodami MDS pastebime, kad </a:t>
-            </a:r>
-            <a:r>
-              <a:rPr lang="lt-LT" sz="2400" dirty="0" err="1"/>
-              <a:t>Aiči</a:t>
-            </a:r>
-            <a:r>
-              <a:rPr lang="lt-LT" sz="2400" dirty="0"/>
-              <a:t>, </a:t>
-            </a:r>
-            <a:r>
-              <a:rPr lang="lt-LT" sz="2400" dirty="0" err="1"/>
-              <a:t>Hokaido</a:t>
-            </a:r>
-            <a:r>
-              <a:rPr lang="lt-LT" sz="2400" dirty="0"/>
-              <a:t>, Tokijo prefektūros yra išsiskiriančios iš kitų.</a:t>
-            </a:r>
-          </a:p>
-          <a:p>
-            <a:endParaRPr lang="lt-LT" sz="2400" dirty="0"/>
-          </a:p>
-          <a:p>
-            <a:r>
-              <a:rPr lang="lt-LT" sz="2400" dirty="0"/>
-              <a:t>PCA stipriai paveikiamas išskirčių, MDS šiuo atveju jas randa.</a:t>
-            </a:r>
-          </a:p>
-        </p:txBody>
-      </p:sp>
-    </p:spTree>
-    <p:extLst>
-      <p:ext uri="{BB962C8B-B14F-4D97-AF65-F5344CB8AC3E}">
-        <p14:creationId xmlns:p14="http://schemas.microsoft.com/office/powerpoint/2010/main" val="3363611619"/>
-      </p:ext>
-    </p:extLst>
-  </p:cSld>
-  <p:clrMapOvr>
-    <a:masterClrMapping/>
-  </p:clrMapOvr>
-</p:sld>
-</file>
-
-<file path=ppt/slides/slide31.xml><?xml version="1.0" encoding="utf-8"?>
-<p:sld xmlns:a="http://schemas.openxmlformats.org/drawingml/2006/main" xmlns:r="http://schemas.openxmlformats.org/officeDocument/2006/relationships" xmlns:p="http://schemas.openxmlformats.org/presentationml/2006/main">
-  <p:cSld>
-    <p:spTree>
-      <p:nvGrpSpPr>
-        <p:cNvPr id="1" name=""/>
-        <p:cNvGrpSpPr/>
-        <p:nvPr/>
-      </p:nvGrpSpPr>
-      <p:grpSpPr>
-        <a:xfrm>
-          <a:off x="0" y="0"/>
-          <a:ext cx="0" cy="0"/>
-          <a:chOff x="0" y="0"/>
-          <a:chExt cx="0" cy="0"/>
-        </a:xfrm>
-      </p:grpSpPr>
-      <p:sp>
-        <p:nvSpPr>
-          <p:cNvPr id="2" name="Pavadinimas 1">
-            <a:extLst>
-              <a:ext uri="{FF2B5EF4-FFF2-40B4-BE49-F238E27FC236}">
-                <a16:creationId xmlns:a16="http://schemas.microsoft.com/office/drawing/2014/main" id="{770453B7-4D53-4F0E-B920-A326FC701C47}"/>
-              </a:ext>
-            </a:extLst>
-          </p:cNvPr>
-          <p:cNvSpPr>
-            <a:spLocks noGrp="1"/>
-          </p:cNvSpPr>
-          <p:nvPr>
-            <p:ph type="title"/>
-          </p:nvPr>
-        </p:nvSpPr>
-        <p:spPr/>
-        <p:txBody>
-          <a:bodyPr/>
-          <a:lstStyle/>
-          <a:p>
-            <a:r>
-              <a:rPr lang="lt-LT" dirty="0"/>
-              <a:t>Privalumai</a:t>
-            </a:r>
-            <a:endParaRPr lang="LID4096" dirty="0"/>
-          </a:p>
-        </p:txBody>
-      </p:sp>
-      <p:sp>
-        <p:nvSpPr>
-          <p:cNvPr id="3" name="Turinio vietos rezervavimo ženklas 2">
-            <a:extLst>
-              <a:ext uri="{FF2B5EF4-FFF2-40B4-BE49-F238E27FC236}">
-                <a16:creationId xmlns:a16="http://schemas.microsoft.com/office/drawing/2014/main" id="{1C441E99-4272-4169-9474-36AB8E509893}"/>
-              </a:ext>
-            </a:extLst>
-          </p:cNvPr>
-          <p:cNvSpPr>
-            <a:spLocks noGrp="1"/>
-          </p:cNvSpPr>
-          <p:nvPr>
-            <p:ph idx="1"/>
-          </p:nvPr>
-        </p:nvSpPr>
-        <p:spPr/>
-        <p:txBody>
-          <a:bodyPr>
-            <a:normAutofit/>
-          </a:bodyPr>
-          <a:lstStyle/>
-          <a:p>
-            <a:r>
-              <a:rPr lang="lt-LT" sz="2400" b="0" i="0" dirty="0">
-                <a:solidFill>
-                  <a:srgbClr val="333333"/>
-                </a:solidFill>
-                <a:effectLst/>
-              </a:rPr>
-              <a:t>Netiesinė transformacija, kuri siekia išsaugoti duomenų topologiją.</a:t>
-            </a:r>
-          </a:p>
-          <a:p>
-            <a:r>
-              <a:rPr lang="lt-LT" sz="2400" b="0" i="0" dirty="0">
-                <a:solidFill>
-                  <a:srgbClr val="333333"/>
-                </a:solidFill>
-                <a:effectLst/>
-              </a:rPr>
-              <a:t>MDS nėra stipriai veikiama išskirčių kaip PCA, gali būti naudojama siekiant jas aptikti.</a:t>
-            </a:r>
-          </a:p>
-          <a:p>
-            <a:r>
-              <a:rPr lang="lt-LT" sz="2400" dirty="0">
-                <a:solidFill>
-                  <a:srgbClr val="333333"/>
-                </a:solidFill>
-              </a:rPr>
-              <a:t>Vienas iš paprasčiausių netiesinių dimensijos mažinimo metodų.</a:t>
-            </a:r>
-          </a:p>
-        </p:txBody>
-      </p:sp>
-    </p:spTree>
-    <p:extLst>
-      <p:ext uri="{BB962C8B-B14F-4D97-AF65-F5344CB8AC3E}">
-        <p14:creationId xmlns:p14="http://schemas.microsoft.com/office/powerpoint/2010/main" val="452305602"/>
       </p:ext>
     </p:extLst>
   </p:cSld>
@@ -10037,39 +9617,10 @@
       </p:grpSpPr>
       <p:sp>
         <p:nvSpPr>
-          <p:cNvPr id="2" name="Pavadinimas 1">
+          <p:cNvPr id="3" name="Turinio vietos rezervavimo ženklas 2">
             <a:extLst>
               <a:ext uri="{FF2B5EF4-FFF2-40B4-BE49-F238E27FC236}">
-                <a16:creationId xmlns:a16="http://schemas.microsoft.com/office/drawing/2014/main" id="{1A765C38-44E9-4F57-A165-53E16D19417F}"/>
-              </a:ext>
-            </a:extLst>
-          </p:cNvPr>
-          <p:cNvSpPr>
-            <a:spLocks noGrp="1"/>
-          </p:cNvSpPr>
-          <p:nvPr>
-            <p:ph type="title"/>
-          </p:nvPr>
-        </p:nvSpPr>
-        <p:spPr/>
-        <p:txBody>
-          <a:bodyPr/>
-          <a:lstStyle/>
-          <a:p>
-            <a:r>
-              <a:rPr lang="lt-LT" dirty="0"/>
-              <a:t>Trūkumai</a:t>
-            </a:r>
-            <a:endParaRPr lang="LID4096" dirty="0"/>
-          </a:p>
-        </p:txBody>
-      </p:sp>
-      <p:sp>
-        <p:nvSpPr>
-          <p:cNvPr id="3" name="Turinio vietos rezervavimo ženklas 2">
-            <a:extLst>
-              <a:ext uri="{FF2B5EF4-FFF2-40B4-BE49-F238E27FC236}">
-                <a16:creationId xmlns:a16="http://schemas.microsoft.com/office/drawing/2014/main" id="{80713BC5-179C-4B1E-B749-455ED9221D1A}"/>
+                <a16:creationId xmlns:a16="http://schemas.microsoft.com/office/drawing/2014/main" id="{B585CE03-A89E-41B9-A49B-A9F0F3740EC4}"/>
               </a:ext>
             </a:extLst>
           </p:cNvPr>
@@ -10080,7 +9631,12 @@
             <p:ph idx="1"/>
           </p:nvPr>
         </p:nvSpPr>
-        <p:spPr/>
+        <p:spPr>
+          <a:xfrm>
+            <a:off x="662273" y="1477925"/>
+            <a:ext cx="4711995" cy="3540642"/>
+          </a:xfrm>
+        </p:spPr>
         <p:txBody>
           <a:bodyPr>
             <a:normAutofit/>
@@ -10089,90 +9645,95 @@
           <a:p>
             <a:r>
               <a:rPr lang="lt-LT" sz="2400" dirty="0"/>
-              <a:t>Gautos dimensijos neturi aiškios interpretacijos.</a:t>
-            </a:r>
-          </a:p>
-          <a:p>
+              <a:t>Bendresnis būdas ieškoti blogai atvaizduojamų objektų yra </a:t>
+            </a:r>
+            <a:r>
+              <a:rPr lang="lt-LT" sz="2400" dirty="0" err="1"/>
+              <a:t>stress</a:t>
+            </a:r>
             <a:r>
               <a:rPr lang="lt-LT" sz="2400" dirty="0"/>
-              <a:t>Sunkiau parinkti dimensijų kiekį (PCA galima parinkti naudojant paaiškintą variaciją).</a:t>
-            </a:r>
-          </a:p>
-          <a:p>
+              <a:t> per </a:t>
+            </a:r>
+            <a:r>
+              <a:rPr lang="lt-LT" sz="2400" dirty="0" err="1"/>
+              <a:t>point</a:t>
+            </a:r>
             <a:r>
               <a:rPr lang="lt-LT" sz="2400" dirty="0"/>
-              <a:t>Su optimizavimu susijusios problemos (nebėra tokios svarbios padidėjus skaičiavimo galingumams):</a:t>
-            </a:r>
-          </a:p>
-          <a:p>
-            <a:pPr lvl="1"/>
-            <a:r>
-              <a:rPr lang="lt-LT" sz="1600" dirty="0">
-                <a:solidFill>
-                  <a:srgbClr val="333333"/>
-                </a:solidFill>
-              </a:rPr>
-              <a:t>Pradinis duomenų išdėstymas daro įtaką galutiniam rezultatui.</a:t>
-            </a:r>
-          </a:p>
-          <a:p>
-            <a:pPr lvl="1"/>
-            <a:r>
-              <a:rPr lang="lt-LT" sz="1600" dirty="0">
-                <a:solidFill>
-                  <a:srgbClr val="333333"/>
-                </a:solidFill>
-              </a:rPr>
-              <a:t>Gali būti nerastas optimalus sprendimas.</a:t>
-            </a:r>
-          </a:p>
-          <a:p>
-            <a:pPr lvl="1"/>
-            <a:r>
-              <a:rPr lang="lt-LT" sz="1600" dirty="0">
-                <a:solidFill>
-                  <a:srgbClr val="333333"/>
-                </a:solidFill>
-              </a:rPr>
-              <a:t>Pridėjus naujų stebėjimų duomenų </a:t>
-            </a:r>
-            <a:r>
-              <a:rPr lang="lt-LT" sz="1600" dirty="0" err="1">
-                <a:solidFill>
-                  <a:srgbClr val="333333"/>
-                </a:solidFill>
-              </a:rPr>
-              <a:t>konfiguracija</a:t>
-            </a:r>
-            <a:r>
-              <a:rPr lang="lt-LT" sz="1600" dirty="0">
-                <a:solidFill>
-                  <a:srgbClr val="333333"/>
-                </a:solidFill>
-              </a:rPr>
-              <a:t> turi būti randama iš naujo.</a:t>
-            </a:r>
-            <a:endParaRPr lang="en-US" sz="1600" dirty="0">
-              <a:solidFill>
-                <a:srgbClr val="333333"/>
-              </a:solidFill>
-            </a:endParaRPr>
-          </a:p>
-          <a:p>
-            <a:endParaRPr lang="lt-LT" sz="2400" dirty="0"/>
-          </a:p>
-          <a:p>
-            <a:pPr marL="0" indent="0">
-              <a:buNone/>
-            </a:pPr>
-            <a:endParaRPr lang="LID4096" sz="2400" dirty="0"/>
+              <a:t>.</a:t>
+            </a:r>
+          </a:p>
+          <a:p>
+            <a:r>
+              <a:rPr lang="lt-LT" sz="2400" dirty="0"/>
+              <a:t>Kiekvienam objektui apskaičiuojama kokia dalis </a:t>
+            </a:r>
+            <a:r>
+              <a:rPr lang="lt-LT" sz="2400" dirty="0" err="1"/>
+              <a:t>Stress</a:t>
+            </a:r>
+            <a:r>
+              <a:rPr lang="lt-LT" sz="2400" dirty="0"/>
+              <a:t> reikšmės yra gaunama dėl jo.</a:t>
+            </a:r>
+          </a:p>
+          <a:p>
+            <a:r>
+              <a:rPr lang="lt-LT" sz="2400" dirty="0"/>
+              <a:t>Pvz. sklaidos diagramoje didesniais taškai vaizduojami objektai daugiau prisideda prie </a:t>
+            </a:r>
+            <a:r>
+              <a:rPr lang="lt-LT" sz="2400" dirty="0" err="1"/>
+              <a:t>Stress</a:t>
+            </a:r>
+            <a:r>
+              <a:rPr lang="lt-LT" sz="2400" dirty="0"/>
+              <a:t>. </a:t>
+            </a:r>
           </a:p>
         </p:txBody>
       </p:sp>
+      <p:pic>
+        <p:nvPicPr>
+          <p:cNvPr id="5" name="Paveikslėlis 4">
+            <a:extLst>
+              <a:ext uri="{FF2B5EF4-FFF2-40B4-BE49-F238E27FC236}">
+                <a16:creationId xmlns:a16="http://schemas.microsoft.com/office/drawing/2014/main" id="{72881132-A01E-4B03-B2CF-DA55626C5A01}"/>
+              </a:ext>
+            </a:extLst>
+          </p:cNvPr>
+          <p:cNvPicPr>
+            <a:picLocks noChangeAspect="1"/>
+          </p:cNvPicPr>
+          <p:nvPr/>
+        </p:nvPicPr>
+        <p:blipFill>
+          <a:blip r:embed="rId2">
+            <a:extLst>
+              <a:ext uri="{28A0092B-C50C-407E-A947-70E740481C1C}">
+                <a14:useLocalDpi xmlns:a14="http://schemas.microsoft.com/office/drawing/2010/main" val="0"/>
+              </a:ext>
+            </a:extLst>
+          </a:blip>
+          <a:stretch>
+            <a:fillRect/>
+          </a:stretch>
+        </p:blipFill>
+        <p:spPr>
+          <a:xfrm>
+            <a:off x="5374268" y="186560"/>
+            <a:ext cx="6555462" cy="6484879"/>
+          </a:xfrm>
+          <a:prstGeom prst="rect">
+            <a:avLst/>
+          </a:prstGeom>
+        </p:spPr>
+      </p:pic>
     </p:spTree>
     <p:extLst>
       <p:ext uri="{BB962C8B-B14F-4D97-AF65-F5344CB8AC3E}">
-        <p14:creationId xmlns:p14="http://schemas.microsoft.com/office/powerpoint/2010/main" val="1465714297"/>
+        <p14:creationId xmlns:p14="http://schemas.microsoft.com/office/powerpoint/2010/main" val="3827158243"/>
       </p:ext>
     </p:extLst>
   </p:cSld>
@@ -10204,7 +9765,7 @@
           <p:cNvPr id="2" name="Pavadinimas 1">
             <a:extLst>
               <a:ext uri="{FF2B5EF4-FFF2-40B4-BE49-F238E27FC236}">
-                <a16:creationId xmlns:a16="http://schemas.microsoft.com/office/drawing/2014/main" id="{B2DD0527-95EE-4431-A12B-B9D9779C2AFA}"/>
+                <a16:creationId xmlns:a16="http://schemas.microsoft.com/office/drawing/2014/main" id="{DFFACB3E-12D8-4503-8156-70F8B60F6705}"/>
               </a:ext>
             </a:extLst>
           </p:cNvPr>
@@ -10222,6 +9783,284 @@
           <a:p>
             <a:r>
               <a:rPr lang="lt-LT" dirty="0"/>
+              <a:t>Dideli atstumai ir išskirtys</a:t>
+            </a:r>
+            <a:endParaRPr lang="LID4096" dirty="0"/>
+          </a:p>
+        </p:txBody>
+      </p:sp>
+      <p:sp>
+        <p:nvSpPr>
+          <p:cNvPr id="3" name="Turinio vietos rezervavimo ženklas 2">
+            <a:extLst>
+              <a:ext uri="{FF2B5EF4-FFF2-40B4-BE49-F238E27FC236}">
+                <a16:creationId xmlns:a16="http://schemas.microsoft.com/office/drawing/2014/main" id="{53B9697B-BC6F-46CA-A6E7-E4E57F8467C5}"/>
+              </a:ext>
+            </a:extLst>
+          </p:cNvPr>
+          <p:cNvSpPr>
+            <a:spLocks noGrp="1"/>
+          </p:cNvSpPr>
+          <p:nvPr>
+            <p:ph idx="1"/>
+          </p:nvPr>
+        </p:nvSpPr>
+        <p:spPr>
+          <a:xfrm>
+            <a:off x="997689" y="1690688"/>
+            <a:ext cx="10515600" cy="4351338"/>
+          </a:xfrm>
+        </p:spPr>
+        <p:txBody>
+          <a:bodyPr>
+            <a:normAutofit/>
+          </a:bodyPr>
+          <a:lstStyle/>
+          <a:p>
+            <a:endParaRPr lang="lt-LT" sz="2400" dirty="0">
+              <a:solidFill>
+                <a:srgbClr val="000000"/>
+              </a:solidFill>
+            </a:endParaRPr>
+          </a:p>
+          <a:p>
+            <a:r>
+              <a:rPr lang="lt-LT" sz="2400" dirty="0">
+                <a:solidFill>
+                  <a:srgbClr val="000000"/>
+                </a:solidFill>
+              </a:rPr>
+              <a:t>MDS gauti atstumai tarp objektų vaizdo erdvėje visada yra kažkiek iškreipta jų tarpusavio santykio reprezentacija (jeigu įterpimo funkcijos reikšmė nelygi 0).</a:t>
+            </a:r>
+          </a:p>
+          <a:p>
+            <a:r>
+              <a:rPr lang="lt-LT" sz="2400" dirty="0">
+                <a:solidFill>
+                  <a:srgbClr val="000000"/>
+                </a:solidFill>
+              </a:rPr>
+              <a:t>Didesnės įterpimo funkcijos reikšmės reiškia, kad ši reprezentacija yra labiau iškreipta.</a:t>
+            </a:r>
+          </a:p>
+          <a:p>
+            <a:endParaRPr lang="lt-LT" sz="2400" dirty="0">
+              <a:solidFill>
+                <a:srgbClr val="000000"/>
+              </a:solidFill>
+            </a:endParaRPr>
+          </a:p>
+          <a:p>
+            <a:r>
+              <a:rPr lang="lt-LT" sz="2400" dirty="0">
+                <a:solidFill>
+                  <a:srgbClr val="000000"/>
+                </a:solidFill>
+              </a:rPr>
+              <a:t>Tačiau gautus didelius atstumus tarp objektų galima interpretuoti kaip „teisingus“:</a:t>
+            </a:r>
+          </a:p>
+          <a:p>
+            <a:r>
+              <a:rPr lang="lt-LT" sz="2400" dirty="0">
+                <a:solidFill>
+                  <a:srgbClr val="000000"/>
+                </a:solidFill>
+              </a:rPr>
+              <a:t> Jeigu atstumai tarp kažkurių objektų didelės dimensijos erdvėje dideli, o gautoje – maži (arba atvirkščiai), tai stipriai padidintų įterpimo funkcijos reikšmę, vadinasi optimizacijos algoritmas „labiau“ stengiasi teisingai atvaizduoti šiuos atstumus.</a:t>
+            </a:r>
+          </a:p>
+          <a:p>
+            <a:endParaRPr lang="lt-LT" sz="2400" b="0" i="0" dirty="0">
+              <a:solidFill>
+                <a:srgbClr val="000000"/>
+              </a:solidFill>
+              <a:effectLst/>
+            </a:endParaRPr>
+          </a:p>
+          <a:p>
+            <a:endParaRPr lang="LID4096" sz="2400" dirty="0"/>
+          </a:p>
+        </p:txBody>
+      </p:sp>
+    </p:spTree>
+    <p:extLst>
+      <p:ext uri="{BB962C8B-B14F-4D97-AF65-F5344CB8AC3E}">
+        <p14:creationId xmlns:p14="http://schemas.microsoft.com/office/powerpoint/2010/main" val="427460743"/>
+      </p:ext>
+    </p:extLst>
+  </p:cSld>
+  <p:clrMapOvr>
+    <a:masterClrMapping/>
+  </p:clrMapOvr>
+</p:sld>
+</file>
+
+<file path=ppt/slides/slide34.xml><?xml version="1.0" encoding="utf-8"?>
+<p:sld xmlns:a="http://schemas.openxmlformats.org/drawingml/2006/main" xmlns:r="http://schemas.openxmlformats.org/officeDocument/2006/relationships" xmlns:p="http://schemas.openxmlformats.org/presentationml/2006/main">
+  <p:cSld>
+    <p:spTree>
+      <p:nvGrpSpPr>
+        <p:cNvPr id="1" name=""/>
+        <p:cNvGrpSpPr/>
+        <p:nvPr/>
+      </p:nvGrpSpPr>
+      <p:grpSpPr>
+        <a:xfrm>
+          <a:off x="0" y="0"/>
+          <a:ext cx="0" cy="0"/>
+          <a:chOff x="0" y="0"/>
+          <a:chExt cx="0" cy="0"/>
+        </a:xfrm>
+      </p:grpSpPr>
+      <p:pic>
+        <p:nvPicPr>
+          <p:cNvPr id="5" name="Turinio vietos rezervavimo ženklas 4">
+            <a:extLst>
+              <a:ext uri="{FF2B5EF4-FFF2-40B4-BE49-F238E27FC236}">
+                <a16:creationId xmlns:a16="http://schemas.microsoft.com/office/drawing/2014/main" id="{806EAD1C-86F7-4737-BE07-C761B124AC9F}"/>
+              </a:ext>
+            </a:extLst>
+          </p:cNvPr>
+          <p:cNvPicPr>
+            <a:picLocks noGrp="1" noChangeAspect="1"/>
+          </p:cNvPicPr>
+          <p:nvPr>
+            <p:ph idx="1"/>
+          </p:nvPr>
+        </p:nvPicPr>
+        <p:blipFill>
+          <a:blip r:embed="rId2">
+            <a:extLst>
+              <a:ext uri="{28A0092B-C50C-407E-A947-70E740481C1C}">
+                <a14:useLocalDpi xmlns:a14="http://schemas.microsoft.com/office/drawing/2010/main" val="0"/>
+              </a:ext>
+            </a:extLst>
+          </a:blip>
+          <a:stretch>
+            <a:fillRect/>
+          </a:stretch>
+        </p:blipFill>
+        <p:spPr>
+          <a:xfrm>
+            <a:off x="5015871" y="1057448"/>
+            <a:ext cx="7176129" cy="4743104"/>
+          </a:xfrm>
+        </p:spPr>
+      </p:pic>
+      <p:sp>
+        <p:nvSpPr>
+          <p:cNvPr id="6" name="TextBox 5">
+            <a:extLst>
+              <a:ext uri="{FF2B5EF4-FFF2-40B4-BE49-F238E27FC236}">
+                <a16:creationId xmlns:a16="http://schemas.microsoft.com/office/drawing/2014/main" id="{406B73CD-AFA7-414F-94D9-DD15E2CB3264}"/>
+              </a:ext>
+            </a:extLst>
+          </p:cNvPr>
+          <p:cNvSpPr txBox="1"/>
+          <p:nvPr/>
+        </p:nvSpPr>
+        <p:spPr>
+          <a:xfrm>
+            <a:off x="489098" y="1878395"/>
+            <a:ext cx="4526773" cy="2677656"/>
+          </a:xfrm>
+          <a:prstGeom prst="rect">
+            <a:avLst/>
+          </a:prstGeom>
+          <a:noFill/>
+        </p:spPr>
+        <p:txBody>
+          <a:bodyPr wrap="square" rtlCol="0">
+            <a:spAutoFit/>
+          </a:bodyPr>
+          <a:lstStyle/>
+          <a:p>
+            <a:r>
+              <a:rPr lang="lt-LT" sz="2400" dirty="0"/>
+              <a:t>Pvz. sumažinę dimensiją naudodami MDS pastebime, kad </a:t>
+            </a:r>
+            <a:r>
+              <a:rPr lang="lt-LT" sz="2400" dirty="0" err="1"/>
+              <a:t>Aiči</a:t>
+            </a:r>
+            <a:r>
+              <a:rPr lang="lt-LT" sz="2400" dirty="0"/>
+              <a:t>, </a:t>
+            </a:r>
+            <a:r>
+              <a:rPr lang="lt-LT" sz="2400" dirty="0" err="1"/>
+              <a:t>Hokaido</a:t>
+            </a:r>
+            <a:r>
+              <a:rPr lang="lt-LT" sz="2400" dirty="0"/>
+              <a:t>, Tokijo prefektūros yra išsiskiriančios iš kitų.</a:t>
+            </a:r>
+          </a:p>
+          <a:p>
+            <a:endParaRPr lang="lt-LT" sz="2400" dirty="0"/>
+          </a:p>
+          <a:p>
+            <a:r>
+              <a:rPr lang="lt-LT" sz="2400" dirty="0"/>
+              <a:t>PCA stipriai paveikiamas išskirčių, MDS šiuo atveju jas randa.</a:t>
+            </a:r>
+          </a:p>
+        </p:txBody>
+      </p:sp>
+    </p:spTree>
+    <p:extLst>
+      <p:ext uri="{BB962C8B-B14F-4D97-AF65-F5344CB8AC3E}">
+        <p14:creationId xmlns:p14="http://schemas.microsoft.com/office/powerpoint/2010/main" val="3363611619"/>
+      </p:ext>
+    </p:extLst>
+  </p:cSld>
+  <p:clrMapOvr>
+    <a:masterClrMapping/>
+  </p:clrMapOvr>
+</p:sld>
+</file>
+
+<file path=ppt/slides/slide35.xml><?xml version="1.0" encoding="utf-8"?>
+<p:sld xmlns:a="http://schemas.openxmlformats.org/drawingml/2006/main" xmlns:r="http://schemas.openxmlformats.org/officeDocument/2006/relationships" xmlns:p="http://schemas.openxmlformats.org/presentationml/2006/main">
+  <p:cSld>
+    <p:spTree>
+      <p:nvGrpSpPr>
+        <p:cNvPr id="1" name=""/>
+        <p:cNvGrpSpPr/>
+        <p:nvPr/>
+      </p:nvGrpSpPr>
+      <p:grpSpPr>
+        <a:xfrm>
+          <a:off x="0" y="0"/>
+          <a:ext cx="0" cy="0"/>
+          <a:chOff x="0" y="0"/>
+          <a:chExt cx="0" cy="0"/>
+        </a:xfrm>
+      </p:grpSpPr>
+      <p:sp>
+        <p:nvSpPr>
+          <p:cNvPr id="2" name="Pavadinimas 1">
+            <a:extLst>
+              <a:ext uri="{FF2B5EF4-FFF2-40B4-BE49-F238E27FC236}">
+                <a16:creationId xmlns:a16="http://schemas.microsoft.com/office/drawing/2014/main" id="{B2DD0527-95EE-4431-A12B-B9D9779C2AFA}"/>
+              </a:ext>
+            </a:extLst>
+          </p:cNvPr>
+          <p:cNvSpPr>
+            <a:spLocks noGrp="1"/>
+          </p:cNvSpPr>
+          <p:nvPr>
+            <p:ph type="title"/>
+          </p:nvPr>
+        </p:nvSpPr>
+        <p:spPr/>
+        <p:txBody>
+          <a:bodyPr/>
+          <a:lstStyle/>
+          <a:p>
+            <a:r>
+              <a:rPr lang="lt-LT" dirty="0"/>
               <a:t>Paruošta pagal:</a:t>
             </a:r>
             <a:endParaRPr lang="LID4096" dirty="0"/>
@@ -10247,7 +10086,7 @@
         <p:spPr/>
         <p:txBody>
           <a:bodyPr>
-            <a:normAutofit fontScale="85000" lnSpcReduction="20000"/>
+            <a:normAutofit lnSpcReduction="10000"/>
           </a:bodyPr>
           <a:lstStyle/>
           <a:p>
@@ -10257,40 +10096,47 @@
               </a:rPr>
               <a:t>http://web.vu.lt/mii/j.zilinskas/DzemydaKurasovaZilinskasDDVM.pdf</a:t>
             </a:r>
-          </a:p>
-          <a:p>
             <a:endParaRPr lang="lt-LT" dirty="0">
-              <a:hlinkClick r:id="rId2"/>
+              <a:hlinkClick r:id="rId3"/>
             </a:endParaRPr>
-          </a:p>
-          <a:p>
-            <a:r>
-              <a:rPr lang="lt-LT" dirty="0">
-                <a:hlinkClick r:id="rId2"/>
-              </a:rPr>
-              <a:t>https://www.bristol.ac.uk/media-library/sites/cmm/migrated/documents/chapter3.pdf</a:t>
-            </a:r>
-            <a:endParaRPr lang="lt-LT" dirty="0"/>
-          </a:p>
-          <a:p>
-            <a:endParaRPr lang="lt-LT" dirty="0"/>
           </a:p>
           <a:p>
             <a:r>
               <a:rPr lang="lt-LT" dirty="0">
                 <a:hlinkClick r:id="rId3"/>
               </a:rPr>
-              <a:t>https://www.researchgate.net/publication/280717361_Shepard_Diagram</a:t>
+              <a:t>https://www.bristol.ac.uk/media-library/sites/cmm/migrated/documents/chapter3.pdf</a:t>
             </a:r>
             <a:endParaRPr lang="lt-LT" dirty="0"/>
           </a:p>
           <a:p>
             <a:r>
-              <a:rPr lang="en-US" dirty="0">
+              <a:rPr lang="lt-LT" dirty="0">
                 <a:hlinkClick r:id="rId4"/>
               </a:rPr>
+              <a:t>https://www.researchgate.net/publication/280717361_Shepard_Diagram</a:t>
+            </a:r>
+            <a:endParaRPr lang="lt-LT" dirty="0"/>
+          </a:p>
+          <a:p>
+            <a:r>
+              <a:rPr lang="en-US" dirty="0">
+                <a:hlinkClick r:id="rId5"/>
+              </a:rPr>
               <a:t>https://www.researchgate.net/publication/309617943_Goodness-of-Fit_Assessment_in_Multidimensional_Scaling_and_Unfolding</a:t>
             </a:r>
+            <a:endParaRPr lang="lt-LT" dirty="0"/>
+          </a:p>
+          <a:p>
+            <a:r>
+              <a:rPr lang="lt-LT" dirty="0">
+                <a:hlinkClick r:id="rId6"/>
+              </a:rPr>
+              <a:t>https://www.researchgate.net/publication/305303417_The_Choice_of_Initial_Configurations_in_Multidimensional_Scaling_Local_Minima_Fit_and_Interpretability</a:t>
+            </a:r>
+            <a:endParaRPr lang="LID4096" dirty="0"/>
+          </a:p>
+          <a:p>
             <a:endParaRPr lang="lt-LT" dirty="0"/>
           </a:p>
           <a:p>
@@ -10298,15 +10144,6 @@
               <a:buNone/>
             </a:pPr>
             <a:endParaRPr lang="en-US" dirty="0"/>
-          </a:p>
-          <a:p>
-            <a:r>
-              <a:rPr lang="lt-LT" dirty="0">
-                <a:hlinkClick r:id="rId5"/>
-              </a:rPr>
-              <a:t>https://rstudio-pubs-static.s3.amazonaws.com/246348_b31bca1e4be04bb395825dc6a00de364.html#3_why_mds_advantage_and_disadvantages_of_mds</a:t>
-            </a:r>
-            <a:endParaRPr lang="lt-LT" dirty="0"/>
           </a:p>
           <a:p>
             <a:endParaRPr lang="lt-LT" dirty="0"/>
@@ -10332,7 +10169,7 @@
 </p:sld>
 </file>
 
-<file path=ppt/slides/slide34.xml><?xml version="1.0" encoding="utf-8"?>
+<file path=ppt/slides/slide36.xml><?xml version="1.0" encoding="utf-8"?>
 <p:sld xmlns:a="http://schemas.openxmlformats.org/drawingml/2006/main" xmlns:r="http://schemas.openxmlformats.org/officeDocument/2006/relationships" xmlns:p="http://schemas.openxmlformats.org/presentationml/2006/main">
   <p:cSld>
     <p:spTree>
@@ -10518,13 +10355,13 @@
             </a:r>
             <a:r>
               <a:rPr lang="lt-LT" sz="2400" dirty="0"/>
-              <a:t> transformuoja į iš anksto parinkto mažesnio dydžio dimensiją.</a:t>
+              <a:t> duomenų erdvės transformuoja į iš anksto parinkto dydžio mažesnės dimensijos erdvę (vadinama vaizdo erdve).</a:t>
             </a:r>
           </a:p>
           <a:p>
             <a:r>
               <a:rPr lang="lt-LT" sz="2400" dirty="0"/>
-              <a:t>Naudojant MDS ieškoma daugiamačių duomenų projekcijų mažesnės dimensijos erdvėje, siekiant išlaikyti atstumus tarp objektų.</a:t>
+              <a:t>Naudojant MDS ieškoma daugiamačių duomenų projekcijų vaizdo erdvėje, siekiant išlaikyti atstumus tarp objektų.</a:t>
             </a:r>
           </a:p>
         </p:txBody>
@@ -11586,10 +11423,41 @@
                 <p:ph idx="1"/>
               </p:nvPr>
             </p:nvSpPr>
-            <p:spPr/>
+            <p:spPr>
+              <a:xfrm>
+                <a:off x="838200" y="1455660"/>
+                <a:ext cx="10515600" cy="4351338"/>
+              </a:xfrm>
+            </p:spPr>
             <p:txBody>
-              <a:bodyPr/>
+              <a:bodyPr>
+                <a:normAutofit/>
+              </a:bodyPr>
               <a:lstStyle/>
+              <a:p>
+                <a:pPr marL="0" indent="0">
+                  <a:buNone/>
+                </a:pPr>
+                <a:r>
+                  <a:rPr lang="en-US" sz="2400" dirty="0" err="1">
+                    <a:latin typeface="Cambria Math" panose="02040503050406030204" pitchFamily="18" charset="0"/>
+                    <a:ea typeface="Times New Roman" panose="02020603050405020304" pitchFamily="18" charset="0"/>
+                  </a:rPr>
+                  <a:t>Pvz</a:t>
+                </a:r>
+                <a:r>
+                  <a:rPr lang="en-US" sz="2400" dirty="0">
+                    <a:latin typeface="Cambria Math" panose="02040503050406030204" pitchFamily="18" charset="0"/>
+                    <a:ea typeface="Times New Roman" panose="02020603050405020304" pitchFamily="18" charset="0"/>
+                  </a:rPr>
+                  <a:t>:</a:t>
+                </a:r>
+                <a:endParaRPr lang="en-US" sz="2400" dirty="0">
+                  <a:effectLst/>
+                  <a:latin typeface="Cambria Math" panose="02040503050406030204" pitchFamily="18" charset="0"/>
+                  <a:ea typeface="Times New Roman" panose="02020603050405020304" pitchFamily="18" charset="0"/>
+                </a:endParaRPr>
+              </a:p>
               <a:p>
                 <a14:m>
                   <m:oMath xmlns:m="http://schemas.openxmlformats.org/officeDocument/2006/math">
@@ -11885,6 +11753,12 @@
                   <a:rPr lang="en-US" sz="2400" dirty="0" err="1"/>
                   <a:t>atstumas</a:t>
                 </a:r>
+                <a:endParaRPr lang="lt-LT" sz="2400" dirty="0"/>
+              </a:p>
+              <a:p>
+                <a:pPr marL="0" indent="0">
+                  <a:buNone/>
+                </a:pPr>
                 <a:endParaRPr lang="lt-LT" sz="2400" dirty="0"/>
               </a:p>
               <a:p>
@@ -12199,6 +12073,11 @@
                   <a:rPr lang="lt-LT" sz="2400" dirty="0"/>
                   <a:t> atstumas</a:t>
                 </a:r>
+              </a:p>
+              <a:p>
+                <a:pPr marL="0" indent="0">
+                  <a:buNone/>
+                </a:pPr>
                 <a:endParaRPr lang="en-US" sz="2400" dirty="0"/>
               </a:p>
               <a:p>
@@ -12616,6 +12495,9 @@
                 <a:endParaRPr lang="en-US" dirty="0"/>
               </a:p>
               <a:p>
+                <a:pPr marL="0" indent="0">
+                  <a:buNone/>
+                </a:pPr>
                 <a:endParaRPr lang="LID4096" dirty="0"/>
               </a:p>
             </p:txBody>
@@ -12639,10 +12521,14 @@
               </p:nvPr>
             </p:nvSpPr>
             <p:spPr>
+              <a:xfrm>
+                <a:off x="838200" y="1455660"/>
+                <a:ext cx="10515600" cy="4351338"/>
+              </a:xfrm>
               <a:blipFill>
                 <a:blip r:embed="rId2"/>
                 <a:stretch>
-                  <a:fillRect t="-1261"/>
+                  <a:fillRect l="-928" t="-1961"/>
                 </a:stretch>
               </a:blipFill>
             </p:spPr>
@@ -12651,7 +12537,7 @@
               <a:lstStyle/>
               <a:p>
                 <a:r>
-                  <a:rPr lang="LID4096">
+                  <a:rPr lang="en-US">
                     <a:noFill/>
                   </a:rPr>
                   <a:t> </a:t>
@@ -12706,6 +12592,638 @@
           </a:p>
         </p:txBody>
       </p:sp>
+      <p:pic>
+        <p:nvPicPr>
+          <p:cNvPr id="1026" name="Picture 2" descr="Calculating the distance | Machine Learning with Swift">
+            <a:extLst>
+              <a:ext uri="{FF2B5EF4-FFF2-40B4-BE49-F238E27FC236}">
+                <a16:creationId xmlns:a16="http://schemas.microsoft.com/office/drawing/2014/main" id="{A08DE624-A4E3-4EAE-9B7B-E5B0749809B4}"/>
+              </a:ext>
+            </a:extLst>
+          </p:cNvPr>
+          <p:cNvPicPr>
+            <a:picLocks noChangeAspect="1" noChangeArrowheads="1"/>
+          </p:cNvPicPr>
+          <p:nvPr/>
+        </p:nvPicPr>
+        <p:blipFill>
+          <a:blip r:embed="rId3">
+            <a:extLst>
+              <a:ext uri="{28A0092B-C50C-407E-A947-70E740481C1C}">
+                <a14:useLocalDpi xmlns:a14="http://schemas.microsoft.com/office/drawing/2010/main" val="0"/>
+              </a:ext>
+            </a:extLst>
+          </a:blip>
+          <a:srcRect/>
+          <a:stretch>
+            <a:fillRect/>
+          </a:stretch>
+        </p:blipFill>
+        <p:spPr bwMode="auto">
+          <a:xfrm>
+            <a:off x="8079683" y="193275"/>
+            <a:ext cx="3762249" cy="2994825"/>
+          </a:xfrm>
+          <a:prstGeom prst="rect">
+            <a:avLst/>
+          </a:prstGeom>
+          <a:noFill/>
+          <a:extLst>
+            <a:ext uri="{909E8E84-426E-40DD-AFC4-6F175D3DCCD1}">
+              <a14:hiddenFill xmlns:a14="http://schemas.microsoft.com/office/drawing/2010/main">
+                <a:solidFill>
+                  <a:srgbClr val="FFFFFF"/>
+                </a:solidFill>
+              </a14:hiddenFill>
+            </a:ext>
+          </a:extLst>
+        </p:spPr>
+      </p:pic>
+      <p:pic>
+        <p:nvPicPr>
+          <p:cNvPr id="1028" name="Picture 4" descr="Measuring Distance">
+            <a:extLst>
+              <a:ext uri="{FF2B5EF4-FFF2-40B4-BE49-F238E27FC236}">
+                <a16:creationId xmlns:a16="http://schemas.microsoft.com/office/drawing/2014/main" id="{1D7377F4-8739-4A8C-A931-8CDCCD692886}"/>
+              </a:ext>
+            </a:extLst>
+          </p:cNvPr>
+          <p:cNvPicPr>
+            <a:picLocks noChangeAspect="1" noChangeArrowheads="1"/>
+          </p:cNvPicPr>
+          <p:nvPr/>
+        </p:nvPicPr>
+        <p:blipFill>
+          <a:blip r:embed="rId4">
+            <a:extLst>
+              <a:ext uri="{28A0092B-C50C-407E-A947-70E740481C1C}">
+                <a14:useLocalDpi xmlns:a14="http://schemas.microsoft.com/office/drawing/2010/main" val="0"/>
+              </a:ext>
+            </a:extLst>
+          </a:blip>
+          <a:srcRect/>
+          <a:stretch>
+            <a:fillRect/>
+          </a:stretch>
+        </p:blipFill>
+        <p:spPr bwMode="auto">
+          <a:xfrm>
+            <a:off x="9052239" y="2469751"/>
+            <a:ext cx="2409825" cy="2400300"/>
+          </a:xfrm>
+          <a:prstGeom prst="rect">
+            <a:avLst/>
+          </a:prstGeom>
+          <a:noFill/>
+          <a:extLst>
+            <a:ext uri="{909E8E84-426E-40DD-AFC4-6F175D3DCCD1}">
+              <a14:hiddenFill xmlns:a14="http://schemas.microsoft.com/office/drawing/2010/main">
+                <a:solidFill>
+                  <a:srgbClr val="FFFFFF"/>
+                </a:solidFill>
+              </a14:hiddenFill>
+            </a:ext>
+          </a:extLst>
+        </p:spPr>
+      </p:pic>
+      <p:cxnSp>
+        <p:nvCxnSpPr>
+          <p:cNvPr id="6" name="Tiesioji jungtis 5">
+            <a:extLst>
+              <a:ext uri="{FF2B5EF4-FFF2-40B4-BE49-F238E27FC236}">
+                <a16:creationId xmlns:a16="http://schemas.microsoft.com/office/drawing/2014/main" id="{08E7D5DA-8B37-4C42-90C2-C071363ADF87}"/>
+              </a:ext>
+            </a:extLst>
+          </p:cNvPr>
+          <p:cNvCxnSpPr>
+            <a:cxnSpLocks/>
+          </p:cNvCxnSpPr>
+          <p:nvPr/>
+        </p:nvCxnSpPr>
+        <p:spPr>
+          <a:xfrm>
+            <a:off x="6400800" y="5911913"/>
+            <a:ext cx="2473105" cy="0"/>
+          </a:xfrm>
+          <a:prstGeom prst="line">
+            <a:avLst/>
+          </a:prstGeom>
+          <a:ln w="57150"/>
+        </p:spPr>
+        <p:style>
+          <a:lnRef idx="1">
+            <a:schemeClr val="dk1"/>
+          </a:lnRef>
+          <a:fillRef idx="0">
+            <a:schemeClr val="dk1"/>
+          </a:fillRef>
+          <a:effectRef idx="0">
+            <a:schemeClr val="dk1"/>
+          </a:effectRef>
+          <a:fontRef idx="minor">
+            <a:schemeClr val="tx1"/>
+          </a:fontRef>
+        </p:style>
+      </p:cxnSp>
+      <p:pic>
+        <p:nvPicPr>
+          <p:cNvPr id="8" name="Grafinis elementas 7" descr="Apple with solid fill">
+            <a:extLst>
+              <a:ext uri="{FF2B5EF4-FFF2-40B4-BE49-F238E27FC236}">
+                <a16:creationId xmlns:a16="http://schemas.microsoft.com/office/drawing/2014/main" id="{C897A203-196B-4D0C-8183-E037E2A2C975}"/>
+              </a:ext>
+            </a:extLst>
+          </p:cNvPr>
+          <p:cNvPicPr>
+            <a:picLocks noChangeAspect="1"/>
+          </p:cNvPicPr>
+          <p:nvPr/>
+        </p:nvPicPr>
+        <p:blipFill>
+          <a:blip r:embed="rId5">
+            <a:extLst>
+              <a:ext uri="{28A0092B-C50C-407E-A947-70E740481C1C}">
+                <a14:useLocalDpi xmlns:a14="http://schemas.microsoft.com/office/drawing/2010/main" val="0"/>
+              </a:ext>
+              <a:ext uri="{96DAC541-7B7A-43D3-8B79-37D633B846F1}">
+                <asvg:svgBlip xmlns:asvg="http://schemas.microsoft.com/office/drawing/2016/SVG/main" r:embed="rId6"/>
+              </a:ext>
+            </a:extLst>
+          </a:blip>
+          <a:stretch>
+            <a:fillRect/>
+          </a:stretch>
+        </p:blipFill>
+        <p:spPr>
+          <a:xfrm>
+            <a:off x="6096000" y="5571969"/>
+            <a:ext cx="604994" cy="604994"/>
+          </a:xfrm>
+          <a:prstGeom prst="rect">
+            <a:avLst/>
+          </a:prstGeom>
+        </p:spPr>
+      </p:pic>
+      <p:pic>
+        <p:nvPicPr>
+          <p:cNvPr id="11" name="Grafinis elementas 10" descr="Apple with solid fill">
+            <a:extLst>
+              <a:ext uri="{FF2B5EF4-FFF2-40B4-BE49-F238E27FC236}">
+                <a16:creationId xmlns:a16="http://schemas.microsoft.com/office/drawing/2014/main" id="{011963FC-B124-4C0A-9371-D6C4C902A4A1}"/>
+              </a:ext>
+            </a:extLst>
+          </p:cNvPr>
+          <p:cNvPicPr>
+            <a:picLocks noChangeAspect="1"/>
+          </p:cNvPicPr>
+          <p:nvPr/>
+        </p:nvPicPr>
+        <p:blipFill>
+          <a:blip r:embed="rId5">
+            <a:extLst>
+              <a:ext uri="{28A0092B-C50C-407E-A947-70E740481C1C}">
+                <a14:useLocalDpi xmlns:a14="http://schemas.microsoft.com/office/drawing/2010/main" val="0"/>
+              </a:ext>
+              <a:ext uri="{96DAC541-7B7A-43D3-8B79-37D633B846F1}">
+                <asvg:svgBlip xmlns:asvg="http://schemas.microsoft.com/office/drawing/2016/SVG/main" r:embed="rId6"/>
+              </a:ext>
+            </a:extLst>
+          </a:blip>
+          <a:stretch>
+            <a:fillRect/>
+          </a:stretch>
+        </p:blipFill>
+        <p:spPr>
+          <a:xfrm>
+            <a:off x="8571408" y="5571969"/>
+            <a:ext cx="604994" cy="604994"/>
+          </a:xfrm>
+          <a:prstGeom prst="rect">
+            <a:avLst/>
+          </a:prstGeom>
+        </p:spPr>
+      </p:pic>
+      <p:pic>
+        <p:nvPicPr>
+          <p:cNvPr id="12" name="Grafinis elementas 11" descr="Apple with solid fill">
+            <a:extLst>
+              <a:ext uri="{FF2B5EF4-FFF2-40B4-BE49-F238E27FC236}">
+                <a16:creationId xmlns:a16="http://schemas.microsoft.com/office/drawing/2014/main" id="{65729EA6-5466-4927-9C35-5A371EC1E99C}"/>
+              </a:ext>
+            </a:extLst>
+          </p:cNvPr>
+          <p:cNvPicPr>
+            <a:picLocks noChangeAspect="1"/>
+          </p:cNvPicPr>
+          <p:nvPr/>
+        </p:nvPicPr>
+        <p:blipFill>
+          <a:blip r:embed="rId5">
+            <a:extLst>
+              <a:ext uri="{28A0092B-C50C-407E-A947-70E740481C1C}">
+                <a14:useLocalDpi xmlns:a14="http://schemas.microsoft.com/office/drawing/2010/main" val="0"/>
+              </a:ext>
+              <a:ext uri="{96DAC541-7B7A-43D3-8B79-37D633B846F1}">
+                <asvg:svgBlip xmlns:asvg="http://schemas.microsoft.com/office/drawing/2016/SVG/main" r:embed="rId6"/>
+              </a:ext>
+            </a:extLst>
+          </a:blip>
+          <a:stretch>
+            <a:fillRect/>
+          </a:stretch>
+        </p:blipFill>
+        <p:spPr>
+          <a:xfrm>
+            <a:off x="11582647" y="5601358"/>
+            <a:ext cx="604994" cy="604994"/>
+          </a:xfrm>
+          <a:prstGeom prst="rect">
+            <a:avLst/>
+          </a:prstGeom>
+        </p:spPr>
+      </p:pic>
+      <p:sp>
+        <p:nvSpPr>
+          <p:cNvPr id="9" name="TextBox 8">
+            <a:extLst>
+              <a:ext uri="{FF2B5EF4-FFF2-40B4-BE49-F238E27FC236}">
+                <a16:creationId xmlns:a16="http://schemas.microsoft.com/office/drawing/2014/main" id="{90FF4A44-2C73-4B8B-B43E-06D689A7AC7B}"/>
+              </a:ext>
+            </a:extLst>
+          </p:cNvPr>
+          <p:cNvSpPr txBox="1"/>
+          <p:nvPr/>
+        </p:nvSpPr>
+        <p:spPr>
+          <a:xfrm>
+            <a:off x="6257453" y="6124822"/>
+            <a:ext cx="304800" cy="369332"/>
+          </a:xfrm>
+          <a:prstGeom prst="rect">
+            <a:avLst/>
+          </a:prstGeom>
+          <a:noFill/>
+        </p:spPr>
+        <p:txBody>
+          <a:bodyPr wrap="square" rtlCol="0">
+            <a:spAutoFit/>
+          </a:bodyPr>
+          <a:lstStyle/>
+          <a:p>
+            <a:r>
+              <a:rPr lang="lt-LT" dirty="0"/>
+              <a:t>0</a:t>
+            </a:r>
+            <a:endParaRPr lang="en-US" dirty="0"/>
+          </a:p>
+        </p:txBody>
+      </p:sp>
+      <p:sp>
+        <p:nvSpPr>
+          <p:cNvPr id="14" name="TextBox 13">
+            <a:extLst>
+              <a:ext uri="{FF2B5EF4-FFF2-40B4-BE49-F238E27FC236}">
+                <a16:creationId xmlns:a16="http://schemas.microsoft.com/office/drawing/2014/main" id="{28678362-7D66-4A3B-9645-70ACF4D0B398}"/>
+              </a:ext>
+            </a:extLst>
+          </p:cNvPr>
+          <p:cNvSpPr txBox="1"/>
+          <p:nvPr/>
+        </p:nvSpPr>
+        <p:spPr>
+          <a:xfrm>
+            <a:off x="8738521" y="6098751"/>
+            <a:ext cx="304800" cy="369332"/>
+          </a:xfrm>
+          <a:prstGeom prst="rect">
+            <a:avLst/>
+          </a:prstGeom>
+          <a:noFill/>
+        </p:spPr>
+        <p:txBody>
+          <a:bodyPr wrap="square" rtlCol="0">
+            <a:spAutoFit/>
+          </a:bodyPr>
+          <a:lstStyle/>
+          <a:p>
+            <a:r>
+              <a:rPr lang="lt-LT" dirty="0"/>
+              <a:t>1</a:t>
+            </a:r>
+            <a:endParaRPr lang="en-US" dirty="0"/>
+          </a:p>
+        </p:txBody>
+      </p:sp>
+      <p:sp>
+        <p:nvSpPr>
+          <p:cNvPr id="15" name="TextBox 14">
+            <a:extLst>
+              <a:ext uri="{FF2B5EF4-FFF2-40B4-BE49-F238E27FC236}">
+                <a16:creationId xmlns:a16="http://schemas.microsoft.com/office/drawing/2014/main" id="{A39D2936-2781-45C4-8F13-D6A9AC299A8A}"/>
+              </a:ext>
+            </a:extLst>
+          </p:cNvPr>
+          <p:cNvSpPr txBox="1"/>
+          <p:nvPr/>
+        </p:nvSpPr>
+        <p:spPr>
+          <a:xfrm>
+            <a:off x="9326499" y="6074131"/>
+            <a:ext cx="550663" cy="369332"/>
+          </a:xfrm>
+          <a:prstGeom prst="rect">
+            <a:avLst/>
+          </a:prstGeom>
+          <a:noFill/>
+        </p:spPr>
+        <p:txBody>
+          <a:bodyPr wrap="square" rtlCol="0">
+            <a:spAutoFit/>
+          </a:bodyPr>
+          <a:lstStyle/>
+          <a:p>
+            <a:r>
+              <a:rPr lang="lt-LT" dirty="0"/>
+              <a:t>100</a:t>
+            </a:r>
+            <a:endParaRPr lang="en-US" dirty="0"/>
+          </a:p>
+        </p:txBody>
+      </p:sp>
+      <p:cxnSp>
+        <p:nvCxnSpPr>
+          <p:cNvPr id="13" name="Tiesioji jungtis 12">
+            <a:extLst>
+              <a:ext uri="{FF2B5EF4-FFF2-40B4-BE49-F238E27FC236}">
+                <a16:creationId xmlns:a16="http://schemas.microsoft.com/office/drawing/2014/main" id="{E6CBDFC2-387B-43D8-9B7B-80ABEA7F680D}"/>
+              </a:ext>
+            </a:extLst>
+          </p:cNvPr>
+          <p:cNvCxnSpPr>
+            <a:cxnSpLocks/>
+            <a:stCxn id="25" idx="0"/>
+          </p:cNvCxnSpPr>
+          <p:nvPr/>
+        </p:nvCxnSpPr>
+        <p:spPr>
+          <a:xfrm flipV="1">
+            <a:off x="9574665" y="5510213"/>
+            <a:ext cx="2384129" cy="30878"/>
+          </a:xfrm>
+          <a:prstGeom prst="line">
+            <a:avLst/>
+          </a:prstGeom>
+        </p:spPr>
+        <p:style>
+          <a:lnRef idx="1">
+            <a:schemeClr val="dk1"/>
+          </a:lnRef>
+          <a:fillRef idx="0">
+            <a:schemeClr val="dk1"/>
+          </a:fillRef>
+          <a:effectRef idx="0">
+            <a:schemeClr val="dk1"/>
+          </a:effectRef>
+          <a:fontRef idx="minor">
+            <a:schemeClr val="tx1"/>
+          </a:fontRef>
+        </p:style>
+      </p:cxnSp>
+      <p:sp>
+        <p:nvSpPr>
+          <p:cNvPr id="18" name="TextBox 17">
+            <a:extLst>
+              <a:ext uri="{FF2B5EF4-FFF2-40B4-BE49-F238E27FC236}">
+                <a16:creationId xmlns:a16="http://schemas.microsoft.com/office/drawing/2014/main" id="{5D7FF4C0-6951-4F2D-9B50-301F24C74A4B}"/>
+              </a:ext>
+            </a:extLst>
+          </p:cNvPr>
+          <p:cNvSpPr txBox="1"/>
+          <p:nvPr/>
+        </p:nvSpPr>
+        <p:spPr>
+          <a:xfrm>
+            <a:off x="7330447" y="5047360"/>
+            <a:ext cx="749236" cy="369332"/>
+          </a:xfrm>
+          <a:prstGeom prst="rect">
+            <a:avLst/>
+          </a:prstGeom>
+          <a:noFill/>
+        </p:spPr>
+        <p:txBody>
+          <a:bodyPr wrap="square" rtlCol="0">
+            <a:spAutoFit/>
+          </a:bodyPr>
+          <a:lstStyle/>
+          <a:p>
+            <a:r>
+              <a:rPr lang="en-US" dirty="0"/>
+              <a:t>d = </a:t>
+            </a:r>
+            <a:r>
+              <a:rPr lang="lt-LT" dirty="0"/>
+              <a:t>1</a:t>
+            </a:r>
+            <a:endParaRPr lang="en-US" dirty="0"/>
+          </a:p>
+        </p:txBody>
+      </p:sp>
+      <p:cxnSp>
+        <p:nvCxnSpPr>
+          <p:cNvPr id="19" name="Tiesioji jungtis 18">
+            <a:extLst>
+              <a:ext uri="{FF2B5EF4-FFF2-40B4-BE49-F238E27FC236}">
+                <a16:creationId xmlns:a16="http://schemas.microsoft.com/office/drawing/2014/main" id="{7F8DD622-08DB-4C70-9535-90387A005863}"/>
+              </a:ext>
+            </a:extLst>
+          </p:cNvPr>
+          <p:cNvCxnSpPr>
+            <a:cxnSpLocks/>
+          </p:cNvCxnSpPr>
+          <p:nvPr/>
+        </p:nvCxnSpPr>
+        <p:spPr>
+          <a:xfrm>
+            <a:off x="6362542" y="5541091"/>
+            <a:ext cx="2491032" cy="0"/>
+          </a:xfrm>
+          <a:prstGeom prst="line">
+            <a:avLst/>
+          </a:prstGeom>
+        </p:spPr>
+        <p:style>
+          <a:lnRef idx="1">
+            <a:schemeClr val="dk1"/>
+          </a:lnRef>
+          <a:fillRef idx="0">
+            <a:schemeClr val="dk1"/>
+          </a:fillRef>
+          <a:effectRef idx="0">
+            <a:schemeClr val="dk1"/>
+          </a:effectRef>
+          <a:fontRef idx="minor">
+            <a:schemeClr val="tx1"/>
+          </a:fontRef>
+        </p:style>
+      </p:cxnSp>
+      <p:cxnSp>
+        <p:nvCxnSpPr>
+          <p:cNvPr id="24" name="Tiesioji jungtis 23">
+            <a:extLst>
+              <a:ext uri="{FF2B5EF4-FFF2-40B4-BE49-F238E27FC236}">
+                <a16:creationId xmlns:a16="http://schemas.microsoft.com/office/drawing/2014/main" id="{BE8BE5FD-E235-4825-B5DF-B8771A5741B8}"/>
+              </a:ext>
+            </a:extLst>
+          </p:cNvPr>
+          <p:cNvCxnSpPr>
+            <a:cxnSpLocks/>
+          </p:cNvCxnSpPr>
+          <p:nvPr/>
+        </p:nvCxnSpPr>
+        <p:spPr>
+          <a:xfrm>
+            <a:off x="9402490" y="5911913"/>
+            <a:ext cx="2473105" cy="0"/>
+          </a:xfrm>
+          <a:prstGeom prst="line">
+            <a:avLst/>
+          </a:prstGeom>
+          <a:ln w="57150"/>
+        </p:spPr>
+        <p:style>
+          <a:lnRef idx="1">
+            <a:schemeClr val="dk1"/>
+          </a:lnRef>
+          <a:fillRef idx="0">
+            <a:schemeClr val="dk1"/>
+          </a:fillRef>
+          <a:effectRef idx="0">
+            <a:schemeClr val="dk1"/>
+          </a:effectRef>
+          <a:fontRef idx="minor">
+            <a:schemeClr val="tx1"/>
+          </a:fontRef>
+        </p:style>
+      </p:cxnSp>
+      <p:pic>
+        <p:nvPicPr>
+          <p:cNvPr id="25" name="Grafinis elementas 24" descr="Apple with solid fill">
+            <a:extLst>
+              <a:ext uri="{FF2B5EF4-FFF2-40B4-BE49-F238E27FC236}">
+                <a16:creationId xmlns:a16="http://schemas.microsoft.com/office/drawing/2014/main" id="{EE634354-D74D-42B6-A5D8-05EB57F0B48C}"/>
+              </a:ext>
+            </a:extLst>
+          </p:cNvPr>
+          <p:cNvPicPr>
+            <a:picLocks noChangeAspect="1"/>
+          </p:cNvPicPr>
+          <p:nvPr/>
+        </p:nvPicPr>
+        <p:blipFill>
+          <a:blip r:embed="rId5">
+            <a:extLst>
+              <a:ext uri="{28A0092B-C50C-407E-A947-70E740481C1C}">
+                <a14:useLocalDpi xmlns:a14="http://schemas.microsoft.com/office/drawing/2010/main" val="0"/>
+              </a:ext>
+              <a:ext uri="{96DAC541-7B7A-43D3-8B79-37D633B846F1}">
+                <asvg:svgBlip xmlns:asvg="http://schemas.microsoft.com/office/drawing/2016/SVG/main" r:embed="rId6"/>
+              </a:ext>
+            </a:extLst>
+          </a:blip>
+          <a:stretch>
+            <a:fillRect/>
+          </a:stretch>
+        </p:blipFill>
+        <p:spPr>
+          <a:xfrm>
+            <a:off x="9272168" y="5541091"/>
+            <a:ext cx="604994" cy="604994"/>
+          </a:xfrm>
+          <a:prstGeom prst="rect">
+            <a:avLst/>
+          </a:prstGeom>
+        </p:spPr>
+      </p:pic>
+      <p:sp>
+        <p:nvSpPr>
+          <p:cNvPr id="30" name="TextBox 29">
+            <a:extLst>
+              <a:ext uri="{FF2B5EF4-FFF2-40B4-BE49-F238E27FC236}">
+                <a16:creationId xmlns:a16="http://schemas.microsoft.com/office/drawing/2014/main" id="{2FD7E500-FED8-4FC2-9275-D84A1F6D9F61}"/>
+              </a:ext>
+            </a:extLst>
+          </p:cNvPr>
+          <p:cNvSpPr txBox="1"/>
+          <p:nvPr/>
+        </p:nvSpPr>
+        <p:spPr>
+          <a:xfrm>
+            <a:off x="11613466" y="6074131"/>
+            <a:ext cx="550663" cy="369332"/>
+          </a:xfrm>
+          <a:prstGeom prst="rect">
+            <a:avLst/>
+          </a:prstGeom>
+          <a:noFill/>
+        </p:spPr>
+        <p:txBody>
+          <a:bodyPr wrap="square" rtlCol="0">
+            <a:spAutoFit/>
+          </a:bodyPr>
+          <a:lstStyle/>
+          <a:p>
+            <a:r>
+              <a:rPr lang="lt-LT" dirty="0"/>
+              <a:t>101</a:t>
+            </a:r>
+            <a:endParaRPr lang="en-US" dirty="0"/>
+          </a:p>
+        </p:txBody>
+      </p:sp>
+      <p:sp>
+        <p:nvSpPr>
+          <p:cNvPr id="31" name="TextBox 30">
+            <a:extLst>
+              <a:ext uri="{FF2B5EF4-FFF2-40B4-BE49-F238E27FC236}">
+                <a16:creationId xmlns:a16="http://schemas.microsoft.com/office/drawing/2014/main" id="{E4C001DD-66AD-4800-92D8-6DC53B2FD561}"/>
+              </a:ext>
+            </a:extLst>
+          </p:cNvPr>
+          <p:cNvSpPr txBox="1"/>
+          <p:nvPr/>
+        </p:nvSpPr>
+        <p:spPr>
+          <a:xfrm>
+            <a:off x="10257151" y="5119618"/>
+            <a:ext cx="1195965" cy="369332"/>
+          </a:xfrm>
+          <a:prstGeom prst="rect">
+            <a:avLst/>
+          </a:prstGeom>
+          <a:noFill/>
+        </p:spPr>
+        <p:txBody>
+          <a:bodyPr wrap="square" rtlCol="0">
+            <a:spAutoFit/>
+          </a:bodyPr>
+          <a:lstStyle/>
+          <a:p>
+            <a:r>
+              <a:rPr lang="en-US" dirty="0"/>
+              <a:t>d = </a:t>
+            </a:r>
+            <a:r>
+              <a:rPr lang="lt-LT" dirty="0"/>
+              <a:t>1</a:t>
+            </a:r>
+            <a:r>
+              <a:rPr lang="en-US" dirty="0"/>
+              <a:t>/201</a:t>
+            </a:r>
+          </a:p>
+        </p:txBody>
+      </p:sp>
     </p:spTree>
     <p:extLst>
       <p:ext uri="{BB962C8B-B14F-4D97-AF65-F5344CB8AC3E}">
@@ -12716,6 +13234,503 @@
   <p:clrMapOvr>
     <a:masterClrMapping/>
   </p:clrMapOvr>
+  <p:timing>
+    <p:tnLst>
+      <p:par>
+        <p:cTn id="1" dur="indefinite" restart="never" nodeType="tmRoot">
+          <p:childTnLst>
+            <p:seq concurrent="1" nextAc="seek">
+              <p:cTn id="2" dur="indefinite" nodeType="mainSeq">
+                <p:childTnLst>
+                  <p:par>
+                    <p:cTn id="3" fill="hold">
+                      <p:stCondLst>
+                        <p:cond delay="indefinite"/>
+                      </p:stCondLst>
+                      <p:childTnLst>
+                        <p:par>
+                          <p:cTn id="4" fill="hold">
+                            <p:stCondLst>
+                              <p:cond delay="0"/>
+                            </p:stCondLst>
+                            <p:childTnLst>
+                              <p:par>
+                                <p:cTn id="5" presetID="1" presetClass="entr" presetSubtype="0" fill="hold" nodeType="clickEffect">
+                                  <p:stCondLst>
+                                    <p:cond delay="0"/>
+                                  </p:stCondLst>
+                                  <p:childTnLst>
+                                    <p:set>
+                                      <p:cBhvr>
+                                        <p:cTn id="6" dur="1" fill="hold">
+                                          <p:stCondLst>
+                                            <p:cond delay="0"/>
+                                          </p:stCondLst>
+                                        </p:cTn>
+                                        <p:tgtEl>
+                                          <p:spTgt spid="1026"/>
+                                        </p:tgtEl>
+                                        <p:attrNameLst>
+                                          <p:attrName>style.visibility</p:attrName>
+                                        </p:attrNameLst>
+                                      </p:cBhvr>
+                                      <p:to>
+                                        <p:strVal val="visible"/>
+                                      </p:to>
+                                    </p:set>
+                                  </p:childTnLst>
+                                </p:cTn>
+                              </p:par>
+                            </p:childTnLst>
+                          </p:cTn>
+                        </p:par>
+                      </p:childTnLst>
+                    </p:cTn>
+                  </p:par>
+                  <p:par>
+                    <p:cTn id="7" fill="hold">
+                      <p:stCondLst>
+                        <p:cond delay="indefinite"/>
+                      </p:stCondLst>
+                      <p:childTnLst>
+                        <p:par>
+                          <p:cTn id="8" fill="hold">
+                            <p:stCondLst>
+                              <p:cond delay="0"/>
+                            </p:stCondLst>
+                            <p:childTnLst>
+                              <p:par>
+                                <p:cTn id="9" presetID="1" presetClass="entr" presetSubtype="0" fill="hold" nodeType="clickEffect">
+                                  <p:stCondLst>
+                                    <p:cond delay="0"/>
+                                  </p:stCondLst>
+                                  <p:childTnLst>
+                                    <p:set>
+                                      <p:cBhvr>
+                                        <p:cTn id="10" dur="1" fill="hold">
+                                          <p:stCondLst>
+                                            <p:cond delay="0"/>
+                                          </p:stCondLst>
+                                        </p:cTn>
+                                        <p:tgtEl>
+                                          <p:spTgt spid="1028"/>
+                                        </p:tgtEl>
+                                        <p:attrNameLst>
+                                          <p:attrName>style.visibility</p:attrName>
+                                        </p:attrNameLst>
+                                      </p:cBhvr>
+                                      <p:to>
+                                        <p:strVal val="visible"/>
+                                      </p:to>
+                                    </p:set>
+                                  </p:childTnLst>
+                                </p:cTn>
+                              </p:par>
+                            </p:childTnLst>
+                          </p:cTn>
+                        </p:par>
+                      </p:childTnLst>
+                    </p:cTn>
+                  </p:par>
+                  <p:par>
+                    <p:cTn id="11" fill="hold">
+                      <p:stCondLst>
+                        <p:cond delay="indefinite"/>
+                      </p:stCondLst>
+                      <p:childTnLst>
+                        <p:par>
+                          <p:cTn id="12" fill="hold">
+                            <p:stCondLst>
+                              <p:cond delay="0"/>
+                            </p:stCondLst>
+                            <p:childTnLst>
+                              <p:par>
+                                <p:cTn id="13" presetID="1" presetClass="entr" presetSubtype="0" fill="hold" nodeType="clickEffect">
+                                  <p:stCondLst>
+                                    <p:cond delay="0"/>
+                                  </p:stCondLst>
+                                  <p:childTnLst>
+                                    <p:set>
+                                      <p:cBhvr>
+                                        <p:cTn id="14" dur="1" fill="hold">
+                                          <p:stCondLst>
+                                            <p:cond delay="0"/>
+                                          </p:stCondLst>
+                                        </p:cTn>
+                                        <p:tgtEl>
+                                          <p:spTgt spid="6"/>
+                                        </p:tgtEl>
+                                        <p:attrNameLst>
+                                          <p:attrName>style.visibility</p:attrName>
+                                        </p:attrNameLst>
+                                      </p:cBhvr>
+                                      <p:to>
+                                        <p:strVal val="visible"/>
+                                      </p:to>
+                                    </p:set>
+                                  </p:childTnLst>
+                                </p:cTn>
+                              </p:par>
+                              <p:par>
+                                <p:cTn id="15" presetID="1" presetClass="entr" presetSubtype="0" fill="hold" nodeType="withEffect">
+                                  <p:stCondLst>
+                                    <p:cond delay="0"/>
+                                  </p:stCondLst>
+                                  <p:childTnLst>
+                                    <p:set>
+                                      <p:cBhvr>
+                                        <p:cTn id="16" dur="1" fill="hold">
+                                          <p:stCondLst>
+                                            <p:cond delay="0"/>
+                                          </p:stCondLst>
+                                        </p:cTn>
+                                        <p:tgtEl>
+                                          <p:spTgt spid="8"/>
+                                        </p:tgtEl>
+                                        <p:attrNameLst>
+                                          <p:attrName>style.visibility</p:attrName>
+                                        </p:attrNameLst>
+                                      </p:cBhvr>
+                                      <p:to>
+                                        <p:strVal val="visible"/>
+                                      </p:to>
+                                    </p:set>
+                                  </p:childTnLst>
+                                </p:cTn>
+                              </p:par>
+                              <p:par>
+                                <p:cTn id="17" presetID="1" presetClass="entr" presetSubtype="0" fill="hold" nodeType="withEffect">
+                                  <p:stCondLst>
+                                    <p:cond delay="0"/>
+                                  </p:stCondLst>
+                                  <p:childTnLst>
+                                    <p:set>
+                                      <p:cBhvr>
+                                        <p:cTn id="18" dur="1" fill="hold">
+                                          <p:stCondLst>
+                                            <p:cond delay="0"/>
+                                          </p:stCondLst>
+                                        </p:cTn>
+                                        <p:tgtEl>
+                                          <p:spTgt spid="11"/>
+                                        </p:tgtEl>
+                                        <p:attrNameLst>
+                                          <p:attrName>style.visibility</p:attrName>
+                                        </p:attrNameLst>
+                                      </p:cBhvr>
+                                      <p:to>
+                                        <p:strVal val="visible"/>
+                                      </p:to>
+                                    </p:set>
+                                  </p:childTnLst>
+                                </p:cTn>
+                              </p:par>
+                              <p:par>
+                                <p:cTn id="19" presetID="1" presetClass="entr" presetSubtype="0" fill="hold" grpId="0" nodeType="withEffect">
+                                  <p:stCondLst>
+                                    <p:cond delay="0"/>
+                                  </p:stCondLst>
+                                  <p:childTnLst>
+                                    <p:set>
+                                      <p:cBhvr>
+                                        <p:cTn id="20" dur="1" fill="hold">
+                                          <p:stCondLst>
+                                            <p:cond delay="0"/>
+                                          </p:stCondLst>
+                                        </p:cTn>
+                                        <p:tgtEl>
+                                          <p:spTgt spid="9"/>
+                                        </p:tgtEl>
+                                        <p:attrNameLst>
+                                          <p:attrName>style.visibility</p:attrName>
+                                        </p:attrNameLst>
+                                      </p:cBhvr>
+                                      <p:to>
+                                        <p:strVal val="visible"/>
+                                      </p:to>
+                                    </p:set>
+                                  </p:childTnLst>
+                                </p:cTn>
+                              </p:par>
+                              <p:par>
+                                <p:cTn id="21" presetID="1" presetClass="entr" presetSubtype="0" fill="hold" grpId="0" nodeType="withEffect">
+                                  <p:stCondLst>
+                                    <p:cond delay="0"/>
+                                  </p:stCondLst>
+                                  <p:childTnLst>
+                                    <p:set>
+                                      <p:cBhvr>
+                                        <p:cTn id="22" dur="1" fill="hold">
+                                          <p:stCondLst>
+                                            <p:cond delay="0"/>
+                                          </p:stCondLst>
+                                        </p:cTn>
+                                        <p:tgtEl>
+                                          <p:spTgt spid="14"/>
+                                        </p:tgtEl>
+                                        <p:attrNameLst>
+                                          <p:attrName>style.visibility</p:attrName>
+                                        </p:attrNameLst>
+                                      </p:cBhvr>
+                                      <p:to>
+                                        <p:strVal val="visible"/>
+                                      </p:to>
+                                    </p:set>
+                                  </p:childTnLst>
+                                </p:cTn>
+                              </p:par>
+                              <p:par>
+                                <p:cTn id="23" presetID="1" presetClass="entr" presetSubtype="0" fill="hold" grpId="0" nodeType="withEffect">
+                                  <p:stCondLst>
+                                    <p:cond delay="0"/>
+                                  </p:stCondLst>
+                                  <p:childTnLst>
+                                    <p:set>
+                                      <p:cBhvr>
+                                        <p:cTn id="24" dur="1" fill="hold">
+                                          <p:stCondLst>
+                                            <p:cond delay="0"/>
+                                          </p:stCondLst>
+                                        </p:cTn>
+                                        <p:tgtEl>
+                                          <p:spTgt spid="15"/>
+                                        </p:tgtEl>
+                                        <p:attrNameLst>
+                                          <p:attrName>style.visibility</p:attrName>
+                                        </p:attrNameLst>
+                                      </p:cBhvr>
+                                      <p:to>
+                                        <p:strVal val="visible"/>
+                                      </p:to>
+                                    </p:set>
+                                  </p:childTnLst>
+                                </p:cTn>
+                              </p:par>
+                              <p:par>
+                                <p:cTn id="25" presetID="1" presetClass="entr" presetSubtype="0" fill="hold" nodeType="withEffect">
+                                  <p:stCondLst>
+                                    <p:cond delay="0"/>
+                                  </p:stCondLst>
+                                  <p:childTnLst>
+                                    <p:set>
+                                      <p:cBhvr>
+                                        <p:cTn id="26" dur="1" fill="hold">
+                                          <p:stCondLst>
+                                            <p:cond delay="0"/>
+                                          </p:stCondLst>
+                                        </p:cTn>
+                                        <p:tgtEl>
+                                          <p:spTgt spid="13"/>
+                                        </p:tgtEl>
+                                        <p:attrNameLst>
+                                          <p:attrName>style.visibility</p:attrName>
+                                        </p:attrNameLst>
+                                      </p:cBhvr>
+                                      <p:to>
+                                        <p:strVal val="visible"/>
+                                      </p:to>
+                                    </p:set>
+                                  </p:childTnLst>
+                                </p:cTn>
+                              </p:par>
+                              <p:par>
+                                <p:cTn id="27" presetID="1" presetClass="entr" presetSubtype="0" fill="hold" grpId="0" nodeType="withEffect">
+                                  <p:stCondLst>
+                                    <p:cond delay="0"/>
+                                  </p:stCondLst>
+                                  <p:childTnLst>
+                                    <p:set>
+                                      <p:cBhvr>
+                                        <p:cTn id="28" dur="1" fill="hold">
+                                          <p:stCondLst>
+                                            <p:cond delay="0"/>
+                                          </p:stCondLst>
+                                        </p:cTn>
+                                        <p:tgtEl>
+                                          <p:spTgt spid="18"/>
+                                        </p:tgtEl>
+                                        <p:attrNameLst>
+                                          <p:attrName>style.visibility</p:attrName>
+                                        </p:attrNameLst>
+                                      </p:cBhvr>
+                                      <p:to>
+                                        <p:strVal val="visible"/>
+                                      </p:to>
+                                    </p:set>
+                                  </p:childTnLst>
+                                </p:cTn>
+                              </p:par>
+                              <p:par>
+                                <p:cTn id="29" presetID="1" presetClass="entr" presetSubtype="0" fill="hold" nodeType="withEffect">
+                                  <p:stCondLst>
+                                    <p:cond delay="0"/>
+                                  </p:stCondLst>
+                                  <p:childTnLst>
+                                    <p:set>
+                                      <p:cBhvr>
+                                        <p:cTn id="30" dur="1" fill="hold">
+                                          <p:stCondLst>
+                                            <p:cond delay="0"/>
+                                          </p:stCondLst>
+                                        </p:cTn>
+                                        <p:tgtEl>
+                                          <p:spTgt spid="19"/>
+                                        </p:tgtEl>
+                                        <p:attrNameLst>
+                                          <p:attrName>style.visibility</p:attrName>
+                                        </p:attrNameLst>
+                                      </p:cBhvr>
+                                      <p:to>
+                                        <p:strVal val="visible"/>
+                                      </p:to>
+                                    </p:set>
+                                  </p:childTnLst>
+                                </p:cTn>
+                              </p:par>
+                              <p:par>
+                                <p:cTn id="31" presetID="1" presetClass="entr" presetSubtype="0" fill="hold" nodeType="withEffect">
+                                  <p:stCondLst>
+                                    <p:cond delay="0"/>
+                                  </p:stCondLst>
+                                  <p:childTnLst>
+                                    <p:set>
+                                      <p:cBhvr>
+                                        <p:cTn id="32" dur="1" fill="hold">
+                                          <p:stCondLst>
+                                            <p:cond delay="0"/>
+                                          </p:stCondLst>
+                                        </p:cTn>
+                                        <p:tgtEl>
+                                          <p:spTgt spid="24"/>
+                                        </p:tgtEl>
+                                        <p:attrNameLst>
+                                          <p:attrName>style.visibility</p:attrName>
+                                        </p:attrNameLst>
+                                      </p:cBhvr>
+                                      <p:to>
+                                        <p:strVal val="visible"/>
+                                      </p:to>
+                                    </p:set>
+                                  </p:childTnLst>
+                                </p:cTn>
+                              </p:par>
+                              <p:par>
+                                <p:cTn id="33" presetID="1" presetClass="entr" presetSubtype="0" fill="hold" nodeType="withEffect">
+                                  <p:stCondLst>
+                                    <p:cond delay="0"/>
+                                  </p:stCondLst>
+                                  <p:childTnLst>
+                                    <p:set>
+                                      <p:cBhvr>
+                                        <p:cTn id="34" dur="1" fill="hold">
+                                          <p:stCondLst>
+                                            <p:cond delay="0"/>
+                                          </p:stCondLst>
+                                        </p:cTn>
+                                        <p:tgtEl>
+                                          <p:spTgt spid="25"/>
+                                        </p:tgtEl>
+                                        <p:attrNameLst>
+                                          <p:attrName>style.visibility</p:attrName>
+                                        </p:attrNameLst>
+                                      </p:cBhvr>
+                                      <p:to>
+                                        <p:strVal val="visible"/>
+                                      </p:to>
+                                    </p:set>
+                                  </p:childTnLst>
+                                </p:cTn>
+                              </p:par>
+                              <p:par>
+                                <p:cTn id="35" presetID="1" presetClass="entr" presetSubtype="0" fill="hold" grpId="0" nodeType="withEffect">
+                                  <p:stCondLst>
+                                    <p:cond delay="0"/>
+                                  </p:stCondLst>
+                                  <p:childTnLst>
+                                    <p:set>
+                                      <p:cBhvr>
+                                        <p:cTn id="36" dur="1" fill="hold">
+                                          <p:stCondLst>
+                                            <p:cond delay="0"/>
+                                          </p:stCondLst>
+                                        </p:cTn>
+                                        <p:tgtEl>
+                                          <p:spTgt spid="30"/>
+                                        </p:tgtEl>
+                                        <p:attrNameLst>
+                                          <p:attrName>style.visibility</p:attrName>
+                                        </p:attrNameLst>
+                                      </p:cBhvr>
+                                      <p:to>
+                                        <p:strVal val="visible"/>
+                                      </p:to>
+                                    </p:set>
+                                  </p:childTnLst>
+                                </p:cTn>
+                              </p:par>
+                              <p:par>
+                                <p:cTn id="37" presetID="1" presetClass="entr" presetSubtype="0" fill="hold" grpId="0" nodeType="withEffect">
+                                  <p:stCondLst>
+                                    <p:cond delay="0"/>
+                                  </p:stCondLst>
+                                  <p:childTnLst>
+                                    <p:set>
+                                      <p:cBhvr>
+                                        <p:cTn id="38" dur="1" fill="hold">
+                                          <p:stCondLst>
+                                            <p:cond delay="0"/>
+                                          </p:stCondLst>
+                                        </p:cTn>
+                                        <p:tgtEl>
+                                          <p:spTgt spid="31"/>
+                                        </p:tgtEl>
+                                        <p:attrNameLst>
+                                          <p:attrName>style.visibility</p:attrName>
+                                        </p:attrNameLst>
+                                      </p:cBhvr>
+                                      <p:to>
+                                        <p:strVal val="visible"/>
+                                      </p:to>
+                                    </p:set>
+                                  </p:childTnLst>
+                                </p:cTn>
+                              </p:par>
+                            </p:childTnLst>
+                          </p:cTn>
+                        </p:par>
+                      </p:childTnLst>
+                    </p:cTn>
+                  </p:par>
+                </p:childTnLst>
+              </p:cTn>
+              <p:prevCondLst>
+                <p:cond evt="onPrev" delay="0">
+                  <p:tgtEl>
+                    <p:sldTgt/>
+                  </p:tgtEl>
+                </p:cond>
+              </p:prevCondLst>
+              <p:nextCondLst>
+                <p:cond evt="onNext" delay="0">
+                  <p:tgtEl>
+                    <p:sldTgt/>
+                  </p:tgtEl>
+                </p:cond>
+              </p:nextCondLst>
+            </p:seq>
+          </p:childTnLst>
+        </p:cTn>
+      </p:par>
+    </p:tnLst>
+    <p:bldLst>
+      <p:bldP spid="9" grpId="0"/>
+      <p:bldP spid="14" grpId="0"/>
+      <p:bldP spid="15" grpId="0"/>
+      <p:bldP spid="18" grpId="0"/>
+      <p:bldP spid="30" grpId="0"/>
+      <p:bldP spid="31" grpId="0"/>
+    </p:bldLst>
+  </p:timing>
 </p:sld>
 </file>
 
@@ -12765,8 +13780,8 @@
           </a:p>
         </p:txBody>
       </p:sp>
-      <mc:AlternateContent xmlns:mc="http://schemas.openxmlformats.org/markup-compatibility/2006">
-        <mc:Choice xmlns:a14="http://schemas.microsoft.com/office/drawing/2010/main" Requires="a14">
+      <mc:AlternateContent xmlns:mc="http://schemas.openxmlformats.org/markup-compatibility/2006" xmlns:a14="http://schemas.microsoft.com/office/drawing/2010/main">
+        <mc:Choice Requires="a14">
           <p:sp>
             <p:nvSpPr>
               <p:cNvPr id="3" name="Turinio vietos rezervavimo ženklas 2">
@@ -13126,7 +14141,7 @@
             </p:txBody>
           </p:sp>
         </mc:Choice>
-        <mc:Fallback>
+        <mc:Fallback xmlns="">
           <p:sp>
             <p:nvSpPr>
               <p:cNvPr id="3" name="Turinio vietos rezervavimo ženklas 2">
@@ -13438,7 +14453,7 @@
                     <a:ea typeface="Cambria Math" panose="02040503050406030204" pitchFamily="18" charset="0"/>
                     <a:cs typeface="Times New Roman" panose="02020603050405020304" pitchFamily="18" charset="0"/>
                   </a:rPr>
-                  <a:t> – kaip nors apibrėžtas nepanašumas tarp i-tojo ir j-tojo objektų.</a:t>
+                  <a:t> – kaip nors apibrėžtas nepanašumas tarp i-tojo ir j-tojo objektų duomenų dimensijoje.</a:t>
                 </a:r>
               </a:p>
               <a:p>

--- a/MDS/MDS_pristatymas.pptx
+++ b/MDS/MDS_pristatymas.pptx
@@ -501,6 +501,90 @@
 </file>
 
 <file path=ppt/notesSlides/notesSlide1.xml><?xml version="1.0" encoding="utf-8"?>
+<p:notes xmlns:a="http://schemas.openxmlformats.org/drawingml/2006/main" xmlns:r="http://schemas.openxmlformats.org/officeDocument/2006/relationships" xmlns:p="http://schemas.openxmlformats.org/presentationml/2006/main">
+  <p:cSld>
+    <p:spTree>
+      <p:nvGrpSpPr>
+        <p:cNvPr id="1" name=""/>
+        <p:cNvGrpSpPr/>
+        <p:nvPr/>
+      </p:nvGrpSpPr>
+      <p:grpSpPr>
+        <a:xfrm>
+          <a:off x="0" y="0"/>
+          <a:ext cx="0" cy="0"/>
+          <a:chOff x="0" y="0"/>
+          <a:chExt cx="0" cy="0"/>
+        </a:xfrm>
+      </p:grpSpPr>
+      <p:sp>
+        <p:nvSpPr>
+          <p:cNvPr id="2" name="Skaidrės vaizdo vietos rezervavimo ženklas 1"/>
+          <p:cNvSpPr>
+            <a:spLocks noGrp="1" noRot="1" noChangeAspect="1"/>
+          </p:cNvSpPr>
+          <p:nvPr>
+            <p:ph type="sldImg"/>
+          </p:nvPr>
+        </p:nvSpPr>
+        <p:spPr/>
+      </p:sp>
+      <p:sp>
+        <p:nvSpPr>
+          <p:cNvPr id="3" name="Pastabų vietos rezervavimo ženklas 2"/>
+          <p:cNvSpPr>
+            <a:spLocks noGrp="1"/>
+          </p:cNvSpPr>
+          <p:nvPr>
+            <p:ph type="body" idx="1"/>
+          </p:nvPr>
+        </p:nvSpPr>
+        <p:spPr/>
+        <p:txBody>
+          <a:bodyPr/>
+          <a:lstStyle/>
+          <a:p>
+            <a:endParaRPr lang="LID4096" dirty="0"/>
+          </a:p>
+        </p:txBody>
+      </p:sp>
+      <p:sp>
+        <p:nvSpPr>
+          <p:cNvPr id="4" name="Skaidrės numerio vietos rezervavimo ženklas 3"/>
+          <p:cNvSpPr>
+            <a:spLocks noGrp="1"/>
+          </p:cNvSpPr>
+          <p:nvPr>
+            <p:ph type="sldNum" sz="quarter" idx="5"/>
+          </p:nvPr>
+        </p:nvSpPr>
+        <p:spPr/>
+        <p:txBody>
+          <a:bodyPr/>
+          <a:lstStyle/>
+          <a:p>
+            <a:fld id="{00B978DA-A431-4C1B-89E1-3C8FD2BA2B05}" type="slidenum">
+              <a:rPr lang="LID4096" smtClean="0"/>
+              <a:t>11</a:t>
+            </a:fld>
+            <a:endParaRPr lang="LID4096"/>
+          </a:p>
+        </p:txBody>
+      </p:sp>
+    </p:spTree>
+    <p:extLst>
+      <p:ext uri="{BB962C8B-B14F-4D97-AF65-F5344CB8AC3E}">
+        <p14:creationId xmlns:p14="http://schemas.microsoft.com/office/powerpoint/2010/main" val="4162678604"/>
+      </p:ext>
+    </p:extLst>
+  </p:cSld>
+  <p:clrMapOvr>
+    <a:masterClrMapping/>
+  </p:clrMapOvr>
+</p:notes>
+</file>
+
+<file path=ppt/notesSlides/notesSlide2.xml><?xml version="1.0" encoding="utf-8"?>
 <p:notes xmlns:a="http://schemas.openxmlformats.org/drawingml/2006/main" xmlns:r="http://schemas.openxmlformats.org/officeDocument/2006/relationships" xmlns:p="http://schemas.openxmlformats.org/presentationml/2006/main">
   <p:cSld>
     <p:spTree>
@@ -4250,7 +4334,23 @@
                 </a:pPr>
                 <a:r>
                   <a:rPr lang="lt-LT" sz="2400" dirty="0"/>
-                  <a:t>Atvaizdavimo kokybė matuojama įtempimo funkcija, kuria naudojantis</a:t>
+                  <a:t>Atvaizdavimo kokybė matuojama </a:t>
+                </a:r>
+                <a:r>
+                  <a:rPr lang="lt-LT" sz="2400" dirty="0" err="1"/>
+                  <a:t>įte</a:t>
+                </a:r>
+                <a:r>
+                  <a:rPr lang="en-US" sz="2400" dirty="0"/>
+                  <a:t>r</a:t>
+                </a:r>
+                <a:r>
+                  <a:rPr lang="lt-LT" sz="2400" dirty="0" err="1"/>
+                  <a:t>pimo</a:t>
+                </a:r>
+                <a:r>
+                  <a:rPr lang="lt-LT" sz="2400" dirty="0"/>
+                  <a:t> funkcija, kuria naudojantis</a:t>
                 </a:r>
               </a:p>
               <a:p>
@@ -4281,6 +4381,43 @@
                 </a:pPr>
                 <a14:m>
                   <m:oMath xmlns:m="http://schemas.openxmlformats.org/officeDocument/2006/math">
+                    <m:r>
+                      <a:rPr lang="en-US" sz="2400" b="0" i="1" smtClean="0">
+                        <a:effectLst/>
+                        <a:latin typeface="Cambria Math" panose="02040503050406030204" pitchFamily="18" charset="0"/>
+                        <a:ea typeface="Times New Roman" panose="02020603050405020304" pitchFamily="18" charset="0"/>
+                      </a:rPr>
+                      <m:t>𝑆</m:t>
+                    </m:r>
+                    <m:d>
+                      <m:dPr>
+                        <m:ctrlPr>
+                          <a:rPr lang="en-US" sz="2400" b="0" i="1" smtClean="0">
+                            <a:effectLst/>
+                            <a:latin typeface="Cambria Math" panose="02040503050406030204" pitchFamily="18" charset="0"/>
+                            <a:ea typeface="Times New Roman" panose="02020603050405020304" pitchFamily="18" charset="0"/>
+                          </a:rPr>
+                        </m:ctrlPr>
+                      </m:dPr>
+                      <m:e>
+                        <m:r>
+                          <a:rPr lang="en-US" sz="2400" b="0" i="1" smtClean="0">
+                            <a:effectLst/>
+                            <a:latin typeface="Cambria Math" panose="02040503050406030204" pitchFamily="18" charset="0"/>
+                            <a:ea typeface="Times New Roman" panose="02020603050405020304" pitchFamily="18" charset="0"/>
+                          </a:rPr>
+                          <m:t>𝑌</m:t>
+                        </m:r>
+                      </m:e>
+                    </m:d>
+                    <m:r>
+                      <a:rPr lang="en-US" sz="2400" b="0" i="1" smtClean="0">
+                        <a:effectLst/>
+                        <a:latin typeface="Cambria Math" panose="02040503050406030204" pitchFamily="18" charset="0"/>
+                        <a:ea typeface="Times New Roman" panose="02020603050405020304" pitchFamily="18" charset="0"/>
+                      </a:rPr>
+                      <m:t>= </m:t>
+                    </m:r>
                     <m:nary>
                       <m:naryPr>
                         <m:chr m:val="∑"/>
@@ -4524,6 +4661,85 @@
                       </m:sub>
                     </m:sSub>
                     <m:r>
+                      <a:rPr lang="en-US" sz="2400" b="0" i="1" smtClean="0">
+                        <a:latin typeface="Cambria Math" panose="02040503050406030204" pitchFamily="18" charset="0"/>
+                      </a:rPr>
+                      <m:t>=</m:t>
+                    </m:r>
+                    <m:r>
+                      <a:rPr lang="en-US" sz="2400" b="0" i="1" smtClean="0">
+                        <a:latin typeface="Cambria Math" panose="02040503050406030204" pitchFamily="18" charset="0"/>
+                      </a:rPr>
+                      <m:t>𝑑</m:t>
+                    </m:r>
+                    <m:d>
+                      <m:dPr>
+                        <m:ctrlPr>
+                          <a:rPr lang="en-US" sz="2400" b="0" i="1" smtClean="0">
+                            <a:latin typeface="Cambria Math" panose="02040503050406030204" pitchFamily="18" charset="0"/>
+                          </a:rPr>
+                        </m:ctrlPr>
+                      </m:dPr>
+                      <m:e>
+                        <m:sSub>
+                          <m:sSubPr>
+                            <m:ctrlPr>
+                              <a:rPr lang="en-US" sz="2400" b="0" i="1" smtClean="0">
+                                <a:latin typeface="Cambria Math" panose="02040503050406030204" pitchFamily="18" charset="0"/>
+                              </a:rPr>
+                            </m:ctrlPr>
+                          </m:sSubPr>
+                          <m:e>
+                            <m:r>
+                              <a:rPr lang="en-US" sz="2400" b="0" i="1" smtClean="0">
+                                <a:latin typeface="Cambria Math" panose="02040503050406030204" pitchFamily="18" charset="0"/>
+                              </a:rPr>
+                              <m:t>𝑌</m:t>
+                            </m:r>
+                          </m:e>
+                          <m:sub>
+                            <m:r>
+                              <a:rPr lang="en-US" sz="2400" b="0" i="1" smtClean="0">
+                                <a:latin typeface="Cambria Math" panose="02040503050406030204" pitchFamily="18" charset="0"/>
+                              </a:rPr>
+                              <m:t>𝑖</m:t>
+                            </m:r>
+                          </m:sub>
+                        </m:sSub>
+                        <m:r>
+                          <a:rPr lang="en-US" sz="2400" b="0" i="1" smtClean="0">
+                            <a:latin typeface="Cambria Math" panose="02040503050406030204" pitchFamily="18" charset="0"/>
+                          </a:rPr>
+                          <m:t>,</m:t>
+                        </m:r>
+                        <m:sSub>
+                          <m:sSubPr>
+                            <m:ctrlPr>
+                              <a:rPr lang="en-US" sz="2400" b="0" i="1" smtClean="0">
+                                <a:latin typeface="Cambria Math" panose="02040503050406030204" pitchFamily="18" charset="0"/>
+                              </a:rPr>
+                            </m:ctrlPr>
+                          </m:sSubPr>
+                          <m:e>
+                            <m:r>
+                              <a:rPr lang="en-US" sz="2400" b="0" i="1" smtClean="0">
+                                <a:latin typeface="Cambria Math" panose="02040503050406030204" pitchFamily="18" charset="0"/>
+                              </a:rPr>
+                              <m:t>𝑌</m:t>
+                            </m:r>
+                          </m:e>
+                          <m:sub>
+                            <m:r>
+                              <a:rPr lang="en-US" sz="2400" b="0" i="1" smtClean="0">
+                                <a:latin typeface="Cambria Math" panose="02040503050406030204" pitchFamily="18" charset="0"/>
+                              </a:rPr>
+                              <m:t>𝑗</m:t>
+                            </m:r>
+                          </m:sub>
+                        </m:sSub>
+                      </m:e>
+                    </m:d>
+                    <m:r>
                       <a:rPr lang="lt-LT" sz="2400" b="0" i="1" smtClean="0">
                         <a:latin typeface="Cambria Math" panose="02040503050406030204" pitchFamily="18" charset="0"/>
                       </a:rPr>
@@ -4541,7 +4757,25 @@
                 </a:r>
                 <a:r>
                   <a:rPr lang="lt-LT" sz="2400" dirty="0"/>
-                  <a:t> atstumas tarp objektų vaizdo erdvėje.</a:t>
+                  <a:t> atstumas tarp objektų</a:t>
+                </a:r>
+                <a:r>
+                  <a:rPr lang="en-US" sz="2400" dirty="0"/>
+                  <a:t> </a:t>
+                </a:r>
+                <a14:m>
+                  <m:oMath xmlns:m="http://schemas.openxmlformats.org/officeDocument/2006/math">
+                    <m:r>
+                      <a:rPr lang="en-US" sz="2400" b="0" i="1" smtClean="0">
+                        <a:latin typeface="Cambria Math" panose="02040503050406030204" pitchFamily="18" charset="0"/>
+                      </a:rPr>
+                      <m:t>𝑌</m:t>
+                    </m:r>
+                  </m:oMath>
+                </a14:m>
+                <a:r>
+                  <a:rPr lang="lt-LT" sz="2400" dirty="0"/>
+                  <a:t> vaizdo erdvėje.</a:t>
                 </a:r>
               </a:p>
               <a:p>
@@ -4663,9 +4897,9 @@
             </p:nvSpPr>
             <p:spPr>
               <a:blipFill>
-                <a:blip r:embed="rId2"/>
+                <a:blip r:embed="rId3"/>
                 <a:stretch>
-                  <a:fillRect l="-928" t="-1961" b="-1120"/>
+                  <a:fillRect l="-928" t="-1961" b="-9244"/>
                 </a:stretch>
               </a:blipFill>
             </p:spPr>
@@ -4739,8 +4973,8 @@
           </a:p>
         </p:txBody>
       </p:sp>
-      <mc:AlternateContent xmlns:mc="http://schemas.openxmlformats.org/markup-compatibility/2006">
-        <mc:Choice xmlns:a14="http://schemas.microsoft.com/office/drawing/2010/main" Requires="a14">
+      <mc:AlternateContent xmlns:mc="http://schemas.openxmlformats.org/markup-compatibility/2006" xmlns:a14="http://schemas.microsoft.com/office/drawing/2010/main">
+        <mc:Choice Requires="a14">
           <p:sp>
             <p:nvSpPr>
               <p:cNvPr id="3" name="Turinio vietos rezervavimo ženklas 2">
@@ -5251,7 +5485,7 @@
             </p:txBody>
           </p:sp>
         </mc:Choice>
-        <mc:Fallback>
+        <mc:Fallback xmlns="">
           <p:sp>
             <p:nvSpPr>
               <p:cNvPr id="3" name="Turinio vietos rezervavimo ženklas 2">
@@ -5350,8 +5584,8 @@
           </a:p>
         </p:txBody>
       </p:sp>
-      <mc:AlternateContent xmlns:mc="http://schemas.openxmlformats.org/markup-compatibility/2006">
-        <mc:Choice xmlns:a14="http://schemas.microsoft.com/office/drawing/2010/main" Requires="a14">
+      <mc:AlternateContent xmlns:mc="http://schemas.openxmlformats.org/markup-compatibility/2006" xmlns:a14="http://schemas.microsoft.com/office/drawing/2010/main">
+        <mc:Choice Requires="a14">
           <p:sp>
             <p:nvSpPr>
               <p:cNvPr id="3" name="Turinio vietos rezervavimo ženklas 2">
@@ -5763,7 +5997,7 @@
             </p:txBody>
           </p:sp>
         </mc:Choice>
-        <mc:Fallback>
+        <mc:Fallback xmlns="">
           <p:sp>
             <p:nvSpPr>
               <p:cNvPr id="3" name="Turinio vietos rezervavimo ženklas 2">
@@ -6059,8 +6293,8 @@
           </a:p>
         </p:txBody>
       </p:sp>
-      <mc:AlternateContent xmlns:mc="http://schemas.openxmlformats.org/markup-compatibility/2006">
-        <mc:Choice xmlns:a14="http://schemas.microsoft.com/office/drawing/2010/main" Requires="a14">
+      <mc:AlternateContent xmlns:mc="http://schemas.openxmlformats.org/markup-compatibility/2006" xmlns:a14="http://schemas.microsoft.com/office/drawing/2010/main">
+        <mc:Choice Requires="a14">
           <p:sp>
             <p:nvSpPr>
               <p:cNvPr id="3" name="Turinio vietos rezervavimo ženklas 2">
@@ -6463,7 +6697,7 @@
             </p:txBody>
           </p:sp>
         </mc:Choice>
-        <mc:Fallback>
+        <mc:Fallback xmlns="">
           <p:sp>
             <p:nvSpPr>
               <p:cNvPr id="3" name="Turinio vietos rezervavimo ženklas 2">
@@ -6566,8 +6800,8 @@
           </a:p>
         </p:txBody>
       </p:sp>
-      <mc:AlternateContent xmlns:mc="http://schemas.openxmlformats.org/markup-compatibility/2006">
-        <mc:Choice xmlns:a14="http://schemas.microsoft.com/office/drawing/2010/main" Requires="a14">
+      <mc:AlternateContent xmlns:mc="http://schemas.openxmlformats.org/markup-compatibility/2006" xmlns:a14="http://schemas.microsoft.com/office/drawing/2010/main">
+        <mc:Choice Requires="a14">
           <p:sp>
             <p:nvSpPr>
               <p:cNvPr id="3" name="Turinio vietos rezervavimo ženklas 2">
@@ -6789,7 +7023,7 @@
             </p:txBody>
           </p:sp>
         </mc:Choice>
-        <mc:Fallback>
+        <mc:Fallback xmlns="">
           <p:sp>
             <p:nvSpPr>
               <p:cNvPr id="3" name="Turinio vietos rezervavimo ženklas 2">
@@ -7743,7 +7977,15 @@
           <a:p>
             <a:r>
               <a:rPr lang="lt-LT" dirty="0"/>
-              <a:t>Vaizdo dimensijos dydžio parinkimas</a:t>
+              <a:t>Vaizdo </a:t>
+            </a:r>
+            <a:r>
+              <a:rPr lang="en-US" dirty="0" err="1"/>
+              <a:t>erdv</a:t>
+            </a:r>
+            <a:r>
+              <a:rPr lang="lt-LT" dirty="0"/>
+              <a:t>ės dimensijos parinkimas</a:t>
             </a:r>
             <a:endParaRPr lang="LID4096" dirty="0"/>
           </a:p>
@@ -8527,8 +8769,8 @@
           </a:p>
         </p:txBody>
       </p:sp>
-      <mc:AlternateContent xmlns:mc="http://schemas.openxmlformats.org/markup-compatibility/2006">
-        <mc:Choice xmlns:a14="http://schemas.microsoft.com/office/drawing/2010/main" Requires="a14">
+      <mc:AlternateContent xmlns:mc="http://schemas.openxmlformats.org/markup-compatibility/2006" xmlns:a14="http://schemas.microsoft.com/office/drawing/2010/main">
+        <mc:Choice Requires="a14">
           <p:sp>
             <p:nvSpPr>
               <p:cNvPr id="3" name="Turinio vietos rezervavimo ženklas 2">
@@ -8807,7 +9049,7 @@
             </p:txBody>
           </p:sp>
         </mc:Choice>
-        <mc:Fallback>
+        <mc:Fallback xmlns="">
           <p:sp>
             <p:nvSpPr>
               <p:cNvPr id="3" name="Turinio vietos rezervavimo ženklas 2">
@@ -9227,8 +9469,8 @@
           </a:xfrm>
         </p:spPr>
       </p:pic>
-      <mc:AlternateContent xmlns:mc="http://schemas.openxmlformats.org/markup-compatibility/2006">
-        <mc:Choice xmlns:a14="http://schemas.microsoft.com/office/drawing/2010/main" Requires="a14">
+      <mc:AlternateContent xmlns:mc="http://schemas.openxmlformats.org/markup-compatibility/2006" xmlns:a14="http://schemas.microsoft.com/office/drawing/2010/main">
+        <mc:Choice Requires="a14">
           <p:sp>
             <p:nvSpPr>
               <p:cNvPr id="10" name="TextBox 9">
@@ -9424,7 +9666,7 @@
             </p:txBody>
           </p:sp>
         </mc:Choice>
-        <mc:Fallback>
+        <mc:Fallback xmlns="">
           <p:sp>
             <p:nvSpPr>
               <p:cNvPr id="10" name="TextBox 9">
@@ -14290,7 +14532,36 @@
                     <a:ea typeface="Cambria Math" panose="02040503050406030204" pitchFamily="18" charset="0"/>
                     <a:cs typeface="Times New Roman" panose="02020603050405020304" pitchFamily="18" charset="0"/>
                   </a:rPr>
-                  <a:t>objektų. </a:t>
+                  <a:t>objektų</a:t>
+                </a:r>
+                <a:r>
+                  <a:rPr lang="en-US" sz="2400" dirty="0">
+                    <a:effectLst/>
+                    <a:ea typeface="Cambria Math" panose="02040503050406030204" pitchFamily="18" charset="0"/>
+                    <a:cs typeface="Times New Roman" panose="02020603050405020304" pitchFamily="18" charset="0"/>
+                  </a:rPr>
+                  <a:t> </a:t>
+                </a:r>
+                <a14:m>
+                  <m:oMath xmlns:m="http://schemas.openxmlformats.org/officeDocument/2006/math">
+                    <m:r>
+                      <a:rPr lang="lt-LT" sz="2400" b="0" i="1" smtClean="0">
+                        <a:effectLst/>
+                        <a:latin typeface="Cambria Math" panose="02040503050406030204" pitchFamily="18" charset="0"/>
+                        <a:ea typeface="Cambria Math" panose="02040503050406030204" pitchFamily="18" charset="0"/>
+                        <a:cs typeface="Times New Roman" panose="02020603050405020304" pitchFamily="18" charset="0"/>
+                      </a:rPr>
+                      <m:t>𝑋</m:t>
+                    </m:r>
+                  </m:oMath>
+                </a14:m>
+                <a:r>
+                  <a:rPr lang="lt-LT" sz="2400" dirty="0">
+                    <a:effectLst/>
+                    <a:ea typeface="Cambria Math" panose="02040503050406030204" pitchFamily="18" charset="0"/>
+                    <a:cs typeface="Times New Roman" panose="02020603050405020304" pitchFamily="18" charset="0"/>
+                  </a:rPr>
+                  <a:t>. </a:t>
                 </a:r>
               </a:p>
               <a:p>

--- a/MDS/MDS_pristatymas.pptx
+++ b/MDS/MDS_pristatymas.pptx
@@ -7323,7 +7323,23 @@
             </a:r>
             <a:r>
               <a:rPr lang="lt-LT" sz="2400" dirty="0"/>
-              <a:t> MDS) metodo, kuris sprendimą gauna analitiškai, tačiau yra mažiau lankstus už skaitinius MDS, gauti rezultatai.</a:t>
+              <a:t> MDS) metodo, kuris sprendimą gauna </a:t>
+            </a:r>
+            <a:r>
+              <a:rPr lang="lt-LT" sz="2400" dirty="0" err="1"/>
+              <a:t>anali</a:t>
+            </a:r>
+            <a:r>
+              <a:rPr lang="en-US" sz="2400" dirty="0"/>
+              <a:t>z</a:t>
+            </a:r>
+            <a:r>
+              <a:rPr lang="lt-LT" sz="2400" dirty="0" err="1"/>
+              <a:t>iškai</a:t>
+            </a:r>
+            <a:r>
+              <a:rPr lang="lt-LT" sz="2400" dirty="0"/>
+              <a:t>, tačiau yra mažiau lankstus už skaitinius MDS, gauti rezultatai.</a:t>
             </a:r>
           </a:p>
         </p:txBody>

--- a/MDS/MDS_pristatymas.pptx
+++ b/MDS/MDS_pristatymas.pptx
@@ -232,7 +232,7 @@
           <a:p>
             <a:fld id="{3F0F2426-9901-4963-82B6-69C828CA2295}" type="datetimeFigureOut">
               <a:rPr lang="LID4096" smtClean="0"/>
-              <a:t>03/16/2022</a:t>
+              <a:t>03/17/2022</a:t>
             </a:fld>
             <a:endParaRPr lang="LID4096"/>
           </a:p>
@@ -817,7 +817,7 @@
           <a:p>
             <a:fld id="{CE88F3DC-CA68-4E54-A1ED-E87862D347A6}" type="datetimeFigureOut">
               <a:rPr lang="LID4096" smtClean="0"/>
-              <a:t>03/16/2022</a:t>
+              <a:t>03/17/2022</a:t>
             </a:fld>
             <a:endParaRPr lang="LID4096"/>
           </a:p>
@@ -1017,7 +1017,7 @@
           <a:p>
             <a:fld id="{CE88F3DC-CA68-4E54-A1ED-E87862D347A6}" type="datetimeFigureOut">
               <a:rPr lang="LID4096" smtClean="0"/>
-              <a:t>03/16/2022</a:t>
+              <a:t>03/17/2022</a:t>
             </a:fld>
             <a:endParaRPr lang="LID4096"/>
           </a:p>
@@ -1227,7 +1227,7 @@
           <a:p>
             <a:fld id="{CE88F3DC-CA68-4E54-A1ED-E87862D347A6}" type="datetimeFigureOut">
               <a:rPr lang="LID4096" smtClean="0"/>
-              <a:t>03/16/2022</a:t>
+              <a:t>03/17/2022</a:t>
             </a:fld>
             <a:endParaRPr lang="LID4096"/>
           </a:p>
@@ -1427,7 +1427,7 @@
           <a:p>
             <a:fld id="{CE88F3DC-CA68-4E54-A1ED-E87862D347A6}" type="datetimeFigureOut">
               <a:rPr lang="LID4096" smtClean="0"/>
-              <a:t>03/16/2022</a:t>
+              <a:t>03/17/2022</a:t>
             </a:fld>
             <a:endParaRPr lang="LID4096"/>
           </a:p>
@@ -1703,7 +1703,7 @@
           <a:p>
             <a:fld id="{CE88F3DC-CA68-4E54-A1ED-E87862D347A6}" type="datetimeFigureOut">
               <a:rPr lang="LID4096" smtClean="0"/>
-              <a:t>03/16/2022</a:t>
+              <a:t>03/17/2022</a:t>
             </a:fld>
             <a:endParaRPr lang="LID4096"/>
           </a:p>
@@ -1971,7 +1971,7 @@
           <a:p>
             <a:fld id="{CE88F3DC-CA68-4E54-A1ED-E87862D347A6}" type="datetimeFigureOut">
               <a:rPr lang="LID4096" smtClean="0"/>
-              <a:t>03/16/2022</a:t>
+              <a:t>03/17/2022</a:t>
             </a:fld>
             <a:endParaRPr lang="LID4096"/>
           </a:p>
@@ -2386,7 +2386,7 @@
           <a:p>
             <a:fld id="{CE88F3DC-CA68-4E54-A1ED-E87862D347A6}" type="datetimeFigureOut">
               <a:rPr lang="LID4096" smtClean="0"/>
-              <a:t>03/16/2022</a:t>
+              <a:t>03/17/2022</a:t>
             </a:fld>
             <a:endParaRPr lang="LID4096"/>
           </a:p>
@@ -2528,7 +2528,7 @@
           <a:p>
             <a:fld id="{CE88F3DC-CA68-4E54-A1ED-E87862D347A6}" type="datetimeFigureOut">
               <a:rPr lang="LID4096" smtClean="0"/>
-              <a:t>03/16/2022</a:t>
+              <a:t>03/17/2022</a:t>
             </a:fld>
             <a:endParaRPr lang="LID4096"/>
           </a:p>
@@ -2641,7 +2641,7 @@
           <a:p>
             <a:fld id="{CE88F3DC-CA68-4E54-A1ED-E87862D347A6}" type="datetimeFigureOut">
               <a:rPr lang="LID4096" smtClean="0"/>
-              <a:t>03/16/2022</a:t>
+              <a:t>03/17/2022</a:t>
             </a:fld>
             <a:endParaRPr lang="LID4096"/>
           </a:p>
@@ -2954,7 +2954,7 @@
           <a:p>
             <a:fld id="{CE88F3DC-CA68-4E54-A1ED-E87862D347A6}" type="datetimeFigureOut">
               <a:rPr lang="LID4096" smtClean="0"/>
-              <a:t>03/16/2022</a:t>
+              <a:t>03/17/2022</a:t>
             </a:fld>
             <a:endParaRPr lang="LID4096"/>
           </a:p>
@@ -3243,7 +3243,7 @@
           <a:p>
             <a:fld id="{CE88F3DC-CA68-4E54-A1ED-E87862D347A6}" type="datetimeFigureOut">
               <a:rPr lang="LID4096" smtClean="0"/>
-              <a:t>03/16/2022</a:t>
+              <a:t>03/17/2022</a:t>
             </a:fld>
             <a:endParaRPr lang="LID4096"/>
           </a:p>
@@ -3486,7 +3486,7 @@
           <a:p>
             <a:fld id="{CE88F3DC-CA68-4E54-A1ED-E87862D347A6}" type="datetimeFigureOut">
               <a:rPr lang="LID4096" smtClean="0"/>
-              <a:t>03/16/2022</a:t>
+              <a:t>03/17/2022</a:t>
             </a:fld>
             <a:endParaRPr lang="LID4096"/>
           </a:p>
@@ -4298,7 +4298,7 @@
           <a:p>
             <a:r>
               <a:rPr lang="lt-LT" dirty="0"/>
-              <a:t>Įterpimo funkcijos</a:t>
+              <a:t>Įtempimo funkcijos</a:t>
             </a:r>
             <a:endParaRPr lang="LID4096" dirty="0"/>
           </a:p>
@@ -4334,23 +4334,7 @@
                 </a:pPr>
                 <a:r>
                   <a:rPr lang="lt-LT" sz="2400" dirty="0"/>
-                  <a:t>Atvaizdavimo kokybė matuojama </a:t>
-                </a:r>
-                <a:r>
-                  <a:rPr lang="lt-LT" sz="2400" dirty="0" err="1"/>
-                  <a:t>įte</a:t>
-                </a:r>
-                <a:r>
-                  <a:rPr lang="en-US" sz="2400" dirty="0"/>
-                  <a:t>r</a:t>
-                </a:r>
-                <a:r>
-                  <a:rPr lang="lt-LT" sz="2400" dirty="0" err="1"/>
-                  <a:t>pimo</a:t>
-                </a:r>
-                <a:r>
-                  <a:rPr lang="lt-LT" sz="2400" dirty="0"/>
-                  <a:t> funkcija, kuria naudojantis</a:t>
+                  <a:t>Atvaizdavimo kokybė matuojama įtempimo funkcija, kuria naudojantis</a:t>
                 </a:r>
               </a:p>
               <a:p>
@@ -4612,7 +4596,7 @@
                 </a14:m>
                 <a:r>
                   <a:rPr lang="lt-LT" sz="2400" dirty="0"/>
-                  <a:t>  mažiausių kvadratų įterpimo funkcija (</a:t>
+                  <a:t>  mažiausių kvadratų įtempimo funkcija (</a:t>
                 </a:r>
                 <a:r>
                   <a:rPr lang="lt-LT" sz="2400" dirty="0" err="1"/>
@@ -4973,8 +4957,8 @@
           </a:p>
         </p:txBody>
       </p:sp>
-      <mc:AlternateContent xmlns:mc="http://schemas.openxmlformats.org/markup-compatibility/2006" xmlns:a14="http://schemas.microsoft.com/office/drawing/2010/main">
-        <mc:Choice Requires="a14">
+      <mc:AlternateContent xmlns:mc="http://schemas.openxmlformats.org/markup-compatibility/2006">
+        <mc:Choice xmlns:a14="http://schemas.microsoft.com/office/drawing/2010/main" Requires="a14">
           <p:sp>
             <p:nvSpPr>
               <p:cNvPr id="3" name="Turinio vietos rezervavimo ženklas 2">
@@ -5420,7 +5404,7 @@
                 </a:pPr>
                 <a:r>
                   <a:rPr lang="lt-LT" sz="2400" dirty="0"/>
-                  <a:t>Nuo įterpimo funkcijos priklauso gaunamas rezultatas vaizdo erdvėje.</a:t>
+                  <a:t>Nuo įtempimo funkcijos priklauso gaunamas rezultatas vaizdo erdvėje.</a:t>
                 </a:r>
               </a:p>
               <a:p>
@@ -5485,7 +5469,7 @@
             </p:txBody>
           </p:sp>
         </mc:Choice>
-        <mc:Fallback xmlns="">
+        <mc:Fallback>
           <p:sp>
             <p:nvSpPr>
               <p:cNvPr id="3" name="Turinio vietos rezervavimo ženklas 2">
@@ -5584,8 +5568,8 @@
           </a:p>
         </p:txBody>
       </p:sp>
-      <mc:AlternateContent xmlns:mc="http://schemas.openxmlformats.org/markup-compatibility/2006" xmlns:a14="http://schemas.microsoft.com/office/drawing/2010/main">
-        <mc:Choice Requires="a14">
+      <mc:AlternateContent xmlns:mc="http://schemas.openxmlformats.org/markup-compatibility/2006">
+        <mc:Choice xmlns:a14="http://schemas.microsoft.com/office/drawing/2010/main" Requires="a14">
           <p:sp>
             <p:nvSpPr>
               <p:cNvPr id="3" name="Turinio vietos rezervavimo ženklas 2">
@@ -5748,7 +5732,7 @@
                 </a:pPr>
                 <a:r>
                   <a:rPr lang="lt-LT" sz="2400" dirty="0"/>
-                  <a:t>Tada mažiausių kvadratų įterpimo funkcijos (</a:t>
+                  <a:t>Tada mažiausių kvadratų įtempimo funkcijos (</a:t>
                 </a:r>
                 <a:r>
                   <a:rPr lang="lt-LT" sz="2400" dirty="0" err="1"/>
@@ -5997,7 +5981,7 @@
             </p:txBody>
           </p:sp>
         </mc:Choice>
-        <mc:Fallback xmlns="">
+        <mc:Fallback>
           <p:sp>
             <p:nvSpPr>
               <p:cNvPr id="3" name="Turinio vietos rezervavimo ženklas 2">
@@ -7172,7 +7156,7 @@
             </a:r>
             <a:r>
               <a:rPr lang="lt-LT" sz="2400" dirty="0"/>
-              <a:t> algoritmas, kuris minimizuoja tam tikrą įterpimo</a:t>
+              <a:t> algoritmas, kuris minimizuoja tam tikrą įtempimo</a:t>
             </a:r>
             <a:r>
               <a:rPr lang="en-US" sz="2400" dirty="0"/>
@@ -7288,7 +7272,7 @@
           <a:p>
             <a:r>
               <a:rPr lang="lt-LT" sz="2400" dirty="0"/>
-              <a:t>MDS gautas rezultatas priklauso ne tik nuo įterpimo funkcijos, bet ir nuo pradinės taškų konfigūracijos vaizdo erdvėje.</a:t>
+              <a:t>MDS gautas rezultatas priklauso ne tik nuo įtempimo funkcijos, bet ir nuo pradinės taškų konfigūracijos vaizdo erdvėje.</a:t>
             </a:r>
           </a:p>
           <a:p>
@@ -7425,7 +7409,7 @@
             </a:pPr>
             <a:r>
               <a:rPr lang="lt-LT" sz="2400" dirty="0"/>
-              <a:t>Prieš tai minėti faktai apie įterpimo funkcijos minimizavimą ir pradinės konfigūracijos pasirinkimą reiškia kad: </a:t>
+              <a:t>Prieš tai minėti faktai apie įtempimo funkcijos minimizavimą ir pradinės konfigūracijos pasirinkimą reiškia kad: </a:t>
             </a:r>
           </a:p>
           <a:p>
@@ -7439,7 +7423,7 @@
             <a:pPr lvl="1"/>
             <a:r>
               <a:rPr lang="lt-LT" dirty="0"/>
-              <a:t>Algoritmas gali užstrigti lokaliame įterpimo funkcijos minimume. Siekiant to išvengti algoritmas paleidžiamas kelis kartus su kitokiomis pradinėmis reikšmėmis ir pasirenkamas geriausias spendimas.</a:t>
+              <a:t>Algoritmas gali užstrigti lokaliame įtempimo funkcijos minimume. Siekiant to išvengti algoritmas paleidžiamas kelis kartus su kitokiomis pradinėmis reikšmėmis ir pasirenkamas geriausias spendimas.</a:t>
             </a:r>
           </a:p>
           <a:p>
@@ -7716,7 +7700,7 @@
                 </a:solidFill>
                 <a:effectLst/>
               </a:rPr>
-              <a:t>   Apskaičiuojamas įterpimo funkcijos </a:t>
+              <a:t>   Apskaičiuojamas įtempimo funkcijos </a:t>
             </a:r>
             <a:r>
               <a:rPr lang="lt-LT" dirty="0">
@@ -7753,7 +7737,7 @@
                   <a:srgbClr val="212529"/>
                 </a:solidFill>
               </a:rPr>
-              <a:t>   Įterpimo funkcijos minimizavimas tam tikru algoritmu.</a:t>
+              <a:t>   Įtempimo funkcijos minimizavimas tam tikru algoritmu.</a:t>
             </a:r>
             <a:endParaRPr lang="en-US" b="0" i="0" dirty="0">
               <a:solidFill>
@@ -7822,7 +7806,7 @@
                   </a:schemeClr>
                 </a:solidFill>
               </a:rPr>
-              <a:t>š apskaičiuojant įterpimo funkcijos reikšmes iš naujo turi būti apskaičiuojamos </a:t>
+              <a:t>š apskaičiuojant įtempimo funkcijos reikšmes iš naujo turi būti apskaičiuojamos </a:t>
             </a:r>
             <a:r>
               <a:rPr lang="lt-LT" sz="1800" dirty="0" err="1">
@@ -7942,13 +7926,13 @@
           <a:p>
             <a:r>
               <a:rPr lang="lt-LT" sz="2400" dirty="0"/>
-              <a:t>Natūralu, kad įterpimo funkcijos reikšmė didėja kuo labiau mažinama dimensija.</a:t>
+              <a:t>Natūralu, kad įtempimo funkcijos reikšmė didėja kuo labiau mažinama dimensija.</a:t>
             </a:r>
           </a:p>
           <a:p>
             <a:r>
               <a:rPr lang="lt-LT" sz="2400" dirty="0"/>
-              <a:t>Galimas dimensijos dydžio vaizdo erdvėje parinkimo būdas yra ieškant mažiausios dimensijos, kuri vis dar turi pakankamai mažas įterpimo funkcijos reikšmes.</a:t>
+              <a:t>Galimas dimensijos dydžio vaizdo erdvėje parinkimo būdas yra ieškant mažiausios dimensijos, kuri vis dar turi pakankamai mažas įtempimo funkcijos reikšmes.</a:t>
             </a:r>
           </a:p>
           <a:p>
@@ -8625,7 +8609,7 @@
           <a:p>
             <a:r>
               <a:rPr lang="lt-LT" sz="2400" dirty="0"/>
-              <a:t>Su įterpimo funkcijos optimizavimu susijusios problemos:</a:t>
+              <a:t>Su įtempimo funkcijos optimizavimu susijusios problemos:</a:t>
             </a:r>
           </a:p>
           <a:p>
@@ -10071,7 +10055,7 @@
         </p:spPr>
         <p:txBody>
           <a:bodyPr>
-            <a:normAutofit/>
+            <a:normAutofit lnSpcReduction="10000"/>
           </a:bodyPr>
           <a:lstStyle/>
           <a:p>
@@ -10088,7 +10072,7 @@
                   <a:srgbClr val="000000"/>
                 </a:solidFill>
               </a:rPr>
-              <a:t>MDS gauti atstumai tarp objektų vaizdo erdvėje visada yra kažkiek iškreipta jų tarpusavio santykio reprezentacija (jeigu įterpimo funkcijos reikšmė nelygi 0).</a:t>
+              <a:t>MDS gauti atstumai tarp objektų vaizdo erdvėje visada yra kažkiek iškreipta jų tarpusavio santykio reprezentacija (jeigu įtempimo funkcijos reikšmė nelygi 0).</a:t>
             </a:r>
           </a:p>
           <a:p>
@@ -10098,7 +10082,7 @@
                   <a:srgbClr val="000000"/>
                 </a:solidFill>
               </a:rPr>
-              <a:t>Didesnės įterpimo funkcijos reikšmės reiškia, kad ši reprezentacija yra labiau iškreipta.</a:t>
+              <a:t>Didesnės įtempimo funkcijos reikšmės reiškia, kad ši reprezentacija yra labiau iškreipta.</a:t>
             </a:r>
           </a:p>
           <a:p>
@@ -10125,7 +10109,7 @@
                   <a:srgbClr val="000000"/>
                 </a:solidFill>
               </a:rPr>
-              <a:t> Jeigu atstumai tarp kažkurių objektų didelės dimensijos erdvėje dideli, o gautoje – maži (arba atvirkščiai), tai stipriai padidintų įterpimo funkcijos reikšmę, vadinasi optimizacijos algoritmas „labiau“ stengiasi teisingai atvaizduoti šiuos atstumus.</a:t>
+              <a:t> Jeigu atstumai tarp kažkurių objektų didelės dimensijos erdvėje dideli, o gautoje – maži (arba atvirkščiai), tai stipriai padidintų įtempimo funkcijos reikšmę, vadinasi optimizacijos algoritmas „labiau“ stengiasi teisingai atvaizduoti šiuos atstumus.</a:t>
             </a:r>
           </a:p>
           <a:p>
@@ -14469,8 +14453,8 @@
           <a:chExt cx="0" cy="0"/>
         </a:xfrm>
       </p:grpSpPr>
-      <mc:AlternateContent xmlns:mc="http://schemas.openxmlformats.org/markup-compatibility/2006">
-        <mc:Choice xmlns:a14="http://schemas.microsoft.com/office/drawing/2010/main" Requires="a14">
+      <mc:AlternateContent xmlns:mc="http://schemas.openxmlformats.org/markup-compatibility/2006" xmlns:a14="http://schemas.microsoft.com/office/drawing/2010/main">
+        <mc:Choice Requires="a14">
           <p:sp>
             <p:nvSpPr>
               <p:cNvPr id="3" name="Turinio vietos rezervavimo ženklas 2">
@@ -15403,7 +15387,7 @@
             </p:txBody>
           </p:sp>
         </mc:Choice>
-        <mc:Fallback>
+        <mc:Fallback xmlns="">
           <p:sp>
             <p:nvSpPr>
               <p:cNvPr id="3" name="Turinio vietos rezervavimo ženklas 2">
